--- a/msc-e28-2018-pres.pptx
+++ b/msc-e28-2018-pres.pptx
@@ -5,41 +5,47 @@
     <p:sldMasterId id="2147483660" r:id="rId1"/>
   </p:sldMasterIdLst>
   <p:notesMasterIdLst>
-    <p:notesMasterId r:id="rId34"/>
+    <p:notesMasterId r:id="rId40"/>
   </p:notesMasterIdLst>
   <p:sldIdLst>
     <p:sldId id="256" r:id="rId2"/>
     <p:sldId id="257" r:id="rId3"/>
     <p:sldId id="258" r:id="rId4"/>
     <p:sldId id="259" r:id="rId5"/>
-    <p:sldId id="260" r:id="rId6"/>
-    <p:sldId id="261" r:id="rId7"/>
-    <p:sldId id="262" r:id="rId8"/>
-    <p:sldId id="292" r:id="rId9"/>
-    <p:sldId id="264" r:id="rId10"/>
-    <p:sldId id="265" r:id="rId11"/>
-    <p:sldId id="266" r:id="rId12"/>
-    <p:sldId id="267" r:id="rId13"/>
-    <p:sldId id="268" r:id="rId14"/>
-    <p:sldId id="277" r:id="rId15"/>
-    <p:sldId id="278" r:id="rId16"/>
-    <p:sldId id="279" r:id="rId17"/>
-    <p:sldId id="280" r:id="rId18"/>
-    <p:sldId id="269" r:id="rId19"/>
-    <p:sldId id="283" r:id="rId20"/>
-    <p:sldId id="284" r:id="rId21"/>
-    <p:sldId id="281" r:id="rId22"/>
-    <p:sldId id="285" r:id="rId23"/>
-    <p:sldId id="271" r:id="rId24"/>
-    <p:sldId id="272" r:id="rId25"/>
-    <p:sldId id="273" r:id="rId26"/>
-    <p:sldId id="274" r:id="rId27"/>
-    <p:sldId id="275" r:id="rId28"/>
-    <p:sldId id="276" r:id="rId29"/>
-    <p:sldId id="287" r:id="rId30"/>
-    <p:sldId id="288" r:id="rId31"/>
-    <p:sldId id="289" r:id="rId32"/>
-    <p:sldId id="291" r:id="rId33"/>
+    <p:sldId id="293" r:id="rId6"/>
+    <p:sldId id="260" r:id="rId7"/>
+    <p:sldId id="261" r:id="rId8"/>
+    <p:sldId id="262" r:id="rId9"/>
+    <p:sldId id="292" r:id="rId10"/>
+    <p:sldId id="294" r:id="rId11"/>
+    <p:sldId id="264" r:id="rId12"/>
+    <p:sldId id="265" r:id="rId13"/>
+    <p:sldId id="266" r:id="rId14"/>
+    <p:sldId id="295" r:id="rId15"/>
+    <p:sldId id="267" r:id="rId16"/>
+    <p:sldId id="296" r:id="rId17"/>
+    <p:sldId id="268" r:id="rId18"/>
+    <p:sldId id="277" r:id="rId19"/>
+    <p:sldId id="278" r:id="rId20"/>
+    <p:sldId id="279" r:id="rId21"/>
+    <p:sldId id="280" r:id="rId22"/>
+    <p:sldId id="297" r:id="rId23"/>
+    <p:sldId id="269" r:id="rId24"/>
+    <p:sldId id="283" r:id="rId25"/>
+    <p:sldId id="284" r:id="rId26"/>
+    <p:sldId id="281" r:id="rId27"/>
+    <p:sldId id="285" r:id="rId28"/>
+    <p:sldId id="271" r:id="rId29"/>
+    <p:sldId id="272" r:id="rId30"/>
+    <p:sldId id="273" r:id="rId31"/>
+    <p:sldId id="274" r:id="rId32"/>
+    <p:sldId id="275" r:id="rId33"/>
+    <p:sldId id="276" r:id="rId34"/>
+    <p:sldId id="287" r:id="rId35"/>
+    <p:sldId id="288" r:id="rId36"/>
+    <p:sldId id="289" r:id="rId37"/>
+    <p:sldId id="298" r:id="rId38"/>
+    <p:sldId id="291" r:id="rId39"/>
   </p:sldIdLst>
   <p:sldSz cx="12192000" cy="6858000"/>
   <p:notesSz cx="6858000" cy="9144000"/>
@@ -201,7 +207,6 @@
           </a:p>
         </c:rich>
       </c:tx>
-      <c:layout/>
       <c:overlay val="0"/>
       <c:spPr>
         <a:noFill/>
@@ -1073,7 +1078,6 @@
           </a:p>
         </c:rich>
       </c:tx>
-      <c:layout/>
       <c:overlay val="0"/>
       <c:spPr>
         <a:noFill/>
@@ -1949,7 +1953,6 @@
           </a:p>
         </c:rich>
       </c:tx>
-      <c:layout/>
       <c:overlay val="0"/>
       <c:spPr>
         <a:noFill/>
@@ -2825,7 +2828,6 @@
           </a:p>
         </c:rich>
       </c:tx>
-      <c:layout/>
       <c:overlay val="0"/>
       <c:spPr>
         <a:noFill/>
@@ -3703,7 +3705,6 @@
           </a:p>
         </c:rich>
       </c:tx>
-      <c:layout/>
       <c:overlay val="0"/>
       <c:spPr>
         <a:noFill/>
@@ -4579,7 +4580,6 @@
           </a:p>
         </c:rich>
       </c:tx>
-      <c:layout/>
       <c:overlay val="0"/>
       <c:spPr>
         <a:noFill/>
@@ -5455,7 +5455,6 @@
           </a:p>
         </c:rich>
       </c:tx>
-      <c:layout/>
       <c:overlay val="0"/>
       <c:spPr>
         <a:noFill/>
@@ -13161,7 +13160,7 @@
           <a:p>
             <a:fld id="{A2D218C2-7343-4502-8DBC-BF026141FD57}" type="datetimeFigureOut">
               <a:rPr lang="en-GB" smtClean="0"/>
-              <a:t>31/05/2020</a:t>
+              <a:t>07/06/2020</a:t>
             </a:fld>
             <a:endParaRPr lang="en-GB"/>
           </a:p>
@@ -13474,90 +13473,656 @@
           <a:lstStyle/>
           <a:p>
             <a:r>
-              <a:rPr lang="sr-Cyrl-RS" sz="1200" kern="1200" dirty="0" smtClean="0">
-                <a:solidFill>
-                  <a:schemeClr val="tx1"/>
-                </a:solidFill>
-                <a:effectLst/>
-                <a:latin typeface="+mn-lt"/>
-                <a:ea typeface="+mn-ea"/>
-                <a:cs typeface="+mn-cs"/>
-              </a:rPr>
-              <a:t>Како приликом конфигурисања радног оквира </a:t>
-            </a:r>
-            <a:r>
-              <a:rPr lang="en-US" sz="1200" i="1" kern="1200" dirty="0" smtClean="0">
-                <a:solidFill>
-                  <a:schemeClr val="tx1"/>
-                </a:solidFill>
-                <a:effectLst/>
-                <a:latin typeface="+mn-lt"/>
-                <a:ea typeface="+mn-ea"/>
-                <a:cs typeface="+mn-cs"/>
-              </a:rPr>
-              <a:t>Links &amp; Chains</a:t>
-            </a:r>
-            <a:r>
-              <a:rPr lang="en-US" sz="1200" kern="1200" dirty="0" smtClean="0">
-                <a:solidFill>
-                  <a:schemeClr val="tx1"/>
-                </a:solidFill>
-                <a:effectLst/>
-                <a:latin typeface="+mn-lt"/>
-                <a:ea typeface="+mn-ea"/>
-                <a:cs typeface="+mn-cs"/>
-              </a:rPr>
+              <a:rPr lang="en-US" dirty="0" smtClean="0"/>
+              <a:t>U </a:t>
+            </a:r>
+            <a:r>
+              <a:rPr lang="en-US" dirty="0" err="1" smtClean="0"/>
+              <a:t>sledecih</a:t>
+            </a:r>
+            <a:r>
+              <a:rPr lang="en-US" baseline="0" dirty="0" smtClean="0"/>
               <a:t> </a:t>
             </a:r>
             <a:r>
-              <a:rPr lang="sr-Cyrl-RS" sz="1200" kern="1200" dirty="0" smtClean="0">
-                <a:solidFill>
-                  <a:schemeClr val="tx1"/>
-                </a:solidFill>
-                <a:effectLst/>
-                <a:latin typeface="+mn-lt"/>
-                <a:ea typeface="+mn-ea"/>
-                <a:cs typeface="+mn-cs"/>
-              </a:rPr>
-              <a:t>није била омогућена употреба хардверске компоненте за компримовање кроз </a:t>
-            </a:r>
-            <a:r>
-              <a:rPr lang="sr-Latn-RS" sz="1200" i="1" kern="1200" dirty="0" smtClean="0">
-                <a:solidFill>
-                  <a:schemeClr val="tx1"/>
-                </a:solidFill>
-                <a:effectLst/>
-                <a:latin typeface="+mn-lt"/>
-                <a:ea typeface="+mn-ea"/>
-                <a:cs typeface="+mn-cs"/>
-              </a:rPr>
-              <a:t>Linux</a:t>
-            </a:r>
-            <a:r>
-              <a:rPr lang="sr-Latn-RS" sz="1200" kern="1200" dirty="0" smtClean="0">
-                <a:solidFill>
-                  <a:schemeClr val="tx1"/>
-                </a:solidFill>
-                <a:effectLst/>
-                <a:latin typeface="+mn-lt"/>
-                <a:ea typeface="+mn-ea"/>
-                <a:cs typeface="+mn-cs"/>
-              </a:rPr>
+              <a:rPr lang="en-US" baseline="0" dirty="0" err="1" smtClean="0"/>
+              <a:t>nekoliko</a:t>
+            </a:r>
+            <a:r>
+              <a:rPr lang="en-US" baseline="0" dirty="0" smtClean="0"/>
               <a:t> </a:t>
             </a:r>
             <a:r>
-              <a:rPr lang="sr-Cyrl-RS" sz="1200" kern="1200" dirty="0" smtClean="0">
-                <a:solidFill>
-                  <a:schemeClr val="tx1"/>
-                </a:solidFill>
-                <a:effectLst/>
-                <a:latin typeface="+mn-lt"/>
-                <a:ea typeface="+mn-ea"/>
-                <a:cs typeface="+mn-cs"/>
-              </a:rPr>
-              <a:t>оперативни систем, ни један од фрејмова дистрибуираних фрејмова није био компримован</a:t>
-            </a:r>
-            <a:endParaRPr lang="en-US" dirty="0"/>
+              <a:rPr lang="en-US" baseline="0" dirty="0" err="1" smtClean="0"/>
+              <a:t>poglavlja</a:t>
+            </a:r>
+            <a:r>
+              <a:rPr lang="en-US" baseline="0" dirty="0" smtClean="0"/>
+              <a:t> </a:t>
+            </a:r>
+            <a:r>
+              <a:rPr lang="en-US" baseline="0" dirty="0" err="1" smtClean="0"/>
+              <a:t>izlozicu</a:t>
+            </a:r>
+            <a:r>
+              <a:rPr lang="en-US" baseline="0" dirty="0" smtClean="0"/>
+              <a:t>:</a:t>
+            </a:r>
+          </a:p>
+          <a:p>
+            <a:endParaRPr lang="en-US" baseline="0" dirty="0" smtClean="0"/>
+          </a:p>
+          <a:p>
+            <a:pPr marL="228600" indent="-228600">
+              <a:buAutoNum type="arabicPeriod"/>
+            </a:pPr>
+            <a:r>
+              <a:rPr lang="en-US" baseline="0" dirty="0" err="1" smtClean="0"/>
+              <a:t>Problematiku</a:t>
+            </a:r>
+            <a:r>
+              <a:rPr lang="en-US" baseline="0" dirty="0" smtClean="0"/>
+              <a:t> </a:t>
+            </a:r>
+            <a:r>
+              <a:rPr lang="en-US" baseline="0" dirty="0" err="1" smtClean="0"/>
+              <a:t>kojom</a:t>
+            </a:r>
+            <a:r>
+              <a:rPr lang="en-US" baseline="0" dirty="0" smtClean="0"/>
+              <a:t> se </a:t>
+            </a:r>
+            <a:r>
+              <a:rPr lang="en-US" baseline="0" dirty="0" err="1" smtClean="0"/>
+              <a:t>ovaj</a:t>
+            </a:r>
+            <a:r>
+              <a:rPr lang="en-US" baseline="0" dirty="0" smtClean="0"/>
+              <a:t> rad </a:t>
+            </a:r>
+            <a:r>
+              <a:rPr lang="en-US" baseline="0" dirty="0" err="1" smtClean="0"/>
+              <a:t>bavi</a:t>
+            </a:r>
+            <a:r>
+              <a:rPr lang="en-US" baseline="0" dirty="0" smtClean="0"/>
+              <a:t>, </a:t>
+            </a:r>
+            <a:r>
+              <a:rPr lang="en-US" baseline="0" dirty="0" err="1" smtClean="0"/>
+              <a:t>kao</a:t>
+            </a:r>
+            <a:r>
+              <a:rPr lang="en-US" baseline="0" dirty="0" smtClean="0"/>
+              <a:t> </a:t>
+            </a:r>
+            <a:r>
+              <a:rPr lang="en-US" baseline="0" dirty="0" err="1" smtClean="0"/>
+              <a:t>i</a:t>
+            </a:r>
+            <a:r>
+              <a:rPr lang="en-US" baseline="0" dirty="0" smtClean="0"/>
+              <a:t> </a:t>
+            </a:r>
+            <a:r>
+              <a:rPr lang="en-US" baseline="0" dirty="0" err="1" smtClean="0"/>
+              <a:t>osnovu</a:t>
+            </a:r>
+            <a:r>
+              <a:rPr lang="en-US" baseline="0" dirty="0" smtClean="0"/>
+              <a:t> </a:t>
+            </a:r>
+            <a:r>
+              <a:rPr lang="en-US" baseline="0" dirty="0" err="1" smtClean="0"/>
+              <a:t>za</a:t>
+            </a:r>
+            <a:r>
+              <a:rPr lang="en-US" baseline="0" dirty="0" smtClean="0"/>
+              <a:t> </a:t>
+            </a:r>
+            <a:r>
+              <a:rPr lang="en-US" baseline="0" dirty="0" err="1" smtClean="0"/>
+              <a:t>predlozeno</a:t>
+            </a:r>
+            <a:r>
+              <a:rPr lang="en-US" baseline="0" dirty="0" smtClean="0"/>
+              <a:t> </a:t>
+            </a:r>
+            <a:r>
+              <a:rPr lang="en-US" baseline="0" dirty="0" err="1" smtClean="0"/>
+              <a:t>resenje</a:t>
+            </a:r>
+            <a:r>
+              <a:rPr lang="en-US" baseline="0" dirty="0" smtClean="0"/>
+              <a:t>, </a:t>
+            </a:r>
+            <a:r>
+              <a:rPr lang="en-US" baseline="0" dirty="0" err="1" smtClean="0"/>
+              <a:t>zasnovano</a:t>
+            </a:r>
+            <a:r>
+              <a:rPr lang="en-US" baseline="0" dirty="0" smtClean="0"/>
+              <a:t> </a:t>
+            </a:r>
+            <a:r>
+              <a:rPr lang="en-US" baseline="0" dirty="0" err="1" smtClean="0"/>
+              <a:t>na</a:t>
+            </a:r>
+            <a:r>
+              <a:rPr lang="en-US" baseline="0" dirty="0" smtClean="0"/>
+              <a:t> AUTOSAR adaptive </a:t>
+            </a:r>
+            <a:r>
+              <a:rPr lang="en-US" baseline="0" dirty="0" err="1" smtClean="0"/>
+              <a:t>platformi</a:t>
+            </a:r>
+            <a:r>
+              <a:rPr lang="en-US" baseline="0" dirty="0" smtClean="0"/>
+              <a:t>, </a:t>
+            </a:r>
+            <a:r>
+              <a:rPr lang="en-US" baseline="0" dirty="0" err="1" smtClean="0"/>
+              <a:t>koje</a:t>
+            </a:r>
+            <a:r>
+              <a:rPr lang="en-US" baseline="0" dirty="0" smtClean="0"/>
+              <a:t> je </a:t>
+            </a:r>
+            <a:r>
+              <a:rPr lang="en-US" baseline="0" dirty="0" err="1" smtClean="0"/>
+              <a:t>oformio</a:t>
+            </a:r>
+            <a:r>
+              <a:rPr lang="en-US" baseline="0" dirty="0" smtClean="0"/>
+              <a:t> AUTOSAR </a:t>
+            </a:r>
+            <a:r>
+              <a:rPr lang="en-US" baseline="0" dirty="0" err="1" smtClean="0"/>
+              <a:t>konzorcijum</a:t>
+            </a:r>
+            <a:endParaRPr lang="en-US" baseline="0" dirty="0" smtClean="0"/>
+          </a:p>
+          <a:p>
+            <a:pPr marL="228600" indent="-228600">
+              <a:buAutoNum type="arabicPeriod"/>
+            </a:pPr>
+            <a:r>
+              <a:rPr lang="en-US" baseline="0" dirty="0" err="1" smtClean="0"/>
+              <a:t>Zatim</a:t>
+            </a:r>
+            <a:r>
+              <a:rPr lang="en-US" baseline="0" dirty="0" smtClean="0"/>
+              <a:t>, </a:t>
+            </a:r>
+            <a:r>
+              <a:rPr lang="en-US" baseline="0" dirty="0" err="1" smtClean="0"/>
+              <a:t>kratak</a:t>
+            </a:r>
+            <a:r>
+              <a:rPr lang="en-US" baseline="0" dirty="0" smtClean="0"/>
+              <a:t> </a:t>
+            </a:r>
+            <a:r>
+              <a:rPr lang="en-US" baseline="0" dirty="0" err="1" smtClean="0"/>
+              <a:t>pregled</a:t>
+            </a:r>
+            <a:r>
+              <a:rPr lang="en-US" baseline="0" dirty="0" smtClean="0"/>
+              <a:t> </a:t>
+            </a:r>
+            <a:r>
+              <a:rPr lang="en-US" baseline="0" dirty="0" err="1" smtClean="0"/>
+              <a:t>samog</a:t>
+            </a:r>
+            <a:r>
+              <a:rPr lang="en-US" baseline="0" dirty="0" smtClean="0"/>
+              <a:t> AUTOSAR </a:t>
+            </a:r>
+            <a:r>
+              <a:rPr lang="en-US" baseline="0" dirty="0" err="1" smtClean="0"/>
+              <a:t>konzorcijuma</a:t>
+            </a:r>
+            <a:r>
+              <a:rPr lang="en-US" baseline="0" dirty="0" smtClean="0"/>
+              <a:t> </a:t>
+            </a:r>
+            <a:r>
+              <a:rPr lang="en-US" baseline="0" dirty="0" err="1" smtClean="0"/>
+              <a:t>uz</a:t>
+            </a:r>
+            <a:r>
+              <a:rPr lang="en-US" baseline="0" dirty="0" smtClean="0"/>
+              <a:t> 2 </a:t>
+            </a:r>
+            <a:r>
+              <a:rPr lang="en-US" baseline="0" dirty="0" err="1" smtClean="0"/>
+              <a:t>standarda</a:t>
+            </a:r>
+            <a:r>
+              <a:rPr lang="en-US" baseline="0" dirty="0" smtClean="0"/>
+              <a:t>, </a:t>
+            </a:r>
+            <a:r>
+              <a:rPr lang="en-US" baseline="0" dirty="0" err="1" smtClean="0"/>
+              <a:t>koje</a:t>
+            </a:r>
+            <a:r>
+              <a:rPr lang="en-US" baseline="0" dirty="0" smtClean="0"/>
+              <a:t> </a:t>
+            </a:r>
+            <a:r>
+              <a:rPr lang="en-US" baseline="0" dirty="0" err="1" smtClean="0"/>
+              <a:t>ovaj</a:t>
+            </a:r>
+            <a:r>
+              <a:rPr lang="en-US" baseline="0" dirty="0" smtClean="0"/>
+              <a:t> </a:t>
+            </a:r>
+            <a:r>
+              <a:rPr lang="en-US" baseline="0" dirty="0" err="1" smtClean="0"/>
+              <a:t>konzorcijum</a:t>
+            </a:r>
+            <a:r>
+              <a:rPr lang="en-US" baseline="0" dirty="0" smtClean="0"/>
+              <a:t> </a:t>
+            </a:r>
+            <a:r>
+              <a:rPr lang="en-US" baseline="0" dirty="0" err="1" smtClean="0"/>
+              <a:t>razvija</a:t>
+            </a:r>
+            <a:r>
+              <a:rPr lang="en-US" baseline="0" dirty="0" smtClean="0"/>
+              <a:t>,</a:t>
+            </a:r>
+          </a:p>
+          <a:p>
+            <a:pPr marL="228600" indent="-228600">
+              <a:buAutoNum type="arabicPeriod"/>
+            </a:pPr>
+            <a:r>
+              <a:rPr lang="en-US" baseline="0" dirty="0" err="1" smtClean="0"/>
+              <a:t>Kratak</a:t>
+            </a:r>
+            <a:r>
+              <a:rPr lang="en-US" baseline="0" dirty="0" smtClean="0"/>
+              <a:t> </a:t>
+            </a:r>
+            <a:r>
+              <a:rPr lang="en-US" baseline="0" dirty="0" err="1" smtClean="0"/>
+              <a:t>pregled</a:t>
+            </a:r>
+            <a:r>
+              <a:rPr lang="en-US" baseline="0" dirty="0" smtClean="0"/>
+              <a:t> </a:t>
+            </a:r>
+            <a:r>
+              <a:rPr lang="en-US" baseline="0" dirty="0" err="1" smtClean="0"/>
+              <a:t>magistrala</a:t>
+            </a:r>
+            <a:r>
+              <a:rPr lang="en-US" baseline="0" dirty="0" smtClean="0"/>
+              <a:t>, </a:t>
+            </a:r>
+            <a:r>
+              <a:rPr lang="en-US" baseline="0" dirty="0" err="1" smtClean="0"/>
+              <a:t>kao</a:t>
+            </a:r>
+            <a:r>
+              <a:rPr lang="en-US" baseline="0" dirty="0" smtClean="0"/>
+              <a:t> </a:t>
+            </a:r>
+            <a:r>
+              <a:rPr lang="en-US" baseline="0" dirty="0" err="1" smtClean="0"/>
+              <a:t>osnove</a:t>
+            </a:r>
+            <a:r>
+              <a:rPr lang="en-US" baseline="0" dirty="0" smtClean="0"/>
+              <a:t> </a:t>
+            </a:r>
+            <a:r>
+              <a:rPr lang="en-US" baseline="0" dirty="0" err="1" smtClean="0"/>
+              <a:t>za</a:t>
+            </a:r>
+            <a:r>
+              <a:rPr lang="en-US" baseline="0" dirty="0" smtClean="0"/>
+              <a:t> </a:t>
+            </a:r>
+            <a:r>
+              <a:rPr lang="en-US" baseline="0" dirty="0" err="1" smtClean="0"/>
+              <a:t>distribuciju</a:t>
+            </a:r>
+            <a:r>
+              <a:rPr lang="en-US" baseline="0" dirty="0" smtClean="0"/>
+              <a:t> </a:t>
+            </a:r>
+            <a:r>
+              <a:rPr lang="en-US" baseline="0" dirty="0" err="1" smtClean="0"/>
+              <a:t>sadrzaja</a:t>
+            </a:r>
+            <a:r>
+              <a:rPr lang="en-US" baseline="0" dirty="0" smtClean="0"/>
+              <a:t> u </a:t>
+            </a:r>
+            <a:r>
+              <a:rPr lang="en-US" baseline="0" dirty="0" err="1" smtClean="0"/>
+              <a:t>globalu</a:t>
+            </a:r>
+            <a:r>
+              <a:rPr lang="en-US" baseline="0" dirty="0" smtClean="0"/>
+              <a:t>, </a:t>
+            </a:r>
+            <a:r>
+              <a:rPr lang="en-US" baseline="0" dirty="0" err="1" smtClean="0"/>
+              <a:t>uz</a:t>
+            </a:r>
+            <a:r>
+              <a:rPr lang="en-US" baseline="0" dirty="0" smtClean="0"/>
+              <a:t> </a:t>
+            </a:r>
+            <a:r>
+              <a:rPr lang="en-US" baseline="0" dirty="0" err="1" smtClean="0"/>
+              <a:t>kratak</a:t>
+            </a:r>
+            <a:r>
+              <a:rPr lang="en-US" baseline="0" dirty="0" smtClean="0"/>
+              <a:t> </a:t>
+            </a:r>
+            <a:r>
+              <a:rPr lang="en-US" baseline="0" dirty="0" err="1" smtClean="0"/>
+              <a:t>pregled</a:t>
+            </a:r>
+            <a:r>
+              <a:rPr lang="en-US" baseline="0" dirty="0" smtClean="0"/>
+              <a:t> </a:t>
+            </a:r>
+            <a:r>
+              <a:rPr lang="en-US" baseline="0" dirty="0" err="1" smtClean="0"/>
+              <a:t>hardverskih</a:t>
+            </a:r>
+            <a:r>
+              <a:rPr lang="en-US" baseline="0" dirty="0" smtClean="0"/>
+              <a:t> I </a:t>
+            </a:r>
+            <a:r>
+              <a:rPr lang="en-US" baseline="0" dirty="0" err="1" smtClean="0"/>
+              <a:t>softverskih</a:t>
+            </a:r>
+            <a:r>
+              <a:rPr lang="en-US" baseline="0" dirty="0" smtClean="0"/>
+              <a:t> </a:t>
+            </a:r>
+            <a:r>
+              <a:rPr lang="en-US" baseline="0" dirty="0" err="1" smtClean="0"/>
+              <a:t>magistrala</a:t>
+            </a:r>
+            <a:endParaRPr lang="en-US" baseline="0" dirty="0" smtClean="0"/>
+          </a:p>
+          <a:p>
+            <a:pPr marL="228600" indent="-228600">
+              <a:buAutoNum type="arabicPeriod"/>
+            </a:pPr>
+            <a:r>
+              <a:rPr lang="en-US" baseline="0" dirty="0" smtClean="0"/>
+              <a:t>Same </a:t>
+            </a:r>
+            <a:r>
+              <a:rPr lang="en-US" baseline="0" dirty="0" err="1" smtClean="0"/>
+              <a:t>platforme</a:t>
+            </a:r>
+            <a:r>
+              <a:rPr lang="en-US" baseline="0" dirty="0" smtClean="0"/>
+              <a:t> </a:t>
+            </a:r>
+            <a:r>
+              <a:rPr lang="en-US" baseline="0" dirty="0" err="1" smtClean="0"/>
+              <a:t>na</a:t>
+            </a:r>
+            <a:r>
+              <a:rPr lang="en-US" baseline="0" dirty="0" smtClean="0"/>
+              <a:t> </a:t>
+            </a:r>
+            <a:r>
+              <a:rPr lang="en-US" baseline="0" dirty="0" err="1" smtClean="0"/>
+              <a:t>kojoj</a:t>
+            </a:r>
+            <a:r>
+              <a:rPr lang="en-US" baseline="0" dirty="0" smtClean="0"/>
+              <a:t> je </a:t>
+            </a:r>
+            <a:r>
+              <a:rPr lang="en-US" baseline="0" dirty="0" err="1" smtClean="0"/>
+              <a:t>zasnovano</a:t>
+            </a:r>
+            <a:r>
+              <a:rPr lang="en-US" baseline="0" dirty="0" smtClean="0"/>
+              <a:t> </a:t>
+            </a:r>
+            <a:r>
+              <a:rPr lang="en-US" baseline="0" dirty="0" err="1" smtClean="0"/>
+              <a:t>ovo</a:t>
+            </a:r>
+            <a:r>
+              <a:rPr lang="en-US" baseline="0" dirty="0" smtClean="0"/>
+              <a:t> </a:t>
+            </a:r>
+            <a:r>
+              <a:rPr lang="en-US" baseline="0" dirty="0" err="1" smtClean="0"/>
+              <a:t>predlozeno</a:t>
+            </a:r>
+            <a:r>
+              <a:rPr lang="en-US" baseline="0" dirty="0" smtClean="0"/>
+              <a:t> </a:t>
+            </a:r>
+            <a:r>
+              <a:rPr lang="en-US" baseline="0" dirty="0" err="1" smtClean="0"/>
+              <a:t>resenje</a:t>
+            </a:r>
+            <a:endParaRPr lang="en-US" baseline="0" dirty="0" smtClean="0"/>
+          </a:p>
+          <a:p>
+            <a:pPr marL="228600" indent="-228600">
+              <a:buAutoNum type="arabicPeriod"/>
+            </a:pPr>
+            <a:r>
+              <a:rPr lang="en-US" baseline="0" dirty="0" err="1" smtClean="0"/>
+              <a:t>Motivaciju</a:t>
+            </a:r>
+            <a:r>
+              <a:rPr lang="en-US" baseline="0" dirty="0" smtClean="0"/>
+              <a:t> I concept </a:t>
+            </a:r>
+            <a:r>
+              <a:rPr lang="en-US" baseline="0" dirty="0" err="1" smtClean="0"/>
+              <a:t>izlozenog</a:t>
+            </a:r>
+            <a:r>
+              <a:rPr lang="en-US" baseline="0" dirty="0" smtClean="0"/>
+              <a:t> </a:t>
+            </a:r>
+            <a:r>
+              <a:rPr lang="en-US" baseline="0" dirty="0" err="1" smtClean="0"/>
+              <a:t>resenja</a:t>
+            </a:r>
+            <a:endParaRPr lang="en-US" baseline="0" dirty="0" smtClean="0"/>
+          </a:p>
+          <a:p>
+            <a:pPr marL="228600" indent="-228600">
+              <a:buAutoNum type="arabicPeriod"/>
+            </a:pPr>
+            <a:r>
+              <a:rPr lang="en-US" baseline="0" dirty="0" err="1" smtClean="0"/>
+              <a:t>Potom</a:t>
+            </a:r>
+            <a:r>
+              <a:rPr lang="en-US" baseline="0" dirty="0" smtClean="0"/>
+              <a:t> </a:t>
+            </a:r>
+            <a:r>
+              <a:rPr lang="en-US" baseline="0" dirty="0" err="1" smtClean="0"/>
+              <a:t>kratak</a:t>
+            </a:r>
+            <a:r>
+              <a:rPr lang="en-US" baseline="0" dirty="0" smtClean="0"/>
+              <a:t> </a:t>
+            </a:r>
+            <a:r>
+              <a:rPr lang="en-US" baseline="0" dirty="0" err="1" smtClean="0"/>
+              <a:t>pregled</a:t>
+            </a:r>
+            <a:r>
+              <a:rPr lang="en-US" baseline="0" dirty="0" smtClean="0"/>
+              <a:t> </a:t>
+            </a:r>
+            <a:r>
+              <a:rPr lang="en-US" baseline="0" dirty="0" err="1" smtClean="0"/>
+              <a:t>funkcionalnosti</a:t>
+            </a:r>
+            <a:r>
+              <a:rPr lang="en-US" baseline="0" dirty="0" smtClean="0"/>
+              <a:t> </a:t>
+            </a:r>
+            <a:r>
+              <a:rPr lang="en-US" baseline="0" dirty="0" err="1" smtClean="0"/>
+              <a:t>i</a:t>
+            </a:r>
+            <a:r>
+              <a:rPr lang="en-US" baseline="0" dirty="0" smtClean="0"/>
+              <a:t> </a:t>
+            </a:r>
+            <a:r>
+              <a:rPr lang="en-US" baseline="0" dirty="0" err="1" smtClean="0"/>
+              <a:t>performansi</a:t>
+            </a:r>
+            <a:r>
+              <a:rPr lang="en-US" baseline="0" dirty="0" smtClean="0"/>
+              <a:t> </a:t>
+            </a:r>
+            <a:r>
+              <a:rPr lang="en-US" baseline="0" dirty="0" err="1" smtClean="0"/>
+              <a:t>iznetog</a:t>
+            </a:r>
+            <a:r>
+              <a:rPr lang="en-US" baseline="0" dirty="0" smtClean="0"/>
+              <a:t> </a:t>
+            </a:r>
+            <a:r>
+              <a:rPr lang="en-US" baseline="0" dirty="0" err="1" smtClean="0"/>
+              <a:t>resenja</a:t>
+            </a:r>
+            <a:endParaRPr lang="en-US" baseline="0" dirty="0" smtClean="0"/>
+          </a:p>
+          <a:p>
+            <a:pPr marL="228600" indent="-228600">
+              <a:buAutoNum type="arabicPeriod"/>
+            </a:pPr>
+            <a:r>
+              <a:rPr lang="en-US" baseline="0" dirty="0" smtClean="0"/>
+              <a:t>I </a:t>
+            </a:r>
+            <a:r>
+              <a:rPr lang="en-US" baseline="0" dirty="0" err="1" smtClean="0"/>
+              <a:t>na</a:t>
+            </a:r>
+            <a:r>
+              <a:rPr lang="en-US" baseline="0" dirty="0" smtClean="0"/>
+              <a:t> </a:t>
+            </a:r>
+            <a:r>
+              <a:rPr lang="en-US" baseline="0" dirty="0" err="1" smtClean="0"/>
+              <a:t>kraju</a:t>
+            </a:r>
+            <a:r>
+              <a:rPr lang="en-US" baseline="0" dirty="0" smtClean="0"/>
+              <a:t>, </a:t>
+            </a:r>
+            <a:r>
+              <a:rPr lang="en-US" baseline="0" dirty="0" err="1" smtClean="0"/>
+              <a:t>sagledacemo</a:t>
+            </a:r>
+            <a:r>
+              <a:rPr lang="en-US" baseline="0" dirty="0" smtClean="0"/>
+              <a:t> </a:t>
+            </a:r>
+            <a:r>
+              <a:rPr lang="en-US" baseline="0" dirty="0" err="1" smtClean="0"/>
+              <a:t>uspesnost</a:t>
+            </a:r>
+            <a:r>
+              <a:rPr lang="en-US" baseline="0" dirty="0" smtClean="0"/>
+              <a:t> </a:t>
+            </a:r>
+            <a:r>
+              <a:rPr lang="en-US" baseline="0" dirty="0" err="1" smtClean="0"/>
+              <a:t>resenja</a:t>
+            </a:r>
+            <a:r>
+              <a:rPr lang="en-US" baseline="0" dirty="0" smtClean="0"/>
+              <a:t>, </a:t>
+            </a:r>
+            <a:r>
+              <a:rPr lang="en-US" baseline="0" dirty="0" err="1" smtClean="0"/>
+              <a:t>kao</a:t>
+            </a:r>
+            <a:r>
+              <a:rPr lang="en-US" baseline="0" dirty="0" smtClean="0"/>
+              <a:t> </a:t>
+            </a:r>
+            <a:r>
+              <a:rPr lang="en-US" baseline="0" dirty="0" err="1" smtClean="0"/>
+              <a:t>takvog</a:t>
+            </a:r>
+            <a:r>
+              <a:rPr lang="en-US" baseline="0" dirty="0" smtClean="0"/>
+              <a:t>, </a:t>
+            </a:r>
+            <a:r>
+              <a:rPr lang="en-US" baseline="0" dirty="0" err="1" smtClean="0"/>
+              <a:t>kao</a:t>
+            </a:r>
+            <a:r>
+              <a:rPr lang="en-US" baseline="0" dirty="0" smtClean="0"/>
+              <a:t> </a:t>
+            </a:r>
+            <a:r>
+              <a:rPr lang="en-US" baseline="0" dirty="0" err="1" smtClean="0"/>
+              <a:t>i</a:t>
+            </a:r>
+            <a:r>
+              <a:rPr lang="en-US" baseline="0" dirty="0" smtClean="0"/>
+              <a:t> </a:t>
+            </a:r>
+            <a:r>
+              <a:rPr lang="en-US" baseline="0" dirty="0" err="1" smtClean="0"/>
+              <a:t>mogucnosti</a:t>
+            </a:r>
+            <a:r>
+              <a:rPr lang="en-US" baseline="0" dirty="0" smtClean="0"/>
+              <a:t> </a:t>
+            </a:r>
+            <a:r>
+              <a:rPr lang="en-US" baseline="0" dirty="0" err="1" smtClean="0"/>
+              <a:t>za</a:t>
+            </a:r>
+            <a:r>
+              <a:rPr lang="en-US" baseline="0" dirty="0" smtClean="0"/>
+              <a:t> </a:t>
+            </a:r>
+            <a:r>
+              <a:rPr lang="en-US" baseline="0" dirty="0" err="1" smtClean="0"/>
+              <a:t>dalje</a:t>
+            </a:r>
+            <a:r>
+              <a:rPr lang="en-US" baseline="0" dirty="0" smtClean="0"/>
+              <a:t> </a:t>
+            </a:r>
+            <a:r>
+              <a:rPr lang="en-US" baseline="0" dirty="0" err="1" smtClean="0"/>
+              <a:t>poboljsavanje</a:t>
+            </a:r>
+            <a:r>
+              <a:rPr lang="en-US" baseline="0" dirty="0" smtClean="0"/>
+              <a:t>.</a:t>
+            </a:r>
           </a:p>
         </p:txBody>
       </p:sp>
@@ -13578,7 +14143,3824 @@
           <a:p>
             <a:fld id="{9F10CBF3-37F0-420D-959A-0BF960019D0A}" type="slidenum">
               <a:rPr lang="en-GB" smtClean="0"/>
-              <a:t>25</a:t>
+              <a:t>2</a:t>
+            </a:fld>
+            <a:endParaRPr lang="en-GB"/>
+          </a:p>
+        </p:txBody>
+      </p:sp>
+    </p:spTree>
+    <p:extLst>
+      <p:ext uri="{BB962C8B-B14F-4D97-AF65-F5344CB8AC3E}">
+        <p14:creationId xmlns:p14="http://schemas.microsoft.com/office/powerpoint/2010/main" val="4092097891"/>
+      </p:ext>
+    </p:extLst>
+  </p:cSld>
+  <p:clrMapOvr>
+    <a:masterClrMapping/>
+  </p:clrMapOvr>
+</p:notes>
+</file>
+
+<file path=ppt/notesSlides/notesSlide2.xml><?xml version="1.0" encoding="utf-8"?>
+<p:notes xmlns:a="http://schemas.openxmlformats.org/drawingml/2006/main" xmlns:r="http://schemas.openxmlformats.org/officeDocument/2006/relationships" xmlns:p="http://schemas.openxmlformats.org/presentationml/2006/main">
+  <p:cSld>
+    <p:spTree>
+      <p:nvGrpSpPr>
+        <p:cNvPr id="1" name=""/>
+        <p:cNvGrpSpPr/>
+        <p:nvPr/>
+      </p:nvGrpSpPr>
+      <p:grpSpPr>
+        <a:xfrm>
+          <a:off x="0" y="0"/>
+          <a:ext cx="0" cy="0"/>
+          <a:chOff x="0" y="0"/>
+          <a:chExt cx="0" cy="0"/>
+        </a:xfrm>
+      </p:grpSpPr>
+      <p:sp>
+        <p:nvSpPr>
+          <p:cNvPr id="2" name="Slide Image Placeholder 1"/>
+          <p:cNvSpPr>
+            <a:spLocks noGrp="1" noRot="1" noChangeAspect="1"/>
+          </p:cNvSpPr>
+          <p:nvPr>
+            <p:ph type="sldImg"/>
+          </p:nvPr>
+        </p:nvSpPr>
+        <p:spPr/>
+      </p:sp>
+      <p:sp>
+        <p:nvSpPr>
+          <p:cNvPr id="3" name="Notes Placeholder 2"/>
+          <p:cNvSpPr>
+            <a:spLocks noGrp="1"/>
+          </p:cNvSpPr>
+          <p:nvPr>
+            <p:ph type="body" idx="1"/>
+          </p:nvPr>
+        </p:nvSpPr>
+        <p:spPr/>
+        <p:txBody>
+          <a:bodyPr/>
+          <a:lstStyle/>
+          <a:p>
+            <a:r>
+              <a:rPr lang="en-US" dirty="0" err="1" smtClean="0"/>
+              <a:t>Automobilska</a:t>
+            </a:r>
+            <a:r>
+              <a:rPr lang="en-US" baseline="0" dirty="0" smtClean="0"/>
+              <a:t> </a:t>
+            </a:r>
+            <a:r>
+              <a:rPr lang="en-US" baseline="0" dirty="0" err="1" smtClean="0"/>
+              <a:t>industrija</a:t>
+            </a:r>
+            <a:r>
+              <a:rPr lang="en-US" baseline="0" dirty="0" smtClean="0"/>
+              <a:t>, </a:t>
+            </a:r>
+            <a:r>
+              <a:rPr lang="en-US" baseline="0" dirty="0" err="1" smtClean="0"/>
+              <a:t>prilikom</a:t>
+            </a:r>
+            <a:r>
+              <a:rPr lang="en-US" baseline="0" dirty="0" smtClean="0"/>
+              <a:t> </a:t>
+            </a:r>
+            <a:r>
+              <a:rPr lang="en-US" baseline="0" dirty="0" err="1" smtClean="0"/>
+              <a:t>resavanja</a:t>
+            </a:r>
+            <a:r>
+              <a:rPr lang="en-US" baseline="0" dirty="0" smtClean="0"/>
+              <a:t> </a:t>
+            </a:r>
+            <a:r>
+              <a:rPr lang="en-US" baseline="0" dirty="0" err="1" smtClean="0"/>
+              <a:t>izazova</a:t>
+            </a:r>
+            <a:r>
+              <a:rPr lang="en-US" baseline="0" dirty="0" smtClean="0"/>
+              <a:t> </a:t>
+            </a:r>
+            <a:r>
+              <a:rPr lang="en-US" baseline="0" dirty="0" err="1" smtClean="0"/>
+              <a:t>autonomne</a:t>
+            </a:r>
+            <a:r>
+              <a:rPr lang="en-US" baseline="0" dirty="0" smtClean="0"/>
+              <a:t> </a:t>
+            </a:r>
+            <a:r>
+              <a:rPr lang="en-US" baseline="0" dirty="0" err="1" smtClean="0"/>
+              <a:t>voznje</a:t>
+            </a:r>
+            <a:r>
+              <a:rPr lang="en-US" baseline="0" dirty="0" smtClean="0"/>
+              <a:t>, </a:t>
+            </a:r>
+            <a:r>
+              <a:rPr lang="en-US" baseline="0" dirty="0" err="1" smtClean="0"/>
+              <a:t>oslanja</a:t>
+            </a:r>
+            <a:r>
+              <a:rPr lang="en-US" baseline="0" dirty="0" smtClean="0"/>
+              <a:t> se </a:t>
+            </a:r>
+            <a:r>
+              <a:rPr lang="en-US" baseline="0" dirty="0" err="1" smtClean="0"/>
+              <a:t>na</a:t>
+            </a:r>
+            <a:r>
+              <a:rPr lang="en-US" baseline="0" dirty="0" smtClean="0"/>
+              <a:t> </a:t>
+            </a:r>
+            <a:r>
+              <a:rPr lang="en-US" baseline="0" dirty="0" err="1" smtClean="0"/>
+              <a:t>napredne</a:t>
+            </a:r>
+            <a:r>
+              <a:rPr lang="en-US" baseline="0" dirty="0" smtClean="0"/>
+              <a:t> </a:t>
+            </a:r>
+            <a:r>
+              <a:rPr lang="en-US" baseline="0" dirty="0" err="1" smtClean="0"/>
+              <a:t>algoritme</a:t>
+            </a:r>
+            <a:r>
+              <a:rPr lang="en-US" baseline="0" dirty="0" smtClean="0"/>
+              <a:t> </a:t>
+            </a:r>
+            <a:r>
+              <a:rPr lang="en-US" baseline="0" dirty="0" err="1" smtClean="0"/>
+              <a:t>za</a:t>
+            </a:r>
+            <a:r>
+              <a:rPr lang="en-US" baseline="0" dirty="0" smtClean="0"/>
+              <a:t> </a:t>
+            </a:r>
+            <a:r>
+              <a:rPr lang="en-US" baseline="0" dirty="0" err="1" smtClean="0"/>
+              <a:t>pomoc</a:t>
+            </a:r>
+            <a:r>
+              <a:rPr lang="en-US" baseline="0" dirty="0" smtClean="0"/>
+              <a:t> </a:t>
+            </a:r>
+            <a:r>
+              <a:rPr lang="en-US" baseline="0" dirty="0" err="1" smtClean="0"/>
+              <a:t>vozacu</a:t>
+            </a:r>
+            <a:r>
+              <a:rPr lang="en-US" baseline="0" dirty="0" smtClean="0"/>
+              <a:t> u </a:t>
+            </a:r>
+            <a:r>
+              <a:rPr lang="en-US" baseline="0" dirty="0" err="1" smtClean="0"/>
+              <a:t>voznji</a:t>
+            </a:r>
+            <a:r>
+              <a:rPr lang="en-US" baseline="0" dirty="0" smtClean="0"/>
+              <a:t>, </a:t>
+            </a:r>
+            <a:r>
+              <a:rPr lang="en-US" baseline="0" dirty="0" err="1" smtClean="0"/>
+              <a:t>tj</a:t>
+            </a:r>
+            <a:r>
+              <a:rPr lang="en-US" baseline="0" dirty="0" smtClean="0"/>
+              <a:t>. ADAS-e. </a:t>
+            </a:r>
+            <a:r>
+              <a:rPr lang="en-US" baseline="0" dirty="0" err="1" smtClean="0"/>
+              <a:t>Iako</a:t>
+            </a:r>
+            <a:r>
+              <a:rPr lang="en-US" baseline="0" dirty="0" smtClean="0"/>
+              <a:t> se </a:t>
+            </a:r>
+            <a:r>
+              <a:rPr lang="en-US" baseline="0" dirty="0" err="1" smtClean="0"/>
+              <a:t>razlikuju</a:t>
+            </a:r>
+            <a:r>
+              <a:rPr lang="en-US" baseline="0" dirty="0" smtClean="0"/>
+              <a:t> </a:t>
+            </a:r>
+            <a:r>
+              <a:rPr lang="en-US" baseline="0" dirty="0" err="1" smtClean="0"/>
+              <a:t>po</a:t>
+            </a:r>
+            <a:r>
+              <a:rPr lang="en-US" baseline="0" dirty="0" smtClean="0"/>
+              <a:t> </a:t>
+            </a:r>
+            <a:r>
+              <a:rPr lang="en-US" baseline="0" dirty="0" err="1" smtClean="0"/>
+              <a:t>samoj</a:t>
+            </a:r>
+            <a:r>
+              <a:rPr lang="en-US" baseline="0" dirty="0" smtClean="0"/>
+              <a:t> </a:t>
+            </a:r>
+            <a:r>
+              <a:rPr lang="en-US" baseline="0" dirty="0" err="1" smtClean="0"/>
+              <a:t>funkcionalnosti</a:t>
+            </a:r>
+            <a:r>
+              <a:rPr lang="en-US" baseline="0" dirty="0" smtClean="0"/>
+              <a:t>, </a:t>
+            </a:r>
+            <a:r>
+              <a:rPr lang="en-US" baseline="0" dirty="0" err="1" smtClean="0"/>
+              <a:t>krajnji</a:t>
+            </a:r>
+            <a:r>
+              <a:rPr lang="en-US" baseline="0" dirty="0" smtClean="0"/>
+              <a:t> </a:t>
+            </a:r>
+            <a:r>
+              <a:rPr lang="en-US" baseline="0" dirty="0" err="1" smtClean="0"/>
+              <a:t>cilj</a:t>
+            </a:r>
+            <a:r>
+              <a:rPr lang="en-US" baseline="0" dirty="0" smtClean="0"/>
+              <a:t> ADAS </a:t>
+            </a:r>
+            <a:r>
+              <a:rPr lang="en-US" baseline="0" dirty="0" err="1" smtClean="0"/>
+              <a:t>algoritma</a:t>
+            </a:r>
+            <a:r>
+              <a:rPr lang="en-US" baseline="0" dirty="0" smtClean="0"/>
+              <a:t> </a:t>
+            </a:r>
+            <a:r>
+              <a:rPr lang="en-US" baseline="0" dirty="0" err="1" smtClean="0"/>
+              <a:t>jeste</a:t>
+            </a:r>
+            <a:r>
+              <a:rPr lang="en-US" baseline="0" dirty="0" smtClean="0"/>
+              <a:t> </a:t>
+            </a:r>
+            <a:r>
+              <a:rPr lang="en-US" baseline="0" dirty="0" err="1" smtClean="0"/>
+              <a:t>ili</a:t>
+            </a:r>
+            <a:r>
+              <a:rPr lang="en-US" baseline="0" dirty="0" smtClean="0"/>
+              <a:t> </a:t>
+            </a:r>
+            <a:r>
+              <a:rPr lang="en-US" baseline="0" dirty="0" err="1" smtClean="0"/>
+              <a:t>pomoc</a:t>
+            </a:r>
+            <a:r>
+              <a:rPr lang="en-US" baseline="0" dirty="0" smtClean="0"/>
+              <a:t> </a:t>
+            </a:r>
+            <a:r>
+              <a:rPr lang="en-US" baseline="0" dirty="0" err="1" smtClean="0"/>
+              <a:t>vozacu</a:t>
+            </a:r>
+            <a:r>
+              <a:rPr lang="en-US" baseline="0" dirty="0" smtClean="0"/>
+              <a:t> </a:t>
+            </a:r>
+            <a:r>
+              <a:rPr lang="en-US" baseline="0" dirty="0" err="1" smtClean="0"/>
+              <a:t>ili</a:t>
+            </a:r>
+            <a:r>
+              <a:rPr lang="en-US" baseline="0" dirty="0" smtClean="0"/>
+              <a:t> </a:t>
+            </a:r>
+            <a:r>
+              <a:rPr lang="en-US" baseline="0" dirty="0" err="1" smtClean="0"/>
+              <a:t>kompletno</a:t>
+            </a:r>
+            <a:r>
+              <a:rPr lang="en-US" baseline="0" dirty="0" smtClean="0"/>
+              <a:t> </a:t>
+            </a:r>
+            <a:r>
+              <a:rPr lang="en-US" baseline="0" dirty="0" err="1" smtClean="0"/>
+              <a:t>upravljanje</a:t>
+            </a:r>
+            <a:r>
+              <a:rPr lang="en-US" baseline="0" dirty="0" smtClean="0"/>
+              <a:t> </a:t>
+            </a:r>
+            <a:r>
+              <a:rPr lang="en-US" baseline="0" dirty="0" err="1" smtClean="0"/>
+              <a:t>vozilom</a:t>
+            </a:r>
+            <a:r>
+              <a:rPr lang="en-US" baseline="0" dirty="0" smtClean="0"/>
+              <a:t>. </a:t>
+            </a:r>
+          </a:p>
+          <a:p>
+            <a:endParaRPr lang="en-US" baseline="0" dirty="0" smtClean="0"/>
+          </a:p>
+          <a:p>
+            <a:r>
+              <a:rPr lang="en-US" baseline="0" dirty="0" err="1" smtClean="0"/>
+              <a:t>Kako</a:t>
+            </a:r>
+            <a:r>
+              <a:rPr lang="en-US" baseline="0" dirty="0" smtClean="0"/>
+              <a:t> se </a:t>
+            </a:r>
+            <a:r>
+              <a:rPr lang="en-US" baseline="0" dirty="0" err="1" smtClean="0"/>
+              <a:t>oni</a:t>
+            </a:r>
+            <a:r>
+              <a:rPr lang="en-US" baseline="0" dirty="0" smtClean="0"/>
+              <a:t> </a:t>
+            </a:r>
+            <a:r>
+              <a:rPr lang="en-US" baseline="0" dirty="0" err="1" smtClean="0"/>
+              <a:t>razlikuju</a:t>
+            </a:r>
+            <a:r>
+              <a:rPr lang="en-US" baseline="0" dirty="0" smtClean="0"/>
+              <a:t> </a:t>
+            </a:r>
+            <a:r>
+              <a:rPr lang="en-US" baseline="0" dirty="0" err="1" smtClean="0"/>
+              <a:t>po</a:t>
+            </a:r>
+            <a:r>
+              <a:rPr lang="en-US" baseline="0" dirty="0" smtClean="0"/>
+              <a:t> </a:t>
+            </a:r>
+            <a:r>
+              <a:rPr lang="en-US" baseline="0" dirty="0" err="1" smtClean="0"/>
+              <a:t>svojoj</a:t>
+            </a:r>
+            <a:r>
+              <a:rPr lang="en-US" baseline="0" dirty="0" smtClean="0"/>
+              <a:t> </a:t>
+            </a:r>
+            <a:r>
+              <a:rPr lang="en-US" baseline="0" dirty="0" err="1" smtClean="0"/>
+              <a:t>primeni</a:t>
+            </a:r>
+            <a:r>
+              <a:rPr lang="en-US" baseline="0" dirty="0" smtClean="0"/>
+              <a:t>, </a:t>
+            </a:r>
+            <a:r>
+              <a:rPr lang="en-US" baseline="0" dirty="0" err="1" smtClean="0"/>
+              <a:t>mogu</a:t>
+            </a:r>
+            <a:r>
+              <a:rPr lang="en-US" baseline="0" dirty="0" smtClean="0"/>
+              <a:t> se </a:t>
+            </a:r>
+            <a:r>
+              <a:rPr lang="en-US" baseline="0" dirty="0" err="1" smtClean="0"/>
+              <a:t>podeliti</a:t>
+            </a:r>
+            <a:r>
+              <a:rPr lang="en-US" baseline="0" dirty="0" smtClean="0"/>
+              <a:t> </a:t>
+            </a:r>
+            <a:r>
+              <a:rPr lang="en-US" baseline="0" dirty="0" err="1" smtClean="0"/>
+              <a:t>na</a:t>
+            </a:r>
+            <a:r>
+              <a:rPr lang="en-US" baseline="0" dirty="0" smtClean="0"/>
+              <a:t> </a:t>
+            </a:r>
+            <a:r>
+              <a:rPr lang="en-US" b="1" baseline="0" dirty="0" err="1" smtClean="0"/>
+              <a:t>informativne</a:t>
+            </a:r>
+            <a:r>
+              <a:rPr lang="en-US" baseline="0" dirty="0" smtClean="0"/>
+              <a:t>, </a:t>
+            </a:r>
+            <a:r>
+              <a:rPr lang="en-US" baseline="0" dirty="0" err="1" smtClean="0"/>
+              <a:t>poput</a:t>
+            </a:r>
+            <a:r>
+              <a:rPr lang="en-US" baseline="0" dirty="0" smtClean="0"/>
+              <a:t> </a:t>
+            </a:r>
+            <a:r>
+              <a:rPr lang="en-US" b="1" baseline="0" dirty="0" err="1" smtClean="0"/>
+              <a:t>prikaza</a:t>
+            </a:r>
+            <a:r>
+              <a:rPr lang="en-US" b="1" baseline="0" dirty="0" smtClean="0"/>
+              <a:t> </a:t>
+            </a:r>
+            <a:r>
+              <a:rPr lang="en-US" b="1" baseline="0" dirty="0" err="1" smtClean="0"/>
+              <a:t>okruzenja</a:t>
+            </a:r>
+            <a:r>
+              <a:rPr lang="en-US" b="1" baseline="0" dirty="0" smtClean="0"/>
+              <a:t> </a:t>
+            </a:r>
+            <a:r>
+              <a:rPr lang="en-US" b="1" baseline="0" dirty="0" err="1" smtClean="0"/>
+              <a:t>vozila</a:t>
+            </a:r>
+            <a:r>
+              <a:rPr lang="en-US" b="1" baseline="0" dirty="0" smtClean="0"/>
+              <a:t> </a:t>
+            </a:r>
+            <a:r>
+              <a:rPr lang="en-US" b="1" baseline="0" dirty="0" err="1" smtClean="0"/>
+              <a:t>prilikom</a:t>
+            </a:r>
+            <a:r>
+              <a:rPr lang="en-US" b="1" baseline="0" dirty="0" smtClean="0"/>
+              <a:t> </a:t>
+            </a:r>
+            <a:r>
+              <a:rPr lang="en-US" b="1" baseline="0" dirty="0" err="1" smtClean="0"/>
+              <a:t>parkiranja</a:t>
+            </a:r>
+            <a:r>
+              <a:rPr lang="en-US" b="1" baseline="0" dirty="0" smtClean="0"/>
+              <a:t> </a:t>
+            </a:r>
+            <a:r>
+              <a:rPr lang="en-US" b="0" baseline="0" dirty="0" err="1" smtClean="0"/>
+              <a:t>i</a:t>
+            </a:r>
+            <a:r>
+              <a:rPr lang="en-US" b="0" baseline="0" dirty="0" smtClean="0"/>
+              <a:t> </a:t>
+            </a:r>
+            <a:r>
+              <a:rPr lang="en-US" b="1" baseline="0" dirty="0" err="1" smtClean="0"/>
+              <a:t>bezbednosne</a:t>
+            </a:r>
+            <a:r>
+              <a:rPr lang="en-US" b="0" baseline="0" dirty="0" smtClean="0"/>
+              <a:t>, </a:t>
+            </a:r>
+            <a:r>
+              <a:rPr lang="en-US" b="0" baseline="0" dirty="0" err="1" smtClean="0"/>
+              <a:t>poput</a:t>
+            </a:r>
+            <a:r>
+              <a:rPr lang="en-US" b="0" baseline="0" dirty="0" smtClean="0"/>
+              <a:t> </a:t>
+            </a:r>
+            <a:r>
+              <a:rPr lang="en-US" b="1" baseline="0" dirty="0" err="1" smtClean="0"/>
+              <a:t>sistema</a:t>
+            </a:r>
+            <a:r>
+              <a:rPr lang="en-US" b="1" baseline="0" dirty="0" smtClean="0"/>
+              <a:t> </a:t>
+            </a:r>
+            <a:r>
+              <a:rPr lang="en-US" b="1" baseline="0" dirty="0" err="1" smtClean="0"/>
+              <a:t>za</a:t>
+            </a:r>
+            <a:r>
+              <a:rPr lang="en-US" b="1" baseline="0" dirty="0" smtClean="0"/>
+              <a:t> </a:t>
+            </a:r>
+            <a:r>
+              <a:rPr lang="en-US" b="1" baseline="0" dirty="0" err="1" smtClean="0"/>
+              <a:t>kocenje</a:t>
+            </a:r>
+            <a:r>
+              <a:rPr lang="en-US" b="1" baseline="0" dirty="0" smtClean="0"/>
+              <a:t> </a:t>
+            </a:r>
+            <a:r>
+              <a:rPr lang="en-US" b="1" baseline="0" dirty="0" err="1" smtClean="0"/>
+              <a:t>prilikom</a:t>
+            </a:r>
+            <a:r>
+              <a:rPr lang="en-US" b="1" baseline="0" dirty="0" smtClean="0"/>
+              <a:t> </a:t>
+            </a:r>
+            <a:r>
+              <a:rPr lang="en-US" b="1" baseline="0" dirty="0" err="1" smtClean="0"/>
+              <a:t>izletanja</a:t>
+            </a:r>
+            <a:r>
+              <a:rPr lang="en-US" b="1" baseline="0" dirty="0" smtClean="0"/>
+              <a:t> </a:t>
+            </a:r>
+            <a:r>
+              <a:rPr lang="en-US" b="1" baseline="0" dirty="0" err="1" smtClean="0"/>
+              <a:t>pesaka</a:t>
+            </a:r>
+            <a:r>
+              <a:rPr lang="en-US" b="1" baseline="0" dirty="0" smtClean="0"/>
+              <a:t> </a:t>
+            </a:r>
+            <a:r>
+              <a:rPr lang="en-US" b="1" baseline="0" dirty="0" err="1" smtClean="0"/>
+              <a:t>na</a:t>
+            </a:r>
+            <a:r>
+              <a:rPr lang="en-US" b="1" baseline="0" dirty="0" smtClean="0"/>
+              <a:t> put </a:t>
+            </a:r>
+            <a:r>
+              <a:rPr lang="en-US" b="0" baseline="0" dirty="0" smtClean="0"/>
+              <a:t>I </a:t>
+            </a:r>
+            <a:r>
+              <a:rPr lang="en-US" b="0" baseline="0" dirty="0" err="1" smtClean="0"/>
+              <a:t>mnogobrojnih</a:t>
+            </a:r>
+            <a:r>
+              <a:rPr lang="en-US" b="0" baseline="0" dirty="0" smtClean="0"/>
+              <a:t> </a:t>
+            </a:r>
+            <a:r>
+              <a:rPr lang="en-US" b="0" baseline="0" dirty="0" err="1" smtClean="0"/>
+              <a:t>drugih</a:t>
+            </a:r>
+            <a:r>
+              <a:rPr lang="en-US" b="0" baseline="0" dirty="0" smtClean="0"/>
+              <a:t>.</a:t>
+            </a:r>
+            <a:endParaRPr lang="en-US" b="1" baseline="0" dirty="0" smtClean="0"/>
+          </a:p>
+          <a:p>
+            <a:endParaRPr lang="en-US" baseline="0" dirty="0" smtClean="0"/>
+          </a:p>
+          <a:p>
+            <a:r>
+              <a:rPr lang="en-US" baseline="0" dirty="0" smtClean="0"/>
+              <a:t>ADAS </a:t>
+            </a:r>
+            <a:r>
+              <a:rPr lang="en-US" baseline="0" dirty="0" err="1" smtClean="0"/>
+              <a:t>algoritmi</a:t>
+            </a:r>
+            <a:r>
+              <a:rPr lang="en-US" baseline="0" dirty="0" smtClean="0"/>
+              <a:t> </a:t>
+            </a:r>
+            <a:r>
+              <a:rPr lang="en-US" baseline="0" dirty="0" err="1" smtClean="0"/>
+              <a:t>obradjuju</a:t>
+            </a:r>
+            <a:r>
+              <a:rPr lang="en-US" baseline="0" dirty="0" smtClean="0"/>
+              <a:t> </a:t>
+            </a:r>
+            <a:r>
+              <a:rPr lang="en-US" baseline="0" dirty="0" err="1" smtClean="0"/>
+              <a:t>podatke</a:t>
+            </a:r>
+            <a:r>
+              <a:rPr lang="en-US" baseline="0" dirty="0" smtClean="0"/>
+              <a:t> </a:t>
+            </a:r>
+            <a:r>
+              <a:rPr lang="en-US" baseline="0" dirty="0" err="1" smtClean="0"/>
+              <a:t>koji</a:t>
+            </a:r>
+            <a:r>
+              <a:rPr lang="en-US" baseline="0" dirty="0" smtClean="0"/>
+              <a:t> se </a:t>
+            </a:r>
+            <a:r>
+              <a:rPr lang="en-US" baseline="0" dirty="0" err="1" smtClean="0"/>
+              <a:t>dobavljaju</a:t>
+            </a:r>
+            <a:r>
+              <a:rPr lang="en-US" baseline="0" dirty="0" smtClean="0"/>
+              <a:t> </a:t>
+            </a:r>
+            <a:r>
+              <a:rPr lang="en-US" baseline="0" dirty="0" err="1" smtClean="0"/>
+              <a:t>sa</a:t>
+            </a:r>
+            <a:r>
+              <a:rPr lang="en-US" baseline="0" dirty="0" smtClean="0"/>
+              <a:t> </a:t>
+            </a:r>
+            <a:r>
+              <a:rPr lang="en-US" baseline="0" dirty="0" err="1" smtClean="0"/>
+              <a:t>senzora</a:t>
+            </a:r>
+            <a:r>
+              <a:rPr lang="en-US" baseline="0" dirty="0" smtClean="0"/>
+              <a:t> </a:t>
+            </a:r>
+            <a:r>
+              <a:rPr lang="en-US" baseline="0" dirty="0" err="1" smtClean="0"/>
+              <a:t>visoke</a:t>
+            </a:r>
+            <a:r>
+              <a:rPr lang="en-US" baseline="0" dirty="0" smtClean="0"/>
+              <a:t> </a:t>
+            </a:r>
+            <a:r>
+              <a:rPr lang="en-US" baseline="0" dirty="0" err="1" smtClean="0"/>
+              <a:t>preciznosti</a:t>
+            </a:r>
+            <a:r>
+              <a:rPr lang="en-US" baseline="0" dirty="0" smtClean="0"/>
+              <a:t> (LIDAR, RADAR, </a:t>
+            </a:r>
+            <a:r>
+              <a:rPr lang="en-US" baseline="0" dirty="0" err="1" smtClean="0"/>
+              <a:t>Kamera</a:t>
+            </a:r>
+            <a:r>
+              <a:rPr lang="en-US" baseline="0" dirty="0" smtClean="0"/>
+              <a:t>). </a:t>
+            </a:r>
+            <a:r>
+              <a:rPr lang="en-US" baseline="0" dirty="0" err="1" smtClean="0"/>
+              <a:t>Podaci</a:t>
+            </a:r>
+            <a:r>
+              <a:rPr lang="en-US" baseline="0" dirty="0" smtClean="0"/>
+              <a:t> </a:t>
+            </a:r>
+            <a:r>
+              <a:rPr lang="en-US" baseline="0" dirty="0" err="1" smtClean="0"/>
+              <a:t>sa</a:t>
+            </a:r>
+            <a:r>
+              <a:rPr lang="en-US" baseline="0" dirty="0" smtClean="0"/>
+              <a:t> </a:t>
+            </a:r>
+            <a:r>
+              <a:rPr lang="en-US" baseline="0" dirty="0" err="1" smtClean="0"/>
+              <a:t>ovih</a:t>
+            </a:r>
+            <a:r>
+              <a:rPr lang="en-US" baseline="0" dirty="0" smtClean="0"/>
+              <a:t> </a:t>
+            </a:r>
+            <a:r>
+              <a:rPr lang="en-US" baseline="0" dirty="0" err="1" smtClean="0"/>
+              <a:t>senzora</a:t>
+            </a:r>
+            <a:r>
+              <a:rPr lang="en-US" baseline="0" dirty="0" smtClean="0"/>
+              <a:t> </a:t>
+            </a:r>
+            <a:r>
+              <a:rPr lang="en-US" baseline="0" dirty="0" err="1" smtClean="0"/>
+              <a:t>tako</a:t>
+            </a:r>
+            <a:r>
+              <a:rPr lang="en-US" baseline="0" dirty="0" smtClean="0"/>
+              <a:t> </a:t>
+            </a:r>
+            <a:r>
+              <a:rPr lang="en-US" baseline="0" dirty="0" err="1" smtClean="0"/>
+              <a:t>predstavljaju</a:t>
+            </a:r>
+            <a:r>
+              <a:rPr lang="en-US" baseline="0" dirty="0" smtClean="0"/>
+              <a:t> </a:t>
+            </a:r>
+            <a:r>
+              <a:rPr lang="en-US" baseline="0" dirty="0" err="1" smtClean="0"/>
+              <a:t>ulaznu</a:t>
+            </a:r>
+            <a:r>
+              <a:rPr lang="en-US" baseline="0" dirty="0" smtClean="0"/>
+              <a:t> </a:t>
+            </a:r>
+            <a:r>
+              <a:rPr lang="en-US" baseline="0" dirty="0" err="1" smtClean="0"/>
+              <a:t>tacku</a:t>
+            </a:r>
+            <a:r>
+              <a:rPr lang="en-US" baseline="0" dirty="0" smtClean="0"/>
+              <a:t> u </a:t>
+            </a:r>
+            <a:r>
+              <a:rPr lang="en-US" baseline="0" dirty="0" err="1" smtClean="0"/>
+              <a:t>jedan</a:t>
+            </a:r>
+            <a:r>
+              <a:rPr lang="en-US" baseline="0" dirty="0" smtClean="0"/>
+              <a:t> ADAS </a:t>
+            </a:r>
+            <a:r>
+              <a:rPr lang="en-US" baseline="0" dirty="0" err="1" smtClean="0"/>
+              <a:t>algoritam</a:t>
+            </a:r>
+            <a:r>
+              <a:rPr lang="en-US" baseline="0" dirty="0" smtClean="0"/>
+              <a:t>.</a:t>
+            </a:r>
+          </a:p>
+        </p:txBody>
+      </p:sp>
+      <p:sp>
+        <p:nvSpPr>
+          <p:cNvPr id="4" name="Slide Number Placeholder 3"/>
+          <p:cNvSpPr>
+            <a:spLocks noGrp="1"/>
+          </p:cNvSpPr>
+          <p:nvPr>
+            <p:ph type="sldNum" sz="quarter" idx="10"/>
+          </p:nvPr>
+        </p:nvSpPr>
+        <p:spPr/>
+        <p:txBody>
+          <a:bodyPr/>
+          <a:lstStyle/>
+          <a:p>
+            <a:fld id="{9F10CBF3-37F0-420D-959A-0BF960019D0A}" type="slidenum">
+              <a:rPr lang="en-GB" smtClean="0"/>
+              <a:t>3</a:t>
+            </a:fld>
+            <a:endParaRPr lang="en-GB"/>
+          </a:p>
+        </p:txBody>
+      </p:sp>
+    </p:spTree>
+    <p:extLst>
+      <p:ext uri="{BB962C8B-B14F-4D97-AF65-F5344CB8AC3E}">
+        <p14:creationId xmlns:p14="http://schemas.microsoft.com/office/powerpoint/2010/main" val="763590476"/>
+      </p:ext>
+    </p:extLst>
+  </p:cSld>
+  <p:clrMapOvr>
+    <a:masterClrMapping/>
+  </p:clrMapOvr>
+</p:notes>
+</file>
+
+<file path=ppt/notesSlides/notesSlide3.xml><?xml version="1.0" encoding="utf-8"?>
+<p:notes xmlns:a="http://schemas.openxmlformats.org/drawingml/2006/main" xmlns:r="http://schemas.openxmlformats.org/officeDocument/2006/relationships" xmlns:p="http://schemas.openxmlformats.org/presentationml/2006/main">
+  <p:cSld>
+    <p:spTree>
+      <p:nvGrpSpPr>
+        <p:cNvPr id="1" name=""/>
+        <p:cNvGrpSpPr/>
+        <p:nvPr/>
+      </p:nvGrpSpPr>
+      <p:grpSpPr>
+        <a:xfrm>
+          <a:off x="0" y="0"/>
+          <a:ext cx="0" cy="0"/>
+          <a:chOff x="0" y="0"/>
+          <a:chExt cx="0" cy="0"/>
+        </a:xfrm>
+      </p:grpSpPr>
+      <p:sp>
+        <p:nvSpPr>
+          <p:cNvPr id="2" name="Slide Image Placeholder 1"/>
+          <p:cNvSpPr>
+            <a:spLocks noGrp="1" noRot="1" noChangeAspect="1"/>
+          </p:cNvSpPr>
+          <p:nvPr>
+            <p:ph type="sldImg"/>
+          </p:nvPr>
+        </p:nvSpPr>
+        <p:spPr/>
+      </p:sp>
+      <p:sp>
+        <p:nvSpPr>
+          <p:cNvPr id="3" name="Notes Placeholder 2"/>
+          <p:cNvSpPr>
+            <a:spLocks noGrp="1"/>
+          </p:cNvSpPr>
+          <p:nvPr>
+            <p:ph type="body" idx="1"/>
+          </p:nvPr>
+        </p:nvSpPr>
+        <p:spPr/>
+        <p:txBody>
+          <a:bodyPr/>
+          <a:lstStyle/>
+          <a:p>
+            <a:r>
+              <a:rPr lang="en-US" dirty="0" err="1" smtClean="0"/>
+              <a:t>Kako</a:t>
+            </a:r>
+            <a:r>
+              <a:rPr lang="en-US" baseline="0" dirty="0" smtClean="0"/>
+              <a:t> </a:t>
+            </a:r>
+            <a:r>
+              <a:rPr lang="en-US" baseline="0" dirty="0" err="1" smtClean="0"/>
+              <a:t>senzori</a:t>
+            </a:r>
+            <a:r>
+              <a:rPr lang="en-US" baseline="0" dirty="0" smtClean="0"/>
+              <a:t> </a:t>
+            </a:r>
+            <a:r>
+              <a:rPr lang="en-US" baseline="0" dirty="0" err="1" smtClean="0"/>
+              <a:t>postaju</a:t>
+            </a:r>
+            <a:r>
+              <a:rPr lang="en-US" baseline="0" dirty="0" smtClean="0"/>
+              <a:t> </a:t>
+            </a:r>
+            <a:r>
+              <a:rPr lang="en-US" baseline="0" dirty="0" err="1" smtClean="0"/>
+              <a:t>znatno</a:t>
+            </a:r>
+            <a:r>
+              <a:rPr lang="en-US" baseline="0" dirty="0" smtClean="0"/>
+              <a:t> </a:t>
+            </a:r>
+            <a:r>
+              <a:rPr lang="en-US" baseline="0" dirty="0" err="1" smtClean="0"/>
+              <a:t>kvalitetniji</a:t>
+            </a:r>
+            <a:r>
+              <a:rPr lang="en-US" baseline="0" dirty="0" smtClean="0"/>
+              <a:t>, </a:t>
+            </a:r>
+            <a:r>
+              <a:rPr lang="en-US" baseline="0" dirty="0" err="1" smtClean="0"/>
+              <a:t>kvalitet</a:t>
+            </a:r>
+            <a:r>
+              <a:rPr lang="en-US" baseline="0" dirty="0" smtClean="0"/>
+              <a:t> </a:t>
+            </a:r>
+            <a:r>
+              <a:rPr lang="en-US" baseline="0" dirty="0" err="1" smtClean="0"/>
+              <a:t>informacija</a:t>
+            </a:r>
+            <a:r>
+              <a:rPr lang="en-US" baseline="0" dirty="0" smtClean="0"/>
+              <a:t> </a:t>
+            </a:r>
+            <a:r>
+              <a:rPr lang="en-US" baseline="0" dirty="0" err="1" smtClean="0"/>
+              <a:t>koje</a:t>
+            </a:r>
+            <a:r>
+              <a:rPr lang="en-US" baseline="0" dirty="0" smtClean="0"/>
+              <a:t> se </a:t>
+            </a:r>
+            <a:r>
+              <a:rPr lang="en-US" baseline="0" dirty="0" err="1" smtClean="0"/>
+              <a:t>prikupljaju</a:t>
+            </a:r>
+            <a:r>
+              <a:rPr lang="en-US" baseline="0" dirty="0" smtClean="0"/>
+              <a:t> </a:t>
+            </a:r>
+            <a:r>
+              <a:rPr lang="en-US" baseline="0" dirty="0" err="1" smtClean="0"/>
+              <a:t>iz</a:t>
+            </a:r>
+            <a:r>
+              <a:rPr lang="en-US" baseline="0" dirty="0" smtClean="0"/>
+              <a:t> </a:t>
+            </a:r>
+            <a:r>
+              <a:rPr lang="en-US" baseline="0" dirty="0" err="1" smtClean="0"/>
+              <a:t>okruzenja</a:t>
+            </a:r>
+            <a:r>
+              <a:rPr lang="en-US" baseline="0" dirty="0" smtClean="0"/>
+              <a:t> je </a:t>
+            </a:r>
+            <a:r>
+              <a:rPr lang="en-US" baseline="0" dirty="0" err="1" smtClean="0"/>
+              <a:t>znacajno</a:t>
+            </a:r>
+            <a:r>
+              <a:rPr lang="en-US" baseline="0" dirty="0" smtClean="0"/>
+              <a:t> </a:t>
+            </a:r>
+            <a:r>
+              <a:rPr lang="en-US" baseline="0" dirty="0" err="1" smtClean="0"/>
+              <a:t>bolji</a:t>
+            </a:r>
+            <a:r>
+              <a:rPr lang="en-US" baseline="0" dirty="0" smtClean="0"/>
+              <a:t> I </a:t>
+            </a:r>
+            <a:r>
+              <a:rPr lang="en-US" baseline="0" dirty="0" err="1" smtClean="0"/>
+              <a:t>postoji</a:t>
+            </a:r>
+            <a:r>
+              <a:rPr lang="en-US" baseline="0" dirty="0" smtClean="0"/>
+              <a:t> </a:t>
+            </a:r>
+            <a:r>
+              <a:rPr lang="en-US" baseline="0" dirty="0" err="1" smtClean="0"/>
+              <a:t>realnija</a:t>
+            </a:r>
+            <a:r>
+              <a:rPr lang="en-US" baseline="0" dirty="0" smtClean="0"/>
+              <a:t> </a:t>
+            </a:r>
+            <a:r>
+              <a:rPr lang="en-US" baseline="0" dirty="0" err="1" smtClean="0"/>
+              <a:t>slika</a:t>
+            </a:r>
+            <a:r>
+              <a:rPr lang="en-US" baseline="0" dirty="0" smtClean="0"/>
+              <a:t> o </a:t>
+            </a:r>
+            <a:r>
+              <a:rPr lang="en-US" baseline="0" dirty="0" err="1" smtClean="0"/>
+              <a:t>okruzenju</a:t>
+            </a:r>
+            <a:r>
+              <a:rPr lang="en-US" baseline="0" dirty="0" smtClean="0"/>
+              <a:t> </a:t>
+            </a:r>
+            <a:r>
+              <a:rPr lang="en-US" baseline="0" dirty="0" err="1" smtClean="0"/>
+              <a:t>vozila</a:t>
+            </a:r>
+            <a:r>
+              <a:rPr lang="en-US" baseline="0" dirty="0" smtClean="0"/>
+              <a:t>. Time, ADAS-</a:t>
+            </a:r>
+            <a:r>
+              <a:rPr lang="en-US" baseline="0" dirty="0" err="1" smtClean="0"/>
+              <a:t>i</a:t>
+            </a:r>
+            <a:r>
+              <a:rPr lang="en-US" baseline="0" dirty="0" smtClean="0"/>
+              <a:t> </a:t>
+            </a:r>
+            <a:r>
+              <a:rPr lang="en-US" baseline="0" dirty="0" err="1" smtClean="0"/>
+              <a:t>dobijaju</a:t>
+            </a:r>
+            <a:r>
+              <a:rPr lang="en-US" baseline="0" dirty="0" smtClean="0"/>
+              <a:t> </a:t>
+            </a:r>
+            <a:r>
+              <a:rPr lang="en-US" baseline="0" dirty="0" err="1" smtClean="0"/>
+              <a:t>znatno</a:t>
+            </a:r>
+            <a:r>
+              <a:rPr lang="en-US" baseline="0" dirty="0" smtClean="0"/>
+              <a:t> vise </a:t>
+            </a:r>
+            <a:r>
+              <a:rPr lang="en-US" baseline="0" dirty="0" err="1" smtClean="0"/>
+              <a:t>informacija</a:t>
+            </a:r>
+            <a:r>
+              <a:rPr lang="en-US" baseline="0" dirty="0" smtClean="0"/>
+              <a:t> </a:t>
+            </a:r>
+            <a:r>
+              <a:rPr lang="en-US" baseline="0" dirty="0" err="1" smtClean="0"/>
+              <a:t>i</a:t>
+            </a:r>
+            <a:r>
+              <a:rPr lang="en-US" baseline="0" dirty="0" smtClean="0"/>
+              <a:t> </a:t>
+            </a:r>
+            <a:r>
+              <a:rPr lang="en-US" baseline="0" dirty="0" err="1" smtClean="0"/>
+              <a:t>samim</a:t>
+            </a:r>
+            <a:r>
+              <a:rPr lang="en-US" baseline="0" dirty="0" smtClean="0"/>
+              <a:t> time </a:t>
+            </a:r>
+            <a:r>
+              <a:rPr lang="en-US" baseline="0" dirty="0" err="1" smtClean="0"/>
+              <a:t>algoritam</a:t>
+            </a:r>
+            <a:r>
+              <a:rPr lang="en-US" baseline="0" dirty="0" smtClean="0"/>
+              <a:t> </a:t>
+            </a:r>
+            <a:r>
+              <a:rPr lang="en-US" baseline="0" dirty="0" err="1" smtClean="0"/>
+              <a:t>koji</a:t>
+            </a:r>
+            <a:r>
+              <a:rPr lang="en-US" baseline="0" dirty="0" smtClean="0"/>
+              <a:t> se </a:t>
+            </a:r>
+            <a:r>
+              <a:rPr lang="en-US" baseline="0" dirty="0" err="1" smtClean="0"/>
+              <a:t>izvrsava</a:t>
+            </a:r>
+            <a:r>
+              <a:rPr lang="en-US" baseline="0" dirty="0" smtClean="0"/>
+              <a:t> </a:t>
+            </a:r>
+            <a:r>
+              <a:rPr lang="en-US" baseline="0" dirty="0" err="1" smtClean="0"/>
+              <a:t>moze</a:t>
+            </a:r>
+            <a:r>
+              <a:rPr lang="en-US" baseline="0" dirty="0" smtClean="0"/>
+              <a:t> </a:t>
+            </a:r>
+            <a:r>
+              <a:rPr lang="en-US" baseline="0" dirty="0" err="1" smtClean="0"/>
+              <a:t>sa</a:t>
+            </a:r>
+            <a:r>
+              <a:rPr lang="en-US" baseline="0" dirty="0" smtClean="0"/>
+              <a:t> </a:t>
+            </a:r>
+            <a:r>
+              <a:rPr lang="en-US" baseline="0" dirty="0" err="1" smtClean="0"/>
+              <a:t>znatno</a:t>
+            </a:r>
+            <a:r>
+              <a:rPr lang="en-US" baseline="0" dirty="0" smtClean="0"/>
+              <a:t> </a:t>
+            </a:r>
+            <a:r>
+              <a:rPr lang="en-US" baseline="0" dirty="0" err="1" smtClean="0"/>
+              <a:t>vecom</a:t>
+            </a:r>
+            <a:r>
+              <a:rPr lang="en-US" baseline="0" dirty="0" smtClean="0"/>
+              <a:t> </a:t>
+            </a:r>
+            <a:r>
+              <a:rPr lang="en-US" baseline="0" dirty="0" err="1" smtClean="0"/>
+              <a:t>preciznoscu</a:t>
+            </a:r>
+            <a:r>
+              <a:rPr lang="en-US" baseline="0" dirty="0" smtClean="0"/>
+              <a:t> da </a:t>
+            </a:r>
+            <a:r>
+              <a:rPr lang="en-US" baseline="0" dirty="0" err="1" smtClean="0"/>
+              <a:t>odredi</a:t>
+            </a:r>
+            <a:r>
+              <a:rPr lang="en-US" baseline="0" dirty="0" smtClean="0"/>
+              <a:t> </a:t>
+            </a:r>
+            <a:r>
+              <a:rPr lang="en-US" baseline="0" dirty="0" err="1" smtClean="0"/>
+              <a:t>sledecu</a:t>
+            </a:r>
+            <a:r>
+              <a:rPr lang="en-US" baseline="0" dirty="0" smtClean="0"/>
+              <a:t> </a:t>
+            </a:r>
+            <a:r>
+              <a:rPr lang="en-US" baseline="0" dirty="0" err="1" smtClean="0"/>
+              <a:t>akciju</a:t>
+            </a:r>
+            <a:r>
+              <a:rPr lang="en-US" baseline="0" dirty="0" smtClean="0"/>
+              <a:t> </a:t>
+            </a:r>
+            <a:r>
+              <a:rPr lang="en-US" baseline="0" dirty="0" err="1" smtClean="0"/>
+              <a:t>koja</a:t>
+            </a:r>
+            <a:r>
+              <a:rPr lang="en-US" baseline="0" dirty="0" smtClean="0"/>
+              <a:t> mora </a:t>
+            </a:r>
+            <a:r>
+              <a:rPr lang="en-US" baseline="0" dirty="0" err="1" smtClean="0"/>
+              <a:t>biti</a:t>
+            </a:r>
+            <a:r>
+              <a:rPr lang="en-US" baseline="0" dirty="0" smtClean="0"/>
+              <a:t> </a:t>
+            </a:r>
+            <a:r>
+              <a:rPr lang="en-US" baseline="0" dirty="0" err="1" smtClean="0"/>
+              <a:t>preuzeta</a:t>
+            </a:r>
+            <a:r>
+              <a:rPr lang="en-US" baseline="0" dirty="0" smtClean="0"/>
+              <a:t>.</a:t>
+            </a:r>
+          </a:p>
+          <a:p>
+            <a:endParaRPr lang="en-US" baseline="0" dirty="0" smtClean="0"/>
+          </a:p>
+          <a:p>
+            <a:r>
+              <a:rPr lang="en-US" baseline="0" dirty="0" err="1" smtClean="0"/>
+              <a:t>Kako</a:t>
+            </a:r>
+            <a:r>
+              <a:rPr lang="en-US" baseline="0" dirty="0" smtClean="0"/>
+              <a:t> je </a:t>
+            </a:r>
+            <a:r>
+              <a:rPr lang="en-US" baseline="0" dirty="0" err="1" smtClean="0"/>
+              <a:t>potrebno</a:t>
+            </a:r>
+            <a:r>
+              <a:rPr lang="en-US" baseline="0" dirty="0" smtClean="0"/>
+              <a:t> </a:t>
+            </a:r>
+            <a:r>
+              <a:rPr lang="en-US" baseline="0" dirty="0" err="1" smtClean="0"/>
+              <a:t>obraditi</a:t>
+            </a:r>
+            <a:r>
+              <a:rPr lang="en-US" baseline="0" dirty="0" smtClean="0"/>
+              <a:t> vise </a:t>
+            </a:r>
+            <a:r>
+              <a:rPr lang="en-US" baseline="0" dirty="0" err="1" smtClean="0"/>
+              <a:t>informacija</a:t>
+            </a:r>
+            <a:r>
+              <a:rPr lang="en-US" baseline="0" dirty="0" smtClean="0"/>
+              <a:t>, </a:t>
+            </a:r>
+            <a:r>
+              <a:rPr lang="en-US" baseline="0" dirty="0" err="1" smtClean="0"/>
+              <a:t>koje</a:t>
+            </a:r>
+            <a:r>
+              <a:rPr lang="en-US" baseline="0" dirty="0" smtClean="0"/>
+              <a:t> </a:t>
+            </a:r>
+            <a:r>
+              <a:rPr lang="en-US" baseline="0" dirty="0" err="1" smtClean="0"/>
+              <a:t>su</a:t>
+            </a:r>
+            <a:r>
+              <a:rPr lang="en-US" baseline="0" dirty="0" smtClean="0"/>
+              <a:t> </a:t>
+            </a:r>
+            <a:r>
+              <a:rPr lang="en-US" baseline="0" dirty="0" err="1" smtClean="0"/>
+              <a:t>znatno</a:t>
+            </a:r>
+            <a:r>
+              <a:rPr lang="en-US" baseline="0" dirty="0" smtClean="0"/>
+              <a:t> </a:t>
+            </a:r>
+            <a:r>
+              <a:rPr lang="en-US" baseline="0" dirty="0" err="1" smtClean="0"/>
+              <a:t>kompleksnije</a:t>
+            </a:r>
+            <a:r>
+              <a:rPr lang="en-US" baseline="0" dirty="0" smtClean="0"/>
+              <a:t>, </a:t>
+            </a:r>
+            <a:r>
+              <a:rPr lang="en-US" baseline="0" dirty="0" err="1" smtClean="0"/>
+              <a:t>potrebno</a:t>
+            </a:r>
+            <a:r>
+              <a:rPr lang="en-US" baseline="0" dirty="0" smtClean="0"/>
+              <a:t> je </a:t>
+            </a:r>
+            <a:r>
+              <a:rPr lang="en-US" baseline="0" dirty="0" err="1" smtClean="0"/>
+              <a:t>primeniti</a:t>
+            </a:r>
+            <a:r>
+              <a:rPr lang="en-US" baseline="0" dirty="0" smtClean="0"/>
+              <a:t> u </a:t>
+            </a:r>
+            <a:r>
+              <a:rPr lang="en-US" baseline="0" dirty="0" err="1" smtClean="0"/>
+              <a:t>toj</a:t>
+            </a:r>
+            <a:r>
+              <a:rPr lang="en-US" baseline="0" dirty="0" smtClean="0"/>
+              <a:t> </a:t>
+            </a:r>
+            <a:r>
+              <a:rPr lang="en-US" baseline="0" dirty="0" err="1" smtClean="0"/>
+              <a:t>istoj</a:t>
+            </a:r>
+            <a:r>
+              <a:rPr lang="en-US" baseline="0" dirty="0" smtClean="0"/>
+              <a:t> </a:t>
+            </a:r>
+            <a:r>
+              <a:rPr lang="en-US" baseline="0" dirty="0" err="1" smtClean="0"/>
+              <a:t>obradi</a:t>
+            </a:r>
+            <a:r>
+              <a:rPr lang="en-US" baseline="0" dirty="0" smtClean="0"/>
+              <a:t> </a:t>
+            </a:r>
+            <a:r>
+              <a:rPr lang="en-US" baseline="0" dirty="0" err="1" smtClean="0"/>
+              <a:t>platforme</a:t>
+            </a:r>
+            <a:r>
+              <a:rPr lang="en-US" baseline="0" dirty="0" smtClean="0"/>
+              <a:t> </a:t>
+            </a:r>
+            <a:r>
+              <a:rPr lang="en-US" baseline="0" dirty="0" err="1" smtClean="0"/>
+              <a:t>vece</a:t>
+            </a:r>
+            <a:r>
+              <a:rPr lang="en-US" baseline="0" dirty="0" smtClean="0"/>
+              <a:t> </a:t>
+            </a:r>
+            <a:r>
+              <a:rPr lang="en-US" baseline="0" dirty="0" err="1" smtClean="0"/>
+              <a:t>procesorske</a:t>
+            </a:r>
+            <a:r>
+              <a:rPr lang="en-US" baseline="0" dirty="0" smtClean="0"/>
+              <a:t> </a:t>
+            </a:r>
+            <a:r>
+              <a:rPr lang="en-US" baseline="0" dirty="0" err="1" smtClean="0"/>
+              <a:t>moci</a:t>
+            </a:r>
+            <a:r>
+              <a:rPr lang="en-US" baseline="0" dirty="0" smtClean="0"/>
+              <a:t>.</a:t>
+            </a:r>
+          </a:p>
+          <a:p>
+            <a:endParaRPr lang="en-US" baseline="0" dirty="0" smtClean="0"/>
+          </a:p>
+          <a:p>
+            <a:pPr algn="l"/>
+            <a:r>
+              <a:rPr lang="en-US" baseline="0" dirty="0" err="1" smtClean="0"/>
+              <a:t>Iz</a:t>
+            </a:r>
+            <a:r>
+              <a:rPr lang="en-US" baseline="0" dirty="0" smtClean="0"/>
+              <a:t> </a:t>
+            </a:r>
+            <a:r>
+              <a:rPr lang="en-US" baseline="0" dirty="0" err="1" smtClean="0"/>
+              <a:t>ove</a:t>
+            </a:r>
+            <a:r>
+              <a:rPr lang="en-US" baseline="0" dirty="0" smtClean="0"/>
+              <a:t> </a:t>
+            </a:r>
+            <a:r>
+              <a:rPr lang="en-US" baseline="0" dirty="0" err="1" smtClean="0"/>
+              <a:t>potrebe</a:t>
+            </a:r>
+            <a:r>
+              <a:rPr lang="en-US" baseline="0" dirty="0" smtClean="0"/>
+              <a:t>, </a:t>
+            </a:r>
+            <a:r>
+              <a:rPr lang="en-US" baseline="0" dirty="0" err="1" smtClean="0"/>
+              <a:t>nastaje</a:t>
+            </a:r>
+            <a:r>
+              <a:rPr lang="en-US" baseline="0" dirty="0" smtClean="0"/>
+              <a:t> problem</a:t>
+            </a:r>
+            <a:r>
+              <a:rPr lang="sr-Cyrl-RS" baseline="0" dirty="0" smtClean="0"/>
+              <a:t> </a:t>
+            </a:r>
+            <a:r>
+              <a:rPr lang="en-US" baseline="0" dirty="0" err="1" smtClean="0"/>
+              <a:t>nepostojece</a:t>
+            </a:r>
+            <a:r>
+              <a:rPr lang="en-US" baseline="0" dirty="0" smtClean="0"/>
+              <a:t> </a:t>
+            </a:r>
+            <a:r>
+              <a:rPr lang="en-US" baseline="0" dirty="0" err="1" smtClean="0"/>
+              <a:t>standardizacije</a:t>
+            </a:r>
+            <a:r>
+              <a:rPr lang="en-US" baseline="0" dirty="0" smtClean="0"/>
+              <a:t> </a:t>
+            </a:r>
+            <a:r>
+              <a:rPr lang="en-US" baseline="0" dirty="0" err="1" smtClean="0"/>
+              <a:t>distribucije</a:t>
+            </a:r>
+            <a:r>
+              <a:rPr lang="en-US" baseline="0" dirty="0" smtClean="0"/>
+              <a:t> </a:t>
+            </a:r>
+            <a:r>
+              <a:rPr lang="en-US" baseline="0" dirty="0" err="1" smtClean="0"/>
+              <a:t>signala</a:t>
+            </a:r>
+            <a:r>
+              <a:rPr lang="en-US" baseline="0" dirty="0" smtClean="0"/>
+              <a:t>, </a:t>
+            </a:r>
+            <a:r>
+              <a:rPr lang="en-US" baseline="0" dirty="0" err="1" smtClean="0"/>
+              <a:t>koji</a:t>
+            </a:r>
+            <a:r>
+              <a:rPr lang="en-US" baseline="0" dirty="0" smtClean="0"/>
+              <a:t> </a:t>
+            </a:r>
+            <a:r>
+              <a:rPr lang="en-US" baseline="0" dirty="0" err="1" smtClean="0"/>
+              <a:t>su</a:t>
+            </a:r>
+            <a:r>
+              <a:rPr lang="en-US" baseline="0" dirty="0" smtClean="0"/>
+              <a:t> </a:t>
+            </a:r>
+            <a:r>
+              <a:rPr lang="en-US" baseline="0" dirty="0" err="1" smtClean="0"/>
+              <a:t>prikupljeni</a:t>
+            </a:r>
+            <a:r>
+              <a:rPr lang="en-US" baseline="0" dirty="0" smtClean="0"/>
+              <a:t> </a:t>
+            </a:r>
+            <a:r>
+              <a:rPr lang="en-US" baseline="0" dirty="0" err="1" smtClean="0"/>
+              <a:t>sa</a:t>
+            </a:r>
+            <a:r>
+              <a:rPr lang="en-US" baseline="0" dirty="0" smtClean="0"/>
+              <a:t> </a:t>
+            </a:r>
+            <a:r>
+              <a:rPr lang="en-US" baseline="0" dirty="0" err="1" smtClean="0"/>
+              <a:t>senzora</a:t>
+            </a:r>
+            <a:r>
+              <a:rPr lang="en-US" baseline="0" dirty="0" smtClean="0"/>
+              <a:t> </a:t>
+            </a:r>
+            <a:r>
+              <a:rPr lang="en-US" baseline="0" dirty="0" err="1" smtClean="0"/>
+              <a:t>visoke</a:t>
+            </a:r>
+            <a:r>
+              <a:rPr lang="en-US" baseline="0" dirty="0" smtClean="0"/>
+              <a:t> </a:t>
+            </a:r>
+            <a:r>
+              <a:rPr lang="en-US" baseline="0" dirty="0" err="1" smtClean="0"/>
+              <a:t>rezolucije</a:t>
+            </a:r>
+            <a:r>
+              <a:rPr lang="en-US" baseline="0" dirty="0" smtClean="0"/>
+              <a:t> </a:t>
+            </a:r>
+            <a:r>
+              <a:rPr lang="en-US" baseline="0" dirty="0" err="1" smtClean="0"/>
+              <a:t>na</a:t>
+            </a:r>
+            <a:r>
+              <a:rPr lang="en-US" baseline="0" dirty="0" smtClean="0"/>
+              <a:t> </a:t>
+            </a:r>
+            <a:r>
+              <a:rPr lang="en-US" baseline="0" dirty="0" err="1" smtClean="0"/>
+              <a:t>platformama</a:t>
+            </a:r>
+            <a:r>
+              <a:rPr lang="en-US" baseline="0" dirty="0" smtClean="0"/>
+              <a:t> </a:t>
+            </a:r>
+            <a:r>
+              <a:rPr lang="en-US" baseline="0" dirty="0" err="1" smtClean="0"/>
+              <a:t>visokh</a:t>
+            </a:r>
+            <a:r>
+              <a:rPr lang="en-US" baseline="0" dirty="0" smtClean="0"/>
+              <a:t> </a:t>
+            </a:r>
+            <a:r>
+              <a:rPr lang="en-US" baseline="0" dirty="0" err="1" smtClean="0"/>
+              <a:t>performansi</a:t>
+            </a:r>
+            <a:r>
+              <a:rPr lang="en-US" baseline="0" dirty="0" smtClean="0"/>
+              <a:t>. Time, </a:t>
+            </a:r>
+            <a:r>
+              <a:rPr lang="en-US" baseline="0" dirty="0" err="1" smtClean="0"/>
+              <a:t>ukoliko</a:t>
+            </a:r>
+            <a:r>
+              <a:rPr lang="en-US" baseline="0" dirty="0" smtClean="0"/>
+              <a:t> se </a:t>
+            </a:r>
+            <a:r>
+              <a:rPr lang="en-US" baseline="0" dirty="0" err="1" smtClean="0"/>
+              <a:t>na</a:t>
+            </a:r>
+            <a:r>
+              <a:rPr lang="en-US" baseline="0" dirty="0" smtClean="0"/>
+              <a:t> </a:t>
+            </a:r>
+            <a:r>
+              <a:rPr lang="en-US" baseline="0" dirty="0" err="1" smtClean="0"/>
+              <a:t>neadekvatan</a:t>
+            </a:r>
+            <a:r>
+              <a:rPr lang="en-US" baseline="0" dirty="0" smtClean="0"/>
+              <a:t> </a:t>
+            </a:r>
+            <a:r>
+              <a:rPr lang="en-US" baseline="0" dirty="0" err="1" smtClean="0"/>
+              <a:t>nacin</a:t>
+            </a:r>
+            <a:r>
+              <a:rPr lang="en-US" baseline="0" dirty="0" smtClean="0"/>
+              <a:t> </a:t>
+            </a:r>
+            <a:r>
+              <a:rPr lang="en-US" baseline="0" dirty="0" err="1" smtClean="0"/>
+              <a:t>pristupi</a:t>
+            </a:r>
+            <a:r>
+              <a:rPr lang="en-US" baseline="0" dirty="0" smtClean="0"/>
+              <a:t> </a:t>
+            </a:r>
+            <a:r>
+              <a:rPr lang="en-US" baseline="0" dirty="0" err="1" smtClean="0"/>
+              <a:t>podacima</a:t>
+            </a:r>
+            <a:r>
+              <a:rPr lang="en-US" baseline="0" dirty="0" smtClean="0"/>
+              <a:t>, </a:t>
+            </a:r>
+            <a:r>
+              <a:rPr lang="en-US" baseline="0" dirty="0" err="1" smtClean="0"/>
+              <a:t>moguce</a:t>
+            </a:r>
+            <a:r>
+              <a:rPr lang="en-US" baseline="0" dirty="0" smtClean="0"/>
+              <a:t> je </a:t>
+            </a:r>
+            <a:r>
+              <a:rPr lang="en-US" baseline="0" dirty="0" err="1" smtClean="0"/>
+              <a:t>naskoditi</a:t>
+            </a:r>
+            <a:r>
+              <a:rPr lang="en-US" baseline="0" dirty="0" smtClean="0"/>
+              <a:t> </a:t>
+            </a:r>
+            <a:r>
+              <a:rPr lang="en-US" baseline="0" dirty="0" err="1" smtClean="0"/>
+              <a:t>integritetu</a:t>
+            </a:r>
+            <a:r>
+              <a:rPr lang="en-US" baseline="0" dirty="0" smtClean="0"/>
+              <a:t> </a:t>
+            </a:r>
+            <a:r>
+              <a:rPr lang="en-US" baseline="0" dirty="0" err="1" smtClean="0"/>
+              <a:t>podataka</a:t>
+            </a:r>
+            <a:r>
+              <a:rPr lang="en-US" baseline="0" dirty="0" smtClean="0"/>
+              <a:t> I </a:t>
+            </a:r>
+            <a:r>
+              <a:rPr lang="en-US" baseline="0" dirty="0" err="1" smtClean="0"/>
+              <a:t>naskoditi</a:t>
+            </a:r>
+            <a:r>
+              <a:rPr lang="en-US" baseline="0" dirty="0" smtClean="0"/>
+              <a:t> </a:t>
+            </a:r>
+            <a:r>
+              <a:rPr lang="en-US" baseline="0" dirty="0" err="1" smtClean="0"/>
+              <a:t>pouzdanosti</a:t>
+            </a:r>
+            <a:r>
+              <a:rPr lang="en-US" baseline="0" dirty="0" smtClean="0"/>
+              <a:t> </a:t>
+            </a:r>
+            <a:r>
+              <a:rPr lang="en-US" baseline="0" dirty="0" err="1" smtClean="0"/>
+              <a:t>izvrsavanja</a:t>
+            </a:r>
+            <a:r>
+              <a:rPr lang="en-US" baseline="0" dirty="0" smtClean="0"/>
+              <a:t> ADAS </a:t>
+            </a:r>
+            <a:r>
+              <a:rPr lang="en-US" baseline="0" dirty="0" err="1" smtClean="0"/>
+              <a:t>algoritma</a:t>
+            </a:r>
+            <a:r>
+              <a:rPr lang="en-US" baseline="0" dirty="0" smtClean="0"/>
+              <a:t>, </a:t>
+            </a:r>
+            <a:r>
+              <a:rPr lang="en-US" baseline="0" dirty="0" err="1" smtClean="0"/>
+              <a:t>sto</a:t>
+            </a:r>
+            <a:r>
+              <a:rPr lang="en-US" baseline="0" dirty="0" smtClean="0"/>
+              <a:t> </a:t>
+            </a:r>
+            <a:r>
+              <a:rPr lang="en-US" baseline="0" dirty="0" err="1" smtClean="0"/>
+              <a:t>na</a:t>
+            </a:r>
+            <a:r>
+              <a:rPr lang="en-US" baseline="0" dirty="0" smtClean="0"/>
+              <a:t> </a:t>
+            </a:r>
+            <a:r>
+              <a:rPr lang="en-US" baseline="0" dirty="0" err="1" smtClean="0"/>
+              <a:t>kraju</a:t>
+            </a:r>
+            <a:r>
+              <a:rPr lang="en-US" baseline="0" dirty="0" smtClean="0"/>
+              <a:t>, </a:t>
+            </a:r>
+            <a:r>
+              <a:rPr lang="en-US" baseline="0" dirty="0" err="1" smtClean="0"/>
+              <a:t>moze</a:t>
+            </a:r>
+            <a:r>
+              <a:rPr lang="en-US" baseline="0" dirty="0" smtClean="0"/>
+              <a:t> </a:t>
+            </a:r>
+            <a:r>
+              <a:rPr lang="en-US" baseline="0" dirty="0" err="1" smtClean="0"/>
+              <a:t>imati</a:t>
+            </a:r>
+            <a:r>
+              <a:rPr lang="en-US" baseline="0" dirty="0" smtClean="0"/>
+              <a:t> </a:t>
+            </a:r>
+            <a:r>
+              <a:rPr lang="en-US" baseline="0" dirty="0" err="1" smtClean="0"/>
+              <a:t>katastrofalne</a:t>
+            </a:r>
+            <a:r>
+              <a:rPr lang="en-US" baseline="0" dirty="0" smtClean="0"/>
+              <a:t>, pa </a:t>
+            </a:r>
+            <a:r>
+              <a:rPr lang="en-US" baseline="0" dirty="0" err="1" smtClean="0"/>
+              <a:t>cak</a:t>
+            </a:r>
+            <a:r>
+              <a:rPr lang="en-US" baseline="0" dirty="0" smtClean="0"/>
+              <a:t> I </a:t>
+            </a:r>
+            <a:r>
+              <a:rPr lang="en-US" baseline="0" dirty="0" err="1" smtClean="0"/>
+              <a:t>fatalne</a:t>
+            </a:r>
+            <a:r>
+              <a:rPr lang="en-US" baseline="0" dirty="0" smtClean="0"/>
+              <a:t> </a:t>
+            </a:r>
+            <a:r>
+              <a:rPr lang="en-US" baseline="0" dirty="0" err="1" smtClean="0"/>
+              <a:t>posledice</a:t>
+            </a:r>
+            <a:r>
+              <a:rPr lang="en-US" baseline="0" dirty="0" smtClean="0"/>
+              <a:t>.</a:t>
+            </a:r>
+          </a:p>
+          <a:p>
+            <a:pPr algn="l"/>
+            <a:endParaRPr lang="en-US" baseline="0" dirty="0" smtClean="0"/>
+          </a:p>
+          <a:p>
+            <a:pPr algn="l"/>
+            <a:r>
+              <a:rPr lang="en-US" baseline="0" dirty="0" err="1" smtClean="0"/>
+              <a:t>Kako</a:t>
+            </a:r>
+            <a:r>
+              <a:rPr lang="en-US" baseline="0" dirty="0" smtClean="0"/>
+              <a:t> bi se </a:t>
+            </a:r>
+            <a:r>
+              <a:rPr lang="en-US" baseline="0" dirty="0" err="1" smtClean="0"/>
+              <a:t>zapocelo</a:t>
+            </a:r>
+            <a:r>
+              <a:rPr lang="en-US" baseline="0" dirty="0" smtClean="0"/>
+              <a:t> </a:t>
+            </a:r>
+            <a:r>
+              <a:rPr lang="en-US" baseline="0" dirty="0" err="1" smtClean="0"/>
+              <a:t>resevanje</a:t>
+            </a:r>
+            <a:r>
+              <a:rPr lang="en-US" baseline="0" dirty="0" smtClean="0"/>
+              <a:t> </a:t>
+            </a:r>
+            <a:r>
+              <a:rPr lang="en-US" baseline="0" dirty="0" err="1" smtClean="0"/>
+              <a:t>ovog</a:t>
+            </a:r>
+            <a:r>
+              <a:rPr lang="en-US" baseline="0" dirty="0" smtClean="0"/>
+              <a:t> </a:t>
+            </a:r>
+            <a:r>
+              <a:rPr lang="en-US" baseline="0" dirty="0" err="1" smtClean="0"/>
+              <a:t>problema</a:t>
+            </a:r>
+            <a:r>
+              <a:rPr lang="en-US" baseline="0" dirty="0" smtClean="0"/>
+              <a:t>, </a:t>
+            </a:r>
+            <a:r>
+              <a:rPr lang="en-US" baseline="0" dirty="0" err="1" smtClean="0"/>
+              <a:t>moze</a:t>
+            </a:r>
+            <a:r>
+              <a:rPr lang="en-US" baseline="0" dirty="0" smtClean="0"/>
+              <a:t> se </a:t>
+            </a:r>
+            <a:r>
+              <a:rPr lang="en-US" baseline="0" dirty="0" err="1" smtClean="0"/>
+              <a:t>uzeti</a:t>
+            </a:r>
+            <a:r>
+              <a:rPr lang="en-US" baseline="0" dirty="0" smtClean="0"/>
+              <a:t> AUTOSAR Adaptive standard, </a:t>
+            </a:r>
+            <a:r>
+              <a:rPr lang="en-US" baseline="0" dirty="0" err="1" smtClean="0"/>
+              <a:t>koja</a:t>
+            </a:r>
+            <a:r>
+              <a:rPr lang="en-US" baseline="0" dirty="0" smtClean="0"/>
+              <a:t> </a:t>
+            </a:r>
+            <a:r>
+              <a:rPr lang="en-US" baseline="0" dirty="0" err="1" smtClean="0"/>
+              <a:t>predstavlja</a:t>
+            </a:r>
+            <a:r>
+              <a:rPr lang="en-US" baseline="0" dirty="0" smtClean="0"/>
+              <a:t> </a:t>
+            </a:r>
+            <a:r>
+              <a:rPr lang="en-US" baseline="0" dirty="0" err="1" smtClean="0"/>
+              <a:t>moderni</a:t>
+            </a:r>
+            <a:r>
+              <a:rPr lang="en-US" baseline="0" dirty="0" smtClean="0"/>
+              <a:t> standard, </a:t>
+            </a:r>
+            <a:r>
+              <a:rPr lang="en-US" baseline="0" dirty="0" err="1" smtClean="0"/>
+              <a:t>za</a:t>
+            </a:r>
+            <a:r>
+              <a:rPr lang="en-US" baseline="0" dirty="0" smtClean="0"/>
+              <a:t> </a:t>
+            </a:r>
+            <a:r>
+              <a:rPr lang="en-US" baseline="0" dirty="0" err="1" smtClean="0"/>
+              <a:t>platforme</a:t>
+            </a:r>
+            <a:r>
+              <a:rPr lang="en-US" baseline="0" dirty="0" smtClean="0"/>
+              <a:t> </a:t>
+            </a:r>
+            <a:r>
+              <a:rPr lang="en-US" baseline="0" dirty="0" err="1" smtClean="0"/>
+              <a:t>vece</a:t>
+            </a:r>
+            <a:r>
+              <a:rPr lang="en-US" baseline="0" dirty="0" smtClean="0"/>
+              <a:t> </a:t>
+            </a:r>
+            <a:r>
+              <a:rPr lang="en-US" baseline="0" dirty="0" err="1" smtClean="0"/>
+              <a:t>procesorske</a:t>
+            </a:r>
+            <a:r>
+              <a:rPr lang="en-US" baseline="0" dirty="0" smtClean="0"/>
+              <a:t> </a:t>
+            </a:r>
+            <a:r>
+              <a:rPr lang="en-US" baseline="0" dirty="0" err="1" smtClean="0"/>
+              <a:t>moci</a:t>
+            </a:r>
+            <a:r>
+              <a:rPr lang="en-US" baseline="0" dirty="0" smtClean="0"/>
+              <a:t>.</a:t>
+            </a:r>
+          </a:p>
+          <a:p>
+            <a:pPr algn="l"/>
+            <a:endParaRPr lang="en-US" baseline="0" dirty="0" smtClean="0"/>
+          </a:p>
+          <a:p>
+            <a:pPr algn="l"/>
+            <a:r>
+              <a:rPr lang="en-US" baseline="0" dirty="0" err="1" smtClean="0"/>
+              <a:t>Tako</a:t>
+            </a:r>
+            <a:r>
+              <a:rPr lang="en-US" baseline="0" dirty="0" smtClean="0"/>
+              <a:t>, </a:t>
+            </a:r>
+            <a:r>
+              <a:rPr lang="en-US" baseline="0" dirty="0" err="1" smtClean="0"/>
+              <a:t>kao</a:t>
+            </a:r>
+            <a:r>
+              <a:rPr lang="en-US" baseline="0" dirty="0" smtClean="0"/>
+              <a:t> </a:t>
+            </a:r>
+            <a:r>
+              <a:rPr lang="en-US" baseline="0" dirty="0" err="1" smtClean="0"/>
+              <a:t>predlog</a:t>
+            </a:r>
+            <a:r>
+              <a:rPr lang="en-US" baseline="0" dirty="0" smtClean="0"/>
+              <a:t> </a:t>
+            </a:r>
+            <a:r>
+              <a:rPr lang="en-US" baseline="0" dirty="0" err="1" smtClean="0"/>
+              <a:t>resenja</a:t>
+            </a:r>
+            <a:r>
+              <a:rPr lang="en-US" baseline="0" dirty="0" smtClean="0"/>
+              <a:t> </a:t>
+            </a:r>
+            <a:r>
+              <a:rPr lang="en-US" baseline="0" dirty="0" err="1" smtClean="0"/>
+              <a:t>iznesenog</a:t>
+            </a:r>
+            <a:r>
+              <a:rPr lang="en-US" baseline="0" dirty="0" smtClean="0"/>
+              <a:t> </a:t>
+            </a:r>
+            <a:r>
+              <a:rPr lang="en-US" baseline="0" dirty="0" err="1" smtClean="0"/>
+              <a:t>problema</a:t>
+            </a:r>
+            <a:r>
+              <a:rPr lang="en-US" baseline="0" dirty="0" smtClean="0"/>
+              <a:t>, </a:t>
+            </a:r>
+            <a:r>
+              <a:rPr lang="en-US" baseline="0" dirty="0" err="1" smtClean="0"/>
+              <a:t>ovaj</a:t>
+            </a:r>
+            <a:r>
+              <a:rPr lang="en-US" baseline="0" dirty="0" smtClean="0"/>
+              <a:t> rad </a:t>
+            </a:r>
+            <a:r>
+              <a:rPr lang="en-US" baseline="0" dirty="0" err="1" smtClean="0"/>
+              <a:t>iznosi</a:t>
+            </a:r>
+            <a:r>
+              <a:rPr lang="en-US" baseline="0" dirty="0" smtClean="0"/>
+              <a:t> </a:t>
+            </a:r>
+            <a:r>
+              <a:rPr lang="en-US" baseline="0" dirty="0" err="1" smtClean="0"/>
+              <a:t>softversku</a:t>
+            </a:r>
+            <a:r>
+              <a:rPr lang="en-US" baseline="0" dirty="0" smtClean="0"/>
+              <a:t> </a:t>
+            </a:r>
+            <a:r>
+              <a:rPr lang="en-US" baseline="0" dirty="0" err="1" smtClean="0"/>
+              <a:t>magistralu</a:t>
+            </a:r>
+            <a:r>
+              <a:rPr lang="en-US" baseline="0" dirty="0" smtClean="0"/>
+              <a:t> </a:t>
+            </a:r>
+            <a:r>
+              <a:rPr lang="en-US" baseline="0" dirty="0" err="1" smtClean="0"/>
+              <a:t>za</a:t>
+            </a:r>
+            <a:r>
+              <a:rPr lang="en-US" baseline="0" dirty="0" smtClean="0"/>
+              <a:t> </a:t>
+            </a:r>
+            <a:r>
+              <a:rPr lang="en-US" baseline="0" dirty="0" err="1" smtClean="0"/>
+              <a:t>distribuciju</a:t>
+            </a:r>
+            <a:r>
+              <a:rPr lang="en-US" baseline="0" dirty="0" smtClean="0"/>
+              <a:t> video </a:t>
+            </a:r>
+            <a:r>
+              <a:rPr lang="en-US" baseline="0" dirty="0" err="1" smtClean="0"/>
+              <a:t>signala</a:t>
+            </a:r>
+            <a:r>
+              <a:rPr lang="en-US" baseline="0" dirty="0" smtClean="0"/>
+              <a:t> u </a:t>
+            </a:r>
+            <a:r>
+              <a:rPr lang="en-US" baseline="0" dirty="0" err="1" smtClean="0"/>
+              <a:t>okviru</a:t>
+            </a:r>
+            <a:r>
+              <a:rPr lang="en-US" baseline="0" dirty="0" smtClean="0"/>
+              <a:t> AUTOSAR adaptive </a:t>
+            </a:r>
+            <a:r>
+              <a:rPr lang="en-US" baseline="0" dirty="0" err="1" smtClean="0"/>
+              <a:t>platforme</a:t>
+            </a:r>
+            <a:r>
+              <a:rPr lang="en-US" baseline="0" dirty="0" smtClean="0"/>
+              <a:t>.</a:t>
+            </a:r>
+          </a:p>
+          <a:p>
+            <a:pPr algn="l"/>
+            <a:endParaRPr lang="en-US" baseline="0" dirty="0" smtClean="0"/>
+          </a:p>
+          <a:p>
+            <a:pPr algn="l"/>
+            <a:r>
+              <a:rPr lang="en-US" baseline="0" dirty="0" smtClean="0"/>
+              <a:t>AUTOSAR adaptive, standard </a:t>
+            </a:r>
+            <a:r>
+              <a:rPr lang="en-US" baseline="0" dirty="0" err="1" smtClean="0"/>
+              <a:t>i</a:t>
+            </a:r>
+            <a:r>
+              <a:rPr lang="en-US" baseline="0" dirty="0" smtClean="0"/>
+              <a:t> </a:t>
+            </a:r>
+            <a:r>
+              <a:rPr lang="en-US" baseline="0" dirty="0" err="1" smtClean="0"/>
+              <a:t>propratna</a:t>
+            </a:r>
+            <a:r>
+              <a:rPr lang="en-US" baseline="0" dirty="0" smtClean="0"/>
+              <a:t> </a:t>
+            </a:r>
+            <a:r>
+              <a:rPr lang="en-US" baseline="0" dirty="0" err="1" smtClean="0"/>
+              <a:t>platforma</a:t>
+            </a:r>
+            <a:r>
+              <a:rPr lang="en-US" baseline="0" dirty="0" smtClean="0"/>
+              <a:t>, </a:t>
+            </a:r>
+            <a:r>
+              <a:rPr lang="en-US" baseline="0" dirty="0" err="1" smtClean="0"/>
+              <a:t>predstavljaju</a:t>
+            </a:r>
+            <a:r>
+              <a:rPr lang="en-US" baseline="0" dirty="0" smtClean="0"/>
+              <a:t> </a:t>
+            </a:r>
+          </a:p>
+        </p:txBody>
+      </p:sp>
+      <p:sp>
+        <p:nvSpPr>
+          <p:cNvPr id="4" name="Slide Number Placeholder 3"/>
+          <p:cNvSpPr>
+            <a:spLocks noGrp="1"/>
+          </p:cNvSpPr>
+          <p:nvPr>
+            <p:ph type="sldNum" sz="quarter" idx="10"/>
+          </p:nvPr>
+        </p:nvSpPr>
+        <p:spPr/>
+        <p:txBody>
+          <a:bodyPr/>
+          <a:lstStyle/>
+          <a:p>
+            <a:fld id="{9F10CBF3-37F0-420D-959A-0BF960019D0A}" type="slidenum">
+              <a:rPr lang="en-GB" smtClean="0"/>
+              <a:t>4</a:t>
+            </a:fld>
+            <a:endParaRPr lang="en-GB"/>
+          </a:p>
+        </p:txBody>
+      </p:sp>
+    </p:spTree>
+    <p:extLst>
+      <p:ext uri="{BB962C8B-B14F-4D97-AF65-F5344CB8AC3E}">
+        <p14:creationId xmlns:p14="http://schemas.microsoft.com/office/powerpoint/2010/main" val="2604353045"/>
+      </p:ext>
+    </p:extLst>
+  </p:cSld>
+  <p:clrMapOvr>
+    <a:masterClrMapping/>
+  </p:clrMapOvr>
+</p:notes>
+</file>
+
+<file path=ppt/notesSlides/notesSlide4.xml><?xml version="1.0" encoding="utf-8"?>
+<p:notes xmlns:a="http://schemas.openxmlformats.org/drawingml/2006/main" xmlns:r="http://schemas.openxmlformats.org/officeDocument/2006/relationships" xmlns:p="http://schemas.openxmlformats.org/presentationml/2006/main">
+  <p:cSld>
+    <p:spTree>
+      <p:nvGrpSpPr>
+        <p:cNvPr id="1" name=""/>
+        <p:cNvGrpSpPr/>
+        <p:nvPr/>
+      </p:nvGrpSpPr>
+      <p:grpSpPr>
+        <a:xfrm>
+          <a:off x="0" y="0"/>
+          <a:ext cx="0" cy="0"/>
+          <a:chOff x="0" y="0"/>
+          <a:chExt cx="0" cy="0"/>
+        </a:xfrm>
+      </p:grpSpPr>
+      <p:sp>
+        <p:nvSpPr>
+          <p:cNvPr id="2" name="Slide Image Placeholder 1"/>
+          <p:cNvSpPr>
+            <a:spLocks noGrp="1" noRot="1" noChangeAspect="1"/>
+          </p:cNvSpPr>
+          <p:nvPr>
+            <p:ph type="sldImg"/>
+          </p:nvPr>
+        </p:nvSpPr>
+        <p:spPr/>
+      </p:sp>
+      <p:sp>
+        <p:nvSpPr>
+          <p:cNvPr id="3" name="Notes Placeholder 2"/>
+          <p:cNvSpPr>
+            <a:spLocks noGrp="1"/>
+          </p:cNvSpPr>
+          <p:nvPr>
+            <p:ph type="body" idx="1"/>
+          </p:nvPr>
+        </p:nvSpPr>
+        <p:spPr/>
+        <p:txBody>
+          <a:bodyPr/>
+          <a:lstStyle/>
+          <a:p>
+            <a:r>
+              <a:rPr lang="en-US" sz="1200" b="0" i="0" u="none" strike="noStrike" kern="1200" baseline="0" dirty="0" err="1" smtClean="0">
+                <a:solidFill>
+                  <a:schemeClr val="tx1"/>
+                </a:solidFill>
+                <a:latin typeface="+mn-lt"/>
+                <a:ea typeface="+mn-ea"/>
+                <a:cs typeface="+mn-cs"/>
+              </a:rPr>
+              <a:t>Autosar</a:t>
+            </a:r>
+            <a:r>
+              <a:rPr lang="en-US" sz="1200" b="0" i="0" u="none" strike="noStrike" kern="1200" baseline="0" dirty="0" smtClean="0">
+                <a:solidFill>
+                  <a:schemeClr val="tx1"/>
+                </a:solidFill>
+                <a:latin typeface="+mn-lt"/>
+                <a:ea typeface="+mn-ea"/>
+                <a:cs typeface="+mn-cs"/>
+              </a:rPr>
+              <a:t> </a:t>
+            </a:r>
+            <a:r>
+              <a:rPr lang="en-US" sz="1200" b="0" i="0" u="none" strike="noStrike" kern="1200" baseline="0" dirty="0" err="1" smtClean="0">
+                <a:solidFill>
+                  <a:schemeClr val="tx1"/>
+                </a:solidFill>
+                <a:latin typeface="+mn-lt"/>
+                <a:ea typeface="+mn-ea"/>
+                <a:cs typeface="+mn-cs"/>
+              </a:rPr>
+              <a:t>predstavlja</a:t>
+            </a:r>
+            <a:r>
+              <a:rPr lang="en-US" sz="1200" b="0" i="0" u="none" strike="noStrike" kern="1200" baseline="0" dirty="0" smtClean="0">
+                <a:solidFill>
+                  <a:schemeClr val="tx1"/>
+                </a:solidFill>
+                <a:latin typeface="+mn-lt"/>
+                <a:ea typeface="+mn-ea"/>
+                <a:cs typeface="+mn-cs"/>
+              </a:rPr>
+              <a:t> </a:t>
+            </a:r>
+            <a:r>
+              <a:rPr lang="en-US" sz="1200" b="0" i="0" u="none" strike="noStrike" kern="1200" baseline="0" dirty="0" err="1" smtClean="0">
+                <a:solidFill>
+                  <a:schemeClr val="tx1"/>
+                </a:solidFill>
+                <a:latin typeface="+mn-lt"/>
+                <a:ea typeface="+mn-ea"/>
+                <a:cs typeface="+mn-cs"/>
+              </a:rPr>
+              <a:t>konzorcijum</a:t>
+            </a:r>
+            <a:r>
+              <a:rPr lang="en-US" sz="1200" b="0" i="0" u="none" strike="noStrike" kern="1200" baseline="0" dirty="0" smtClean="0">
+                <a:solidFill>
+                  <a:schemeClr val="tx1"/>
+                </a:solidFill>
+                <a:latin typeface="+mn-lt"/>
+                <a:ea typeface="+mn-ea"/>
+                <a:cs typeface="+mn-cs"/>
+              </a:rPr>
+              <a:t> </a:t>
+            </a:r>
+            <a:r>
+              <a:rPr lang="en-US" sz="1200" b="0" i="0" u="none" strike="noStrike" kern="1200" baseline="0" dirty="0" err="1" smtClean="0">
+                <a:solidFill>
+                  <a:schemeClr val="tx1"/>
+                </a:solidFill>
+                <a:latin typeface="+mn-lt"/>
+                <a:ea typeface="+mn-ea"/>
+                <a:cs typeface="+mn-cs"/>
+              </a:rPr>
+              <a:t>koji</a:t>
+            </a:r>
+            <a:r>
+              <a:rPr lang="en-US" sz="1200" b="0" i="0" u="none" strike="noStrike" kern="1200" baseline="0" dirty="0" smtClean="0">
+                <a:solidFill>
+                  <a:schemeClr val="tx1"/>
+                </a:solidFill>
+                <a:latin typeface="+mn-lt"/>
+                <a:ea typeface="+mn-ea"/>
+                <a:cs typeface="+mn-cs"/>
+              </a:rPr>
+              <a:t> je </a:t>
+            </a:r>
+            <a:r>
+              <a:rPr lang="en-US" sz="1200" b="0" i="0" u="none" strike="noStrike" kern="1200" baseline="0" dirty="0" err="1" smtClean="0">
+                <a:solidFill>
+                  <a:schemeClr val="tx1"/>
+                </a:solidFill>
+                <a:latin typeface="+mn-lt"/>
+                <a:ea typeface="+mn-ea"/>
+                <a:cs typeface="+mn-cs"/>
+              </a:rPr>
+              <a:t>okupljen</a:t>
+            </a:r>
+            <a:r>
+              <a:rPr lang="en-US" sz="1200" b="0" i="0" u="none" strike="noStrike" kern="1200" baseline="0" dirty="0" smtClean="0">
+                <a:solidFill>
+                  <a:schemeClr val="tx1"/>
+                </a:solidFill>
+                <a:latin typeface="+mn-lt"/>
+                <a:ea typeface="+mn-ea"/>
+                <a:cs typeface="+mn-cs"/>
+              </a:rPr>
+              <a:t> </a:t>
+            </a:r>
+            <a:r>
+              <a:rPr lang="en-US" sz="1200" b="0" i="0" u="none" strike="noStrike" kern="1200" baseline="0" dirty="0" err="1" smtClean="0">
+                <a:solidFill>
+                  <a:schemeClr val="tx1"/>
+                </a:solidFill>
+                <a:latin typeface="+mn-lt"/>
+                <a:ea typeface="+mn-ea"/>
+                <a:cs typeface="+mn-cs"/>
+              </a:rPr>
+              <a:t>oko</a:t>
+            </a:r>
+            <a:r>
+              <a:rPr lang="en-US" sz="1200" b="0" i="0" u="none" strike="noStrike" kern="1200" baseline="0" dirty="0" smtClean="0">
+                <a:solidFill>
+                  <a:schemeClr val="tx1"/>
+                </a:solidFill>
+                <a:latin typeface="+mn-lt"/>
+                <a:ea typeface="+mn-ea"/>
+                <a:cs typeface="+mn-cs"/>
+              </a:rPr>
+              <a:t> </a:t>
+            </a:r>
+            <a:r>
+              <a:rPr lang="en-US" sz="1200" b="0" i="0" u="none" strike="noStrike" kern="1200" baseline="0" dirty="0" err="1" smtClean="0">
+                <a:solidFill>
+                  <a:schemeClr val="tx1"/>
+                </a:solidFill>
+                <a:latin typeface="+mn-lt"/>
+                <a:ea typeface="+mn-ea"/>
+                <a:cs typeface="+mn-cs"/>
+              </a:rPr>
+              <a:t>velikog</a:t>
+            </a:r>
+            <a:r>
+              <a:rPr lang="en-US" sz="1200" b="0" i="0" u="none" strike="noStrike" kern="1200" baseline="0" dirty="0" smtClean="0">
+                <a:solidFill>
+                  <a:schemeClr val="tx1"/>
+                </a:solidFill>
+                <a:latin typeface="+mn-lt"/>
+                <a:ea typeface="+mn-ea"/>
+                <a:cs typeface="+mn-cs"/>
+              </a:rPr>
+              <a:t> </a:t>
+            </a:r>
+            <a:r>
+              <a:rPr lang="en-US" sz="1200" b="0" i="0" u="none" strike="noStrike" kern="1200" baseline="0" dirty="0" err="1" smtClean="0">
+                <a:solidFill>
+                  <a:schemeClr val="tx1"/>
+                </a:solidFill>
+                <a:latin typeface="+mn-lt"/>
+                <a:ea typeface="+mn-ea"/>
+                <a:cs typeface="+mn-cs"/>
+              </a:rPr>
+              <a:t>broja</a:t>
+            </a:r>
+            <a:r>
+              <a:rPr lang="en-US" sz="1200" b="0" i="0" u="none" strike="noStrike" kern="1200" baseline="0" dirty="0" smtClean="0">
+                <a:solidFill>
+                  <a:schemeClr val="tx1"/>
+                </a:solidFill>
+                <a:latin typeface="+mn-lt"/>
+                <a:ea typeface="+mn-ea"/>
+                <a:cs typeface="+mn-cs"/>
+              </a:rPr>
+              <a:t> </a:t>
+            </a:r>
+            <a:r>
+              <a:rPr lang="en-US" sz="1200" b="0" i="0" u="none" strike="noStrike" kern="1200" baseline="0" dirty="0" err="1" smtClean="0">
+                <a:solidFill>
+                  <a:schemeClr val="tx1"/>
+                </a:solidFill>
+                <a:latin typeface="+mn-lt"/>
+                <a:ea typeface="+mn-ea"/>
+                <a:cs typeface="+mn-cs"/>
+              </a:rPr>
+              <a:t>prozivodjaca</a:t>
+            </a:r>
+            <a:r>
+              <a:rPr lang="en-US" sz="1200" b="0" i="0" u="none" strike="noStrike" kern="1200" baseline="0" dirty="0" smtClean="0">
+                <a:solidFill>
+                  <a:schemeClr val="tx1"/>
+                </a:solidFill>
+                <a:latin typeface="+mn-lt"/>
+                <a:ea typeface="+mn-ea"/>
+                <a:cs typeface="+mn-cs"/>
+              </a:rPr>
+              <a:t> </a:t>
+            </a:r>
+            <a:r>
+              <a:rPr lang="en-US" sz="1200" b="0" i="0" u="none" strike="noStrike" kern="1200" baseline="0" dirty="0" err="1" smtClean="0">
+                <a:solidFill>
+                  <a:schemeClr val="tx1"/>
+                </a:solidFill>
+                <a:latin typeface="+mn-lt"/>
+                <a:ea typeface="+mn-ea"/>
+                <a:cs typeface="+mn-cs"/>
+              </a:rPr>
+              <a:t>vozila</a:t>
+            </a:r>
+            <a:r>
+              <a:rPr lang="en-US" sz="1200" b="0" i="0" u="none" strike="noStrike" kern="1200" baseline="0" dirty="0" smtClean="0">
+                <a:solidFill>
+                  <a:schemeClr val="tx1"/>
+                </a:solidFill>
+                <a:latin typeface="+mn-lt"/>
+                <a:ea typeface="+mn-ea"/>
+                <a:cs typeface="+mn-cs"/>
+              </a:rPr>
+              <a:t>, </a:t>
+            </a:r>
+            <a:r>
+              <a:rPr lang="en-US" sz="1200" b="0" i="0" u="none" strike="noStrike" kern="1200" baseline="0" dirty="0" err="1" smtClean="0">
+                <a:solidFill>
+                  <a:schemeClr val="tx1"/>
+                </a:solidFill>
+                <a:latin typeface="+mn-lt"/>
+                <a:ea typeface="+mn-ea"/>
+                <a:cs typeface="+mn-cs"/>
+              </a:rPr>
+              <a:t>opreme</a:t>
+            </a:r>
+            <a:r>
+              <a:rPr lang="en-US" sz="1200" b="0" i="0" u="none" strike="noStrike" kern="1200" baseline="0" dirty="0" smtClean="0">
+                <a:solidFill>
+                  <a:schemeClr val="tx1"/>
+                </a:solidFill>
+                <a:latin typeface="+mn-lt"/>
+                <a:ea typeface="+mn-ea"/>
+                <a:cs typeface="+mn-cs"/>
+              </a:rPr>
+              <a:t> </a:t>
+            </a:r>
+            <a:r>
+              <a:rPr lang="en-US" sz="1200" b="0" i="0" u="none" strike="noStrike" kern="1200" baseline="0" dirty="0" err="1" smtClean="0">
+                <a:solidFill>
+                  <a:schemeClr val="tx1"/>
+                </a:solidFill>
+                <a:latin typeface="+mn-lt"/>
+                <a:ea typeface="+mn-ea"/>
+                <a:cs typeface="+mn-cs"/>
+              </a:rPr>
+              <a:t>za</a:t>
+            </a:r>
+            <a:r>
+              <a:rPr lang="en-US" sz="1200" b="0" i="0" u="none" strike="noStrike" kern="1200" baseline="0" dirty="0" smtClean="0">
+                <a:solidFill>
+                  <a:schemeClr val="tx1"/>
+                </a:solidFill>
+                <a:latin typeface="+mn-lt"/>
+                <a:ea typeface="+mn-ea"/>
+                <a:cs typeface="+mn-cs"/>
+              </a:rPr>
+              <a:t> </a:t>
+            </a:r>
+            <a:r>
+              <a:rPr lang="en-US" sz="1200" b="0" i="0" u="none" strike="noStrike" kern="1200" baseline="0" dirty="0" err="1" smtClean="0">
+                <a:solidFill>
+                  <a:schemeClr val="tx1"/>
+                </a:solidFill>
+                <a:latin typeface="+mn-lt"/>
+                <a:ea typeface="+mn-ea"/>
+                <a:cs typeface="+mn-cs"/>
+              </a:rPr>
+              <a:t>vozila</a:t>
+            </a:r>
+            <a:r>
+              <a:rPr lang="en-US" sz="1200" b="0" i="0" u="none" strike="noStrike" kern="1200" baseline="0" dirty="0" smtClean="0">
+                <a:solidFill>
+                  <a:schemeClr val="tx1"/>
+                </a:solidFill>
+                <a:latin typeface="+mn-lt"/>
+                <a:ea typeface="+mn-ea"/>
+                <a:cs typeface="+mn-cs"/>
+              </a:rPr>
+              <a:t> I </a:t>
+            </a:r>
+            <a:r>
+              <a:rPr lang="en-US" sz="1200" b="0" i="0" u="none" strike="noStrike" kern="1200" baseline="0" dirty="0" err="1" smtClean="0">
+                <a:solidFill>
+                  <a:schemeClr val="tx1"/>
+                </a:solidFill>
+                <a:latin typeface="+mn-lt"/>
+                <a:ea typeface="+mn-ea"/>
+                <a:cs typeface="+mn-cs"/>
+              </a:rPr>
+              <a:t>raznovrsnih</a:t>
+            </a:r>
+            <a:r>
+              <a:rPr lang="en-US" sz="1200" b="0" i="0" u="none" strike="noStrike" kern="1200" baseline="0" dirty="0" smtClean="0">
+                <a:solidFill>
+                  <a:schemeClr val="tx1"/>
+                </a:solidFill>
+                <a:latin typeface="+mn-lt"/>
+                <a:ea typeface="+mn-ea"/>
+                <a:cs typeface="+mn-cs"/>
+              </a:rPr>
+              <a:t> </a:t>
+            </a:r>
+            <a:r>
+              <a:rPr lang="en-US" sz="1200" b="0" i="0" u="none" strike="noStrike" kern="1200" baseline="0" dirty="0" err="1" smtClean="0">
+                <a:solidFill>
+                  <a:schemeClr val="tx1"/>
+                </a:solidFill>
+                <a:latin typeface="+mn-lt"/>
+                <a:ea typeface="+mn-ea"/>
+                <a:cs typeface="+mn-cs"/>
+              </a:rPr>
+              <a:t>alata</a:t>
+            </a:r>
+            <a:r>
+              <a:rPr lang="en-US" sz="1200" b="0" i="0" u="none" strike="noStrike" kern="1200" baseline="0" dirty="0" smtClean="0">
+                <a:solidFill>
+                  <a:schemeClr val="tx1"/>
+                </a:solidFill>
+                <a:latin typeface="+mn-lt"/>
+                <a:ea typeface="+mn-ea"/>
+                <a:cs typeface="+mn-cs"/>
+              </a:rPr>
+              <a:t>. </a:t>
+            </a:r>
+          </a:p>
+          <a:p>
+            <a:endParaRPr lang="en-US" sz="1200" b="0" i="0" u="none" strike="noStrike" kern="1200" baseline="0" dirty="0" smtClean="0">
+              <a:solidFill>
+                <a:schemeClr val="tx1"/>
+              </a:solidFill>
+              <a:latin typeface="+mn-lt"/>
+              <a:ea typeface="+mn-ea"/>
+              <a:cs typeface="+mn-cs"/>
+            </a:endParaRPr>
+          </a:p>
+          <a:p>
+            <a:r>
+              <a:rPr lang="en-US" sz="1200" b="0" i="0" u="none" strike="noStrike" kern="1200" baseline="0" dirty="0" err="1" smtClean="0">
+                <a:solidFill>
+                  <a:schemeClr val="tx1"/>
+                </a:solidFill>
+                <a:latin typeface="+mn-lt"/>
+                <a:ea typeface="+mn-ea"/>
+                <a:cs typeface="+mn-cs"/>
+              </a:rPr>
+              <a:t>Cilj</a:t>
+            </a:r>
+            <a:r>
+              <a:rPr lang="en-US" sz="1200" b="0" i="0" u="none" strike="noStrike" kern="1200" baseline="0" dirty="0" smtClean="0">
+                <a:solidFill>
+                  <a:schemeClr val="tx1"/>
+                </a:solidFill>
+                <a:latin typeface="+mn-lt"/>
+                <a:ea typeface="+mn-ea"/>
+                <a:cs typeface="+mn-cs"/>
+              </a:rPr>
+              <a:t> </a:t>
+            </a:r>
+            <a:r>
+              <a:rPr lang="en-US" sz="1200" b="0" i="0" u="none" strike="noStrike" kern="1200" baseline="0" dirty="0" err="1" smtClean="0">
+                <a:solidFill>
+                  <a:schemeClr val="tx1"/>
+                </a:solidFill>
+                <a:latin typeface="+mn-lt"/>
+                <a:ea typeface="+mn-ea"/>
+                <a:cs typeface="+mn-cs"/>
+              </a:rPr>
+              <a:t>konzorcijuma</a:t>
+            </a:r>
+            <a:r>
+              <a:rPr lang="en-US" sz="1200" b="0" i="0" u="none" strike="noStrike" kern="1200" baseline="0" dirty="0" smtClean="0">
+                <a:solidFill>
+                  <a:schemeClr val="tx1"/>
+                </a:solidFill>
+                <a:latin typeface="+mn-lt"/>
+                <a:ea typeface="+mn-ea"/>
+                <a:cs typeface="+mn-cs"/>
+              </a:rPr>
+              <a:t> -&gt; </a:t>
+            </a:r>
+            <a:r>
+              <a:rPr lang="en-US" sz="1200" b="0" i="0" u="none" strike="noStrike" kern="1200" baseline="0" dirty="0" err="1" smtClean="0">
+                <a:solidFill>
+                  <a:schemeClr val="tx1"/>
+                </a:solidFill>
+                <a:latin typeface="+mn-lt"/>
+                <a:ea typeface="+mn-ea"/>
+                <a:cs typeface="+mn-cs"/>
+              </a:rPr>
+              <a:t>Stvaranje</a:t>
+            </a:r>
+            <a:r>
+              <a:rPr lang="en-US" sz="1200" b="0" i="0" u="none" strike="noStrike" kern="1200" baseline="0" dirty="0" smtClean="0">
+                <a:solidFill>
+                  <a:schemeClr val="tx1"/>
+                </a:solidFill>
+                <a:latin typeface="+mn-lt"/>
+                <a:ea typeface="+mn-ea"/>
+                <a:cs typeface="+mn-cs"/>
+              </a:rPr>
+              <a:t> </a:t>
+            </a:r>
+            <a:r>
+              <a:rPr lang="en-US" sz="1200" b="0" i="0" u="none" strike="noStrike" kern="1200" baseline="0" dirty="0" err="1" smtClean="0">
+                <a:solidFill>
+                  <a:schemeClr val="tx1"/>
+                </a:solidFill>
+                <a:latin typeface="+mn-lt"/>
+                <a:ea typeface="+mn-ea"/>
+                <a:cs typeface="+mn-cs"/>
+              </a:rPr>
+              <a:t>jedinstvenog</a:t>
+            </a:r>
+            <a:r>
+              <a:rPr lang="en-US" sz="1200" b="0" i="0" u="none" strike="noStrike" kern="1200" baseline="0" dirty="0" smtClean="0">
+                <a:solidFill>
+                  <a:schemeClr val="tx1"/>
+                </a:solidFill>
+                <a:latin typeface="+mn-lt"/>
+                <a:ea typeface="+mn-ea"/>
+                <a:cs typeface="+mn-cs"/>
+              </a:rPr>
+              <a:t> standard </a:t>
+            </a:r>
+            <a:r>
+              <a:rPr lang="en-US" sz="1200" b="0" i="0" u="none" strike="noStrike" kern="1200" baseline="0" dirty="0" err="1" smtClean="0">
+                <a:solidFill>
+                  <a:schemeClr val="tx1"/>
+                </a:solidFill>
+                <a:latin typeface="+mn-lt"/>
+                <a:ea typeface="+mn-ea"/>
+                <a:cs typeface="+mn-cs"/>
+              </a:rPr>
+              <a:t>koji</a:t>
+            </a:r>
+            <a:r>
+              <a:rPr lang="en-US" sz="1200" b="0" i="0" u="none" strike="noStrike" kern="1200" baseline="0" dirty="0" smtClean="0">
+                <a:solidFill>
+                  <a:schemeClr val="tx1"/>
+                </a:solidFill>
+                <a:latin typeface="+mn-lt"/>
+                <a:ea typeface="+mn-ea"/>
+                <a:cs typeface="+mn-cs"/>
+              </a:rPr>
+              <a:t> </a:t>
+            </a:r>
+            <a:r>
+              <a:rPr lang="en-US" sz="1200" b="0" i="0" u="none" strike="noStrike" kern="1200" baseline="0" dirty="0" err="1" smtClean="0">
+                <a:solidFill>
+                  <a:schemeClr val="tx1"/>
+                </a:solidFill>
+                <a:latin typeface="+mn-lt"/>
+                <a:ea typeface="+mn-ea"/>
+                <a:cs typeface="+mn-cs"/>
+              </a:rPr>
+              <a:t>ce</a:t>
+            </a:r>
+            <a:r>
+              <a:rPr lang="en-US" sz="1200" b="0" i="0" u="none" strike="noStrike" kern="1200" baseline="0" dirty="0" smtClean="0">
+                <a:solidFill>
+                  <a:schemeClr val="tx1"/>
+                </a:solidFill>
+                <a:latin typeface="+mn-lt"/>
+                <a:ea typeface="+mn-ea"/>
+                <a:cs typeface="+mn-cs"/>
+              </a:rPr>
+              <a:t> </a:t>
+            </a:r>
+            <a:r>
+              <a:rPr lang="en-US" sz="1200" b="0" i="0" u="none" strike="noStrike" kern="1200" baseline="0" dirty="0" err="1" smtClean="0">
+                <a:solidFill>
+                  <a:schemeClr val="tx1"/>
+                </a:solidFill>
+                <a:latin typeface="+mn-lt"/>
+                <a:ea typeface="+mn-ea"/>
+                <a:cs typeface="+mn-cs"/>
+              </a:rPr>
+              <a:t>svaki</a:t>
+            </a:r>
+            <a:r>
+              <a:rPr lang="en-US" sz="1200" b="0" i="0" u="none" strike="noStrike" kern="1200" baseline="0" dirty="0" smtClean="0">
+                <a:solidFill>
+                  <a:schemeClr val="tx1"/>
+                </a:solidFill>
+                <a:latin typeface="+mn-lt"/>
+                <a:ea typeface="+mn-ea"/>
+                <a:cs typeface="+mn-cs"/>
+              </a:rPr>
+              <a:t> </a:t>
+            </a:r>
+            <a:r>
+              <a:rPr lang="en-US" sz="1200" b="0" i="0" u="none" strike="noStrike" kern="1200" baseline="0" dirty="0" err="1" smtClean="0">
+                <a:solidFill>
+                  <a:schemeClr val="tx1"/>
+                </a:solidFill>
+                <a:latin typeface="+mn-lt"/>
+                <a:ea typeface="+mn-ea"/>
+                <a:cs typeface="+mn-cs"/>
+              </a:rPr>
+              <a:t>proizvodjac</a:t>
+            </a:r>
+            <a:r>
+              <a:rPr lang="en-US" sz="1200" b="0" i="0" u="none" strike="noStrike" kern="1200" baseline="0" dirty="0" smtClean="0">
+                <a:solidFill>
+                  <a:schemeClr val="tx1"/>
+                </a:solidFill>
+                <a:latin typeface="+mn-lt"/>
+                <a:ea typeface="+mn-ea"/>
+                <a:cs typeface="+mn-cs"/>
+              </a:rPr>
+              <a:t> </a:t>
+            </a:r>
+            <a:r>
+              <a:rPr lang="en-US" sz="1200" b="0" i="0" u="none" strike="noStrike" kern="1200" baseline="0" dirty="0" err="1" smtClean="0">
+                <a:solidFill>
+                  <a:schemeClr val="tx1"/>
+                </a:solidFill>
+                <a:latin typeface="+mn-lt"/>
+                <a:ea typeface="+mn-ea"/>
+                <a:cs typeface="+mn-cs"/>
+              </a:rPr>
+              <a:t>moci</a:t>
+            </a:r>
+            <a:r>
+              <a:rPr lang="en-US" sz="1200" b="0" i="0" u="none" strike="noStrike" kern="1200" baseline="0" dirty="0" smtClean="0">
+                <a:solidFill>
+                  <a:schemeClr val="tx1"/>
+                </a:solidFill>
+                <a:latin typeface="+mn-lt"/>
+                <a:ea typeface="+mn-ea"/>
+                <a:cs typeface="+mn-cs"/>
+              </a:rPr>
+              <a:t> da </a:t>
+            </a:r>
+            <a:r>
+              <a:rPr lang="en-US" sz="1200" b="0" i="0" u="none" strike="noStrike" kern="1200" baseline="0" dirty="0" err="1" smtClean="0">
+                <a:solidFill>
+                  <a:schemeClr val="tx1"/>
+                </a:solidFill>
+                <a:latin typeface="+mn-lt"/>
+                <a:ea typeface="+mn-ea"/>
+                <a:cs typeface="+mn-cs"/>
+              </a:rPr>
+              <a:t>implementira</a:t>
+            </a:r>
+            <a:r>
+              <a:rPr lang="en-US" sz="1200" b="0" i="0" u="none" strike="noStrike" kern="1200" baseline="0" dirty="0" smtClean="0">
+                <a:solidFill>
+                  <a:schemeClr val="tx1"/>
+                </a:solidFill>
+                <a:latin typeface="+mn-lt"/>
+                <a:ea typeface="+mn-ea"/>
+                <a:cs typeface="+mn-cs"/>
+              </a:rPr>
+              <a:t> </a:t>
+            </a:r>
+            <a:r>
+              <a:rPr lang="en-US" sz="1200" b="0" i="0" u="none" strike="noStrike" kern="1200" baseline="0" dirty="0" err="1" smtClean="0">
+                <a:solidFill>
+                  <a:schemeClr val="tx1"/>
+                </a:solidFill>
+                <a:latin typeface="+mn-lt"/>
+                <a:ea typeface="+mn-ea"/>
+                <a:cs typeface="+mn-cs"/>
+              </a:rPr>
+              <a:t>na</a:t>
+            </a:r>
+            <a:r>
+              <a:rPr lang="en-US" sz="1200" b="0" i="0" u="none" strike="noStrike" kern="1200" baseline="0" dirty="0" smtClean="0">
+                <a:solidFill>
+                  <a:schemeClr val="tx1"/>
+                </a:solidFill>
+                <a:latin typeface="+mn-lt"/>
+                <a:ea typeface="+mn-ea"/>
+                <a:cs typeface="+mn-cs"/>
+              </a:rPr>
+              <a:t> </a:t>
+            </a:r>
+            <a:r>
+              <a:rPr lang="en-US" sz="1200" b="0" i="0" u="none" strike="noStrike" kern="1200" baseline="0" dirty="0" err="1" smtClean="0">
+                <a:solidFill>
+                  <a:schemeClr val="tx1"/>
+                </a:solidFill>
+                <a:latin typeface="+mn-lt"/>
+                <a:ea typeface="+mn-ea"/>
+                <a:cs typeface="+mn-cs"/>
+              </a:rPr>
+              <a:t>svoj</a:t>
+            </a:r>
+            <a:r>
+              <a:rPr lang="en-US" sz="1200" b="0" i="0" u="none" strike="noStrike" kern="1200" baseline="0" dirty="0" smtClean="0">
+                <a:solidFill>
+                  <a:schemeClr val="tx1"/>
+                </a:solidFill>
+                <a:latin typeface="+mn-lt"/>
+                <a:ea typeface="+mn-ea"/>
+                <a:cs typeface="+mn-cs"/>
+              </a:rPr>
+              <a:t> </a:t>
+            </a:r>
+            <a:r>
+              <a:rPr lang="en-US" sz="1200" b="0" i="0" u="none" strike="noStrike" kern="1200" baseline="0" dirty="0" err="1" smtClean="0">
+                <a:solidFill>
+                  <a:schemeClr val="tx1"/>
+                </a:solidFill>
+                <a:latin typeface="+mn-lt"/>
+                <a:ea typeface="+mn-ea"/>
+                <a:cs typeface="+mn-cs"/>
+              </a:rPr>
+              <a:t>nacin</a:t>
+            </a:r>
+            <a:r>
+              <a:rPr lang="en-US" sz="1200" b="0" i="0" u="none" strike="noStrike" kern="1200" baseline="0" dirty="0" smtClean="0">
+                <a:solidFill>
+                  <a:schemeClr val="tx1"/>
+                </a:solidFill>
+                <a:latin typeface="+mn-lt"/>
+                <a:ea typeface="+mn-ea"/>
+                <a:cs typeface="+mn-cs"/>
+              </a:rPr>
+              <a:t>. Sam </a:t>
+            </a:r>
+            <a:r>
+              <a:rPr lang="en-US" sz="1200" b="0" i="0" u="none" strike="noStrike" kern="1200" baseline="0" dirty="0" err="1" smtClean="0">
+                <a:solidFill>
+                  <a:schemeClr val="tx1"/>
+                </a:solidFill>
+                <a:latin typeface="+mn-lt"/>
+                <a:ea typeface="+mn-ea"/>
+                <a:cs typeface="+mn-cs"/>
+              </a:rPr>
+              <a:t>konzorcijum</a:t>
+            </a:r>
+            <a:r>
+              <a:rPr lang="en-US" sz="1200" b="0" i="0" u="none" strike="noStrike" kern="1200" baseline="0" dirty="0" smtClean="0">
+                <a:solidFill>
+                  <a:schemeClr val="tx1"/>
+                </a:solidFill>
+                <a:latin typeface="+mn-lt"/>
+                <a:ea typeface="+mn-ea"/>
+                <a:cs typeface="+mn-cs"/>
+              </a:rPr>
+              <a:t> je </a:t>
+            </a:r>
+            <a:r>
+              <a:rPr lang="en-US" sz="1200" b="0" i="0" u="none" strike="noStrike" kern="1200" baseline="0" dirty="0" err="1" smtClean="0">
+                <a:solidFill>
+                  <a:schemeClr val="tx1"/>
+                </a:solidFill>
+                <a:latin typeface="+mn-lt"/>
+                <a:ea typeface="+mn-ea"/>
+                <a:cs typeface="+mn-cs"/>
+              </a:rPr>
+              <a:t>okupljen</a:t>
+            </a:r>
+            <a:r>
+              <a:rPr lang="en-US" sz="1200" b="0" i="0" u="none" strike="noStrike" kern="1200" baseline="0" dirty="0" smtClean="0">
+                <a:solidFill>
+                  <a:schemeClr val="tx1"/>
+                </a:solidFill>
+                <a:latin typeface="+mn-lt"/>
+                <a:ea typeface="+mn-ea"/>
+                <a:cs typeface="+mn-cs"/>
+              </a:rPr>
+              <a:t> </a:t>
+            </a:r>
+            <a:r>
+              <a:rPr lang="en-US" sz="1200" b="0" i="0" u="none" strike="noStrike" kern="1200" baseline="0" dirty="0" err="1" smtClean="0">
+                <a:solidFill>
+                  <a:schemeClr val="tx1"/>
+                </a:solidFill>
+                <a:latin typeface="+mn-lt"/>
+                <a:ea typeface="+mn-ea"/>
+                <a:cs typeface="+mn-cs"/>
+              </a:rPr>
+              <a:t>sa</a:t>
+            </a:r>
+            <a:r>
+              <a:rPr lang="en-US" sz="1200" b="0" i="0" u="none" strike="noStrike" kern="1200" baseline="0" dirty="0" smtClean="0">
+                <a:solidFill>
+                  <a:schemeClr val="tx1"/>
+                </a:solidFill>
+                <a:latin typeface="+mn-lt"/>
+                <a:ea typeface="+mn-ea"/>
+                <a:cs typeface="+mn-cs"/>
+              </a:rPr>
+              <a:t> </a:t>
+            </a:r>
+            <a:r>
+              <a:rPr lang="en-US" sz="1200" b="0" i="0" u="none" strike="noStrike" kern="1200" baseline="0" dirty="0" err="1" smtClean="0">
+                <a:solidFill>
+                  <a:schemeClr val="tx1"/>
+                </a:solidFill>
+                <a:latin typeface="+mn-lt"/>
+                <a:ea typeface="+mn-ea"/>
+                <a:cs typeface="+mn-cs"/>
+              </a:rPr>
+              <a:t>idejom</a:t>
+            </a:r>
+            <a:r>
+              <a:rPr lang="en-US" sz="1200" b="0" i="0" u="none" strike="noStrike" kern="1200" baseline="0" dirty="0" smtClean="0">
+                <a:solidFill>
+                  <a:schemeClr val="tx1"/>
+                </a:solidFill>
+                <a:latin typeface="+mn-lt"/>
+                <a:ea typeface="+mn-ea"/>
+                <a:cs typeface="+mn-cs"/>
+              </a:rPr>
+              <a:t> da se standard </a:t>
+            </a:r>
+            <a:r>
+              <a:rPr lang="en-US" sz="1200" b="0" i="0" u="none" strike="noStrike" kern="1200" baseline="0" dirty="0" err="1" smtClean="0">
+                <a:solidFill>
+                  <a:schemeClr val="tx1"/>
+                </a:solidFill>
+                <a:latin typeface="+mn-lt"/>
+                <a:ea typeface="+mn-ea"/>
+                <a:cs typeface="+mn-cs"/>
+              </a:rPr>
+              <a:t>razvija</a:t>
+            </a:r>
+            <a:r>
+              <a:rPr lang="en-US" sz="1200" b="0" i="0" u="none" strike="noStrike" kern="1200" baseline="0" dirty="0" smtClean="0">
+                <a:solidFill>
+                  <a:schemeClr val="tx1"/>
+                </a:solidFill>
+                <a:latin typeface="+mn-lt"/>
+                <a:ea typeface="+mn-ea"/>
+                <a:cs typeface="+mn-cs"/>
+              </a:rPr>
+              <a:t> u </a:t>
+            </a:r>
+            <a:r>
+              <a:rPr lang="en-US" sz="1200" b="0" i="0" u="none" strike="noStrike" kern="1200" baseline="0" dirty="0" err="1" smtClean="0">
+                <a:solidFill>
+                  <a:schemeClr val="tx1"/>
+                </a:solidFill>
+                <a:latin typeface="+mn-lt"/>
+                <a:ea typeface="+mn-ea"/>
+                <a:cs typeface="+mn-cs"/>
+              </a:rPr>
+              <a:t>zajednici</a:t>
+            </a:r>
+            <a:r>
+              <a:rPr lang="en-US" sz="1200" b="0" i="0" u="none" strike="noStrike" kern="1200" baseline="0" dirty="0" smtClean="0">
+                <a:solidFill>
+                  <a:schemeClr val="tx1"/>
+                </a:solidFill>
+                <a:latin typeface="+mn-lt"/>
+                <a:ea typeface="+mn-ea"/>
+                <a:cs typeface="+mn-cs"/>
+              </a:rPr>
+              <a:t>, </a:t>
+            </a:r>
+            <a:r>
+              <a:rPr lang="en-US" sz="1200" b="0" i="0" u="none" strike="noStrike" kern="1200" baseline="0" dirty="0" err="1" smtClean="0">
+                <a:solidFill>
+                  <a:schemeClr val="tx1"/>
+                </a:solidFill>
+                <a:latin typeface="+mn-lt"/>
+                <a:ea typeface="+mn-ea"/>
+                <a:cs typeface="+mn-cs"/>
+              </a:rPr>
+              <a:t>ali</a:t>
+            </a:r>
+            <a:r>
+              <a:rPr lang="en-US" sz="1200" b="0" i="0" u="none" strike="noStrike" kern="1200" baseline="0" dirty="0" smtClean="0">
+                <a:solidFill>
+                  <a:schemeClr val="tx1"/>
+                </a:solidFill>
+                <a:latin typeface="+mn-lt"/>
+                <a:ea typeface="+mn-ea"/>
+                <a:cs typeface="+mn-cs"/>
+              </a:rPr>
+              <a:t> da se </a:t>
+            </a:r>
+            <a:r>
+              <a:rPr lang="en-US" sz="1200" b="0" i="0" u="none" strike="noStrike" kern="1200" baseline="0" dirty="0" err="1" smtClean="0">
+                <a:solidFill>
+                  <a:schemeClr val="tx1"/>
+                </a:solidFill>
+                <a:latin typeface="+mn-lt"/>
+                <a:ea typeface="+mn-ea"/>
+                <a:cs typeface="+mn-cs"/>
+              </a:rPr>
+              <a:t>prilikom</a:t>
+            </a:r>
+            <a:r>
+              <a:rPr lang="en-US" sz="1200" b="0" i="0" u="none" strike="noStrike" kern="1200" baseline="0" dirty="0" smtClean="0">
+                <a:solidFill>
+                  <a:schemeClr val="tx1"/>
+                </a:solidFill>
+                <a:latin typeface="+mn-lt"/>
+                <a:ea typeface="+mn-ea"/>
+                <a:cs typeface="+mn-cs"/>
+              </a:rPr>
+              <a:t> </a:t>
+            </a:r>
+            <a:r>
+              <a:rPr lang="en-US" sz="1200" b="0" i="0" u="none" strike="noStrike" kern="1200" baseline="0" dirty="0" err="1" smtClean="0">
+                <a:solidFill>
+                  <a:schemeClr val="tx1"/>
+                </a:solidFill>
+                <a:latin typeface="+mn-lt"/>
+                <a:ea typeface="+mn-ea"/>
+                <a:cs typeface="+mn-cs"/>
+              </a:rPr>
+              <a:t>implementacije</a:t>
+            </a:r>
+            <a:r>
+              <a:rPr lang="en-US" sz="1200" b="0" i="0" u="none" strike="noStrike" kern="1200" baseline="0" dirty="0" smtClean="0">
+                <a:solidFill>
+                  <a:schemeClr val="tx1"/>
+                </a:solidFill>
+                <a:latin typeface="+mn-lt"/>
+                <a:ea typeface="+mn-ea"/>
+                <a:cs typeface="+mn-cs"/>
+              </a:rPr>
+              <a:t> </a:t>
+            </a:r>
+            <a:r>
+              <a:rPr lang="en-US" sz="1200" b="0" i="0" u="none" strike="noStrike" kern="1200" baseline="0" dirty="0" err="1" smtClean="0">
+                <a:solidFill>
+                  <a:schemeClr val="tx1"/>
+                </a:solidFill>
+                <a:latin typeface="+mn-lt"/>
+                <a:ea typeface="+mn-ea"/>
+                <a:cs typeface="+mn-cs"/>
+              </a:rPr>
+              <a:t>standardizovanih</a:t>
+            </a:r>
+            <a:r>
+              <a:rPr lang="en-US" sz="1200" b="0" i="0" u="none" strike="noStrike" kern="1200" baseline="0" dirty="0" smtClean="0">
+                <a:solidFill>
+                  <a:schemeClr val="tx1"/>
+                </a:solidFill>
+                <a:latin typeface="+mn-lt"/>
+                <a:ea typeface="+mn-ea"/>
+                <a:cs typeface="+mn-cs"/>
+              </a:rPr>
+              <a:t> </a:t>
+            </a:r>
+            <a:r>
+              <a:rPr lang="en-US" sz="1200" b="0" i="0" u="none" strike="noStrike" kern="1200" baseline="0" dirty="0" err="1" smtClean="0">
+                <a:solidFill>
+                  <a:schemeClr val="tx1"/>
+                </a:solidFill>
+                <a:latin typeface="+mn-lt"/>
+                <a:ea typeface="+mn-ea"/>
+                <a:cs typeface="+mn-cs"/>
+              </a:rPr>
+              <a:t>komponenti</a:t>
+            </a:r>
+            <a:r>
+              <a:rPr lang="en-US" sz="1200" b="0" i="0" u="none" strike="noStrike" kern="1200" baseline="0" dirty="0" smtClean="0">
+                <a:solidFill>
+                  <a:schemeClr val="tx1"/>
+                </a:solidFill>
+                <a:latin typeface="+mn-lt"/>
+                <a:ea typeface="+mn-ea"/>
+                <a:cs typeface="+mn-cs"/>
+              </a:rPr>
+              <a:t>, </a:t>
+            </a:r>
+            <a:r>
+              <a:rPr lang="en-US" sz="1200" b="0" i="0" u="none" strike="noStrike" kern="1200" baseline="0" dirty="0" err="1" smtClean="0">
+                <a:solidFill>
+                  <a:schemeClr val="tx1"/>
+                </a:solidFill>
+                <a:latin typeface="+mn-lt"/>
+                <a:ea typeface="+mn-ea"/>
+                <a:cs typeface="+mn-cs"/>
+              </a:rPr>
+              <a:t>clanovi</a:t>
+            </a:r>
+            <a:r>
+              <a:rPr lang="en-US" sz="1200" b="0" i="0" u="none" strike="noStrike" kern="1200" baseline="0" dirty="0" smtClean="0">
+                <a:solidFill>
+                  <a:schemeClr val="tx1"/>
+                </a:solidFill>
+                <a:latin typeface="+mn-lt"/>
+                <a:ea typeface="+mn-ea"/>
+                <a:cs typeface="+mn-cs"/>
+              </a:rPr>
+              <a:t> </a:t>
+            </a:r>
+            <a:r>
+              <a:rPr lang="en-US" sz="1200" b="0" i="0" u="none" strike="noStrike" kern="1200" baseline="0" dirty="0" err="1" smtClean="0">
+                <a:solidFill>
+                  <a:schemeClr val="tx1"/>
+                </a:solidFill>
+                <a:latin typeface="+mn-lt"/>
+                <a:ea typeface="+mn-ea"/>
+                <a:cs typeface="+mn-cs"/>
+              </a:rPr>
+              <a:t>takmice</a:t>
+            </a:r>
+            <a:r>
+              <a:rPr lang="en-US" sz="1200" b="0" i="0" u="none" strike="noStrike" kern="1200" baseline="0" dirty="0" smtClean="0">
+                <a:solidFill>
+                  <a:schemeClr val="tx1"/>
+                </a:solidFill>
+                <a:latin typeface="+mn-lt"/>
+                <a:ea typeface="+mn-ea"/>
+                <a:cs typeface="+mn-cs"/>
+              </a:rPr>
+              <a:t>.</a:t>
+            </a:r>
+          </a:p>
+          <a:p>
+            <a:endParaRPr lang="en-US" sz="1200" b="0" i="0" u="none" strike="noStrike" kern="1200" baseline="0" dirty="0" smtClean="0">
+              <a:solidFill>
+                <a:schemeClr val="tx1"/>
+              </a:solidFill>
+              <a:latin typeface="+mn-lt"/>
+              <a:ea typeface="+mn-ea"/>
+              <a:cs typeface="+mn-cs"/>
+            </a:endParaRPr>
+          </a:p>
+          <a:p>
+            <a:r>
+              <a:rPr lang="en-US" sz="1200" b="0" i="0" u="none" strike="noStrike" kern="1200" baseline="0" dirty="0" err="1" smtClean="0">
+                <a:solidFill>
+                  <a:schemeClr val="tx1"/>
+                </a:solidFill>
+                <a:latin typeface="+mn-lt"/>
+                <a:ea typeface="+mn-ea"/>
+                <a:cs typeface="+mn-cs"/>
+              </a:rPr>
+              <a:t>Clanovi</a:t>
+            </a:r>
+            <a:r>
+              <a:rPr lang="en-US" sz="1200" b="0" i="0" u="none" strike="noStrike" kern="1200" baseline="0" dirty="0" smtClean="0">
+                <a:solidFill>
+                  <a:schemeClr val="tx1"/>
+                </a:solidFill>
+                <a:latin typeface="+mn-lt"/>
+                <a:ea typeface="+mn-ea"/>
+                <a:cs typeface="+mn-cs"/>
+              </a:rPr>
+              <a:t> </a:t>
+            </a:r>
+            <a:r>
+              <a:rPr lang="en-US" sz="1200" b="0" i="0" u="none" strike="noStrike" kern="1200" baseline="0" dirty="0" err="1" smtClean="0">
+                <a:solidFill>
+                  <a:schemeClr val="tx1"/>
+                </a:solidFill>
+                <a:latin typeface="+mn-lt"/>
+                <a:ea typeface="+mn-ea"/>
+                <a:cs typeface="+mn-cs"/>
+              </a:rPr>
+              <a:t>su</a:t>
+            </a:r>
+            <a:r>
+              <a:rPr lang="en-US" sz="1200" b="0" i="0" u="none" strike="noStrike" kern="1200" baseline="0" dirty="0" smtClean="0">
+                <a:solidFill>
+                  <a:schemeClr val="tx1"/>
+                </a:solidFill>
+                <a:latin typeface="+mn-lt"/>
+                <a:ea typeface="+mn-ea"/>
+                <a:cs typeface="+mn-cs"/>
+              </a:rPr>
+              <a:t> </a:t>
+            </a:r>
+            <a:r>
+              <a:rPr lang="en-US" sz="1200" b="0" i="0" u="none" strike="noStrike" kern="1200" baseline="0" dirty="0" err="1" smtClean="0">
+                <a:solidFill>
+                  <a:schemeClr val="tx1"/>
+                </a:solidFill>
+                <a:latin typeface="+mn-lt"/>
+                <a:ea typeface="+mn-ea"/>
+                <a:cs typeface="+mn-cs"/>
+              </a:rPr>
+              <a:t>podeljeni</a:t>
+            </a:r>
+            <a:r>
+              <a:rPr lang="en-US" sz="1200" b="0" i="0" u="none" strike="noStrike" kern="1200" baseline="0" dirty="0" smtClean="0">
+                <a:solidFill>
+                  <a:schemeClr val="tx1"/>
+                </a:solidFill>
+                <a:latin typeface="+mn-lt"/>
+                <a:ea typeface="+mn-ea"/>
+                <a:cs typeface="+mn-cs"/>
+              </a:rPr>
+              <a:t> u 4 </a:t>
+            </a:r>
+            <a:r>
+              <a:rPr lang="en-US" sz="1200" b="0" i="0" u="none" strike="noStrike" kern="1200" baseline="0" dirty="0" err="1" smtClean="0">
+                <a:solidFill>
+                  <a:schemeClr val="tx1"/>
+                </a:solidFill>
+                <a:latin typeface="+mn-lt"/>
+                <a:ea typeface="+mn-ea"/>
+                <a:cs typeface="+mn-cs"/>
+              </a:rPr>
+              <a:t>grupe</a:t>
+            </a:r>
+            <a:r>
+              <a:rPr lang="en-US" sz="1200" b="0" i="0" u="none" strike="noStrike" kern="1200" baseline="0" dirty="0" smtClean="0">
+                <a:solidFill>
+                  <a:schemeClr val="tx1"/>
+                </a:solidFill>
+                <a:latin typeface="+mn-lt"/>
+                <a:ea typeface="+mn-ea"/>
+                <a:cs typeface="+mn-cs"/>
+              </a:rPr>
+              <a:t> I </a:t>
+            </a:r>
+            <a:r>
+              <a:rPr lang="en-US" sz="1200" b="0" i="0" u="none" strike="noStrike" kern="1200" baseline="0" dirty="0" err="1" smtClean="0">
+                <a:solidFill>
+                  <a:schemeClr val="tx1"/>
+                </a:solidFill>
+                <a:latin typeface="+mn-lt"/>
+                <a:ea typeface="+mn-ea"/>
+                <a:cs typeface="+mn-cs"/>
+              </a:rPr>
+              <a:t>za</a:t>
+            </a:r>
+            <a:r>
+              <a:rPr lang="en-US" sz="1200" b="0" i="0" u="none" strike="noStrike" kern="1200" baseline="0" dirty="0" smtClean="0">
+                <a:solidFill>
+                  <a:schemeClr val="tx1"/>
+                </a:solidFill>
+                <a:latin typeface="+mn-lt"/>
+                <a:ea typeface="+mn-ea"/>
+                <a:cs typeface="+mn-cs"/>
+              </a:rPr>
+              <a:t> </a:t>
+            </a:r>
+            <a:r>
+              <a:rPr lang="en-US" sz="1200" b="0" i="0" u="none" strike="noStrike" kern="1200" baseline="0" dirty="0" err="1" smtClean="0">
+                <a:solidFill>
+                  <a:schemeClr val="tx1"/>
+                </a:solidFill>
+                <a:latin typeface="+mn-lt"/>
+                <a:ea typeface="+mn-ea"/>
+                <a:cs typeface="+mn-cs"/>
+              </a:rPr>
+              <a:t>sada</a:t>
+            </a:r>
+            <a:r>
+              <a:rPr lang="en-US" sz="1200" b="0" i="0" u="none" strike="noStrike" kern="1200" baseline="0" dirty="0" smtClean="0">
+                <a:solidFill>
+                  <a:schemeClr val="tx1"/>
+                </a:solidFill>
+                <a:latin typeface="+mn-lt"/>
+                <a:ea typeface="+mn-ea"/>
+                <a:cs typeface="+mn-cs"/>
+              </a:rPr>
+              <a:t> </a:t>
+            </a:r>
+            <a:r>
+              <a:rPr lang="en-US" sz="1200" b="0" i="0" u="none" strike="noStrike" kern="1200" baseline="0" dirty="0" err="1" smtClean="0">
+                <a:solidFill>
+                  <a:schemeClr val="tx1"/>
+                </a:solidFill>
+                <a:latin typeface="+mn-lt"/>
+                <a:ea typeface="+mn-ea"/>
+                <a:cs typeface="+mn-cs"/>
+              </a:rPr>
+              <a:t>su</a:t>
+            </a:r>
+            <a:r>
+              <a:rPr lang="en-US" sz="1200" b="0" i="0" u="none" strike="noStrike" kern="1200" baseline="0" dirty="0" smtClean="0">
+                <a:solidFill>
+                  <a:schemeClr val="tx1"/>
+                </a:solidFill>
+                <a:latin typeface="+mn-lt"/>
+                <a:ea typeface="+mn-ea"/>
+                <a:cs typeface="+mn-cs"/>
+              </a:rPr>
+              <a:t> </a:t>
+            </a:r>
+            <a:r>
+              <a:rPr lang="en-US" sz="1200" b="0" i="0" u="none" strike="noStrike" kern="1200" baseline="0" dirty="0" err="1" smtClean="0">
+                <a:solidFill>
+                  <a:schemeClr val="tx1"/>
+                </a:solidFill>
+                <a:latin typeface="+mn-lt"/>
+                <a:ea typeface="+mn-ea"/>
+                <a:cs typeface="+mn-cs"/>
+              </a:rPr>
+              <a:t>razvili</a:t>
+            </a:r>
+            <a:r>
+              <a:rPr lang="en-US" sz="1200" b="0" i="0" u="none" strike="noStrike" kern="1200" baseline="0" dirty="0" smtClean="0">
+                <a:solidFill>
+                  <a:schemeClr val="tx1"/>
+                </a:solidFill>
+                <a:latin typeface="+mn-lt"/>
+                <a:ea typeface="+mn-ea"/>
+                <a:cs typeface="+mn-cs"/>
+              </a:rPr>
+              <a:t> </a:t>
+            </a:r>
+            <a:r>
+              <a:rPr lang="en-US" sz="1200" b="0" i="0" u="none" strike="noStrike" kern="1200" baseline="0" dirty="0" err="1" smtClean="0">
+                <a:solidFill>
+                  <a:schemeClr val="tx1"/>
+                </a:solidFill>
+                <a:latin typeface="+mn-lt"/>
+                <a:ea typeface="+mn-ea"/>
+                <a:cs typeface="+mn-cs"/>
+              </a:rPr>
+              <a:t>jedan</a:t>
+            </a:r>
+            <a:r>
+              <a:rPr lang="en-US" sz="1200" b="0" i="0" u="none" strike="noStrike" kern="1200" baseline="0" dirty="0" smtClean="0">
+                <a:solidFill>
+                  <a:schemeClr val="tx1"/>
+                </a:solidFill>
+                <a:latin typeface="+mn-lt"/>
+                <a:ea typeface="+mn-ea"/>
+                <a:cs typeface="+mn-cs"/>
+              </a:rPr>
+              <a:t> standard, </a:t>
+            </a:r>
+            <a:r>
+              <a:rPr lang="en-US" sz="1200" b="0" i="0" u="none" strike="noStrike" kern="1200" baseline="0" dirty="0" err="1" smtClean="0">
+                <a:solidFill>
+                  <a:schemeClr val="tx1"/>
+                </a:solidFill>
+                <a:latin typeface="+mn-lt"/>
+                <a:ea typeface="+mn-ea"/>
+                <a:cs typeface="+mn-cs"/>
+              </a:rPr>
+              <a:t>dok</a:t>
+            </a:r>
+            <a:r>
+              <a:rPr lang="en-US" sz="1200" b="0" i="0" u="none" strike="noStrike" kern="1200" baseline="0" dirty="0" smtClean="0">
+                <a:solidFill>
+                  <a:schemeClr val="tx1"/>
+                </a:solidFill>
+                <a:latin typeface="+mn-lt"/>
+                <a:ea typeface="+mn-ea"/>
+                <a:cs typeface="+mn-cs"/>
+              </a:rPr>
+              <a:t> </a:t>
+            </a:r>
+            <a:r>
+              <a:rPr lang="en-US" sz="1200" b="0" i="0" u="none" strike="noStrike" kern="1200" baseline="0" dirty="0" err="1" smtClean="0">
+                <a:solidFill>
+                  <a:schemeClr val="tx1"/>
+                </a:solidFill>
+                <a:latin typeface="+mn-lt"/>
+                <a:ea typeface="+mn-ea"/>
+                <a:cs typeface="+mn-cs"/>
+              </a:rPr>
+              <a:t>na</a:t>
+            </a:r>
+            <a:r>
+              <a:rPr lang="en-US" sz="1200" b="0" i="0" u="none" strike="noStrike" kern="1200" baseline="0" dirty="0" smtClean="0">
+                <a:solidFill>
+                  <a:schemeClr val="tx1"/>
+                </a:solidFill>
+                <a:latin typeface="+mn-lt"/>
+                <a:ea typeface="+mn-ea"/>
+                <a:cs typeface="+mn-cs"/>
+              </a:rPr>
+              <a:t> </a:t>
+            </a:r>
+            <a:r>
+              <a:rPr lang="en-US" sz="1200" b="0" i="0" u="none" strike="noStrike" kern="1200" baseline="0" dirty="0" err="1" smtClean="0">
+                <a:solidFill>
+                  <a:schemeClr val="tx1"/>
+                </a:solidFill>
+                <a:latin typeface="+mn-lt"/>
+                <a:ea typeface="+mn-ea"/>
+                <a:cs typeface="+mn-cs"/>
+              </a:rPr>
+              <a:t>drugom</a:t>
+            </a:r>
+            <a:r>
+              <a:rPr lang="en-US" sz="1200" b="0" i="0" u="none" strike="noStrike" kern="1200" baseline="0" dirty="0" smtClean="0">
+                <a:solidFill>
+                  <a:schemeClr val="tx1"/>
+                </a:solidFill>
+                <a:latin typeface="+mn-lt"/>
+                <a:ea typeface="+mn-ea"/>
+                <a:cs typeface="+mn-cs"/>
+              </a:rPr>
+              <a:t> </a:t>
+            </a:r>
+            <a:r>
+              <a:rPr lang="en-US" sz="1200" b="0" i="0" u="none" strike="noStrike" kern="1200" baseline="0" dirty="0" err="1" smtClean="0">
+                <a:solidFill>
+                  <a:schemeClr val="tx1"/>
+                </a:solidFill>
+                <a:latin typeface="+mn-lt"/>
+                <a:ea typeface="+mn-ea"/>
+                <a:cs typeface="+mn-cs"/>
+              </a:rPr>
+              <a:t>aktivno</a:t>
+            </a:r>
+            <a:r>
+              <a:rPr lang="en-US" sz="1200" b="0" i="0" u="none" strike="noStrike" kern="1200" baseline="0" dirty="0" smtClean="0">
+                <a:solidFill>
+                  <a:schemeClr val="tx1"/>
+                </a:solidFill>
+                <a:latin typeface="+mn-lt"/>
+                <a:ea typeface="+mn-ea"/>
+                <a:cs typeface="+mn-cs"/>
+              </a:rPr>
+              <a:t> </a:t>
+            </a:r>
+            <a:r>
+              <a:rPr lang="en-US" sz="1200" b="0" i="0" u="none" strike="noStrike" kern="1200" baseline="0" dirty="0" err="1" smtClean="0">
+                <a:solidFill>
+                  <a:schemeClr val="tx1"/>
+                </a:solidFill>
+                <a:latin typeface="+mn-lt"/>
+                <a:ea typeface="+mn-ea"/>
+                <a:cs typeface="+mn-cs"/>
+              </a:rPr>
+              <a:t>rade</a:t>
+            </a:r>
+            <a:r>
+              <a:rPr lang="en-US" sz="1200" b="0" i="0" u="none" strike="noStrike" kern="1200" baseline="0" dirty="0" smtClean="0">
+                <a:solidFill>
+                  <a:schemeClr val="tx1"/>
+                </a:solidFill>
+                <a:latin typeface="+mn-lt"/>
+                <a:ea typeface="+mn-ea"/>
+                <a:cs typeface="+mn-cs"/>
+              </a:rPr>
+              <a:t>.</a:t>
+            </a:r>
+          </a:p>
+          <a:p>
+            <a:endParaRPr lang="en-US" sz="1200" b="0" i="0" u="none" strike="noStrike" kern="1200" baseline="0" dirty="0" smtClean="0">
+              <a:solidFill>
+                <a:schemeClr val="tx1"/>
+              </a:solidFill>
+              <a:latin typeface="+mn-lt"/>
+              <a:ea typeface="+mn-ea"/>
+              <a:cs typeface="+mn-cs"/>
+            </a:endParaRPr>
+          </a:p>
+          <a:p>
+            <a:r>
+              <a:rPr lang="ru-RU" sz="1200" b="0" i="0" u="none" strike="noStrike" kern="1200" baseline="0" dirty="0" smtClean="0">
+                <a:solidFill>
+                  <a:schemeClr val="tx1"/>
+                </a:solidFill>
+                <a:latin typeface="+mn-lt"/>
+                <a:ea typeface="+mn-ea"/>
+                <a:cs typeface="+mn-cs"/>
+              </a:rPr>
+              <a:t>Подела се врши на следећи начин: </a:t>
+            </a:r>
+          </a:p>
+          <a:p>
+            <a:r>
+              <a:rPr lang="sr-Cyrl-RS" sz="1200" b="0" i="0" u="none" strike="noStrike" kern="1200" baseline="0" dirty="0" smtClean="0">
+                <a:solidFill>
+                  <a:schemeClr val="tx1"/>
+                </a:solidFill>
+                <a:latin typeface="+mn-lt"/>
+                <a:ea typeface="+mn-ea"/>
+                <a:cs typeface="+mn-cs"/>
+              </a:rPr>
+              <a:t>1. Чланови оснивачи (енг. </a:t>
+            </a:r>
+            <a:r>
+              <a:rPr lang="en-US" sz="1200" b="0" i="1" u="none" strike="noStrike" kern="1200" baseline="0" dirty="0" smtClean="0">
+                <a:solidFill>
+                  <a:schemeClr val="tx1"/>
+                </a:solidFill>
+                <a:latin typeface="+mn-lt"/>
+                <a:ea typeface="+mn-ea"/>
+                <a:cs typeface="+mn-cs"/>
+              </a:rPr>
+              <a:t>Core Partner) </a:t>
+            </a:r>
+            <a:r>
+              <a:rPr lang="en-US" sz="1200" b="0" i="0" u="none" strike="noStrike" kern="1200" baseline="0" dirty="0" smtClean="0">
+                <a:solidFill>
+                  <a:schemeClr val="tx1"/>
+                </a:solidFill>
+                <a:latin typeface="+mn-lt"/>
+                <a:ea typeface="+mn-ea"/>
+                <a:cs typeface="+mn-cs"/>
+              </a:rPr>
+              <a:t>– </a:t>
+            </a:r>
+            <a:r>
+              <a:rPr lang="sr-Cyrl-RS" sz="1200" b="0" i="0" u="none" strike="noStrike" kern="1200" baseline="0" dirty="0" smtClean="0">
+                <a:solidFill>
+                  <a:schemeClr val="tx1"/>
+                </a:solidFill>
+                <a:latin typeface="+mn-lt"/>
+                <a:ea typeface="+mn-ea"/>
+                <a:cs typeface="+mn-cs"/>
+              </a:rPr>
+              <a:t>чине девет првобитних чланова који су започели формирање овог конзорцијума. </a:t>
+            </a:r>
+          </a:p>
+          <a:p>
+            <a:r>
+              <a:rPr lang="sr-Cyrl-RS" sz="1200" b="0" i="0" u="none" strike="noStrike" kern="1200" baseline="0" dirty="0" smtClean="0">
+                <a:solidFill>
+                  <a:schemeClr val="tx1"/>
+                </a:solidFill>
+                <a:latin typeface="+mn-lt"/>
+                <a:ea typeface="+mn-ea"/>
+                <a:cs typeface="+mn-cs"/>
+              </a:rPr>
+              <a:t>2. Премијум чланови (енг. </a:t>
+            </a:r>
+            <a:r>
+              <a:rPr lang="en-US" sz="1200" b="0" i="1" u="none" strike="noStrike" kern="1200" baseline="0" dirty="0" smtClean="0">
+                <a:solidFill>
+                  <a:schemeClr val="tx1"/>
+                </a:solidFill>
+                <a:latin typeface="+mn-lt"/>
+                <a:ea typeface="+mn-ea"/>
+                <a:cs typeface="+mn-cs"/>
+              </a:rPr>
+              <a:t>Premium Members) </a:t>
+            </a:r>
+            <a:r>
+              <a:rPr lang="en-US" sz="1200" b="0" i="0" u="none" strike="noStrike" kern="1200" baseline="0" dirty="0" smtClean="0">
+                <a:solidFill>
+                  <a:schemeClr val="tx1"/>
+                </a:solidFill>
+                <a:latin typeface="+mn-lt"/>
+                <a:ea typeface="+mn-ea"/>
+                <a:cs typeface="+mn-cs"/>
+              </a:rPr>
+              <a:t>– </a:t>
+            </a:r>
+            <a:r>
+              <a:rPr lang="sr-Cyrl-RS" sz="1200" b="0" i="0" u="none" strike="noStrike" kern="1200" baseline="0" dirty="0" smtClean="0">
+                <a:solidFill>
+                  <a:schemeClr val="tx1"/>
+                </a:solidFill>
+                <a:latin typeface="+mn-lt"/>
+                <a:ea typeface="+mn-ea"/>
+                <a:cs typeface="+mn-cs"/>
+              </a:rPr>
+              <a:t>чини их 46 чланова, где они могу бити произвођачи возила, произвођачи оригиналне опреме (енг. </a:t>
+            </a:r>
+            <a:r>
+              <a:rPr lang="en-US" sz="1200" b="0" i="1" u="none" strike="noStrike" kern="1200" baseline="0" dirty="0" smtClean="0">
+                <a:solidFill>
+                  <a:schemeClr val="tx1"/>
+                </a:solidFill>
+                <a:latin typeface="+mn-lt"/>
+                <a:ea typeface="+mn-ea"/>
+                <a:cs typeface="+mn-cs"/>
+              </a:rPr>
+              <a:t>Original Equipment Manufacturers, </a:t>
+            </a:r>
+            <a:r>
+              <a:rPr lang="sr-Cyrl-RS" sz="1200" b="0" i="1" u="none" strike="noStrike" kern="1200" baseline="0" dirty="0" smtClean="0">
+                <a:solidFill>
+                  <a:schemeClr val="tx1"/>
+                </a:solidFill>
+                <a:latin typeface="+mn-lt"/>
+                <a:ea typeface="+mn-ea"/>
+                <a:cs typeface="+mn-cs"/>
+              </a:rPr>
+              <a:t>ОЕМ</a:t>
+            </a:r>
+            <a:r>
+              <a:rPr lang="sr-Cyrl-RS" sz="1200" b="0" i="0" u="none" strike="noStrike" kern="1200" baseline="0" dirty="0" smtClean="0">
+                <a:solidFill>
+                  <a:schemeClr val="tx1"/>
+                </a:solidFill>
+                <a:latin typeface="+mn-lt"/>
+                <a:ea typeface="+mn-ea"/>
+                <a:cs typeface="+mn-cs"/>
+              </a:rPr>
+              <a:t>), произвођачи различитих софтверских алата, полупроводничких компоненти, итд. Ови чланови су се касније прикључили конзорцијуму. </a:t>
+            </a:r>
+            <a:endParaRPr lang="en-US" sz="1200" b="0" i="0" u="none" strike="noStrike" kern="1200" baseline="0" dirty="0" smtClean="0">
+              <a:solidFill>
+                <a:schemeClr val="tx1"/>
+              </a:solidFill>
+              <a:latin typeface="+mn-lt"/>
+              <a:ea typeface="+mn-ea"/>
+              <a:cs typeface="+mn-cs"/>
+            </a:endParaRPr>
+          </a:p>
+          <a:p>
+            <a:r>
+              <a:rPr lang="sr-Cyrl-RS" sz="1200" b="0" i="0" u="none" strike="noStrike" kern="1200" baseline="0" dirty="0" smtClean="0">
+                <a:solidFill>
+                  <a:schemeClr val="tx1"/>
+                </a:solidFill>
+                <a:latin typeface="+mn-lt"/>
+                <a:ea typeface="+mn-ea"/>
+                <a:cs typeface="+mn-cs"/>
+              </a:rPr>
+              <a:t>3. Партнери за равој и производњу (енг. </a:t>
+            </a:r>
+            <a:r>
+              <a:rPr lang="en-US" sz="1200" b="0" i="1" u="none" strike="noStrike" kern="1200" baseline="0" dirty="0" smtClean="0">
+                <a:solidFill>
+                  <a:schemeClr val="tx1"/>
+                </a:solidFill>
+                <a:latin typeface="+mn-lt"/>
+                <a:ea typeface="+mn-ea"/>
+                <a:cs typeface="+mn-cs"/>
+              </a:rPr>
+              <a:t>Development partners</a:t>
+            </a:r>
+            <a:r>
+              <a:rPr lang="en-US" sz="1200" b="0" i="0" u="none" strike="noStrike" kern="1200" baseline="0" dirty="0" smtClean="0">
+                <a:solidFill>
+                  <a:schemeClr val="tx1"/>
+                </a:solidFill>
+                <a:latin typeface="+mn-lt"/>
+                <a:ea typeface="+mn-ea"/>
+                <a:cs typeface="+mn-cs"/>
+              </a:rPr>
+              <a:t>) – </a:t>
+            </a:r>
+            <a:r>
+              <a:rPr lang="sr-Cyrl-RS" sz="1200" b="0" i="0" u="none" strike="noStrike" kern="1200" baseline="0" dirty="0" smtClean="0">
+                <a:solidFill>
+                  <a:schemeClr val="tx1"/>
+                </a:solidFill>
+                <a:latin typeface="+mn-lt"/>
+                <a:ea typeface="+mn-ea"/>
+                <a:cs typeface="+mn-cs"/>
+              </a:rPr>
+              <a:t>ову групу чини 28 чланова који су задужени за развој компоненти које задовољавају прописане стандарде ове групације. </a:t>
+            </a:r>
+          </a:p>
+          <a:p>
+            <a:r>
+              <a:rPr lang="sr-Cyrl-RS" sz="1200" b="0" i="0" u="none" strike="noStrike" kern="1200" baseline="0" dirty="0" smtClean="0">
+                <a:solidFill>
+                  <a:schemeClr val="tx1"/>
+                </a:solidFill>
+                <a:latin typeface="+mn-lt"/>
+                <a:ea typeface="+mn-ea"/>
+                <a:cs typeface="+mn-cs"/>
+              </a:rPr>
+              <a:t>4. Сарадници (енг. </a:t>
+            </a:r>
+            <a:r>
+              <a:rPr lang="en-US" sz="1200" b="0" i="1" u="none" strike="noStrike" kern="1200" baseline="0" dirty="0" smtClean="0">
+                <a:solidFill>
+                  <a:schemeClr val="tx1"/>
+                </a:solidFill>
+                <a:latin typeface="+mn-lt"/>
+                <a:ea typeface="+mn-ea"/>
+                <a:cs typeface="+mn-cs"/>
+              </a:rPr>
+              <a:t>Associates and Attendees</a:t>
+            </a:r>
+            <a:r>
+              <a:rPr lang="en-US" sz="1200" b="0" i="0" u="none" strike="noStrike" kern="1200" baseline="0" dirty="0" smtClean="0">
+                <a:solidFill>
+                  <a:schemeClr val="tx1"/>
+                </a:solidFill>
+                <a:latin typeface="+mn-lt"/>
+                <a:ea typeface="+mn-ea"/>
+                <a:cs typeface="+mn-cs"/>
+              </a:rPr>
+              <a:t>) – </a:t>
+            </a:r>
+            <a:r>
+              <a:rPr lang="sr-Cyrl-RS" sz="1200" b="0" i="0" u="none" strike="noStrike" kern="1200" baseline="0" dirty="0" smtClean="0">
+                <a:solidFill>
+                  <a:schemeClr val="tx1"/>
+                </a:solidFill>
+                <a:latin typeface="+mn-lt"/>
+                <a:ea typeface="+mn-ea"/>
+                <a:cs typeface="+mn-cs"/>
+              </a:rPr>
+              <a:t>последњу групацију у овој хијерархији чине компаније које сарађују са члановима свих осталих група и користе тренутно доступни стандард. </a:t>
+            </a:r>
+          </a:p>
+          <a:p>
+            <a:endParaRPr lang="en-US" dirty="0"/>
+          </a:p>
+        </p:txBody>
+      </p:sp>
+      <p:sp>
+        <p:nvSpPr>
+          <p:cNvPr id="4" name="Slide Number Placeholder 3"/>
+          <p:cNvSpPr>
+            <a:spLocks noGrp="1"/>
+          </p:cNvSpPr>
+          <p:nvPr>
+            <p:ph type="sldNum" sz="quarter" idx="10"/>
+          </p:nvPr>
+        </p:nvSpPr>
+        <p:spPr/>
+        <p:txBody>
+          <a:bodyPr/>
+          <a:lstStyle/>
+          <a:p>
+            <a:fld id="{9F10CBF3-37F0-420D-959A-0BF960019D0A}" type="slidenum">
+              <a:rPr lang="en-GB" smtClean="0"/>
+              <a:t>6</a:t>
+            </a:fld>
+            <a:endParaRPr lang="en-GB"/>
+          </a:p>
+        </p:txBody>
+      </p:sp>
+    </p:spTree>
+    <p:extLst>
+      <p:ext uri="{BB962C8B-B14F-4D97-AF65-F5344CB8AC3E}">
+        <p14:creationId xmlns:p14="http://schemas.microsoft.com/office/powerpoint/2010/main" val="1835635242"/>
+      </p:ext>
+    </p:extLst>
+  </p:cSld>
+  <p:clrMapOvr>
+    <a:masterClrMapping/>
+  </p:clrMapOvr>
+</p:notes>
+</file>
+
+<file path=ppt/notesSlides/notesSlide5.xml><?xml version="1.0" encoding="utf-8"?>
+<p:notes xmlns:a="http://schemas.openxmlformats.org/drawingml/2006/main" xmlns:r="http://schemas.openxmlformats.org/officeDocument/2006/relationships" xmlns:p="http://schemas.openxmlformats.org/presentationml/2006/main">
+  <p:cSld>
+    <p:spTree>
+      <p:nvGrpSpPr>
+        <p:cNvPr id="1" name=""/>
+        <p:cNvGrpSpPr/>
+        <p:nvPr/>
+      </p:nvGrpSpPr>
+      <p:grpSpPr>
+        <a:xfrm>
+          <a:off x="0" y="0"/>
+          <a:ext cx="0" cy="0"/>
+          <a:chOff x="0" y="0"/>
+          <a:chExt cx="0" cy="0"/>
+        </a:xfrm>
+      </p:grpSpPr>
+      <p:sp>
+        <p:nvSpPr>
+          <p:cNvPr id="2" name="Slide Image Placeholder 1"/>
+          <p:cNvSpPr>
+            <a:spLocks noGrp="1" noRot="1" noChangeAspect="1"/>
+          </p:cNvSpPr>
+          <p:nvPr>
+            <p:ph type="sldImg"/>
+          </p:nvPr>
+        </p:nvSpPr>
+        <p:spPr/>
+      </p:sp>
+      <p:sp>
+        <p:nvSpPr>
+          <p:cNvPr id="3" name="Notes Placeholder 2"/>
+          <p:cNvSpPr>
+            <a:spLocks noGrp="1"/>
+          </p:cNvSpPr>
+          <p:nvPr>
+            <p:ph type="body" idx="1"/>
+          </p:nvPr>
+        </p:nvSpPr>
+        <p:spPr/>
+        <p:txBody>
+          <a:bodyPr/>
+          <a:lstStyle/>
+          <a:p>
+            <a:endParaRPr lang="en-US" dirty="0"/>
+          </a:p>
+        </p:txBody>
+      </p:sp>
+      <p:sp>
+        <p:nvSpPr>
+          <p:cNvPr id="4" name="Slide Number Placeholder 3"/>
+          <p:cNvSpPr>
+            <a:spLocks noGrp="1"/>
+          </p:cNvSpPr>
+          <p:nvPr>
+            <p:ph type="sldNum" sz="quarter" idx="10"/>
+          </p:nvPr>
+        </p:nvSpPr>
+        <p:spPr/>
+        <p:txBody>
+          <a:bodyPr/>
+          <a:lstStyle/>
+          <a:p>
+            <a:fld id="{9F10CBF3-37F0-420D-959A-0BF960019D0A}" type="slidenum">
+              <a:rPr lang="en-GB" smtClean="0"/>
+              <a:t>11</a:t>
+            </a:fld>
+            <a:endParaRPr lang="en-GB"/>
+          </a:p>
+        </p:txBody>
+      </p:sp>
+    </p:spTree>
+    <p:extLst>
+      <p:ext uri="{BB962C8B-B14F-4D97-AF65-F5344CB8AC3E}">
+        <p14:creationId xmlns:p14="http://schemas.microsoft.com/office/powerpoint/2010/main" val="1055435911"/>
+      </p:ext>
+    </p:extLst>
+  </p:cSld>
+  <p:clrMapOvr>
+    <a:masterClrMapping/>
+  </p:clrMapOvr>
+</p:notes>
+</file>
+
+<file path=ppt/notesSlides/notesSlide6.xml><?xml version="1.0" encoding="utf-8"?>
+<p:notes xmlns:a="http://schemas.openxmlformats.org/drawingml/2006/main" xmlns:r="http://schemas.openxmlformats.org/officeDocument/2006/relationships" xmlns:p="http://schemas.openxmlformats.org/presentationml/2006/main">
+  <p:cSld>
+    <p:spTree>
+      <p:nvGrpSpPr>
+        <p:cNvPr id="1" name=""/>
+        <p:cNvGrpSpPr/>
+        <p:nvPr/>
+      </p:nvGrpSpPr>
+      <p:grpSpPr>
+        <a:xfrm>
+          <a:off x="0" y="0"/>
+          <a:ext cx="0" cy="0"/>
+          <a:chOff x="0" y="0"/>
+          <a:chExt cx="0" cy="0"/>
+        </a:xfrm>
+      </p:grpSpPr>
+      <p:sp>
+        <p:nvSpPr>
+          <p:cNvPr id="2" name="Slide Image Placeholder 1"/>
+          <p:cNvSpPr>
+            <a:spLocks noGrp="1" noRot="1" noChangeAspect="1"/>
+          </p:cNvSpPr>
+          <p:nvPr>
+            <p:ph type="sldImg"/>
+          </p:nvPr>
+        </p:nvSpPr>
+        <p:spPr/>
+      </p:sp>
+      <p:sp>
+        <p:nvSpPr>
+          <p:cNvPr id="3" name="Notes Placeholder 2"/>
+          <p:cNvSpPr>
+            <a:spLocks noGrp="1"/>
+          </p:cNvSpPr>
+          <p:nvPr>
+            <p:ph type="body" idx="1"/>
+          </p:nvPr>
+        </p:nvSpPr>
+        <p:spPr/>
+        <p:txBody>
+          <a:bodyPr/>
+          <a:lstStyle/>
+          <a:p>
+            <a:endParaRPr lang="en-US"/>
+          </a:p>
+        </p:txBody>
+      </p:sp>
+      <p:sp>
+        <p:nvSpPr>
+          <p:cNvPr id="4" name="Slide Number Placeholder 3"/>
+          <p:cNvSpPr>
+            <a:spLocks noGrp="1"/>
+          </p:cNvSpPr>
+          <p:nvPr>
+            <p:ph type="sldNum" sz="quarter" idx="10"/>
+          </p:nvPr>
+        </p:nvSpPr>
+        <p:spPr/>
+        <p:txBody>
+          <a:bodyPr/>
+          <a:lstStyle/>
+          <a:p>
+            <a:fld id="{9F10CBF3-37F0-420D-959A-0BF960019D0A}" type="slidenum">
+              <a:rPr lang="en-GB" smtClean="0"/>
+              <a:t>21</a:t>
+            </a:fld>
+            <a:endParaRPr lang="en-GB"/>
+          </a:p>
+        </p:txBody>
+      </p:sp>
+    </p:spTree>
+    <p:extLst>
+      <p:ext uri="{BB962C8B-B14F-4D97-AF65-F5344CB8AC3E}">
+        <p14:creationId xmlns:p14="http://schemas.microsoft.com/office/powerpoint/2010/main" val="2212464608"/>
+      </p:ext>
+    </p:extLst>
+  </p:cSld>
+  <p:clrMapOvr>
+    <a:masterClrMapping/>
+  </p:clrMapOvr>
+</p:notes>
+</file>
+
+<file path=ppt/notesSlides/notesSlide7.xml><?xml version="1.0" encoding="utf-8"?>
+<p:notes xmlns:a="http://schemas.openxmlformats.org/drawingml/2006/main" xmlns:r="http://schemas.openxmlformats.org/officeDocument/2006/relationships" xmlns:p="http://schemas.openxmlformats.org/presentationml/2006/main">
+  <p:cSld>
+    <p:spTree>
+      <p:nvGrpSpPr>
+        <p:cNvPr id="1" name=""/>
+        <p:cNvGrpSpPr/>
+        <p:nvPr/>
+      </p:nvGrpSpPr>
+      <p:grpSpPr>
+        <a:xfrm>
+          <a:off x="0" y="0"/>
+          <a:ext cx="0" cy="0"/>
+          <a:chOff x="0" y="0"/>
+          <a:chExt cx="0" cy="0"/>
+        </a:xfrm>
+      </p:grpSpPr>
+      <p:sp>
+        <p:nvSpPr>
+          <p:cNvPr id="2" name="Slide Image Placeholder 1"/>
+          <p:cNvSpPr>
+            <a:spLocks noGrp="1" noRot="1" noChangeAspect="1"/>
+          </p:cNvSpPr>
+          <p:nvPr>
+            <p:ph type="sldImg"/>
+          </p:nvPr>
+        </p:nvSpPr>
+        <p:spPr/>
+      </p:sp>
+      <p:sp>
+        <p:nvSpPr>
+          <p:cNvPr id="3" name="Notes Placeholder 2"/>
+          <p:cNvSpPr>
+            <a:spLocks noGrp="1"/>
+          </p:cNvSpPr>
+          <p:nvPr>
+            <p:ph type="body" idx="1"/>
+          </p:nvPr>
+        </p:nvSpPr>
+        <p:spPr/>
+        <p:txBody>
+          <a:bodyPr/>
+          <a:lstStyle/>
+          <a:p>
+            <a:r>
+              <a:rPr lang="sr-Cyrl-RS" sz="1200" kern="1200" dirty="0" smtClean="0">
+                <a:solidFill>
+                  <a:schemeClr val="tx1"/>
+                </a:solidFill>
+                <a:effectLst/>
+                <a:latin typeface="+mn-lt"/>
+                <a:ea typeface="+mn-ea"/>
+                <a:cs typeface="+mn-cs"/>
+              </a:rPr>
+              <a:t>Како приликом конфигурисања радног оквира </a:t>
+            </a:r>
+            <a:r>
+              <a:rPr lang="en-US" sz="1200" i="1" kern="1200" dirty="0" smtClean="0">
+                <a:solidFill>
+                  <a:schemeClr val="tx1"/>
+                </a:solidFill>
+                <a:effectLst/>
+                <a:latin typeface="+mn-lt"/>
+                <a:ea typeface="+mn-ea"/>
+                <a:cs typeface="+mn-cs"/>
+              </a:rPr>
+              <a:t>Links &amp; Chains</a:t>
+            </a:r>
+            <a:r>
+              <a:rPr lang="en-US" sz="1200" kern="1200" dirty="0" smtClean="0">
+                <a:solidFill>
+                  <a:schemeClr val="tx1"/>
+                </a:solidFill>
+                <a:effectLst/>
+                <a:latin typeface="+mn-lt"/>
+                <a:ea typeface="+mn-ea"/>
+                <a:cs typeface="+mn-cs"/>
+              </a:rPr>
+              <a:t> </a:t>
+            </a:r>
+            <a:r>
+              <a:rPr lang="sr-Cyrl-RS" sz="1200" kern="1200" dirty="0" smtClean="0">
+                <a:solidFill>
+                  <a:schemeClr val="tx1"/>
+                </a:solidFill>
+                <a:effectLst/>
+                <a:latin typeface="+mn-lt"/>
+                <a:ea typeface="+mn-ea"/>
+                <a:cs typeface="+mn-cs"/>
+              </a:rPr>
+              <a:t>није била омогућена употреба хардверске компоненте за компримовање кроз </a:t>
+            </a:r>
+            <a:r>
+              <a:rPr lang="sr-Latn-RS" sz="1200" i="1" kern="1200" dirty="0" smtClean="0">
+                <a:solidFill>
+                  <a:schemeClr val="tx1"/>
+                </a:solidFill>
+                <a:effectLst/>
+                <a:latin typeface="+mn-lt"/>
+                <a:ea typeface="+mn-ea"/>
+                <a:cs typeface="+mn-cs"/>
+              </a:rPr>
+              <a:t>Linux</a:t>
+            </a:r>
+            <a:r>
+              <a:rPr lang="sr-Latn-RS" sz="1200" kern="1200" dirty="0" smtClean="0">
+                <a:solidFill>
+                  <a:schemeClr val="tx1"/>
+                </a:solidFill>
+                <a:effectLst/>
+                <a:latin typeface="+mn-lt"/>
+                <a:ea typeface="+mn-ea"/>
+                <a:cs typeface="+mn-cs"/>
+              </a:rPr>
+              <a:t> </a:t>
+            </a:r>
+            <a:r>
+              <a:rPr lang="sr-Cyrl-RS" sz="1200" kern="1200" dirty="0" smtClean="0">
+                <a:solidFill>
+                  <a:schemeClr val="tx1"/>
+                </a:solidFill>
+                <a:effectLst/>
+                <a:latin typeface="+mn-lt"/>
+                <a:ea typeface="+mn-ea"/>
+                <a:cs typeface="+mn-cs"/>
+              </a:rPr>
+              <a:t>оперативни систем, ни један од фрејмова дистрибуираних фрејмова није био компримован</a:t>
+            </a:r>
+            <a:endParaRPr lang="en-US" dirty="0"/>
+          </a:p>
+        </p:txBody>
+      </p:sp>
+      <p:sp>
+        <p:nvSpPr>
+          <p:cNvPr id="4" name="Slide Number Placeholder 3"/>
+          <p:cNvSpPr>
+            <a:spLocks noGrp="1"/>
+          </p:cNvSpPr>
+          <p:nvPr>
+            <p:ph type="sldNum" sz="quarter" idx="10"/>
+          </p:nvPr>
+        </p:nvSpPr>
+        <p:spPr/>
+        <p:txBody>
+          <a:bodyPr/>
+          <a:lstStyle/>
+          <a:p>
+            <a:fld id="{9F10CBF3-37F0-420D-959A-0BF960019D0A}" type="slidenum">
+              <a:rPr lang="en-GB" smtClean="0"/>
+              <a:t>30</a:t>
             </a:fld>
             <a:endParaRPr lang="en-GB"/>
           </a:p>
@@ -13736,7 +18118,7 @@
           <a:p>
             <a:fld id="{D687CFD6-3914-43FA-82AE-6C2BCB2F5304}" type="datetime1">
               <a:rPr lang="en-GB" smtClean="0"/>
-              <a:t>31/05/2020</a:t>
+              <a:t>07/06/2020</a:t>
             </a:fld>
             <a:endParaRPr lang="en-GB"/>
           </a:p>
@@ -13994,7 +18376,7 @@
           <a:p>
             <a:fld id="{56C0CC82-B1B9-4FA0-8152-83F9205EC05D}" type="datetime1">
               <a:rPr lang="en-GB" smtClean="0"/>
-              <a:t>31/05/2020</a:t>
+              <a:t>07/06/2020</a:t>
             </a:fld>
             <a:endParaRPr lang="en-GB"/>
           </a:p>
@@ -14174,7 +18556,7 @@
           <a:p>
             <a:fld id="{F1DF5540-753E-45C0-B9BF-6D0C4961FF7B}" type="datetime1">
               <a:rPr lang="en-GB" smtClean="0"/>
-              <a:t>31/05/2020</a:t>
+              <a:t>07/06/2020</a:t>
             </a:fld>
             <a:endParaRPr lang="en-GB"/>
           </a:p>
@@ -14351,7 +18733,7 @@
           <a:p>
             <a:fld id="{72041144-3E58-4F0C-80C7-41BD6C897C65}" type="datetime1">
               <a:rPr lang="en-GB" smtClean="0"/>
-              <a:t>31/05/2020</a:t>
+              <a:t>07/06/2020</a:t>
             </a:fld>
             <a:endParaRPr lang="en-GB"/>
           </a:p>
@@ -14604,7 +18986,7 @@
           <a:p>
             <a:fld id="{63B5AB60-E104-4C26-85F8-BFBAAF410C05}" type="datetime1">
               <a:rPr lang="en-GB" smtClean="0"/>
-              <a:t>31/05/2020</a:t>
+              <a:t>07/06/2020</a:t>
             </a:fld>
             <a:endParaRPr lang="en-GB"/>
           </a:p>
@@ -14843,7 +19225,7 @@
           <a:p>
             <a:fld id="{65E1D567-557C-4499-9E8F-C30ACB70317C}" type="datetime1">
               <a:rPr lang="en-GB" smtClean="0"/>
-              <a:t>31/05/2020</a:t>
+              <a:t>07/06/2020</a:t>
             </a:fld>
             <a:endParaRPr lang="en-GB"/>
           </a:p>
@@ -15217,7 +19599,7 @@
           <a:p>
             <a:fld id="{9AE1CED2-3B6D-476F-AB4E-28DD0D82C9EA}" type="datetime1">
               <a:rPr lang="en-GB" smtClean="0"/>
-              <a:t>31/05/2020</a:t>
+              <a:t>07/06/2020</a:t>
             </a:fld>
             <a:endParaRPr lang="en-GB"/>
           </a:p>
@@ -15342,7 +19724,7 @@
           <a:p>
             <a:fld id="{A2B2F60D-8E4D-469F-97F8-9F2C592593FA}" type="datetime1">
               <a:rPr lang="en-GB" smtClean="0"/>
-              <a:t>31/05/2020</a:t>
+              <a:t>07/06/2020</a:t>
             </a:fld>
             <a:endParaRPr lang="en-GB"/>
           </a:p>
@@ -15444,7 +19826,7 @@
           <a:p>
             <a:fld id="{0954E2FF-5053-403D-9275-4E14153D1110}" type="datetime1">
               <a:rPr lang="en-GB" smtClean="0"/>
-              <a:t>31/05/2020</a:t>
+              <a:t>07/06/2020</a:t>
             </a:fld>
             <a:endParaRPr lang="en-GB"/>
           </a:p>
@@ -15728,7 +20110,7 @@
           <a:p>
             <a:fld id="{B01DADD0-3696-40BD-BE2A-05759D46E0E7}" type="datetime1">
               <a:rPr lang="en-GB" smtClean="0"/>
-              <a:t>31/05/2020</a:t>
+              <a:t>07/06/2020</a:t>
             </a:fld>
             <a:endParaRPr lang="en-GB"/>
           </a:p>
@@ -15992,7 +20374,7 @@
           <a:p>
             <a:fld id="{CBB06DF5-004A-4FE5-B5D3-D22AA8BA7689}" type="datetime1">
               <a:rPr lang="en-GB" smtClean="0"/>
-              <a:t>31/05/2020</a:t>
+              <a:t>07/06/2020</a:t>
             </a:fld>
             <a:endParaRPr lang="en-GB"/>
           </a:p>
@@ -16182,7 +20564,7 @@
           <a:p>
             <a:fld id="{5F103D76-B2D5-4BE5-8772-D05C92B298FC}" type="datetime1">
               <a:rPr lang="en-GB" smtClean="0"/>
-              <a:t>31/05/2020</a:t>
+              <a:t>07/06/2020</a:t>
             </a:fld>
             <a:endParaRPr lang="en-GB"/>
           </a:p>
@@ -17352,141 +21734,20 @@
             <p:ph type="title"/>
           </p:nvPr>
         </p:nvSpPr>
-        <p:spPr/>
+        <p:spPr>
+          <a:xfrm>
+            <a:off x="838200" y="3089747"/>
+            <a:ext cx="10515600" cy="1061449"/>
+          </a:xfrm>
+        </p:spPr>
         <p:txBody>
           <a:bodyPr/>
           <a:lstStyle/>
           <a:p>
-            <a:r>
-              <a:rPr lang="sr-Cyrl-RS" dirty="0" smtClean="0"/>
-              <a:t>Хардверске магистрале</a:t>
-            </a:r>
-            <a:endParaRPr lang="en-US" dirty="0"/>
-          </a:p>
-        </p:txBody>
-      </p:sp>
-      <p:sp>
-        <p:nvSpPr>
-          <p:cNvPr id="3" name="Content Placeholder 2"/>
-          <p:cNvSpPr>
-            <a:spLocks noGrp="1"/>
-          </p:cNvSpPr>
-          <p:nvPr>
-            <p:ph idx="1"/>
-          </p:nvPr>
-        </p:nvSpPr>
-        <p:spPr>
-          <a:xfrm>
-            <a:off x="838200" y="1847850"/>
-            <a:ext cx="10515600" cy="4508500"/>
-          </a:xfrm>
-        </p:spPr>
-        <p:txBody>
-          <a:bodyPr>
-            <a:normAutofit/>
-          </a:bodyPr>
-          <a:lstStyle/>
-          <a:p>
-            <a:r>
-              <a:rPr lang="ru-RU" dirty="0"/>
-              <a:t>Представљају директну везу између процесора и компоненте која може бити унутрашња или спољна у односу на читав систем</a:t>
-            </a:r>
-          </a:p>
-          <a:p>
+            <a:pPr algn="ctr"/>
             <a:r>
               <a:rPr lang="sr-Cyrl-RS" dirty="0"/>
-              <a:t>З</a:t>
-            </a:r>
-            <a:r>
-              <a:rPr lang="sr-Cyrl-RS" dirty="0" smtClean="0"/>
-              <a:t>ахтева  </a:t>
-            </a:r>
-            <a:r>
-              <a:rPr lang="sr-Cyrl-RS" dirty="0"/>
-              <a:t>постојање </a:t>
-            </a:r>
-            <a:r>
-              <a:rPr lang="sr-Cyrl-RS" dirty="0" smtClean="0"/>
-              <a:t>руковаоца</a:t>
-            </a:r>
-          </a:p>
-          <a:p>
-            <a:r>
-              <a:rPr lang="ru-RU" dirty="0"/>
-              <a:t>П</a:t>
-            </a:r>
-            <a:r>
-              <a:rPr lang="ru-RU" dirty="0" smtClean="0"/>
-              <a:t>отребно </a:t>
-            </a:r>
-            <a:r>
-              <a:rPr lang="ru-RU" dirty="0"/>
-              <a:t>је да </a:t>
-            </a:r>
-            <a:r>
-              <a:rPr lang="ru-RU" dirty="0" smtClean="0"/>
-              <a:t>буду стандардизован и да постоји протокол по којем функционише комуникација између страна које учествују у размени информација</a:t>
-            </a:r>
-            <a:endParaRPr lang="en-US" dirty="0" smtClean="0"/>
-          </a:p>
-          <a:p>
-            <a:r>
-              <a:rPr lang="en-US" i="1" dirty="0" smtClean="0"/>
-              <a:t>USB</a:t>
-            </a:r>
-            <a:r>
-              <a:rPr lang="sr-Cyrl-RS" i="1" dirty="0" smtClean="0"/>
-              <a:t>, </a:t>
-            </a:r>
-            <a:r>
-              <a:rPr lang="en-US" i="1" dirty="0" smtClean="0"/>
-              <a:t>PCI</a:t>
-            </a:r>
-            <a:r>
-              <a:rPr lang="sr-Cyrl-RS" i="1" dirty="0" smtClean="0"/>
-              <a:t>, </a:t>
-            </a:r>
-            <a:r>
-              <a:rPr lang="en-US" i="1" dirty="0"/>
-              <a:t>PCI-</a:t>
-            </a:r>
-            <a:r>
-              <a:rPr lang="sr-Cyrl-RS" i="1" dirty="0"/>
-              <a:t>Е </a:t>
-            </a:r>
-            <a:r>
-              <a:rPr lang="sr-Cyrl-RS" i="1" dirty="0" smtClean="0"/>
-              <a:t>– </a:t>
-            </a:r>
-            <a:r>
-              <a:rPr lang="sr-Cyrl-RS" dirty="0" smtClean="0"/>
-              <a:t>стандардизоване магистрале за преношење података великом брзином у персоналним рачунарима</a:t>
-            </a:r>
-          </a:p>
-          <a:p>
-            <a:r>
-              <a:rPr lang="en-US" i="1" dirty="0" smtClean="0"/>
-              <a:t>CAN</a:t>
-            </a:r>
-            <a:r>
-              <a:rPr lang="sr-Cyrl-RS" i="1" dirty="0" smtClean="0"/>
-              <a:t>, </a:t>
-            </a:r>
-            <a:r>
-              <a:rPr lang="en-US" i="1" dirty="0"/>
-              <a:t>LIN </a:t>
-            </a:r>
-            <a:r>
-              <a:rPr lang="sr-Cyrl-RS" i="1" dirty="0" smtClean="0"/>
-              <a:t>- </a:t>
-            </a:r>
-            <a:r>
-              <a:rPr lang="sr-Cyrl-RS" dirty="0"/>
-              <a:t>стандардизоване магистрале за преношење података </a:t>
-            </a:r>
-            <a:r>
-              <a:rPr lang="sr-Cyrl-RS" dirty="0" smtClean="0"/>
-              <a:t>на наменским </a:t>
+              <a:t>Појам магистрале</a:t>
             </a:r>
             <a:endParaRPr lang="en-US" dirty="0"/>
           </a:p>
@@ -17518,20 +21779,13 @@
     </p:spTree>
     <p:extLst>
       <p:ext uri="{BB962C8B-B14F-4D97-AF65-F5344CB8AC3E}">
-        <p14:creationId xmlns:p14="http://schemas.microsoft.com/office/powerpoint/2010/main" val="3106782347"/>
+        <p14:creationId xmlns:p14="http://schemas.microsoft.com/office/powerpoint/2010/main" val="4200296494"/>
       </p:ext>
     </p:extLst>
   </p:cSld>
   <p:clrMapOvr>
     <a:masterClrMapping/>
   </p:clrMapOvr>
-  <p:timing>
-    <p:tnLst>
-      <p:par>
-        <p:cTn id="1" dur="indefinite" restart="never" nodeType="tmRoot"/>
-      </p:par>
-    </p:tnLst>
-  </p:timing>
 </p:sld>
 </file>
 
@@ -17564,12 +21818,18 @@
         </p:nvSpPr>
         <p:spPr/>
         <p:txBody>
-          <a:bodyPr/>
+          <a:bodyPr>
+            <a:normAutofit/>
+          </a:bodyPr>
           <a:lstStyle/>
           <a:p>
             <a:r>
+              <a:rPr lang="sr-Cyrl-RS" dirty="0"/>
+              <a:t>Појам </a:t>
+            </a:r>
+            <a:r>
               <a:rPr lang="sr-Cyrl-RS" dirty="0" smtClean="0"/>
-              <a:t>Софтверске магистрале</a:t>
+              <a:t>магистрале</a:t>
             </a:r>
             <a:endParaRPr lang="en-US" dirty="0"/>
           </a:p>
@@ -17587,121 +21847,66 @@
         </p:nvSpPr>
         <p:spPr/>
         <p:txBody>
-          <a:bodyPr>
-            <a:normAutofit fontScale="92500"/>
-          </a:bodyPr>
+          <a:bodyPr/>
           <a:lstStyle/>
           <a:p>
             <a:r>
               <a:rPr lang="sr-Cyrl-RS" dirty="0" smtClean="0"/>
-              <a:t>Представљају </a:t>
+              <a:t>Физичке компоненте чија је намена повезивање спољних или унутрашњих уређаја са процесором</a:t>
+            </a:r>
+          </a:p>
+          <a:p>
+            <a:r>
+              <a:rPr lang="sr-Cyrl-RS" dirty="0" smtClean="0"/>
+              <a:t>Поред </a:t>
+            </a:r>
+            <a:r>
+              <a:rPr lang="sr-Cyrl-RS" dirty="0" smtClean="0"/>
+              <a:t>хардверских магистрала попут оптичких влакана и каблова, постоје и софтверске, које су најчешће реализоване у виду комуникационих протокола</a:t>
+            </a:r>
+          </a:p>
+          <a:p>
+            <a:r>
+              <a:rPr lang="sr-Cyrl-RS" dirty="0" smtClean="0"/>
+              <a:t>Руковање хардверском магистралом - потребан </a:t>
+            </a:r>
+            <a:r>
+              <a:rPr lang="sr-Cyrl-RS" dirty="0" smtClean="0"/>
+              <a:t>руковаоц </a:t>
+            </a:r>
+            <a:r>
+              <a:rPr lang="sr-Cyrl-RS" dirty="0" smtClean="0"/>
+              <a:t>(</a:t>
+            </a:r>
+            <a:r>
+              <a:rPr lang="sr-Latn-RS" dirty="0" smtClean="0"/>
+              <a:t>e</a:t>
+            </a:r>
+            <a:r>
+              <a:rPr lang="sr-Cyrl-RS" dirty="0" smtClean="0"/>
+              <a:t>нг. </a:t>
+            </a:r>
+            <a:r>
+              <a:rPr lang="en-US" i="1" dirty="0" smtClean="0"/>
+              <a:t>Driver</a:t>
+            </a:r>
+            <a:r>
+              <a:rPr lang="sr-Cyrl-RS" dirty="0" smtClean="0"/>
+              <a:t>)</a:t>
+            </a:r>
+          </a:p>
+          <a:p>
+            <a:r>
+              <a:rPr lang="sr-Cyrl-RS" dirty="0" smtClean="0"/>
+              <a:t>Руковање софтверском </a:t>
             </a:r>
             <a:r>
               <a:rPr lang="sr-Cyrl-RS" dirty="0"/>
-              <a:t>начин на који се остварује међупроцесна комуникација (енг. </a:t>
-            </a:r>
-            <a:r>
-              <a:rPr lang="en-US" i="1" dirty="0" smtClean="0"/>
-              <a:t>IPC</a:t>
-            </a:r>
-            <a:r>
-              <a:rPr lang="en-US" dirty="0" smtClean="0"/>
-              <a:t>)</a:t>
-            </a:r>
-            <a:endParaRPr lang="sr-Cyrl-RS" dirty="0" smtClean="0"/>
-          </a:p>
-          <a:p>
-            <a:r>
-              <a:rPr lang="ru-RU" dirty="0" smtClean="0"/>
-              <a:t>Не </a:t>
-            </a:r>
-            <a:r>
-              <a:rPr lang="ru-RU" dirty="0"/>
-              <a:t>морају поседовати посебан физички </a:t>
-            </a:r>
-            <a:r>
-              <a:rPr lang="ru-RU" dirty="0" smtClean="0"/>
-              <a:t>медијум</a:t>
-            </a:r>
-          </a:p>
-          <a:p>
-            <a:r>
-              <a:rPr lang="ru-RU" dirty="0" smtClean="0"/>
-              <a:t>Потребно </a:t>
-            </a:r>
-            <a:r>
-              <a:rPr lang="ru-RU" dirty="0"/>
-              <a:t>је да постоји установљени протокол у комуникацији између пријемне и предајне </a:t>
-            </a:r>
-            <a:r>
-              <a:rPr lang="ru-RU" dirty="0" smtClean="0"/>
-              <a:t>стране</a:t>
-            </a:r>
-          </a:p>
-          <a:p>
-            <a:r>
-              <a:rPr lang="en-US" i="1" dirty="0" smtClean="0"/>
-              <a:t>Linux</a:t>
-            </a:r>
-            <a:r>
-              <a:rPr lang="en-US" dirty="0" smtClean="0"/>
-              <a:t> </a:t>
+              <a:t>магистралом</a:t>
             </a:r>
             <a:r>
               <a:rPr lang="sr-Cyrl-RS" dirty="0" smtClean="0"/>
-              <a:t>оперативни систем нуди механизмен попут:</a:t>
-            </a:r>
-          </a:p>
-          <a:p>
-            <a:pPr lvl="1"/>
-            <a:r>
-              <a:rPr lang="en-US" i="1" dirty="0" smtClean="0"/>
-              <a:t>D-bus</a:t>
-            </a:r>
-            <a:r>
-              <a:rPr lang="sr-Cyrl-RS" i="1" dirty="0" smtClean="0"/>
-              <a:t> – </a:t>
-            </a:r>
-            <a:r>
-              <a:rPr lang="sr-Cyrl-RS" dirty="0" smtClean="0"/>
-              <a:t>софтверска магистрала за размену порука</a:t>
-            </a:r>
-          </a:p>
-          <a:p>
-            <a:pPr lvl="1"/>
-            <a:r>
-              <a:rPr lang="en-US" i="1" dirty="0" smtClean="0"/>
-              <a:t>Pipes</a:t>
-            </a:r>
-            <a:r>
-              <a:rPr lang="sr-Cyrl-RS" dirty="0"/>
-              <a:t> </a:t>
-            </a:r>
-            <a:r>
-              <a:rPr lang="sr-Cyrl-RS" i="1" dirty="0" smtClean="0"/>
-              <a:t>– </a:t>
-            </a:r>
-            <a:r>
-              <a:rPr lang="sr-Cyrl-RS" dirty="0" smtClean="0"/>
-              <a:t>проточна обрада</a:t>
-            </a:r>
-          </a:p>
-          <a:p>
-            <a:r>
-              <a:rPr lang="sr-Cyrl-RS" dirty="0" smtClean="0"/>
-              <a:t>Употреба дељене меморије (</a:t>
-            </a:r>
-            <a:r>
-              <a:rPr lang="en-US" i="1" dirty="0" err="1" smtClean="0"/>
-              <a:t>shmem</a:t>
-            </a:r>
-            <a:r>
-              <a:rPr lang="en-US" dirty="0" smtClean="0"/>
-              <a:t>)</a:t>
-            </a:r>
-            <a:r>
-              <a:rPr lang="sr-Cyrl-RS" dirty="0" smtClean="0"/>
-              <a:t> и других комуникационих протокола такође представља својеврстан вид софтверске магистрале</a:t>
+              <a:t> – посредством оперативног система</a:t>
             </a:r>
             <a:endParaRPr lang="en-US" dirty="0"/>
           </a:p>
@@ -17733,7 +21938,7 @@
     </p:spTree>
     <p:extLst>
       <p:ext uri="{BB962C8B-B14F-4D97-AF65-F5344CB8AC3E}">
-        <p14:creationId xmlns:p14="http://schemas.microsoft.com/office/powerpoint/2010/main" val="3144113695"/>
+        <p14:creationId xmlns:p14="http://schemas.microsoft.com/office/powerpoint/2010/main" val="1865943598"/>
       </p:ext>
     </p:extLst>
   </p:cSld>
@@ -17779,24 +21984,14 @@
         </p:nvSpPr>
         <p:spPr/>
         <p:txBody>
-          <a:bodyPr>
-            <a:normAutofit/>
-          </a:bodyPr>
+          <a:bodyPr/>
           <a:lstStyle/>
           <a:p>
             <a:r>
-              <a:rPr lang="sr-Cyrl-RS" dirty="0"/>
-              <a:t>Хардверска платформа – </a:t>
-            </a:r>
-            <a:r>
-              <a:rPr lang="en-US" i="1" dirty="0"/>
-              <a:t>ALPHA </a:t>
-            </a:r>
-            <a:r>
-              <a:rPr lang="en-US" i="1" dirty="0" smtClean="0"/>
-              <a:t>AMV</a:t>
-            </a:r>
-            <a:endParaRPr lang="en-US" i="1" dirty="0"/>
+              <a:rPr lang="sr-Cyrl-RS" dirty="0" smtClean="0"/>
+              <a:t>Хардверске магистрале</a:t>
+            </a:r>
+            <a:endParaRPr lang="en-US" dirty="0"/>
           </a:p>
         </p:txBody>
       </p:sp>
@@ -17813,174 +22008,125 @@
         <p:spPr>
           <a:xfrm>
             <a:off x="838200" y="1847850"/>
-            <a:ext cx="10515600" cy="4351338"/>
+            <a:ext cx="10515600" cy="4508500"/>
           </a:xfrm>
         </p:spPr>
         <p:txBody>
           <a:bodyPr>
-            <a:normAutofit fontScale="92500" lnSpcReduction="10000"/>
+            <a:normAutofit/>
           </a:bodyPr>
           <a:lstStyle/>
           <a:p>
             <a:r>
+              <a:rPr lang="ru-RU" dirty="0"/>
+              <a:t>Представљају директну везу између процесора и компоненте која може бити унутрашња или спољна у односу на читав систем</a:t>
+            </a:r>
+          </a:p>
+          <a:p>
+            <a:r>
               <a:rPr lang="sr-Cyrl-RS" dirty="0"/>
               <a:t>З</a:t>
             </a:r>
             <a:r>
+              <a:rPr lang="sr-Cyrl-RS" dirty="0" smtClean="0"/>
+              <a:t>ахтева  </a:t>
+            </a:r>
+            <a:r>
+              <a:rPr lang="sr-Cyrl-RS" dirty="0"/>
+              <a:t>постојање </a:t>
+            </a:r>
+            <a:r>
+              <a:rPr lang="sr-Cyrl-RS" dirty="0" smtClean="0"/>
+              <a:t>руковаоца</a:t>
+            </a:r>
+          </a:p>
+          <a:p>
+            <a:r>
+              <a:rPr lang="ru-RU" dirty="0"/>
+              <a:t>П</a:t>
+            </a:r>
+            <a:r>
               <a:rPr lang="ru-RU" dirty="0" smtClean="0"/>
-              <a:t>аснована </a:t>
+              <a:t>отребно </a:t>
             </a:r>
             <a:r>
               <a:rPr lang="ru-RU" dirty="0"/>
-              <a:t>је на систему на чипу (енг. </a:t>
-            </a:r>
-            <a:r>
-              <a:rPr lang="ru-RU" i="1" dirty="0"/>
-              <a:t>SoC</a:t>
-            </a:r>
-            <a:r>
-              <a:rPr lang="ru-RU" dirty="0"/>
-              <a:t>) </a:t>
-            </a:r>
-            <a:r>
-              <a:rPr lang="ru-RU" i="1" dirty="0" smtClean="0"/>
-              <a:t>TDA2x</a:t>
-            </a:r>
-          </a:p>
-          <a:p>
+              <a:t>је да </a:t>
+            </a:r>
             <a:r>
               <a:rPr lang="ru-RU" dirty="0" smtClean="0"/>
-              <a:t>Подржава </a:t>
-            </a:r>
+              <a:t>буду </a:t>
+            </a:r>
+            <a:r>
+              <a:rPr lang="ru-RU" dirty="0" smtClean="0"/>
+              <a:t>стандардизоване </a:t>
+            </a:r>
+            <a:r>
+              <a:rPr lang="ru-RU" dirty="0" smtClean="0"/>
+              <a:t>и да постоји протокол по којем функционише комуникација између страна које учествују у размени информација</a:t>
+            </a:r>
+            <a:endParaRPr lang="en-US" dirty="0" smtClean="0"/>
+          </a:p>
+          <a:p>
             <a:r>
               <a:rPr lang="en-US" i="1" dirty="0" smtClean="0"/>
-              <a:t>PSE51</a:t>
-            </a:r>
-            <a:r>
-              <a:rPr lang="en-US" dirty="0" smtClean="0"/>
-              <a:t> </a:t>
+              <a:t>USB</a:t>
+            </a:r>
+            <a:r>
+              <a:rPr lang="sr-Cyrl-RS" i="1" dirty="0" smtClean="0"/>
+              <a:t>, </a:t>
+            </a:r>
+            <a:r>
+              <a:rPr lang="en-US" i="1" dirty="0" smtClean="0"/>
+              <a:t>PCI</a:t>
+            </a:r>
+            <a:r>
+              <a:rPr lang="sr-Cyrl-RS" i="1" dirty="0" smtClean="0"/>
+              <a:t>, </a:t>
+            </a:r>
+            <a:r>
+              <a:rPr lang="en-US" i="1" dirty="0"/>
+              <a:t>PCI-</a:t>
+            </a:r>
+            <a:r>
+              <a:rPr lang="sr-Cyrl-RS" i="1" dirty="0"/>
+              <a:t>Е </a:t>
+            </a:r>
+            <a:r>
+              <a:rPr lang="sr-Cyrl-RS" i="1" dirty="0" smtClean="0"/>
+              <a:t>– </a:t>
             </a:r>
             <a:r>
               <a:rPr lang="sr-Cyrl-RS" dirty="0" smtClean="0"/>
-              <a:t>оперативне системе</a:t>
-            </a:r>
-            <a:endParaRPr lang="ru-RU" i="1" dirty="0" smtClean="0"/>
-          </a:p>
-          <a:p>
-            <a:r>
-              <a:rPr lang="ru-RU" dirty="0" smtClean="0"/>
-              <a:t>Платформа </a:t>
-            </a:r>
-            <a:r>
-              <a:rPr lang="ru-RU" dirty="0"/>
-              <a:t>поседује три оваква чипа </a:t>
-            </a:r>
-            <a:r>
-              <a:rPr lang="ru-RU" dirty="0" smtClean="0"/>
-              <a:t>са више процесорских компоненти:</a:t>
-            </a:r>
-          </a:p>
-          <a:p>
-            <a:pPr lvl="1"/>
+              <a:t>стандардизоване магистрале за преношење података великом брзином у персоналним рачунарима</a:t>
+            </a:r>
+          </a:p>
+          <a:p>
+            <a:r>
+              <a:rPr lang="en-US" i="1" dirty="0" smtClean="0"/>
+              <a:t>CAN</a:t>
+            </a:r>
+            <a:r>
+              <a:rPr lang="sr-Cyrl-RS" i="1" dirty="0" smtClean="0"/>
+              <a:t>, </a:t>
+            </a:r>
             <a:r>
               <a:rPr lang="en-US" i="1" dirty="0"/>
-              <a:t>2 x ARM Cortex A15 @ </a:t>
-            </a:r>
-            <a:r>
-              <a:rPr lang="en-US" i="1" dirty="0" smtClean="0"/>
-              <a:t>1176MHz</a:t>
-            </a:r>
-            <a:endParaRPr lang="en-US" i="1" dirty="0"/>
-          </a:p>
-          <a:p>
-            <a:pPr lvl="1"/>
-            <a:r>
-              <a:rPr lang="en-US" i="1" dirty="0" smtClean="0"/>
-              <a:t>2 </a:t>
-            </a:r>
-            <a:r>
-              <a:rPr lang="en-US" i="1" dirty="0"/>
-              <a:t>x Dual core ARM Cortex M4 @ </a:t>
-            </a:r>
-            <a:r>
-              <a:rPr lang="en-US" i="1" dirty="0" smtClean="0"/>
-              <a:t>220MHz</a:t>
-            </a:r>
-            <a:endParaRPr lang="en-US" i="1" dirty="0"/>
-          </a:p>
-          <a:p>
-            <a:pPr lvl="1"/>
-            <a:r>
-              <a:rPr lang="en-US" i="1" dirty="0" smtClean="0"/>
-              <a:t>2 </a:t>
-            </a:r>
-            <a:r>
-              <a:rPr lang="en-US" i="1" dirty="0"/>
-              <a:t>x DSP C66x @ </a:t>
-            </a:r>
-            <a:r>
-              <a:rPr lang="en-US" i="1" dirty="0" smtClean="0"/>
-              <a:t>750MHz</a:t>
-            </a:r>
-            <a:endParaRPr lang="en-US" i="1" dirty="0"/>
-          </a:p>
-          <a:p>
-            <a:pPr lvl="1"/>
-            <a:r>
-              <a:rPr lang="en-US" i="1" dirty="0" smtClean="0"/>
-              <a:t>IVA </a:t>
-            </a:r>
-            <a:r>
-              <a:rPr lang="en-US" i="1" dirty="0"/>
-              <a:t>HD </a:t>
-            </a:r>
-            <a:r>
-              <a:rPr lang="en-US" i="1" dirty="0" smtClean="0"/>
-              <a:t>Coprocessor</a:t>
-            </a:r>
-            <a:endParaRPr lang="en-US" i="1" dirty="0"/>
-          </a:p>
-          <a:p>
-            <a:pPr lvl="1"/>
-            <a:r>
-              <a:rPr lang="en-US" i="1" dirty="0" smtClean="0"/>
-              <a:t>4 </a:t>
-            </a:r>
-            <a:r>
-              <a:rPr lang="en-US" i="1" dirty="0"/>
-              <a:t>x EVE Analytic </a:t>
-            </a:r>
-            <a:r>
-              <a:rPr lang="en-US" i="1" dirty="0" smtClean="0"/>
-              <a:t>Processor</a:t>
-            </a:r>
-            <a:endParaRPr lang="en-US" i="1" dirty="0"/>
-          </a:p>
-          <a:p>
-            <a:pPr lvl="1"/>
-            <a:r>
-              <a:rPr lang="en-US" i="1" dirty="0" smtClean="0"/>
-              <a:t>GPU </a:t>
-            </a:r>
-            <a:r>
-              <a:rPr lang="en-US" i="1" dirty="0"/>
-              <a:t>SGX544 @ </a:t>
-            </a:r>
-            <a:r>
-              <a:rPr lang="en-US" i="1" dirty="0" smtClean="0"/>
-              <a:t>560MHz</a:t>
-            </a:r>
-            <a:endParaRPr lang="sr-Cyrl-RS" i="1" dirty="0" smtClean="0"/>
-          </a:p>
-          <a:p>
-            <a:r>
-              <a:rPr lang="ru-RU" dirty="0" smtClean="0"/>
-              <a:t>Софтверска подршка на платформи -</a:t>
-            </a:r>
-            <a:r>
-              <a:rPr lang="ru-RU" i="1" dirty="0" smtClean="0"/>
-              <a:t>Vision SDK</a:t>
-            </a:r>
+              <a:t>LIN </a:t>
+            </a:r>
+            <a:r>
+              <a:rPr lang="sr-Cyrl-RS" i="1" dirty="0" smtClean="0"/>
+              <a:t>- </a:t>
+            </a:r>
+            <a:r>
+              <a:rPr lang="sr-Cyrl-RS" dirty="0"/>
+              <a:t>стандардизоване магистрале за преношење података </a:t>
+            </a:r>
+            <a:r>
+              <a:rPr lang="sr-Cyrl-RS" dirty="0" smtClean="0"/>
+              <a:t>на наменским платформама у возилима</a:t>
+            </a:r>
+            <a:endParaRPr lang="en-US" dirty="0"/>
           </a:p>
         </p:txBody>
       </p:sp>
@@ -18010,7 +22156,7 @@
     </p:spTree>
     <p:extLst>
       <p:ext uri="{BB962C8B-B14F-4D97-AF65-F5344CB8AC3E}">
-        <p14:creationId xmlns:p14="http://schemas.microsoft.com/office/powerpoint/2010/main" val="63335779"/>
+        <p14:creationId xmlns:p14="http://schemas.microsoft.com/office/powerpoint/2010/main" val="3106782347"/>
       </p:ext>
     </p:extLst>
   </p:cSld>
@@ -18056,22 +22202,12 @@
         </p:nvSpPr>
         <p:spPr/>
         <p:txBody>
-          <a:bodyPr>
-            <a:normAutofit fontScale="90000"/>
-          </a:bodyPr>
+          <a:bodyPr/>
           <a:lstStyle/>
           <a:p>
             <a:r>
-              <a:rPr lang="sr-Cyrl-RS" dirty="0"/>
-              <a:t>Концепт </a:t>
-            </a:r>
-            <a:r>
               <a:rPr lang="sr-Cyrl-RS" dirty="0" smtClean="0"/>
-              <a:t>решења - </a:t>
-            </a:r>
-            <a:r>
-              <a:rPr lang="ru-RU" dirty="0"/>
-              <a:t>Софтверска магистрала за дистрибуцију видео сигнала </a:t>
+              <a:t>Софтверске магистрале</a:t>
             </a:r>
             <a:endParaRPr lang="en-US" dirty="0"/>
           </a:p>
@@ -18090,83 +22226,120 @@
         <p:spPr/>
         <p:txBody>
           <a:bodyPr>
-            <a:normAutofit/>
+            <a:normAutofit fontScale="92500"/>
           </a:bodyPr>
           <a:lstStyle/>
           <a:p>
             <a:r>
+              <a:rPr lang="sr-Cyrl-RS" dirty="0" smtClean="0"/>
+              <a:t>Представљају </a:t>
+            </a:r>
+            <a:r>
               <a:rPr lang="sr-Cyrl-RS" dirty="0"/>
-              <a:t>Основна </a:t>
+              <a:t>начин на који се остварује међупроцесна комуникација (енг. </a:t>
+            </a:r>
+            <a:r>
+              <a:rPr lang="en-US" i="1" dirty="0" smtClean="0"/>
+              <a:t>IPC</a:t>
+            </a:r>
+            <a:r>
+              <a:rPr lang="en-US" dirty="0" smtClean="0"/>
+              <a:t>)</a:t>
+            </a:r>
+            <a:endParaRPr lang="sr-Cyrl-RS" dirty="0" smtClean="0"/>
+          </a:p>
+          <a:p>
+            <a:r>
+              <a:rPr lang="ru-RU" dirty="0" smtClean="0"/>
+              <a:t>Не </a:t>
+            </a:r>
+            <a:r>
+              <a:rPr lang="ru-RU" dirty="0"/>
+              <a:t>морају поседовати посебан физички </a:t>
+            </a:r>
+            <a:r>
+              <a:rPr lang="ru-RU" dirty="0" smtClean="0"/>
+              <a:t>медијум</a:t>
+            </a:r>
+          </a:p>
+          <a:p>
+            <a:r>
+              <a:rPr lang="ru-RU" dirty="0" smtClean="0"/>
+              <a:t>Потребно </a:t>
+            </a:r>
+            <a:r>
+              <a:rPr lang="ru-RU" dirty="0"/>
+              <a:t>је да постоји установљени протокол у комуникацији између пријемне и предајне </a:t>
+            </a:r>
+            <a:r>
+              <a:rPr lang="ru-RU" dirty="0" smtClean="0"/>
+              <a:t>стране</a:t>
+            </a:r>
+          </a:p>
+          <a:p>
+            <a:r>
+              <a:rPr lang="en-US" i="1" dirty="0" smtClean="0"/>
+              <a:t>Linux</a:t>
+            </a:r>
+            <a:r>
+              <a:rPr lang="en-US" dirty="0" smtClean="0"/>
+              <a:t> </a:t>
             </a:r>
             <a:r>
               <a:rPr lang="sr-Cyrl-RS" dirty="0" smtClean="0"/>
-              <a:t>идеја - </a:t>
+              <a:t>оперативни систем нуди механизмен попут:</a:t>
+            </a:r>
+          </a:p>
+          <a:p>
+            <a:pPr lvl="1"/>
+            <a:r>
+              <a:rPr lang="en-US" i="1" dirty="0" smtClean="0"/>
+              <a:t>D-bus</a:t>
+            </a:r>
+            <a:r>
+              <a:rPr lang="sr-Cyrl-RS" i="1" dirty="0" smtClean="0"/>
+              <a:t> – </a:t>
+            </a:r>
+            <a:r>
+              <a:rPr lang="sr-Cyrl-RS" dirty="0" smtClean="0"/>
+              <a:t>софтверска магистрала за размену порука</a:t>
+            </a:r>
+          </a:p>
+          <a:p>
+            <a:pPr lvl="1"/>
+            <a:r>
+              <a:rPr lang="en-US" i="1" dirty="0" smtClean="0"/>
+              <a:t>Pipes</a:t>
             </a:r>
             <a:r>
               <a:rPr lang="sr-Cyrl-RS" dirty="0"/>
-              <a:t>олакшавање и апстракција достављања видео садржаја крајњем кориснику, тј. апликацији која врши манипулацију истог </a:t>
-            </a:r>
-            <a:endParaRPr lang="sr-Cyrl-RS" dirty="0" smtClean="0"/>
-          </a:p>
-          <a:p>
+              <a:t> </a:t>
+            </a:r>
+            <a:r>
+              <a:rPr lang="sr-Cyrl-RS" i="1" dirty="0" smtClean="0"/>
+              <a:t>– </a:t>
+            </a:r>
             <a:r>
               <a:rPr lang="sr-Cyrl-RS" dirty="0" smtClean="0"/>
-              <a:t>Задаци:</a:t>
-            </a:r>
-          </a:p>
-          <a:p>
-            <a:pPr marL="914400" lvl="1" indent="-457200">
-              <a:buFont typeface="+mj-lt"/>
-              <a:buAutoNum type="arabicPeriod"/>
-            </a:pPr>
-            <a:r>
-              <a:rPr lang="ru-RU" dirty="0" smtClean="0"/>
-              <a:t>онемогућавање </a:t>
-            </a:r>
-            <a:r>
-              <a:rPr lang="ru-RU" dirty="0"/>
-              <a:t>недозвољеног приступа одређеним сегментима меморије </a:t>
-            </a:r>
-            <a:endParaRPr lang="ru-RU" dirty="0" smtClean="0"/>
-          </a:p>
-          <a:p>
-            <a:pPr marL="914400" lvl="1" indent="-457200">
-              <a:buFont typeface="+mj-lt"/>
-              <a:buAutoNum type="arabicPeriod"/>
-            </a:pPr>
-            <a:r>
-              <a:rPr lang="ru-RU" dirty="0" smtClean="0"/>
-              <a:t>онемогућавање преписивања </a:t>
-            </a:r>
-            <a:r>
-              <a:rPr lang="ru-RU" dirty="0"/>
-              <a:t>оригиналних података, подацима из једне од апликација која обрађује добављени видео </a:t>
-            </a:r>
-            <a:r>
-              <a:rPr lang="ru-RU" dirty="0" smtClean="0"/>
-              <a:t>сигнал</a:t>
-            </a:r>
-          </a:p>
-          <a:p>
-            <a:pPr marL="914400" lvl="1" indent="-457200">
-              <a:buFont typeface="+mj-lt"/>
-              <a:buAutoNum type="arabicPeriod"/>
-            </a:pPr>
-            <a:r>
-              <a:rPr lang="ru-RU" dirty="0" smtClean="0"/>
-              <a:t>једноставан и безбедан приступ потребним информацијама - </a:t>
-            </a:r>
-            <a:r>
-              <a:rPr lang="ru-RU" dirty="0"/>
-              <a:t>лишила потребе познавања детаља хардверске платформе на </a:t>
-            </a:r>
-            <a:r>
-              <a:rPr lang="sr-Cyrl-RS" dirty="0"/>
-              <a:t>којој се извршава </a:t>
-            </a:r>
+              <a:t>проточна обрада</a:t>
+            </a:r>
+          </a:p>
+          <a:p>
             <a:r>
               <a:rPr lang="sr-Cyrl-RS" dirty="0" smtClean="0"/>
-              <a:t>алгоритам.</a:t>
+              <a:t>Употреба дељене меморије (</a:t>
+            </a:r>
+            <a:r>
+              <a:rPr lang="en-US" i="1" dirty="0" err="1" smtClean="0"/>
+              <a:t>shmem</a:t>
+            </a:r>
+            <a:r>
+              <a:rPr lang="en-US" dirty="0" smtClean="0"/>
+              <a:t>)</a:t>
+            </a:r>
+            <a:r>
+              <a:rPr lang="sr-Cyrl-RS" dirty="0" smtClean="0"/>
+              <a:t> и других комуникационих протокола такође представља својеврстан вид софтверске магистрале</a:t>
             </a:r>
             <a:endParaRPr lang="en-US" dirty="0"/>
           </a:p>
@@ -18198,7 +22371,7 @@
     </p:spTree>
     <p:extLst>
       <p:ext uri="{BB962C8B-B14F-4D97-AF65-F5344CB8AC3E}">
-        <p14:creationId xmlns:p14="http://schemas.microsoft.com/office/powerpoint/2010/main" val="2774999053"/>
+        <p14:creationId xmlns:p14="http://schemas.microsoft.com/office/powerpoint/2010/main" val="3144113695"/>
       </p:ext>
     </p:extLst>
   </p:cSld>
@@ -18242,6 +22415,639 @@
             <p:ph type="title"/>
           </p:nvPr>
         </p:nvSpPr>
+        <p:spPr>
+          <a:xfrm>
+            <a:off x="838200" y="3196752"/>
+            <a:ext cx="10515600" cy="1061449"/>
+          </a:xfrm>
+        </p:spPr>
+        <p:txBody>
+          <a:bodyPr/>
+          <a:lstStyle/>
+          <a:p>
+            <a:pPr algn="ctr"/>
+            <a:r>
+              <a:rPr lang="sr-Cyrl-RS" dirty="0"/>
+              <a:t>Хардверска платформа – </a:t>
+            </a:r>
+            <a:r>
+              <a:rPr lang="en-US" i="1" dirty="0"/>
+              <a:t>ALPHA AMV</a:t>
+            </a:r>
+            <a:endParaRPr lang="en-US" dirty="0"/>
+          </a:p>
+        </p:txBody>
+      </p:sp>
+      <p:sp>
+        <p:nvSpPr>
+          <p:cNvPr id="4" name="Slide Number Placeholder 3"/>
+          <p:cNvSpPr>
+            <a:spLocks noGrp="1"/>
+          </p:cNvSpPr>
+          <p:nvPr>
+            <p:ph type="sldNum" sz="quarter" idx="12"/>
+          </p:nvPr>
+        </p:nvSpPr>
+        <p:spPr/>
+        <p:txBody>
+          <a:bodyPr/>
+          <a:lstStyle/>
+          <a:p>
+            <a:fld id="{D22DBB91-4764-4098-A9EE-EA9330E91630}" type="slidenum">
+              <a:rPr lang="en-GB" smtClean="0"/>
+              <a:t>14</a:t>
+            </a:fld>
+            <a:endParaRPr lang="en-GB"/>
+          </a:p>
+        </p:txBody>
+      </p:sp>
+    </p:spTree>
+    <p:extLst>
+      <p:ext uri="{BB962C8B-B14F-4D97-AF65-F5344CB8AC3E}">
+        <p14:creationId xmlns:p14="http://schemas.microsoft.com/office/powerpoint/2010/main" val="1906262380"/>
+      </p:ext>
+    </p:extLst>
+  </p:cSld>
+  <p:clrMapOvr>
+    <a:masterClrMapping/>
+  </p:clrMapOvr>
+</p:sld>
+</file>
+
+<file path=ppt/slides/slide15.xml><?xml version="1.0" encoding="utf-8"?>
+<p:sld xmlns:a="http://schemas.openxmlformats.org/drawingml/2006/main" xmlns:r="http://schemas.openxmlformats.org/officeDocument/2006/relationships" xmlns:p="http://schemas.openxmlformats.org/presentationml/2006/main">
+  <p:cSld>
+    <p:spTree>
+      <p:nvGrpSpPr>
+        <p:cNvPr id="1" name=""/>
+        <p:cNvGrpSpPr/>
+        <p:nvPr/>
+      </p:nvGrpSpPr>
+      <p:grpSpPr>
+        <a:xfrm>
+          <a:off x="0" y="0"/>
+          <a:ext cx="0" cy="0"/>
+          <a:chOff x="0" y="0"/>
+          <a:chExt cx="0" cy="0"/>
+        </a:xfrm>
+      </p:grpSpPr>
+      <p:sp>
+        <p:nvSpPr>
+          <p:cNvPr id="2" name="Title 1"/>
+          <p:cNvSpPr>
+            <a:spLocks noGrp="1"/>
+          </p:cNvSpPr>
+          <p:nvPr>
+            <p:ph type="title"/>
+          </p:nvPr>
+        </p:nvSpPr>
+        <p:spPr/>
+        <p:txBody>
+          <a:bodyPr>
+            <a:normAutofit/>
+          </a:bodyPr>
+          <a:lstStyle/>
+          <a:p>
+            <a:r>
+              <a:rPr lang="sr-Cyrl-RS" dirty="0"/>
+              <a:t>Хардверска платформа – </a:t>
+            </a:r>
+            <a:r>
+              <a:rPr lang="en-US" i="1" dirty="0"/>
+              <a:t>ALPHA </a:t>
+            </a:r>
+            <a:r>
+              <a:rPr lang="en-US" i="1" dirty="0" smtClean="0"/>
+              <a:t>AMV</a:t>
+            </a:r>
+            <a:endParaRPr lang="en-US" i="1" dirty="0"/>
+          </a:p>
+        </p:txBody>
+      </p:sp>
+      <p:sp>
+        <p:nvSpPr>
+          <p:cNvPr id="3" name="Content Placeholder 2"/>
+          <p:cNvSpPr>
+            <a:spLocks noGrp="1"/>
+          </p:cNvSpPr>
+          <p:nvPr>
+            <p:ph idx="1"/>
+          </p:nvPr>
+        </p:nvSpPr>
+        <p:spPr>
+          <a:xfrm>
+            <a:off x="838200" y="1847850"/>
+            <a:ext cx="10515600" cy="4351338"/>
+          </a:xfrm>
+        </p:spPr>
+        <p:txBody>
+          <a:bodyPr>
+            <a:normAutofit fontScale="92500" lnSpcReduction="10000"/>
+          </a:bodyPr>
+          <a:lstStyle/>
+          <a:p>
+            <a:r>
+              <a:rPr lang="sr-Cyrl-RS" dirty="0"/>
+              <a:t>З</a:t>
+            </a:r>
+            <a:r>
+              <a:rPr lang="ru-RU" dirty="0" smtClean="0"/>
+              <a:t>аснована </a:t>
+            </a:r>
+            <a:r>
+              <a:rPr lang="ru-RU" dirty="0"/>
+              <a:t>је на систему на чипу (енг. </a:t>
+            </a:r>
+            <a:r>
+              <a:rPr lang="ru-RU" i="1" dirty="0"/>
+              <a:t>SoC</a:t>
+            </a:r>
+            <a:r>
+              <a:rPr lang="ru-RU" dirty="0"/>
+              <a:t>) </a:t>
+            </a:r>
+            <a:r>
+              <a:rPr lang="ru-RU" i="1" dirty="0" smtClean="0"/>
+              <a:t>TDA2x</a:t>
+            </a:r>
+          </a:p>
+          <a:p>
+            <a:r>
+              <a:rPr lang="ru-RU" dirty="0" smtClean="0"/>
+              <a:t>Подржава </a:t>
+            </a:r>
+            <a:r>
+              <a:rPr lang="en-US" i="1" dirty="0" smtClean="0"/>
+              <a:t>PSE51</a:t>
+            </a:r>
+            <a:r>
+              <a:rPr lang="en-US" dirty="0" smtClean="0"/>
+              <a:t> </a:t>
+            </a:r>
+            <a:r>
+              <a:rPr lang="sr-Cyrl-RS" dirty="0" smtClean="0"/>
+              <a:t>оперативне системе</a:t>
+            </a:r>
+            <a:endParaRPr lang="ru-RU" i="1" dirty="0" smtClean="0"/>
+          </a:p>
+          <a:p>
+            <a:r>
+              <a:rPr lang="ru-RU" dirty="0" smtClean="0"/>
+              <a:t>Платформа </a:t>
+            </a:r>
+            <a:r>
+              <a:rPr lang="ru-RU" dirty="0"/>
+              <a:t>поседује три оваква чипа </a:t>
+            </a:r>
+            <a:r>
+              <a:rPr lang="ru-RU" dirty="0" smtClean="0"/>
+              <a:t>са више процесорских компоненти:</a:t>
+            </a:r>
+          </a:p>
+          <a:p>
+            <a:pPr lvl="1"/>
+            <a:r>
+              <a:rPr lang="en-US" i="1" dirty="0"/>
+              <a:t>2 x ARM Cortex A15 @ </a:t>
+            </a:r>
+            <a:r>
+              <a:rPr lang="en-US" i="1" dirty="0" smtClean="0"/>
+              <a:t>1176MHz</a:t>
+            </a:r>
+            <a:endParaRPr lang="en-US" i="1" dirty="0"/>
+          </a:p>
+          <a:p>
+            <a:pPr lvl="1"/>
+            <a:r>
+              <a:rPr lang="en-US" i="1" dirty="0" smtClean="0"/>
+              <a:t>2 </a:t>
+            </a:r>
+            <a:r>
+              <a:rPr lang="en-US" i="1" dirty="0"/>
+              <a:t>x Dual core ARM Cortex M4 @ </a:t>
+            </a:r>
+            <a:r>
+              <a:rPr lang="en-US" i="1" dirty="0" smtClean="0"/>
+              <a:t>220MHz</a:t>
+            </a:r>
+            <a:endParaRPr lang="en-US" i="1" dirty="0"/>
+          </a:p>
+          <a:p>
+            <a:pPr lvl="1"/>
+            <a:r>
+              <a:rPr lang="en-US" i="1" dirty="0" smtClean="0"/>
+              <a:t>2 </a:t>
+            </a:r>
+            <a:r>
+              <a:rPr lang="en-US" i="1" dirty="0"/>
+              <a:t>x DSP C66x @ </a:t>
+            </a:r>
+            <a:r>
+              <a:rPr lang="en-US" i="1" dirty="0" smtClean="0"/>
+              <a:t>750MHz</a:t>
+            </a:r>
+            <a:endParaRPr lang="en-US" i="1" dirty="0"/>
+          </a:p>
+          <a:p>
+            <a:pPr lvl="1"/>
+            <a:r>
+              <a:rPr lang="en-US" i="1" dirty="0" smtClean="0"/>
+              <a:t>IVA </a:t>
+            </a:r>
+            <a:r>
+              <a:rPr lang="en-US" i="1" dirty="0"/>
+              <a:t>HD </a:t>
+            </a:r>
+            <a:r>
+              <a:rPr lang="en-US" i="1" dirty="0" smtClean="0"/>
+              <a:t>Coprocessor</a:t>
+            </a:r>
+            <a:endParaRPr lang="en-US" i="1" dirty="0"/>
+          </a:p>
+          <a:p>
+            <a:pPr lvl="1"/>
+            <a:r>
+              <a:rPr lang="en-US" i="1" dirty="0" smtClean="0"/>
+              <a:t>4 </a:t>
+            </a:r>
+            <a:r>
+              <a:rPr lang="en-US" i="1" dirty="0"/>
+              <a:t>x EVE Analytic </a:t>
+            </a:r>
+            <a:r>
+              <a:rPr lang="en-US" i="1" dirty="0" smtClean="0"/>
+              <a:t>Processor</a:t>
+            </a:r>
+            <a:endParaRPr lang="en-US" i="1" dirty="0"/>
+          </a:p>
+          <a:p>
+            <a:pPr lvl="1"/>
+            <a:r>
+              <a:rPr lang="en-US" i="1" dirty="0" smtClean="0"/>
+              <a:t>GPU </a:t>
+            </a:r>
+            <a:r>
+              <a:rPr lang="en-US" i="1" dirty="0"/>
+              <a:t>SGX544 @ </a:t>
+            </a:r>
+            <a:r>
+              <a:rPr lang="en-US" i="1" dirty="0" smtClean="0"/>
+              <a:t>560MHz</a:t>
+            </a:r>
+            <a:endParaRPr lang="sr-Cyrl-RS" i="1" dirty="0" smtClean="0"/>
+          </a:p>
+          <a:p>
+            <a:r>
+              <a:rPr lang="ru-RU" dirty="0" smtClean="0"/>
+              <a:t>Софтверска подршка на платформи -</a:t>
+            </a:r>
+            <a:r>
+              <a:rPr lang="ru-RU" i="1" dirty="0" smtClean="0"/>
+              <a:t>Vision SDK</a:t>
+            </a:r>
+          </a:p>
+        </p:txBody>
+      </p:sp>
+      <p:sp>
+        <p:nvSpPr>
+          <p:cNvPr id="4" name="Slide Number Placeholder 3"/>
+          <p:cNvSpPr>
+            <a:spLocks noGrp="1"/>
+          </p:cNvSpPr>
+          <p:nvPr>
+            <p:ph type="sldNum" sz="quarter" idx="12"/>
+          </p:nvPr>
+        </p:nvSpPr>
+        <p:spPr/>
+        <p:txBody>
+          <a:bodyPr/>
+          <a:lstStyle/>
+          <a:p>
+            <a:fld id="{D22DBB91-4764-4098-A9EE-EA9330E91630}" type="slidenum">
+              <a:rPr lang="en-GB" smtClean="0"/>
+              <a:t>15</a:t>
+            </a:fld>
+            <a:endParaRPr lang="en-GB"/>
+          </a:p>
+        </p:txBody>
+      </p:sp>
+    </p:spTree>
+    <p:extLst>
+      <p:ext uri="{BB962C8B-B14F-4D97-AF65-F5344CB8AC3E}">
+        <p14:creationId xmlns:p14="http://schemas.microsoft.com/office/powerpoint/2010/main" val="63335779"/>
+      </p:ext>
+    </p:extLst>
+  </p:cSld>
+  <p:clrMapOvr>
+    <a:masterClrMapping/>
+  </p:clrMapOvr>
+  <p:timing>
+    <p:tnLst>
+      <p:par>
+        <p:cTn id="1" dur="indefinite" restart="never" nodeType="tmRoot"/>
+      </p:par>
+    </p:tnLst>
+  </p:timing>
+</p:sld>
+</file>
+
+<file path=ppt/slides/slide16.xml><?xml version="1.0" encoding="utf-8"?>
+<p:sld xmlns:a="http://schemas.openxmlformats.org/drawingml/2006/main" xmlns:r="http://schemas.openxmlformats.org/officeDocument/2006/relationships" xmlns:p="http://schemas.openxmlformats.org/presentationml/2006/main">
+  <p:cSld>
+    <p:spTree>
+      <p:nvGrpSpPr>
+        <p:cNvPr id="1" name=""/>
+        <p:cNvGrpSpPr/>
+        <p:nvPr/>
+      </p:nvGrpSpPr>
+      <p:grpSpPr>
+        <a:xfrm>
+          <a:off x="0" y="0"/>
+          <a:ext cx="0" cy="0"/>
+          <a:chOff x="0" y="0"/>
+          <a:chExt cx="0" cy="0"/>
+        </a:xfrm>
+      </p:grpSpPr>
+      <p:sp>
+        <p:nvSpPr>
+          <p:cNvPr id="2" name="Title 1"/>
+          <p:cNvSpPr>
+            <a:spLocks noGrp="1"/>
+          </p:cNvSpPr>
+          <p:nvPr>
+            <p:ph type="title"/>
+          </p:nvPr>
+        </p:nvSpPr>
+        <p:spPr>
+          <a:xfrm>
+            <a:off x="1168940" y="3332939"/>
+            <a:ext cx="10515600" cy="1061449"/>
+          </a:xfrm>
+        </p:spPr>
+        <p:txBody>
+          <a:bodyPr/>
+          <a:lstStyle/>
+          <a:p>
+            <a:pPr algn="ctr"/>
+            <a:r>
+              <a:rPr lang="sr-Cyrl-RS" dirty="0"/>
+              <a:t>Концепт решења</a:t>
+            </a:r>
+            <a:endParaRPr lang="en-US" dirty="0"/>
+          </a:p>
+        </p:txBody>
+      </p:sp>
+      <p:sp>
+        <p:nvSpPr>
+          <p:cNvPr id="4" name="Slide Number Placeholder 3"/>
+          <p:cNvSpPr>
+            <a:spLocks noGrp="1"/>
+          </p:cNvSpPr>
+          <p:nvPr>
+            <p:ph type="sldNum" sz="quarter" idx="12"/>
+          </p:nvPr>
+        </p:nvSpPr>
+        <p:spPr/>
+        <p:txBody>
+          <a:bodyPr/>
+          <a:lstStyle/>
+          <a:p>
+            <a:fld id="{D22DBB91-4764-4098-A9EE-EA9330E91630}" type="slidenum">
+              <a:rPr lang="en-GB" smtClean="0"/>
+              <a:t>16</a:t>
+            </a:fld>
+            <a:endParaRPr lang="en-GB"/>
+          </a:p>
+        </p:txBody>
+      </p:sp>
+    </p:spTree>
+    <p:extLst>
+      <p:ext uri="{BB962C8B-B14F-4D97-AF65-F5344CB8AC3E}">
+        <p14:creationId xmlns:p14="http://schemas.microsoft.com/office/powerpoint/2010/main" val="1878066513"/>
+      </p:ext>
+    </p:extLst>
+  </p:cSld>
+  <p:clrMapOvr>
+    <a:masterClrMapping/>
+  </p:clrMapOvr>
+</p:sld>
+</file>
+
+<file path=ppt/slides/slide17.xml><?xml version="1.0" encoding="utf-8"?>
+<p:sld xmlns:a="http://schemas.openxmlformats.org/drawingml/2006/main" xmlns:r="http://schemas.openxmlformats.org/officeDocument/2006/relationships" xmlns:p="http://schemas.openxmlformats.org/presentationml/2006/main">
+  <p:cSld>
+    <p:spTree>
+      <p:nvGrpSpPr>
+        <p:cNvPr id="1" name=""/>
+        <p:cNvGrpSpPr/>
+        <p:nvPr/>
+      </p:nvGrpSpPr>
+      <p:grpSpPr>
+        <a:xfrm>
+          <a:off x="0" y="0"/>
+          <a:ext cx="0" cy="0"/>
+          <a:chOff x="0" y="0"/>
+          <a:chExt cx="0" cy="0"/>
+        </a:xfrm>
+      </p:grpSpPr>
+      <p:sp>
+        <p:nvSpPr>
+          <p:cNvPr id="2" name="Title 1"/>
+          <p:cNvSpPr>
+            <a:spLocks noGrp="1"/>
+          </p:cNvSpPr>
+          <p:nvPr>
+            <p:ph type="title"/>
+          </p:nvPr>
+        </p:nvSpPr>
+        <p:spPr/>
+        <p:txBody>
+          <a:bodyPr>
+            <a:normAutofit fontScale="90000"/>
+          </a:bodyPr>
+          <a:lstStyle/>
+          <a:p>
+            <a:r>
+              <a:rPr lang="sr-Cyrl-RS" dirty="0"/>
+              <a:t>Концепт </a:t>
+            </a:r>
+            <a:r>
+              <a:rPr lang="sr-Cyrl-RS" dirty="0" smtClean="0"/>
+              <a:t>решења - </a:t>
+            </a:r>
+            <a:r>
+              <a:rPr lang="ru-RU" dirty="0"/>
+              <a:t>Софтверска магистрала за дистрибуцију видео сигнала </a:t>
+            </a:r>
+            <a:endParaRPr lang="en-US" dirty="0"/>
+          </a:p>
+        </p:txBody>
+      </p:sp>
+      <p:sp>
+        <p:nvSpPr>
+          <p:cNvPr id="3" name="Content Placeholder 2"/>
+          <p:cNvSpPr>
+            <a:spLocks noGrp="1"/>
+          </p:cNvSpPr>
+          <p:nvPr>
+            <p:ph idx="1"/>
+          </p:nvPr>
+        </p:nvSpPr>
+        <p:spPr/>
+        <p:txBody>
+          <a:bodyPr>
+            <a:normAutofit/>
+          </a:bodyPr>
+          <a:lstStyle/>
+          <a:p>
+            <a:r>
+              <a:rPr lang="sr-Cyrl-RS" dirty="0"/>
+              <a:t>Основна </a:t>
+            </a:r>
+            <a:r>
+              <a:rPr lang="sr-Cyrl-RS" dirty="0" smtClean="0"/>
+              <a:t>идеја - </a:t>
+            </a:r>
+            <a:r>
+              <a:rPr lang="sr-Cyrl-RS" dirty="0"/>
+              <a:t>олакшавање и апстракција достављања видео садржаја крајњем кориснику, тј. апликацији која врши манипулацију истог </a:t>
+            </a:r>
+            <a:endParaRPr lang="sr-Cyrl-RS" dirty="0" smtClean="0"/>
+          </a:p>
+          <a:p>
+            <a:r>
+              <a:rPr lang="sr-Cyrl-RS" dirty="0" smtClean="0"/>
+              <a:t>Задаци:</a:t>
+            </a:r>
+          </a:p>
+          <a:p>
+            <a:pPr marL="914400" lvl="1" indent="-457200">
+              <a:buFont typeface="+mj-lt"/>
+              <a:buAutoNum type="arabicPeriod"/>
+            </a:pPr>
+            <a:r>
+              <a:rPr lang="ru-RU" dirty="0" smtClean="0"/>
+              <a:t>онемогућавање </a:t>
+            </a:r>
+            <a:r>
+              <a:rPr lang="ru-RU" dirty="0"/>
+              <a:t>недозвољеног приступа одређеним сегментима меморије </a:t>
+            </a:r>
+            <a:endParaRPr lang="ru-RU" dirty="0" smtClean="0"/>
+          </a:p>
+          <a:p>
+            <a:pPr marL="914400" lvl="1" indent="-457200">
+              <a:buFont typeface="+mj-lt"/>
+              <a:buAutoNum type="arabicPeriod"/>
+            </a:pPr>
+            <a:r>
+              <a:rPr lang="ru-RU" dirty="0" smtClean="0"/>
+              <a:t>онемогућавање преписивања </a:t>
+            </a:r>
+            <a:r>
+              <a:rPr lang="ru-RU" dirty="0"/>
+              <a:t>оригиналних података, подацима из једне од апликација која обрађује добављени видео </a:t>
+            </a:r>
+            <a:r>
+              <a:rPr lang="ru-RU" dirty="0" smtClean="0"/>
+              <a:t>сигнал</a:t>
+            </a:r>
+          </a:p>
+          <a:p>
+            <a:pPr marL="914400" lvl="1" indent="-457200">
+              <a:buFont typeface="+mj-lt"/>
+              <a:buAutoNum type="arabicPeriod"/>
+            </a:pPr>
+            <a:r>
+              <a:rPr lang="ru-RU" dirty="0" smtClean="0"/>
+              <a:t>једноставан и безбедан приступ потребним информацијама - </a:t>
+            </a:r>
+            <a:r>
+              <a:rPr lang="ru-RU" dirty="0"/>
+              <a:t>лишила потребе познавања детаља хардверске платформе на </a:t>
+            </a:r>
+            <a:r>
+              <a:rPr lang="sr-Cyrl-RS" dirty="0"/>
+              <a:t>којој се извршава </a:t>
+            </a:r>
+            <a:r>
+              <a:rPr lang="sr-Cyrl-RS" dirty="0" smtClean="0"/>
+              <a:t>алгоритам.</a:t>
+            </a:r>
+            <a:endParaRPr lang="en-US" dirty="0"/>
+          </a:p>
+        </p:txBody>
+      </p:sp>
+      <p:sp>
+        <p:nvSpPr>
+          <p:cNvPr id="4" name="Slide Number Placeholder 3"/>
+          <p:cNvSpPr>
+            <a:spLocks noGrp="1"/>
+          </p:cNvSpPr>
+          <p:nvPr>
+            <p:ph type="sldNum" sz="quarter" idx="12"/>
+          </p:nvPr>
+        </p:nvSpPr>
+        <p:spPr/>
+        <p:txBody>
+          <a:bodyPr/>
+          <a:lstStyle/>
+          <a:p>
+            <a:fld id="{D22DBB91-4764-4098-A9EE-EA9330E91630}" type="slidenum">
+              <a:rPr lang="en-GB" smtClean="0"/>
+              <a:t>17</a:t>
+            </a:fld>
+            <a:endParaRPr lang="en-GB"/>
+          </a:p>
+        </p:txBody>
+      </p:sp>
+    </p:spTree>
+    <p:extLst>
+      <p:ext uri="{BB962C8B-B14F-4D97-AF65-F5344CB8AC3E}">
+        <p14:creationId xmlns:p14="http://schemas.microsoft.com/office/powerpoint/2010/main" val="2774999053"/>
+      </p:ext>
+    </p:extLst>
+  </p:cSld>
+  <p:clrMapOvr>
+    <a:masterClrMapping/>
+  </p:clrMapOvr>
+  <p:timing>
+    <p:tnLst>
+      <p:par>
+        <p:cTn id="1" dur="indefinite" restart="never" nodeType="tmRoot"/>
+      </p:par>
+    </p:tnLst>
+  </p:timing>
+</p:sld>
+</file>
+
+<file path=ppt/slides/slide18.xml><?xml version="1.0" encoding="utf-8"?>
+<p:sld xmlns:a="http://schemas.openxmlformats.org/drawingml/2006/main" xmlns:r="http://schemas.openxmlformats.org/officeDocument/2006/relationships" xmlns:p="http://schemas.openxmlformats.org/presentationml/2006/main">
+  <p:cSld>
+    <p:spTree>
+      <p:nvGrpSpPr>
+        <p:cNvPr id="1" name=""/>
+        <p:cNvGrpSpPr/>
+        <p:nvPr/>
+      </p:nvGrpSpPr>
+      <p:grpSpPr>
+        <a:xfrm>
+          <a:off x="0" y="0"/>
+          <a:ext cx="0" cy="0"/>
+          <a:chOff x="0" y="0"/>
+          <a:chExt cx="0" cy="0"/>
+        </a:xfrm>
+      </p:grpSpPr>
+      <p:sp>
+        <p:nvSpPr>
+          <p:cNvPr id="2" name="Title 1"/>
+          <p:cNvSpPr>
+            <a:spLocks noGrp="1"/>
+          </p:cNvSpPr>
+          <p:nvPr>
+            <p:ph type="title"/>
+          </p:nvPr>
+        </p:nvSpPr>
         <p:spPr/>
         <p:txBody>
           <a:bodyPr>
@@ -18362,7 +23168,7 @@
           <a:p>
             <a:fld id="{D22DBB91-4764-4098-A9EE-EA9330E91630}" type="slidenum">
               <a:rPr lang="en-GB" smtClean="0"/>
-              <a:t>14</a:t>
+              <a:t>18</a:t>
             </a:fld>
             <a:endParaRPr lang="en-GB"/>
           </a:p>
@@ -18418,7 +23224,7 @@
 </p:sld>
 </file>
 
-<file path=ppt/slides/slide15.xml><?xml version="1.0" encoding="utf-8"?>
+<file path=ppt/slides/slide19.xml><?xml version="1.0" encoding="utf-8"?>
 <p:sld xmlns:a="http://schemas.openxmlformats.org/drawingml/2006/main" xmlns:r="http://schemas.openxmlformats.org/officeDocument/2006/relationships" xmlns:p="http://schemas.openxmlformats.org/presentationml/2006/main">
   <p:cSld>
     <p:spTree>
@@ -18537,7 +23343,7 @@
           <a:p>
             <a:fld id="{D22DBB91-4764-4098-A9EE-EA9330E91630}" type="slidenum">
               <a:rPr lang="en-GB" smtClean="0"/>
-              <a:t>15</a:t>
+              <a:t>19</a:t>
             </a:fld>
             <a:endParaRPr lang="en-GB"/>
           </a:p>
@@ -18593,7 +23399,209 @@
 </p:sld>
 </file>
 
-<file path=ppt/slides/slide16.xml><?xml version="1.0" encoding="utf-8"?>
+<file path=ppt/slides/slide2.xml><?xml version="1.0" encoding="utf-8"?>
+<p:sld xmlns:a="http://schemas.openxmlformats.org/drawingml/2006/main" xmlns:r="http://schemas.openxmlformats.org/officeDocument/2006/relationships" xmlns:p="http://schemas.openxmlformats.org/presentationml/2006/main">
+  <p:cSld>
+    <p:spTree>
+      <p:nvGrpSpPr>
+        <p:cNvPr id="1" name=""/>
+        <p:cNvGrpSpPr/>
+        <p:nvPr/>
+      </p:nvGrpSpPr>
+      <p:grpSpPr>
+        <a:xfrm>
+          <a:off x="0" y="0"/>
+          <a:ext cx="0" cy="0"/>
+          <a:chOff x="0" y="0"/>
+          <a:chExt cx="0" cy="0"/>
+        </a:xfrm>
+      </p:grpSpPr>
+      <p:sp>
+        <p:nvSpPr>
+          <p:cNvPr id="2" name="Title 1"/>
+          <p:cNvSpPr>
+            <a:spLocks noGrp="1"/>
+          </p:cNvSpPr>
+          <p:nvPr>
+            <p:ph type="title"/>
+          </p:nvPr>
+        </p:nvSpPr>
+        <p:spPr/>
+        <p:txBody>
+          <a:bodyPr/>
+          <a:lstStyle/>
+          <a:p>
+            <a:r>
+              <a:rPr lang="sr-Cyrl-RS" dirty="0" smtClean="0"/>
+              <a:t>Садржај</a:t>
+            </a:r>
+            <a:endParaRPr lang="en-US" dirty="0"/>
+          </a:p>
+        </p:txBody>
+      </p:sp>
+      <p:sp>
+        <p:nvSpPr>
+          <p:cNvPr id="3" name="Content Placeholder 2"/>
+          <p:cNvSpPr>
+            <a:spLocks noGrp="1"/>
+          </p:cNvSpPr>
+          <p:nvPr>
+            <p:ph idx="1"/>
+          </p:nvPr>
+        </p:nvSpPr>
+        <p:spPr/>
+        <p:txBody>
+          <a:bodyPr>
+            <a:normAutofit fontScale="92500" lnSpcReduction="20000"/>
+          </a:bodyPr>
+          <a:lstStyle/>
+          <a:p>
+            <a:r>
+              <a:rPr lang="sr-Cyrl-RS" dirty="0" smtClean="0"/>
+              <a:t>Увод</a:t>
+            </a:r>
+          </a:p>
+          <a:p>
+            <a:r>
+              <a:rPr lang="en-US" i="1" dirty="0" smtClean="0"/>
+              <a:t>AUTOSAR</a:t>
+            </a:r>
+            <a:endParaRPr lang="sr-Cyrl-RS" i="1" dirty="0" smtClean="0"/>
+          </a:p>
+          <a:p>
+            <a:pPr lvl="1"/>
+            <a:r>
+              <a:rPr lang="en-US" i="1" dirty="0" smtClean="0"/>
+              <a:t>AUTOSAR</a:t>
+            </a:r>
+            <a:r>
+              <a:rPr lang="sr-Cyrl-RS" i="1" dirty="0" smtClean="0"/>
+              <a:t> </a:t>
+            </a:r>
+            <a:r>
+              <a:rPr lang="sr-Cyrl-RS" dirty="0" smtClean="0"/>
+              <a:t>кроз верзије и платформе</a:t>
+            </a:r>
+          </a:p>
+          <a:p>
+            <a:pPr lvl="2"/>
+            <a:r>
+              <a:rPr lang="en-US" i="1" dirty="0" smtClean="0"/>
+              <a:t>AUTOSAR</a:t>
+            </a:r>
+            <a:r>
+              <a:rPr lang="sr-Cyrl-RS" i="1" dirty="0" smtClean="0"/>
+              <a:t> </a:t>
+            </a:r>
+            <a:r>
+              <a:rPr lang="en-US" i="1" dirty="0" smtClean="0"/>
+              <a:t>(Classic)</a:t>
+            </a:r>
+          </a:p>
+          <a:p>
+            <a:pPr lvl="2"/>
+            <a:r>
+              <a:rPr lang="en-US" i="1" dirty="0" smtClean="0"/>
+              <a:t>AUTOSAR Adaptive</a:t>
+            </a:r>
+            <a:endParaRPr lang="sr-Cyrl-RS" dirty="0" smtClean="0"/>
+          </a:p>
+          <a:p>
+            <a:r>
+              <a:rPr lang="sr-Cyrl-RS" dirty="0" smtClean="0"/>
+              <a:t>Појам магистрале</a:t>
+            </a:r>
+          </a:p>
+          <a:p>
+            <a:pPr lvl="1"/>
+            <a:r>
+              <a:rPr lang="sr-Cyrl-RS" dirty="0" smtClean="0"/>
+              <a:t>Хардверска</a:t>
+            </a:r>
+          </a:p>
+          <a:p>
+            <a:pPr lvl="1"/>
+            <a:r>
+              <a:rPr lang="sr-Cyrl-RS" dirty="0" smtClean="0"/>
+              <a:t>Софтверска</a:t>
+            </a:r>
+          </a:p>
+          <a:p>
+            <a:r>
+              <a:rPr lang="sr-Cyrl-RS" dirty="0" smtClean="0"/>
+              <a:t>Хардверска платформа – </a:t>
+            </a:r>
+            <a:r>
+              <a:rPr lang="en-US" i="1" dirty="0" smtClean="0"/>
+              <a:t>ALPHA AMV</a:t>
+            </a:r>
+            <a:endParaRPr lang="sr-Cyrl-RS" i="1" dirty="0" smtClean="0"/>
+          </a:p>
+          <a:p>
+            <a:r>
+              <a:rPr lang="sr-Cyrl-RS" dirty="0" smtClean="0"/>
+              <a:t>Концепт решења</a:t>
+            </a:r>
+          </a:p>
+          <a:p>
+            <a:r>
+              <a:rPr lang="sr-Cyrl-RS" dirty="0" smtClean="0"/>
+              <a:t>Верификација и тестирање решења</a:t>
+            </a:r>
+          </a:p>
+          <a:p>
+            <a:r>
+              <a:rPr lang="sr-Cyrl-RS" dirty="0" smtClean="0"/>
+              <a:t>Закључак</a:t>
+            </a:r>
+            <a:endParaRPr lang="en-US" dirty="0"/>
+          </a:p>
+        </p:txBody>
+      </p:sp>
+      <p:sp>
+        <p:nvSpPr>
+          <p:cNvPr id="4" name="Slide Number Placeholder 3"/>
+          <p:cNvSpPr>
+            <a:spLocks noGrp="1"/>
+          </p:cNvSpPr>
+          <p:nvPr>
+            <p:ph type="sldNum" sz="quarter" idx="12"/>
+          </p:nvPr>
+        </p:nvSpPr>
+        <p:spPr/>
+        <p:txBody>
+          <a:bodyPr/>
+          <a:lstStyle/>
+          <a:p>
+            <a:fld id="{D22DBB91-4764-4098-A9EE-EA9330E91630}" type="slidenum">
+              <a:rPr lang="en-GB" smtClean="0"/>
+              <a:t>2</a:t>
+            </a:fld>
+            <a:endParaRPr lang="en-GB"/>
+          </a:p>
+        </p:txBody>
+      </p:sp>
+    </p:spTree>
+    <p:extLst>
+      <p:ext uri="{BB962C8B-B14F-4D97-AF65-F5344CB8AC3E}">
+        <p14:creationId xmlns:p14="http://schemas.microsoft.com/office/powerpoint/2010/main" val="1888534480"/>
+      </p:ext>
+    </p:extLst>
+  </p:cSld>
+  <p:clrMapOvr>
+    <a:masterClrMapping/>
+  </p:clrMapOvr>
+  <p:timing>
+    <p:tnLst>
+      <p:par>
+        <p:cTn id="1" dur="indefinite" restart="never" nodeType="tmRoot"/>
+      </p:par>
+    </p:tnLst>
+  </p:timing>
+</p:sld>
+</file>
+
+<file path=ppt/slides/slide20.xml><?xml version="1.0" encoding="utf-8"?>
 <p:sld xmlns:a="http://schemas.openxmlformats.org/drawingml/2006/main" xmlns:r="http://schemas.openxmlformats.org/officeDocument/2006/relationships" xmlns:p="http://schemas.openxmlformats.org/presentationml/2006/main">
   <p:cSld>
     <p:spTree>
@@ -18759,7 +23767,7 @@
           <a:p>
             <a:fld id="{D22DBB91-4764-4098-A9EE-EA9330E91630}" type="slidenum">
               <a:rPr lang="en-GB" smtClean="0"/>
-              <a:t>16</a:t>
+              <a:t>20</a:t>
             </a:fld>
             <a:endParaRPr lang="en-GB"/>
           </a:p>
@@ -18815,7 +23823,7 @@
 </p:sld>
 </file>
 
-<file path=ppt/slides/slide17.xml><?xml version="1.0" encoding="utf-8"?>
+<file path=ppt/slides/slide21.xml><?xml version="1.0" encoding="utf-8"?>
 <p:sld xmlns:a="http://schemas.openxmlformats.org/drawingml/2006/main" xmlns:r="http://schemas.openxmlformats.org/officeDocument/2006/relationships" xmlns:p="http://schemas.openxmlformats.org/presentationml/2006/main">
   <p:cSld>
     <p:spTree>
@@ -19011,7 +24019,7 @@
           <a:p>
             <a:fld id="{D22DBB91-4764-4098-A9EE-EA9330E91630}" type="slidenum">
               <a:rPr lang="en-GB" smtClean="0"/>
-              <a:t>17</a:t>
+              <a:t>21</a:t>
             </a:fld>
             <a:endParaRPr lang="en-GB"/>
           </a:p>
@@ -19019,14 +24027,14 @@
       </p:sp>
       <p:pic>
         <p:nvPicPr>
-          <p:cNvPr id="5" name="Picture 4"/>
+          <p:cNvPr id="6" name="Picture 5"/>
           <p:cNvPicPr>
             <a:picLocks noChangeAspect="1"/>
           </p:cNvPicPr>
           <p:nvPr/>
         </p:nvPicPr>
         <p:blipFill>
-          <a:blip r:embed="rId2">
+          <a:blip r:embed="rId3">
             <a:extLst>
               <a:ext uri="{28A0092B-C50C-407E-A947-70E740481C1C}">
                 <a14:useLocalDpi xmlns:a14="http://schemas.microsoft.com/office/drawing/2010/main" val="0"/>
@@ -19039,8 +24047,8 @@
         </p:blipFill>
         <p:spPr>
           <a:xfrm>
-            <a:off x="7191807" y="1629046"/>
-            <a:ext cx="3430797" cy="4607682"/>
+            <a:off x="7033098" y="1350457"/>
+            <a:ext cx="3639766" cy="4888334"/>
           </a:xfrm>
           <a:prstGeom prst="rect">
             <a:avLst/>
@@ -19067,7 +24075,89 @@
 </p:sld>
 </file>
 
-<file path=ppt/slides/slide18.xml><?xml version="1.0" encoding="utf-8"?>
+<file path=ppt/slides/slide22.xml><?xml version="1.0" encoding="utf-8"?>
+<p:sld xmlns:a="http://schemas.openxmlformats.org/drawingml/2006/main" xmlns:r="http://schemas.openxmlformats.org/officeDocument/2006/relationships" xmlns:p="http://schemas.openxmlformats.org/presentationml/2006/main">
+  <p:cSld>
+    <p:spTree>
+      <p:nvGrpSpPr>
+        <p:cNvPr id="1" name=""/>
+        <p:cNvGrpSpPr/>
+        <p:nvPr/>
+      </p:nvGrpSpPr>
+      <p:grpSpPr>
+        <a:xfrm>
+          <a:off x="0" y="0"/>
+          <a:ext cx="0" cy="0"/>
+          <a:chOff x="0" y="0"/>
+          <a:chExt cx="0" cy="0"/>
+        </a:xfrm>
+      </p:grpSpPr>
+      <p:sp>
+        <p:nvSpPr>
+          <p:cNvPr id="2" name="Title 1"/>
+          <p:cNvSpPr>
+            <a:spLocks noGrp="1"/>
+          </p:cNvSpPr>
+          <p:nvPr>
+            <p:ph type="title"/>
+          </p:nvPr>
+        </p:nvSpPr>
+        <p:spPr>
+          <a:xfrm>
+            <a:off x="838200" y="3235663"/>
+            <a:ext cx="10515600" cy="1061449"/>
+          </a:xfrm>
+        </p:spPr>
+        <p:txBody>
+          <a:bodyPr/>
+          <a:lstStyle/>
+          <a:p>
+            <a:pPr algn="ctr"/>
+            <a:r>
+              <a:rPr lang="sr-Cyrl-RS" dirty="0"/>
+              <a:t>Верификација и тестирање решења</a:t>
+            </a:r>
+            <a:endParaRPr lang="en-US" dirty="0"/>
+          </a:p>
+        </p:txBody>
+      </p:sp>
+      <p:sp>
+        <p:nvSpPr>
+          <p:cNvPr id="4" name="Slide Number Placeholder 3"/>
+          <p:cNvSpPr>
+            <a:spLocks noGrp="1"/>
+          </p:cNvSpPr>
+          <p:nvPr>
+            <p:ph type="sldNum" sz="quarter" idx="12"/>
+          </p:nvPr>
+        </p:nvSpPr>
+        <p:spPr/>
+        <p:txBody>
+          <a:bodyPr/>
+          <a:lstStyle/>
+          <a:p>
+            <a:fld id="{D22DBB91-4764-4098-A9EE-EA9330E91630}" type="slidenum">
+              <a:rPr lang="en-GB" smtClean="0"/>
+              <a:t>22</a:t>
+            </a:fld>
+            <a:endParaRPr lang="en-GB"/>
+          </a:p>
+        </p:txBody>
+      </p:sp>
+    </p:spTree>
+    <p:extLst>
+      <p:ext uri="{BB962C8B-B14F-4D97-AF65-F5344CB8AC3E}">
+        <p14:creationId xmlns:p14="http://schemas.microsoft.com/office/powerpoint/2010/main" val="284594651"/>
+      </p:ext>
+    </p:extLst>
+  </p:cSld>
+  <p:clrMapOvr>
+    <a:masterClrMapping/>
+  </p:clrMapOvr>
+</p:sld>
+</file>
+
+<file path=ppt/slides/slide23.xml><?xml version="1.0" encoding="utf-8"?>
 <p:sld xmlns:a="http://schemas.openxmlformats.org/drawingml/2006/main" xmlns:r="http://schemas.openxmlformats.org/officeDocument/2006/relationships" xmlns:p="http://schemas.openxmlformats.org/presentationml/2006/main">
   <p:cSld>
     <p:spTree>
@@ -19123,11 +24213,7 @@
           <a:p>
             <a:r>
               <a:rPr lang="sr-Cyrl-RS" dirty="0" smtClean="0"/>
-              <a:t>Тест </a:t>
-            </a:r>
-            <a:r>
-              <a:rPr lang="sr-Cyrl-RS" dirty="0" smtClean="0"/>
-              <a:t>предложеног решења софтверске магистрале покрива:</a:t>
+              <a:t>Тест предложеног решења софтверске магистрале покрива:</a:t>
             </a:r>
           </a:p>
           <a:p>
@@ -19204,7 +24290,7 @@
             </a:r>
             <a:r>
               <a:rPr lang="ru-RU" dirty="0" smtClean="0"/>
-              <a:t>платф</a:t>
+              <a:t>платформе</a:t>
             </a:r>
             <a:endParaRPr lang="en-US" dirty="0" smtClean="0"/>
           </a:p>
@@ -19232,13 +24318,8 @@
             </a:r>
             <a:r>
               <a:rPr lang="ru-RU" dirty="0" smtClean="0"/>
-              <a:t>.</a:t>
-            </a:r>
-            <a:r>
-              <a:rPr lang="ru-RU" dirty="0" smtClean="0"/>
-              <a:t> </a:t>
-            </a:r>
-            <a:endParaRPr lang="ru-RU" dirty="0" smtClean="0"/>
+              <a:t>. </a:t>
+            </a:r>
           </a:p>
         </p:txBody>
       </p:sp>
@@ -19259,7 +24340,7 @@
           <a:p>
             <a:fld id="{D22DBB91-4764-4098-A9EE-EA9330E91630}" type="slidenum">
               <a:rPr lang="en-GB" smtClean="0"/>
-              <a:t>18</a:t>
+              <a:t>23</a:t>
             </a:fld>
             <a:endParaRPr lang="en-GB"/>
           </a:p>
@@ -19285,7 +24366,7 @@
 </p:sld>
 </file>
 
-<file path=ppt/slides/slide19.xml><?xml version="1.0" encoding="utf-8"?>
+<file path=ppt/slides/slide24.xml><?xml version="1.0" encoding="utf-8"?>
 <p:sld xmlns:a="http://schemas.openxmlformats.org/drawingml/2006/main" xmlns:r="http://schemas.openxmlformats.org/officeDocument/2006/relationships" xmlns:p="http://schemas.openxmlformats.org/presentationml/2006/main">
   <p:cSld>
     <p:spTree>
@@ -19456,7 +24537,7 @@
           <a:p>
             <a:fld id="{D22DBB91-4764-4098-A9EE-EA9330E91630}" type="slidenum">
               <a:rPr lang="en-GB" smtClean="0"/>
-              <a:t>19</a:t>
+              <a:t>24</a:t>
             </a:fld>
             <a:endParaRPr lang="en-GB"/>
           </a:p>
@@ -19512,7 +24593,7 @@
 </p:sld>
 </file>
 
-<file path=ppt/slides/slide2.xml><?xml version="1.0" encoding="utf-8"?>
+<file path=ppt/slides/slide25.xml><?xml version="1.0" encoding="utf-8"?>
 <p:sld xmlns:a="http://schemas.openxmlformats.org/drawingml/2006/main" xmlns:r="http://schemas.openxmlformats.org/officeDocument/2006/relationships" xmlns:p="http://schemas.openxmlformats.org/presentationml/2006/main">
   <p:cSld>
     <p:spTree>
@@ -19545,208 +24626,6 @@
           <a:lstStyle/>
           <a:p>
             <a:r>
-              <a:rPr lang="sr-Cyrl-RS" dirty="0" smtClean="0"/>
-              <a:t>Садржај</a:t>
-            </a:r>
-            <a:endParaRPr lang="en-US" dirty="0"/>
-          </a:p>
-        </p:txBody>
-      </p:sp>
-      <p:sp>
-        <p:nvSpPr>
-          <p:cNvPr id="3" name="Content Placeholder 2"/>
-          <p:cNvSpPr>
-            <a:spLocks noGrp="1"/>
-          </p:cNvSpPr>
-          <p:nvPr>
-            <p:ph idx="1"/>
-          </p:nvPr>
-        </p:nvSpPr>
-        <p:spPr/>
-        <p:txBody>
-          <a:bodyPr>
-            <a:normAutofit fontScale="92500" lnSpcReduction="20000"/>
-          </a:bodyPr>
-          <a:lstStyle/>
-          <a:p>
-            <a:r>
-              <a:rPr lang="sr-Cyrl-RS" dirty="0" smtClean="0"/>
-              <a:t>Увод</a:t>
-            </a:r>
-          </a:p>
-          <a:p>
-            <a:r>
-              <a:rPr lang="en-US" i="1" dirty="0" smtClean="0"/>
-              <a:t>AUTOSAR</a:t>
-            </a:r>
-            <a:endParaRPr lang="sr-Cyrl-RS" i="1" dirty="0" smtClean="0"/>
-          </a:p>
-          <a:p>
-            <a:pPr lvl="1"/>
-            <a:r>
-              <a:rPr lang="en-US" i="1" dirty="0" smtClean="0"/>
-              <a:t>AUTOSAR</a:t>
-            </a:r>
-            <a:r>
-              <a:rPr lang="sr-Cyrl-RS" i="1" dirty="0" smtClean="0"/>
-              <a:t> </a:t>
-            </a:r>
-            <a:r>
-              <a:rPr lang="sr-Cyrl-RS" dirty="0" smtClean="0"/>
-              <a:t>кроз верзије и платформе</a:t>
-            </a:r>
-          </a:p>
-          <a:p>
-            <a:pPr lvl="2"/>
-            <a:r>
-              <a:rPr lang="en-US" i="1" dirty="0" smtClean="0"/>
-              <a:t>AUTOSAR</a:t>
-            </a:r>
-            <a:r>
-              <a:rPr lang="sr-Cyrl-RS" i="1" dirty="0" smtClean="0"/>
-              <a:t> </a:t>
-            </a:r>
-            <a:r>
-              <a:rPr lang="en-US" i="1" dirty="0" smtClean="0"/>
-              <a:t>(Classic)</a:t>
-            </a:r>
-          </a:p>
-          <a:p>
-            <a:pPr lvl="2"/>
-            <a:r>
-              <a:rPr lang="en-US" i="1" dirty="0" smtClean="0"/>
-              <a:t>AUTOSAR Adaptive</a:t>
-            </a:r>
-            <a:endParaRPr lang="sr-Cyrl-RS" dirty="0" smtClean="0"/>
-          </a:p>
-          <a:p>
-            <a:r>
-              <a:rPr lang="sr-Cyrl-RS" dirty="0" smtClean="0"/>
-              <a:t>Појам магистрале</a:t>
-            </a:r>
-          </a:p>
-          <a:p>
-            <a:pPr lvl="1"/>
-            <a:r>
-              <a:rPr lang="sr-Cyrl-RS" dirty="0" smtClean="0"/>
-              <a:t>Хардверска</a:t>
-            </a:r>
-          </a:p>
-          <a:p>
-            <a:pPr lvl="1"/>
-            <a:r>
-              <a:rPr lang="sr-Cyrl-RS" dirty="0" smtClean="0"/>
-              <a:t>Софтверска</a:t>
-            </a:r>
-          </a:p>
-          <a:p>
-            <a:r>
-              <a:rPr lang="sr-Cyrl-RS" dirty="0" smtClean="0"/>
-              <a:t>Хардверска платформа – </a:t>
-            </a:r>
-            <a:r>
-              <a:rPr lang="en-US" i="1" dirty="0" smtClean="0"/>
-              <a:t>ALPHA AMV</a:t>
-            </a:r>
-            <a:endParaRPr lang="sr-Cyrl-RS" i="1" dirty="0" smtClean="0"/>
-          </a:p>
-          <a:p>
-            <a:r>
-              <a:rPr lang="sr-Cyrl-RS" dirty="0" smtClean="0"/>
-              <a:t>Концепт решења</a:t>
-            </a:r>
-          </a:p>
-          <a:p>
-            <a:r>
-              <a:rPr lang="sr-Cyrl-RS" dirty="0" smtClean="0"/>
-              <a:t>Верификација и тестирање решења</a:t>
-            </a:r>
-          </a:p>
-          <a:p>
-            <a:r>
-              <a:rPr lang="sr-Cyrl-RS" dirty="0" smtClean="0"/>
-              <a:t>Закључак</a:t>
-            </a:r>
-            <a:endParaRPr lang="en-US" dirty="0"/>
-          </a:p>
-        </p:txBody>
-      </p:sp>
-      <p:sp>
-        <p:nvSpPr>
-          <p:cNvPr id="4" name="Slide Number Placeholder 3"/>
-          <p:cNvSpPr>
-            <a:spLocks noGrp="1"/>
-          </p:cNvSpPr>
-          <p:nvPr>
-            <p:ph type="sldNum" sz="quarter" idx="12"/>
-          </p:nvPr>
-        </p:nvSpPr>
-        <p:spPr/>
-        <p:txBody>
-          <a:bodyPr/>
-          <a:lstStyle/>
-          <a:p>
-            <a:fld id="{D22DBB91-4764-4098-A9EE-EA9330E91630}" type="slidenum">
-              <a:rPr lang="en-GB" smtClean="0"/>
-              <a:t>2</a:t>
-            </a:fld>
-            <a:endParaRPr lang="en-GB"/>
-          </a:p>
-        </p:txBody>
-      </p:sp>
-    </p:spTree>
-    <p:extLst>
-      <p:ext uri="{BB962C8B-B14F-4D97-AF65-F5344CB8AC3E}">
-        <p14:creationId xmlns:p14="http://schemas.microsoft.com/office/powerpoint/2010/main" val="1888534480"/>
-      </p:ext>
-    </p:extLst>
-  </p:cSld>
-  <p:clrMapOvr>
-    <a:masterClrMapping/>
-  </p:clrMapOvr>
-  <p:timing>
-    <p:tnLst>
-      <p:par>
-        <p:cTn id="1" dur="indefinite" restart="never" nodeType="tmRoot"/>
-      </p:par>
-    </p:tnLst>
-  </p:timing>
-</p:sld>
-</file>
-
-<file path=ppt/slides/slide20.xml><?xml version="1.0" encoding="utf-8"?>
-<p:sld xmlns:a="http://schemas.openxmlformats.org/drawingml/2006/main" xmlns:r="http://schemas.openxmlformats.org/officeDocument/2006/relationships" xmlns:p="http://schemas.openxmlformats.org/presentationml/2006/main">
-  <p:cSld>
-    <p:spTree>
-      <p:nvGrpSpPr>
-        <p:cNvPr id="1" name=""/>
-        <p:cNvGrpSpPr/>
-        <p:nvPr/>
-      </p:nvGrpSpPr>
-      <p:grpSpPr>
-        <a:xfrm>
-          <a:off x="0" y="0"/>
-          <a:ext cx="0" cy="0"/>
-          <a:chOff x="0" y="0"/>
-          <a:chExt cx="0" cy="0"/>
-        </a:xfrm>
-      </p:grpSpPr>
-      <p:sp>
-        <p:nvSpPr>
-          <p:cNvPr id="2" name="Title 1"/>
-          <p:cNvSpPr>
-            <a:spLocks noGrp="1"/>
-          </p:cNvSpPr>
-          <p:nvPr>
-            <p:ph type="title"/>
-          </p:nvPr>
-        </p:nvSpPr>
-        <p:spPr/>
-        <p:txBody>
-          <a:bodyPr/>
-          <a:lstStyle/>
-          <a:p>
-            <a:r>
               <a:rPr lang="sr-Cyrl-RS" dirty="0"/>
               <a:t>Верификација и тестирање решења</a:t>
             </a:r>
@@ -19859,7 +24738,7 @@
           <a:p>
             <a:fld id="{D22DBB91-4764-4098-A9EE-EA9330E91630}" type="slidenum">
               <a:rPr lang="en-GB" smtClean="0"/>
-              <a:t>20</a:t>
+              <a:t>25</a:t>
             </a:fld>
             <a:endParaRPr lang="en-GB"/>
           </a:p>
@@ -19913,7 +24792,7 @@
 </p:sld>
 </file>
 
-<file path=ppt/slides/slide21.xml><?xml version="1.0" encoding="utf-8"?>
+<file path=ppt/slides/slide26.xml><?xml version="1.0" encoding="utf-8"?>
 <p:sld xmlns:a="http://schemas.openxmlformats.org/drawingml/2006/main" xmlns:r="http://schemas.openxmlformats.org/officeDocument/2006/relationships" xmlns:p="http://schemas.openxmlformats.org/presentationml/2006/main">
   <p:cSld>
     <p:spTree>
@@ -20023,7 +24902,7 @@
           <a:p>
             <a:fld id="{D22DBB91-4764-4098-A9EE-EA9330E91630}" type="slidenum">
               <a:rPr lang="en-GB" smtClean="0"/>
-              <a:t>21</a:t>
+              <a:t>26</a:t>
             </a:fld>
             <a:endParaRPr lang="en-GB"/>
           </a:p>
@@ -20077,7 +24956,7 @@
 </p:sld>
 </file>
 
-<file path=ppt/slides/slide22.xml><?xml version="1.0" encoding="utf-8"?>
+<file path=ppt/slides/slide27.xml><?xml version="1.0" encoding="utf-8"?>
 <p:sld xmlns:a="http://schemas.openxmlformats.org/drawingml/2006/main" xmlns:r="http://schemas.openxmlformats.org/officeDocument/2006/relationships" xmlns:p="http://schemas.openxmlformats.org/presentationml/2006/main">
   <p:cSld>
     <p:spTree>
@@ -20184,7 +25063,7 @@
           <a:p>
             <a:fld id="{D22DBB91-4764-4098-A9EE-EA9330E91630}" type="slidenum">
               <a:rPr lang="en-GB" smtClean="0"/>
-              <a:t>22</a:t>
+              <a:t>27</a:t>
             </a:fld>
             <a:endParaRPr lang="en-GB"/>
           </a:p>
@@ -20238,7 +25117,7 @@
 </p:sld>
 </file>
 
-<file path=ppt/slides/slide23.xml><?xml version="1.0" encoding="utf-8"?>
+<file path=ppt/slides/slide28.xml><?xml version="1.0" encoding="utf-8"?>
 <p:sld xmlns:a="http://schemas.openxmlformats.org/drawingml/2006/main" xmlns:r="http://schemas.openxmlformats.org/officeDocument/2006/relationships" xmlns:p="http://schemas.openxmlformats.org/presentationml/2006/main">
   <p:cSld>
     <p:spTree>
@@ -20379,7 +25258,7 @@
           <a:p>
             <a:fld id="{D22DBB91-4764-4098-A9EE-EA9330E91630}" type="slidenum">
               <a:rPr lang="en-GB" smtClean="0"/>
-              <a:t>23</a:t>
+              <a:t>28</a:t>
             </a:fld>
             <a:endParaRPr lang="en-GB"/>
           </a:p>
@@ -20433,7 +25312,7 @@
 </p:sld>
 </file>
 
-<file path=ppt/slides/slide24.xml><?xml version="1.0" encoding="utf-8"?>
+<file path=ppt/slides/slide29.xml><?xml version="1.0" encoding="utf-8"?>
 <p:sld xmlns:a="http://schemas.openxmlformats.org/drawingml/2006/main" xmlns:r="http://schemas.openxmlformats.org/officeDocument/2006/relationships" xmlns:p="http://schemas.openxmlformats.org/presentationml/2006/main">
   <p:cSld>
     <p:spTree>
@@ -20556,7 +25435,7 @@
           <a:p>
             <a:fld id="{D22DBB91-4764-4098-A9EE-EA9330E91630}" type="slidenum">
               <a:rPr lang="en-GB" smtClean="0"/>
-              <a:t>24</a:t>
+              <a:t>29</a:t>
             </a:fld>
             <a:endParaRPr lang="en-GB"/>
           </a:p>
@@ -20638,800 +25517,6 @@
 </p:sld>
 </file>
 
-<file path=ppt/slides/slide25.xml><?xml version="1.0" encoding="utf-8"?>
-<p:sld xmlns:a="http://schemas.openxmlformats.org/drawingml/2006/main" xmlns:r="http://schemas.openxmlformats.org/officeDocument/2006/relationships" xmlns:p="http://schemas.openxmlformats.org/presentationml/2006/main">
-  <p:cSld>
-    <p:spTree>
-      <p:nvGrpSpPr>
-        <p:cNvPr id="1" name=""/>
-        <p:cNvGrpSpPr/>
-        <p:nvPr/>
-      </p:nvGrpSpPr>
-      <p:grpSpPr>
-        <a:xfrm>
-          <a:off x="0" y="0"/>
-          <a:ext cx="0" cy="0"/>
-          <a:chOff x="0" y="0"/>
-          <a:chExt cx="0" cy="0"/>
-        </a:xfrm>
-      </p:grpSpPr>
-      <p:sp>
-        <p:nvSpPr>
-          <p:cNvPr id="2" name="Title 1"/>
-          <p:cNvSpPr>
-            <a:spLocks noGrp="1"/>
-          </p:cNvSpPr>
-          <p:nvPr>
-            <p:ph type="title"/>
-          </p:nvPr>
-        </p:nvSpPr>
-        <p:spPr/>
-        <p:txBody>
-          <a:bodyPr>
-            <a:normAutofit fontScale="90000"/>
-          </a:bodyPr>
-          <a:lstStyle/>
-          <a:p>
-            <a:r>
-              <a:rPr lang="sr-Cyrl-RS" dirty="0"/>
-              <a:t>Тестирање решења -  </a:t>
-            </a:r>
-            <a:r>
-              <a:rPr lang="ru-RU" dirty="0"/>
-              <a:t>Преглед потребног времена пропагације фрејма кроз </a:t>
-            </a:r>
-            <a:r>
-              <a:rPr lang="ru-RU" dirty="0" smtClean="0"/>
-              <a:t>систем</a:t>
-            </a:r>
-            <a:endParaRPr lang="en-US" dirty="0"/>
-          </a:p>
-        </p:txBody>
-      </p:sp>
-      <p:sp>
-        <p:nvSpPr>
-          <p:cNvPr id="3" name="Content Placeholder 2"/>
-          <p:cNvSpPr>
-            <a:spLocks noGrp="1"/>
-          </p:cNvSpPr>
-          <p:nvPr>
-            <p:ph idx="1"/>
-          </p:nvPr>
-        </p:nvSpPr>
-        <p:spPr>
-          <a:xfrm>
-            <a:off x="838200" y="1847850"/>
-            <a:ext cx="3441970" cy="4300031"/>
-          </a:xfrm>
-        </p:spPr>
-        <p:txBody>
-          <a:bodyPr>
-            <a:normAutofit lnSpcReduction="10000"/>
-          </a:bodyPr>
-          <a:lstStyle/>
-          <a:p>
-            <a:r>
-              <a:rPr lang="sr-Cyrl-RS" dirty="0" smtClean="0"/>
-              <a:t>2. </a:t>
-            </a:r>
-            <a:r>
-              <a:rPr lang="sr-Cyrl-RS" dirty="0" smtClean="0"/>
-              <a:t>Апликација </a:t>
-            </a:r>
-            <a:r>
-              <a:rPr lang="sr-Cyrl-RS" dirty="0"/>
-              <a:t>удаљене  адаптивне платформе добавља фрејм једне од </a:t>
-            </a:r>
-            <a:r>
-              <a:rPr lang="sr-Cyrl-RS" dirty="0" smtClean="0"/>
-              <a:t>камера</a:t>
-            </a:r>
-          </a:p>
-          <a:p>
-            <a:r>
-              <a:rPr lang="sr-Cyrl-RS" dirty="0" smtClean="0"/>
-              <a:t>Слање се врши путем етернет магистрале</a:t>
-            </a:r>
-          </a:p>
-          <a:p>
-            <a:r>
-              <a:rPr lang="sr-Cyrl-RS" dirty="0" smtClean="0"/>
-              <a:t>Фрејмови нису компримовани</a:t>
-            </a:r>
-            <a:endParaRPr lang="en-US" dirty="0"/>
-          </a:p>
-        </p:txBody>
-      </p:sp>
-      <p:sp>
-        <p:nvSpPr>
-          <p:cNvPr id="4" name="Slide Number Placeholder 3"/>
-          <p:cNvSpPr>
-            <a:spLocks noGrp="1"/>
-          </p:cNvSpPr>
-          <p:nvPr>
-            <p:ph type="sldNum" sz="quarter" idx="12"/>
-          </p:nvPr>
-        </p:nvSpPr>
-        <p:spPr/>
-        <p:txBody>
-          <a:bodyPr/>
-          <a:lstStyle/>
-          <a:p>
-            <a:fld id="{D22DBB91-4764-4098-A9EE-EA9330E91630}" type="slidenum">
-              <a:rPr lang="en-GB" smtClean="0"/>
-              <a:t>25</a:t>
-            </a:fld>
-            <a:endParaRPr lang="en-GB"/>
-          </a:p>
-        </p:txBody>
-      </p:sp>
-      <p:pic>
-        <p:nvPicPr>
-          <p:cNvPr id="5" name="Picture 4"/>
-          <p:cNvPicPr/>
-          <p:nvPr/>
-        </p:nvPicPr>
-        <p:blipFill>
-          <a:blip r:embed="rId3">
-            <a:extLst>
-              <a:ext uri="{28A0092B-C50C-407E-A947-70E740481C1C}">
-                <a14:useLocalDpi xmlns:a14="http://schemas.microsoft.com/office/drawing/2010/main" val="0"/>
-              </a:ext>
-            </a:extLst>
-          </a:blip>
-          <a:stretch>
-            <a:fillRect/>
-          </a:stretch>
-        </p:blipFill>
-        <p:spPr>
-          <a:xfrm>
-            <a:off x="4280170" y="1847850"/>
-            <a:ext cx="6867728" cy="4163844"/>
-          </a:xfrm>
-          <a:prstGeom prst="rect">
-            <a:avLst/>
-          </a:prstGeom>
-        </p:spPr>
-      </p:pic>
-    </p:spTree>
-    <p:extLst>
-      <p:ext uri="{BB962C8B-B14F-4D97-AF65-F5344CB8AC3E}">
-        <p14:creationId xmlns:p14="http://schemas.microsoft.com/office/powerpoint/2010/main" val="2502143903"/>
-      </p:ext>
-    </p:extLst>
-  </p:cSld>
-  <p:clrMapOvr>
-    <a:masterClrMapping/>
-  </p:clrMapOvr>
-  <p:timing>
-    <p:tnLst>
-      <p:par>
-        <p:cTn id="1" dur="indefinite" restart="never" nodeType="tmRoot"/>
-      </p:par>
-    </p:tnLst>
-  </p:timing>
-</p:sld>
-</file>
-
-<file path=ppt/slides/slide26.xml><?xml version="1.0" encoding="utf-8"?>
-<p:sld xmlns:a="http://schemas.openxmlformats.org/drawingml/2006/main" xmlns:r="http://schemas.openxmlformats.org/officeDocument/2006/relationships" xmlns:p="http://schemas.openxmlformats.org/presentationml/2006/main">
-  <p:cSld>
-    <p:spTree>
-      <p:nvGrpSpPr>
-        <p:cNvPr id="1" name=""/>
-        <p:cNvGrpSpPr/>
-        <p:nvPr/>
-      </p:nvGrpSpPr>
-      <p:grpSpPr>
-        <a:xfrm>
-          <a:off x="0" y="0"/>
-          <a:ext cx="0" cy="0"/>
-          <a:chOff x="0" y="0"/>
-          <a:chExt cx="0" cy="0"/>
-        </a:xfrm>
-      </p:grpSpPr>
-      <p:sp>
-        <p:nvSpPr>
-          <p:cNvPr id="2" name="Title 1"/>
-          <p:cNvSpPr>
-            <a:spLocks noGrp="1"/>
-          </p:cNvSpPr>
-          <p:nvPr>
-            <p:ph type="title"/>
-          </p:nvPr>
-        </p:nvSpPr>
-        <p:spPr/>
-        <p:txBody>
-          <a:bodyPr>
-            <a:normAutofit fontScale="90000"/>
-          </a:bodyPr>
-          <a:lstStyle/>
-          <a:p>
-            <a:r>
-              <a:rPr lang="sr-Cyrl-RS" dirty="0"/>
-              <a:t>Тестирање решења -  </a:t>
-            </a:r>
-            <a:r>
-              <a:rPr lang="ru-RU" dirty="0"/>
-              <a:t>Преглед потребног времена пропагације фрејма кроз систем</a:t>
-            </a:r>
-            <a:endParaRPr lang="en-US" dirty="0"/>
-          </a:p>
-        </p:txBody>
-      </p:sp>
-      <p:sp>
-        <p:nvSpPr>
-          <p:cNvPr id="3" name="Content Placeholder 2"/>
-          <p:cNvSpPr>
-            <a:spLocks noGrp="1"/>
-          </p:cNvSpPr>
-          <p:nvPr>
-            <p:ph idx="1"/>
-          </p:nvPr>
-        </p:nvSpPr>
-        <p:spPr>
-          <a:xfrm>
-            <a:off x="838200" y="1847850"/>
-            <a:ext cx="4152089" cy="4309759"/>
-          </a:xfrm>
-        </p:spPr>
-        <p:txBody>
-          <a:bodyPr/>
-          <a:lstStyle/>
-          <a:p>
-            <a:r>
-              <a:rPr lang="sr-Cyrl-RS" dirty="0" smtClean="0"/>
-              <a:t>Просечно </a:t>
-            </a:r>
-            <a:r>
-              <a:rPr lang="sr-Cyrl-RS" dirty="0"/>
-              <a:t>време пута једног фрејма, од момента његове доступности до саме адаптивне апликације удаљене адаптивне платформе просечно износи 21.1</a:t>
-            </a:r>
-            <a:r>
-              <a:rPr lang="sr-Latn-RS" i="1" dirty="0" smtClean="0"/>
-              <a:t>ms</a:t>
-            </a:r>
-            <a:r>
-              <a:rPr lang="sr-Cyrl-RS" dirty="0" smtClean="0"/>
-              <a:t>, на узорку од 200 фрејмова.</a:t>
-            </a:r>
-            <a:endParaRPr lang="en-US" dirty="0"/>
-          </a:p>
-        </p:txBody>
-      </p:sp>
-      <p:sp>
-        <p:nvSpPr>
-          <p:cNvPr id="4" name="Slide Number Placeholder 3"/>
-          <p:cNvSpPr>
-            <a:spLocks noGrp="1"/>
-          </p:cNvSpPr>
-          <p:nvPr>
-            <p:ph type="sldNum" sz="quarter" idx="12"/>
-          </p:nvPr>
-        </p:nvSpPr>
-        <p:spPr/>
-        <p:txBody>
-          <a:bodyPr/>
-          <a:lstStyle/>
-          <a:p>
-            <a:fld id="{D22DBB91-4764-4098-A9EE-EA9330E91630}" type="slidenum">
-              <a:rPr lang="en-GB" smtClean="0"/>
-              <a:t>26</a:t>
-            </a:fld>
-            <a:endParaRPr lang="en-GB"/>
-          </a:p>
-        </p:txBody>
-      </p:sp>
-      <p:graphicFrame>
-        <p:nvGraphicFramePr>
-          <p:cNvPr id="5" name="Chart 4">
-            <a:extLst>
-              <a:ext uri="{FF2B5EF4-FFF2-40B4-BE49-F238E27FC236}">
-                <a16:creationId xmlns:a16="http://schemas.microsoft.com/office/drawing/2014/main" id="{E8B0C98C-CF9E-4371-8D42-09FE63426AC1}"/>
-              </a:ext>
-            </a:extLst>
-          </p:cNvPr>
-          <p:cNvGraphicFramePr/>
-          <p:nvPr>
-            <p:extLst>
-              <p:ext uri="{D42A27DB-BD31-4B8C-83A1-F6EECF244321}">
-                <p14:modId xmlns:p14="http://schemas.microsoft.com/office/powerpoint/2010/main" val="2368735751"/>
-              </p:ext>
-            </p:extLst>
-          </p:nvPr>
-        </p:nvGraphicFramePr>
-        <p:xfrm>
-          <a:off x="5073784" y="1847849"/>
-          <a:ext cx="6280015" cy="3833103"/>
-        </p:xfrm>
-        <a:graphic>
-          <a:graphicData uri="http://schemas.openxmlformats.org/drawingml/2006/chart">
-            <c:chart xmlns:c="http://schemas.openxmlformats.org/drawingml/2006/chart" xmlns:r="http://schemas.openxmlformats.org/officeDocument/2006/relationships" r:id="rId2"/>
-          </a:graphicData>
-        </a:graphic>
-      </p:graphicFrame>
-    </p:spTree>
-    <p:extLst>
-      <p:ext uri="{BB962C8B-B14F-4D97-AF65-F5344CB8AC3E}">
-        <p14:creationId xmlns:p14="http://schemas.microsoft.com/office/powerpoint/2010/main" val="3012242929"/>
-      </p:ext>
-    </p:extLst>
-  </p:cSld>
-  <p:clrMapOvr>
-    <a:masterClrMapping/>
-  </p:clrMapOvr>
-  <p:timing>
-    <p:tnLst>
-      <p:par>
-        <p:cTn id="1" dur="indefinite" restart="never" nodeType="tmRoot"/>
-      </p:par>
-    </p:tnLst>
-  </p:timing>
-</p:sld>
-</file>
-
-<file path=ppt/slides/slide27.xml><?xml version="1.0" encoding="utf-8"?>
-<p:sld xmlns:a="http://schemas.openxmlformats.org/drawingml/2006/main" xmlns:r="http://schemas.openxmlformats.org/officeDocument/2006/relationships" xmlns:p="http://schemas.openxmlformats.org/presentationml/2006/main">
-  <p:cSld>
-    <p:spTree>
-      <p:nvGrpSpPr>
-        <p:cNvPr id="1" name=""/>
-        <p:cNvGrpSpPr/>
-        <p:nvPr/>
-      </p:nvGrpSpPr>
-      <p:grpSpPr>
-        <a:xfrm>
-          <a:off x="0" y="0"/>
-          <a:ext cx="0" cy="0"/>
-          <a:chOff x="0" y="0"/>
-          <a:chExt cx="0" cy="0"/>
-        </a:xfrm>
-      </p:grpSpPr>
-      <p:sp>
-        <p:nvSpPr>
-          <p:cNvPr id="2" name="Title 1"/>
-          <p:cNvSpPr>
-            <a:spLocks noGrp="1"/>
-          </p:cNvSpPr>
-          <p:nvPr>
-            <p:ph type="title"/>
-          </p:nvPr>
-        </p:nvSpPr>
-        <p:spPr/>
-        <p:txBody>
-          <a:bodyPr>
-            <a:normAutofit fontScale="90000"/>
-          </a:bodyPr>
-          <a:lstStyle/>
-          <a:p>
-            <a:r>
-              <a:rPr lang="sr-Cyrl-RS" dirty="0"/>
-              <a:t>Тестирање решења -  </a:t>
-            </a:r>
-            <a:r>
-              <a:rPr lang="ru-RU" dirty="0"/>
-              <a:t>Преглед потребног времена пропагације фрејма кроз систем</a:t>
-            </a:r>
-            <a:endParaRPr lang="en-US" dirty="0"/>
-          </a:p>
-        </p:txBody>
-      </p:sp>
-      <p:sp>
-        <p:nvSpPr>
-          <p:cNvPr id="3" name="Content Placeholder 2"/>
-          <p:cNvSpPr>
-            <a:spLocks noGrp="1"/>
-          </p:cNvSpPr>
-          <p:nvPr>
-            <p:ph idx="1"/>
-          </p:nvPr>
-        </p:nvSpPr>
-        <p:spPr>
-          <a:xfrm>
-            <a:off x="838200" y="1847849"/>
-            <a:ext cx="4093723" cy="4416763"/>
-          </a:xfrm>
-        </p:spPr>
-        <p:txBody>
-          <a:bodyPr/>
-          <a:lstStyle/>
-          <a:p>
-            <a:r>
-              <a:rPr lang="sr-Cyrl-RS" dirty="0" smtClean="0"/>
-              <a:t>Уколико посматрамо искључиво време за које је потребно да се сваки фрејм достави путем етернет магистрале, на узорку  од 200 фрејмова, потребно време је знатно мање, износи 2.64</a:t>
-            </a:r>
-            <a:r>
-              <a:rPr lang="en-US" i="1" dirty="0" err="1" smtClean="0"/>
-              <a:t>ms.</a:t>
-            </a:r>
-            <a:endParaRPr lang="en-US" i="1" dirty="0"/>
-          </a:p>
-        </p:txBody>
-      </p:sp>
-      <p:sp>
-        <p:nvSpPr>
-          <p:cNvPr id="4" name="Slide Number Placeholder 3"/>
-          <p:cNvSpPr>
-            <a:spLocks noGrp="1"/>
-          </p:cNvSpPr>
-          <p:nvPr>
-            <p:ph type="sldNum" sz="quarter" idx="12"/>
-          </p:nvPr>
-        </p:nvSpPr>
-        <p:spPr/>
-        <p:txBody>
-          <a:bodyPr/>
-          <a:lstStyle/>
-          <a:p>
-            <a:fld id="{D22DBB91-4764-4098-A9EE-EA9330E91630}" type="slidenum">
-              <a:rPr lang="en-GB" smtClean="0"/>
-              <a:t>27</a:t>
-            </a:fld>
-            <a:endParaRPr lang="en-GB"/>
-          </a:p>
-        </p:txBody>
-      </p:sp>
-      <p:graphicFrame>
-        <p:nvGraphicFramePr>
-          <p:cNvPr id="5" name="Chart 4">
-            <a:extLst>
-              <a:ext uri="{FF2B5EF4-FFF2-40B4-BE49-F238E27FC236}">
-                <a16:creationId xmlns:a16="http://schemas.microsoft.com/office/drawing/2014/main" id="{1AC22BBF-8BE5-4325-A805-0B4213CD32D4}"/>
-              </a:ext>
-            </a:extLst>
-          </p:cNvPr>
-          <p:cNvGraphicFramePr/>
-          <p:nvPr>
-            <p:extLst>
-              <p:ext uri="{D42A27DB-BD31-4B8C-83A1-F6EECF244321}">
-                <p14:modId xmlns:p14="http://schemas.microsoft.com/office/powerpoint/2010/main" val="865136907"/>
-              </p:ext>
-            </p:extLst>
-          </p:nvPr>
-        </p:nvGraphicFramePr>
-        <p:xfrm>
-          <a:off x="4931922" y="1847849"/>
-          <a:ext cx="6157609" cy="3891470"/>
-        </p:xfrm>
-        <a:graphic>
-          <a:graphicData uri="http://schemas.openxmlformats.org/drawingml/2006/chart">
-            <c:chart xmlns:c="http://schemas.openxmlformats.org/drawingml/2006/chart" xmlns:r="http://schemas.openxmlformats.org/officeDocument/2006/relationships" r:id="rId2"/>
-          </a:graphicData>
-        </a:graphic>
-      </p:graphicFrame>
-    </p:spTree>
-    <p:extLst>
-      <p:ext uri="{BB962C8B-B14F-4D97-AF65-F5344CB8AC3E}">
-        <p14:creationId xmlns:p14="http://schemas.microsoft.com/office/powerpoint/2010/main" val="3491876224"/>
-      </p:ext>
-    </p:extLst>
-  </p:cSld>
-  <p:clrMapOvr>
-    <a:masterClrMapping/>
-  </p:clrMapOvr>
-  <p:timing>
-    <p:tnLst>
-      <p:par>
-        <p:cTn id="1" dur="indefinite" restart="never" nodeType="tmRoot"/>
-      </p:par>
-    </p:tnLst>
-  </p:timing>
-</p:sld>
-</file>
-
-<file path=ppt/slides/slide28.xml><?xml version="1.0" encoding="utf-8"?>
-<p:sld xmlns:a="http://schemas.openxmlformats.org/drawingml/2006/main" xmlns:r="http://schemas.openxmlformats.org/officeDocument/2006/relationships" xmlns:p="http://schemas.openxmlformats.org/presentationml/2006/main">
-  <p:cSld>
-    <p:spTree>
-      <p:nvGrpSpPr>
-        <p:cNvPr id="1" name=""/>
-        <p:cNvGrpSpPr/>
-        <p:nvPr/>
-      </p:nvGrpSpPr>
-      <p:grpSpPr>
-        <a:xfrm>
-          <a:off x="0" y="0"/>
-          <a:ext cx="0" cy="0"/>
-          <a:chOff x="0" y="0"/>
-          <a:chExt cx="0" cy="0"/>
-        </a:xfrm>
-      </p:grpSpPr>
-      <p:sp>
-        <p:nvSpPr>
-          <p:cNvPr id="2" name="Title 1"/>
-          <p:cNvSpPr>
-            <a:spLocks noGrp="1"/>
-          </p:cNvSpPr>
-          <p:nvPr>
-            <p:ph type="title"/>
-          </p:nvPr>
-        </p:nvSpPr>
-        <p:spPr/>
-        <p:txBody>
-          <a:bodyPr/>
-          <a:lstStyle/>
-          <a:p>
-            <a:r>
-              <a:rPr lang="sr-Cyrl-RS" dirty="0" smtClean="0"/>
-              <a:t>Верификација</a:t>
-            </a:r>
-            <a:r>
-              <a:rPr lang="en-US" dirty="0" smtClean="0"/>
-              <a:t> </a:t>
-            </a:r>
-            <a:r>
-              <a:rPr lang="sr-Cyrl-RS" dirty="0" smtClean="0"/>
-              <a:t>решења</a:t>
-            </a:r>
-            <a:endParaRPr lang="en-US" dirty="0"/>
-          </a:p>
-        </p:txBody>
-      </p:sp>
-      <p:sp>
-        <p:nvSpPr>
-          <p:cNvPr id="3" name="Content Placeholder 2"/>
-          <p:cNvSpPr>
-            <a:spLocks noGrp="1"/>
-          </p:cNvSpPr>
-          <p:nvPr>
-            <p:ph idx="1"/>
-          </p:nvPr>
-        </p:nvSpPr>
-        <p:spPr>
-          <a:xfrm>
-            <a:off x="838199" y="1847850"/>
-            <a:ext cx="9949775" cy="4387580"/>
-          </a:xfrm>
-        </p:spPr>
-        <p:txBody>
-          <a:bodyPr/>
-          <a:lstStyle/>
-          <a:p>
-            <a:r>
-              <a:rPr lang="ru-RU" dirty="0" smtClean="0"/>
-              <a:t>Пример </a:t>
-            </a:r>
-            <a:r>
-              <a:rPr lang="ru-RU" dirty="0"/>
-              <a:t>употребе софтверске магистрале и камера сервиса који се ослања на њене функционаности за потребе информативне </a:t>
-            </a:r>
-            <a:r>
-              <a:rPr lang="ru-RU" i="1" dirty="0"/>
-              <a:t>ADAS </a:t>
-            </a:r>
-            <a:r>
-              <a:rPr lang="ru-RU" dirty="0" smtClean="0"/>
-              <a:t>апликације</a:t>
-            </a:r>
-          </a:p>
-          <a:p>
-            <a:r>
-              <a:rPr lang="ru-RU" dirty="0" smtClean="0"/>
-              <a:t>Посматрана два случаја:</a:t>
-            </a:r>
-          </a:p>
-          <a:p>
-            <a:pPr marL="914400" lvl="1" indent="-457200">
-              <a:buFont typeface="+mj-lt"/>
-              <a:buAutoNum type="arabicPeriod"/>
-            </a:pPr>
-            <a:r>
-              <a:rPr lang="ru-RU" dirty="0" smtClean="0"/>
-              <a:t>Локална апликација адаптивне платформе</a:t>
-            </a:r>
-          </a:p>
-          <a:p>
-            <a:pPr marL="914400" lvl="1" indent="-457200">
-              <a:buFont typeface="+mj-lt"/>
-              <a:buAutoNum type="arabicPeriod"/>
-            </a:pPr>
-            <a:r>
-              <a:rPr lang="ru-RU" dirty="0" smtClean="0"/>
-              <a:t>Удаљена апликација адаптивне платформе</a:t>
-            </a:r>
-          </a:p>
-          <a:p>
-            <a:endParaRPr lang="en-US" dirty="0"/>
-          </a:p>
-        </p:txBody>
-      </p:sp>
-      <p:sp>
-        <p:nvSpPr>
-          <p:cNvPr id="4" name="Slide Number Placeholder 3"/>
-          <p:cNvSpPr>
-            <a:spLocks noGrp="1"/>
-          </p:cNvSpPr>
-          <p:nvPr>
-            <p:ph type="sldNum" sz="quarter" idx="12"/>
-          </p:nvPr>
-        </p:nvSpPr>
-        <p:spPr/>
-        <p:txBody>
-          <a:bodyPr/>
-          <a:lstStyle/>
-          <a:p>
-            <a:fld id="{D22DBB91-4764-4098-A9EE-EA9330E91630}" type="slidenum">
-              <a:rPr lang="en-GB" smtClean="0"/>
-              <a:t>28</a:t>
-            </a:fld>
-            <a:endParaRPr lang="en-GB"/>
-          </a:p>
-        </p:txBody>
-      </p:sp>
-    </p:spTree>
-    <p:extLst>
-      <p:ext uri="{BB962C8B-B14F-4D97-AF65-F5344CB8AC3E}">
-        <p14:creationId xmlns:p14="http://schemas.microsoft.com/office/powerpoint/2010/main" val="3307251379"/>
-      </p:ext>
-    </p:extLst>
-  </p:cSld>
-  <p:clrMapOvr>
-    <a:masterClrMapping/>
-  </p:clrMapOvr>
-  <p:timing>
-    <p:tnLst>
-      <p:par>
-        <p:cTn id="1" dur="indefinite" restart="never" nodeType="tmRoot"/>
-      </p:par>
-    </p:tnLst>
-  </p:timing>
-</p:sld>
-</file>
-
-<file path=ppt/slides/slide29.xml><?xml version="1.0" encoding="utf-8"?>
-<p:sld xmlns:a="http://schemas.openxmlformats.org/drawingml/2006/main" xmlns:r="http://schemas.openxmlformats.org/officeDocument/2006/relationships" xmlns:p="http://schemas.openxmlformats.org/presentationml/2006/main">
-  <p:cSld>
-    <p:spTree>
-      <p:nvGrpSpPr>
-        <p:cNvPr id="1" name=""/>
-        <p:cNvGrpSpPr/>
-        <p:nvPr/>
-      </p:nvGrpSpPr>
-      <p:grpSpPr>
-        <a:xfrm>
-          <a:off x="0" y="0"/>
-          <a:ext cx="0" cy="0"/>
-          <a:chOff x="0" y="0"/>
-          <a:chExt cx="0" cy="0"/>
-        </a:xfrm>
-      </p:grpSpPr>
-      <p:sp>
-        <p:nvSpPr>
-          <p:cNvPr id="2" name="Title 1"/>
-          <p:cNvSpPr>
-            <a:spLocks noGrp="1"/>
-          </p:cNvSpPr>
-          <p:nvPr>
-            <p:ph type="title"/>
-          </p:nvPr>
-        </p:nvSpPr>
-        <p:spPr/>
-        <p:txBody>
-          <a:bodyPr/>
-          <a:lstStyle/>
-          <a:p>
-            <a:r>
-              <a:rPr lang="sr-Cyrl-RS" dirty="0"/>
-              <a:t>Верификација</a:t>
-            </a:r>
-            <a:r>
-              <a:rPr lang="en-US" dirty="0"/>
-              <a:t> </a:t>
-            </a:r>
-            <a:r>
-              <a:rPr lang="sr-Cyrl-RS" dirty="0"/>
-              <a:t>решења</a:t>
-            </a:r>
-            <a:endParaRPr lang="en-US" dirty="0"/>
-          </a:p>
-        </p:txBody>
-      </p:sp>
-      <p:sp>
-        <p:nvSpPr>
-          <p:cNvPr id="3" name="Content Placeholder 2"/>
-          <p:cNvSpPr>
-            <a:spLocks noGrp="1"/>
-          </p:cNvSpPr>
-          <p:nvPr>
-            <p:ph idx="1"/>
-          </p:nvPr>
-        </p:nvSpPr>
-        <p:spPr>
-          <a:xfrm>
-            <a:off x="838200" y="1847849"/>
-            <a:ext cx="4463374" cy="4407035"/>
-          </a:xfrm>
-        </p:spPr>
-        <p:txBody>
-          <a:bodyPr/>
-          <a:lstStyle/>
-          <a:p>
-            <a:r>
-              <a:rPr lang="sr-Cyrl-RS" dirty="0" smtClean="0"/>
-              <a:t>Време исцртавања једног фрејма на узорку од 200 фрејмова, без посредства софтверске магистрале за дистрибуцију видео сигнала износи – 30</a:t>
-            </a:r>
-            <a:r>
-              <a:rPr lang="en-US" i="1" dirty="0" err="1" smtClean="0"/>
-              <a:t>ms</a:t>
-            </a:r>
-            <a:endParaRPr lang="sr-Cyrl-RS" i="1" dirty="0" smtClean="0"/>
-          </a:p>
-          <a:p>
-            <a:endParaRPr lang="en-US" dirty="0"/>
-          </a:p>
-        </p:txBody>
-      </p:sp>
-      <p:sp>
-        <p:nvSpPr>
-          <p:cNvPr id="4" name="Slide Number Placeholder 3"/>
-          <p:cNvSpPr>
-            <a:spLocks noGrp="1"/>
-          </p:cNvSpPr>
-          <p:nvPr>
-            <p:ph type="sldNum" sz="quarter" idx="12"/>
-          </p:nvPr>
-        </p:nvSpPr>
-        <p:spPr/>
-        <p:txBody>
-          <a:bodyPr/>
-          <a:lstStyle/>
-          <a:p>
-            <a:fld id="{D22DBB91-4764-4098-A9EE-EA9330E91630}" type="slidenum">
-              <a:rPr lang="en-GB" smtClean="0"/>
-              <a:t>29</a:t>
-            </a:fld>
-            <a:endParaRPr lang="en-GB"/>
-          </a:p>
-        </p:txBody>
-      </p:sp>
-      <p:graphicFrame>
-        <p:nvGraphicFramePr>
-          <p:cNvPr id="5" name="Chart 4">
-            <a:extLst>
-              <a:ext uri="{FF2B5EF4-FFF2-40B4-BE49-F238E27FC236}">
-                <a16:creationId xmlns:a16="http://schemas.microsoft.com/office/drawing/2014/main" id="{B75A039C-3AC9-4555-8547-705776E968AC}"/>
-              </a:ext>
-            </a:extLst>
-          </p:cNvPr>
-          <p:cNvGraphicFramePr/>
-          <p:nvPr>
-            <p:extLst>
-              <p:ext uri="{D42A27DB-BD31-4B8C-83A1-F6EECF244321}">
-                <p14:modId xmlns:p14="http://schemas.microsoft.com/office/powerpoint/2010/main" val="3627368024"/>
-              </p:ext>
-            </p:extLst>
-          </p:nvPr>
-        </p:nvGraphicFramePr>
-        <p:xfrm>
-          <a:off x="5301574" y="1847849"/>
-          <a:ext cx="5749047" cy="4037386"/>
-        </p:xfrm>
-        <a:graphic>
-          <a:graphicData uri="http://schemas.openxmlformats.org/drawingml/2006/chart">
-            <c:chart xmlns:c="http://schemas.openxmlformats.org/drawingml/2006/chart" xmlns:r="http://schemas.openxmlformats.org/officeDocument/2006/relationships" r:id="rId2"/>
-          </a:graphicData>
-        </a:graphic>
-      </p:graphicFrame>
-    </p:spTree>
-    <p:extLst>
-      <p:ext uri="{BB962C8B-B14F-4D97-AF65-F5344CB8AC3E}">
-        <p14:creationId xmlns:p14="http://schemas.microsoft.com/office/powerpoint/2010/main" val="2920130339"/>
-      </p:ext>
-    </p:extLst>
-  </p:cSld>
-  <p:clrMapOvr>
-    <a:masterClrMapping/>
-  </p:clrMapOvr>
-  <p:timing>
-    <p:tnLst>
-      <p:par>
-        <p:cTn id="1" dur="indefinite" restart="never" nodeType="tmRoot"/>
-      </p:par>
-    </p:tnLst>
-  </p:timing>
-</p:sld>
-</file>
-
 <file path=ppt/slides/slide3.xml><?xml version="1.0" encoding="utf-8"?>
 <p:sld xmlns:a="http://schemas.openxmlformats.org/drawingml/2006/main" xmlns:r="http://schemas.openxmlformats.org/officeDocument/2006/relationships" xmlns:p="http://schemas.openxmlformats.org/presentationml/2006/main">
   <p:cSld>
@@ -21559,7 +25644,7 @@
           <p:nvPr/>
         </p:nvPicPr>
         <p:blipFill>
-          <a:blip r:embed="rId2">
+          <a:blip r:embed="rId3">
             <a:extLst>
               <a:ext uri="{28A0092B-C50C-407E-A947-70E740481C1C}">
                 <a14:useLocalDpi xmlns:a14="http://schemas.microsoft.com/office/drawing/2010/main" val="0"/>
@@ -21629,20 +25714,22 @@
         </p:nvSpPr>
         <p:spPr/>
         <p:txBody>
-          <a:bodyPr/>
+          <a:bodyPr>
+            <a:normAutofit fontScale="90000"/>
+          </a:bodyPr>
           <a:lstStyle/>
           <a:p>
             <a:r>
               <a:rPr lang="sr-Cyrl-RS" dirty="0"/>
-              <a:t>Верификација</a:t>
-            </a:r>
-            <a:r>
-              <a:rPr lang="en-US" dirty="0"/>
-              <a:t> </a:t>
-            </a:r>
-            <a:r>
-              <a:rPr lang="sr-Cyrl-RS" dirty="0"/>
-              <a:t>решења</a:t>
+              <a:t>Тестирање решења -  </a:t>
+            </a:r>
+            <a:r>
+              <a:rPr lang="ru-RU" dirty="0"/>
+              <a:t>Преглед потребног времена пропагације фрејма кроз </a:t>
+            </a:r>
+            <a:r>
+              <a:rPr lang="ru-RU" dirty="0" smtClean="0"/>
+              <a:t>систем</a:t>
             </a:r>
             <a:endParaRPr lang="en-US" dirty="0"/>
           </a:p>
@@ -21660,74 +25747,41 @@
         </p:nvSpPr>
         <p:spPr>
           <a:xfrm>
-            <a:off x="838199" y="1847851"/>
-            <a:ext cx="9794133" cy="3940106"/>
+            <a:off x="838200" y="1847850"/>
+            <a:ext cx="3441970" cy="4300031"/>
           </a:xfrm>
         </p:spPr>
         <p:txBody>
           <a:bodyPr>
-            <a:normAutofit/>
+            <a:normAutofit lnSpcReduction="10000"/>
           </a:bodyPr>
           <a:lstStyle/>
           <a:p>
             <a:r>
               <a:rPr lang="sr-Cyrl-RS" dirty="0" smtClean="0"/>
-              <a:t>Укључивањем софтверске магистарале у дистрибуцију, времена исцртавања на екран расту у оба случаја:</a:t>
-            </a:r>
-          </a:p>
-          <a:p>
-            <a:pPr marL="914400" lvl="1" indent="-457200">
-              <a:buFont typeface="+mj-lt"/>
-              <a:buAutoNum type="arabicPeriod"/>
-            </a:pPr>
+              <a:t>2. Апликација </a:t>
+            </a:r>
+            <a:r>
+              <a:rPr lang="sr-Cyrl-RS" dirty="0"/>
+              <a:t>удаљене  адаптивне платформе добавља фрејм једне од </a:t>
+            </a:r>
             <a:r>
               <a:rPr lang="sr-Cyrl-RS" dirty="0" smtClean="0"/>
-              <a:t>Локална апликација адаптивне платформе – 45.28</a:t>
-            </a:r>
-            <a:r>
-              <a:rPr lang="en-US" dirty="0" err="1" smtClean="0"/>
-              <a:t>ms</a:t>
-            </a:r>
+              <a:t>камера</a:t>
+            </a:r>
+          </a:p>
+          <a:p>
             <a:r>
               <a:rPr lang="sr-Cyrl-RS" dirty="0" smtClean="0"/>
-              <a:t> (приближно 22 фрејма по секунди)</a:t>
-            </a:r>
-          </a:p>
-          <a:p>
-            <a:pPr marL="914400" lvl="1" indent="-457200">
-              <a:buFont typeface="+mj-lt"/>
-              <a:buAutoNum type="arabicPeriod"/>
-            </a:pPr>
+              <a:t>Слање се врши путем етернет магистрале</a:t>
+            </a:r>
+          </a:p>
+          <a:p>
             <a:r>
               <a:rPr lang="sr-Cyrl-RS" dirty="0" smtClean="0"/>
-              <a:t>Удаљена апликација </a:t>
-            </a:r>
-            <a:r>
-              <a:rPr lang="sr-Cyrl-RS" dirty="0"/>
-              <a:t>адаптивне платформе </a:t>
-            </a:r>
-            <a:r>
-              <a:rPr lang="sr-Cyrl-RS" dirty="0" smtClean="0"/>
-              <a:t> - </a:t>
-            </a:r>
-            <a:r>
-              <a:rPr lang="sr-Cyrl-RS" dirty="0"/>
-              <a:t>68.85</a:t>
-            </a:r>
-            <a:r>
-              <a:rPr lang="sr-Latn-RS" dirty="0" smtClean="0"/>
-              <a:t>ms</a:t>
-            </a:r>
-            <a:r>
-              <a:rPr lang="sr-Cyrl-RS" dirty="0" smtClean="0"/>
-              <a:t> (приближно 15 фрејмова по секунди)</a:t>
-            </a:r>
-          </a:p>
-          <a:p>
-            <a:r>
-              <a:rPr lang="sr-Cyrl-RS" dirty="0" smtClean="0"/>
-              <a:t>Оба посматрана случаја подразумевају употребу свих доступних камера на платформи</a:t>
-            </a:r>
+              <a:t>Фрејмови нису компримовани</a:t>
+            </a:r>
+            <a:endParaRPr lang="en-US" dirty="0"/>
           </a:p>
         </p:txBody>
       </p:sp>
@@ -21754,10 +25808,38 @@
           </a:p>
         </p:txBody>
       </p:sp>
+      <p:pic>
+        <p:nvPicPr>
+          <p:cNvPr id="5" name="Picture 4"/>
+          <p:cNvPicPr/>
+          <p:nvPr/>
+        </p:nvPicPr>
+        <p:blipFill>
+          <a:blip r:embed="rId3">
+            <a:extLst>
+              <a:ext uri="{28A0092B-C50C-407E-A947-70E740481C1C}">
+                <a14:useLocalDpi xmlns:a14="http://schemas.microsoft.com/office/drawing/2010/main" val="0"/>
+              </a:ext>
+            </a:extLst>
+          </a:blip>
+          <a:stretch>
+            <a:fillRect/>
+          </a:stretch>
+        </p:blipFill>
+        <p:spPr>
+          <a:xfrm>
+            <a:off x="4280170" y="1847850"/>
+            <a:ext cx="6867728" cy="4163844"/>
+          </a:xfrm>
+          <a:prstGeom prst="rect">
+            <a:avLst/>
+          </a:prstGeom>
+        </p:spPr>
+      </p:pic>
     </p:spTree>
     <p:extLst>
       <p:ext uri="{BB962C8B-B14F-4D97-AF65-F5344CB8AC3E}">
-        <p14:creationId xmlns:p14="http://schemas.microsoft.com/office/powerpoint/2010/main" val="3236855812"/>
+        <p14:creationId xmlns:p14="http://schemas.microsoft.com/office/powerpoint/2010/main" val="2502143903"/>
       </p:ext>
     </p:extLst>
   </p:cSld>
@@ -21803,20 +25885,58 @@
         </p:nvSpPr>
         <p:spPr/>
         <p:txBody>
+          <a:bodyPr>
+            <a:normAutofit fontScale="90000"/>
+          </a:bodyPr>
+          <a:lstStyle/>
+          <a:p>
+            <a:r>
+              <a:rPr lang="sr-Cyrl-RS" dirty="0"/>
+              <a:t>Тестирање решења -  </a:t>
+            </a:r>
+            <a:r>
+              <a:rPr lang="ru-RU" dirty="0"/>
+              <a:t>Преглед потребног времена пропагације фрејма кроз систем</a:t>
+            </a:r>
+            <a:endParaRPr lang="en-US" dirty="0"/>
+          </a:p>
+        </p:txBody>
+      </p:sp>
+      <p:sp>
+        <p:nvSpPr>
+          <p:cNvPr id="3" name="Content Placeholder 2"/>
+          <p:cNvSpPr>
+            <a:spLocks noGrp="1"/>
+          </p:cNvSpPr>
+          <p:nvPr>
+            <p:ph idx="1"/>
+          </p:nvPr>
+        </p:nvSpPr>
+        <p:spPr>
+          <a:xfrm>
+            <a:off x="838200" y="1847850"/>
+            <a:ext cx="4152089" cy="4309759"/>
+          </a:xfrm>
+        </p:spPr>
+        <p:txBody>
           <a:bodyPr/>
           <a:lstStyle/>
           <a:p>
             <a:r>
+              <a:rPr lang="sr-Cyrl-RS" dirty="0" smtClean="0"/>
+              <a:t>Просечно </a:t>
+            </a:r>
+            <a:r>
               <a:rPr lang="sr-Cyrl-RS" dirty="0"/>
-              <a:t>Верификација</a:t>
-            </a:r>
-            <a:r>
-              <a:rPr lang="en-US" dirty="0"/>
-              <a:t> </a:t>
-            </a:r>
-            <a:r>
-              <a:rPr lang="sr-Cyrl-RS" dirty="0"/>
-              <a:t>решења</a:t>
+              <a:t>време пута једног фрејма, од момента његове доступности до саме адаптивне апликације удаљене адаптивне платформе просечно износи 21.1</a:t>
+            </a:r>
+            <a:r>
+              <a:rPr lang="sr-Latn-RS" i="1" dirty="0" smtClean="0"/>
+              <a:t>ms</a:t>
+            </a:r>
+            <a:r>
+              <a:rPr lang="sr-Cyrl-RS" dirty="0" smtClean="0"/>
+              <a:t>, на узорку од 200 фрејмова.</a:t>
             </a:r>
             <a:endParaRPr lang="en-US" dirty="0"/>
           </a:p>
@@ -21840,6 +25960,761 @@
             <a:fld id="{D22DBB91-4764-4098-A9EE-EA9330E91630}" type="slidenum">
               <a:rPr lang="en-GB" smtClean="0"/>
               <a:t>31</a:t>
+            </a:fld>
+            <a:endParaRPr lang="en-GB"/>
+          </a:p>
+        </p:txBody>
+      </p:sp>
+      <p:graphicFrame>
+        <p:nvGraphicFramePr>
+          <p:cNvPr id="5" name="Chart 4">
+            <a:extLst>
+              <a:ext uri="{FF2B5EF4-FFF2-40B4-BE49-F238E27FC236}">
+                <a16:creationId xmlns:a16="http://schemas.microsoft.com/office/drawing/2014/main" id="{E8B0C98C-CF9E-4371-8D42-09FE63426AC1}"/>
+              </a:ext>
+            </a:extLst>
+          </p:cNvPr>
+          <p:cNvGraphicFramePr/>
+          <p:nvPr>
+            <p:extLst>
+              <p:ext uri="{D42A27DB-BD31-4B8C-83A1-F6EECF244321}">
+                <p14:modId xmlns:p14="http://schemas.microsoft.com/office/powerpoint/2010/main" val="2368735751"/>
+              </p:ext>
+            </p:extLst>
+          </p:nvPr>
+        </p:nvGraphicFramePr>
+        <p:xfrm>
+          <a:off x="5073784" y="1847849"/>
+          <a:ext cx="6280015" cy="3833103"/>
+        </p:xfrm>
+        <a:graphic>
+          <a:graphicData uri="http://schemas.openxmlformats.org/drawingml/2006/chart">
+            <c:chart xmlns:c="http://schemas.openxmlformats.org/drawingml/2006/chart" xmlns:r="http://schemas.openxmlformats.org/officeDocument/2006/relationships" r:id="rId2"/>
+          </a:graphicData>
+        </a:graphic>
+      </p:graphicFrame>
+    </p:spTree>
+    <p:extLst>
+      <p:ext uri="{BB962C8B-B14F-4D97-AF65-F5344CB8AC3E}">
+        <p14:creationId xmlns:p14="http://schemas.microsoft.com/office/powerpoint/2010/main" val="3012242929"/>
+      </p:ext>
+    </p:extLst>
+  </p:cSld>
+  <p:clrMapOvr>
+    <a:masterClrMapping/>
+  </p:clrMapOvr>
+  <p:timing>
+    <p:tnLst>
+      <p:par>
+        <p:cTn id="1" dur="indefinite" restart="never" nodeType="tmRoot"/>
+      </p:par>
+    </p:tnLst>
+  </p:timing>
+</p:sld>
+</file>
+
+<file path=ppt/slides/slide32.xml><?xml version="1.0" encoding="utf-8"?>
+<p:sld xmlns:a="http://schemas.openxmlformats.org/drawingml/2006/main" xmlns:r="http://schemas.openxmlformats.org/officeDocument/2006/relationships" xmlns:p="http://schemas.openxmlformats.org/presentationml/2006/main">
+  <p:cSld>
+    <p:spTree>
+      <p:nvGrpSpPr>
+        <p:cNvPr id="1" name=""/>
+        <p:cNvGrpSpPr/>
+        <p:nvPr/>
+      </p:nvGrpSpPr>
+      <p:grpSpPr>
+        <a:xfrm>
+          <a:off x="0" y="0"/>
+          <a:ext cx="0" cy="0"/>
+          <a:chOff x="0" y="0"/>
+          <a:chExt cx="0" cy="0"/>
+        </a:xfrm>
+      </p:grpSpPr>
+      <p:sp>
+        <p:nvSpPr>
+          <p:cNvPr id="2" name="Title 1"/>
+          <p:cNvSpPr>
+            <a:spLocks noGrp="1"/>
+          </p:cNvSpPr>
+          <p:nvPr>
+            <p:ph type="title"/>
+          </p:nvPr>
+        </p:nvSpPr>
+        <p:spPr/>
+        <p:txBody>
+          <a:bodyPr>
+            <a:normAutofit fontScale="90000"/>
+          </a:bodyPr>
+          <a:lstStyle/>
+          <a:p>
+            <a:r>
+              <a:rPr lang="sr-Cyrl-RS" dirty="0"/>
+              <a:t>Тестирање решења -  </a:t>
+            </a:r>
+            <a:r>
+              <a:rPr lang="ru-RU" dirty="0"/>
+              <a:t>Преглед потребног времена пропагације фрејма кроз систем</a:t>
+            </a:r>
+            <a:endParaRPr lang="en-US" dirty="0"/>
+          </a:p>
+        </p:txBody>
+      </p:sp>
+      <p:sp>
+        <p:nvSpPr>
+          <p:cNvPr id="3" name="Content Placeholder 2"/>
+          <p:cNvSpPr>
+            <a:spLocks noGrp="1"/>
+          </p:cNvSpPr>
+          <p:nvPr>
+            <p:ph idx="1"/>
+          </p:nvPr>
+        </p:nvSpPr>
+        <p:spPr>
+          <a:xfrm>
+            <a:off x="838200" y="1847849"/>
+            <a:ext cx="4093723" cy="4416763"/>
+          </a:xfrm>
+        </p:spPr>
+        <p:txBody>
+          <a:bodyPr/>
+          <a:lstStyle/>
+          <a:p>
+            <a:r>
+              <a:rPr lang="sr-Cyrl-RS" dirty="0" smtClean="0"/>
+              <a:t>Уколико посматрамо искључиво време за које је потребно да се сваки фрејм достави путем етернет магистрале, на узорку  од 200 фрејмова, потребно време је знатно мање, износи 2.64</a:t>
+            </a:r>
+            <a:r>
+              <a:rPr lang="en-US" i="1" dirty="0" err="1" smtClean="0"/>
+              <a:t>ms.</a:t>
+            </a:r>
+            <a:endParaRPr lang="en-US" i="1" dirty="0"/>
+          </a:p>
+        </p:txBody>
+      </p:sp>
+      <p:sp>
+        <p:nvSpPr>
+          <p:cNvPr id="4" name="Slide Number Placeholder 3"/>
+          <p:cNvSpPr>
+            <a:spLocks noGrp="1"/>
+          </p:cNvSpPr>
+          <p:nvPr>
+            <p:ph type="sldNum" sz="quarter" idx="12"/>
+          </p:nvPr>
+        </p:nvSpPr>
+        <p:spPr/>
+        <p:txBody>
+          <a:bodyPr/>
+          <a:lstStyle/>
+          <a:p>
+            <a:fld id="{D22DBB91-4764-4098-A9EE-EA9330E91630}" type="slidenum">
+              <a:rPr lang="en-GB" smtClean="0"/>
+              <a:t>32</a:t>
+            </a:fld>
+            <a:endParaRPr lang="en-GB"/>
+          </a:p>
+        </p:txBody>
+      </p:sp>
+      <p:graphicFrame>
+        <p:nvGraphicFramePr>
+          <p:cNvPr id="5" name="Chart 4">
+            <a:extLst>
+              <a:ext uri="{FF2B5EF4-FFF2-40B4-BE49-F238E27FC236}">
+                <a16:creationId xmlns:a16="http://schemas.microsoft.com/office/drawing/2014/main" id="{1AC22BBF-8BE5-4325-A805-0B4213CD32D4}"/>
+              </a:ext>
+            </a:extLst>
+          </p:cNvPr>
+          <p:cNvGraphicFramePr/>
+          <p:nvPr>
+            <p:extLst>
+              <p:ext uri="{D42A27DB-BD31-4B8C-83A1-F6EECF244321}">
+                <p14:modId xmlns:p14="http://schemas.microsoft.com/office/powerpoint/2010/main" val="865136907"/>
+              </p:ext>
+            </p:extLst>
+          </p:nvPr>
+        </p:nvGraphicFramePr>
+        <p:xfrm>
+          <a:off x="4931922" y="1847849"/>
+          <a:ext cx="6157609" cy="3891470"/>
+        </p:xfrm>
+        <a:graphic>
+          <a:graphicData uri="http://schemas.openxmlformats.org/drawingml/2006/chart">
+            <c:chart xmlns:c="http://schemas.openxmlformats.org/drawingml/2006/chart" xmlns:r="http://schemas.openxmlformats.org/officeDocument/2006/relationships" r:id="rId2"/>
+          </a:graphicData>
+        </a:graphic>
+      </p:graphicFrame>
+    </p:spTree>
+    <p:extLst>
+      <p:ext uri="{BB962C8B-B14F-4D97-AF65-F5344CB8AC3E}">
+        <p14:creationId xmlns:p14="http://schemas.microsoft.com/office/powerpoint/2010/main" val="3491876224"/>
+      </p:ext>
+    </p:extLst>
+  </p:cSld>
+  <p:clrMapOvr>
+    <a:masterClrMapping/>
+  </p:clrMapOvr>
+  <p:timing>
+    <p:tnLst>
+      <p:par>
+        <p:cTn id="1" dur="indefinite" restart="never" nodeType="tmRoot"/>
+      </p:par>
+    </p:tnLst>
+  </p:timing>
+</p:sld>
+</file>
+
+<file path=ppt/slides/slide33.xml><?xml version="1.0" encoding="utf-8"?>
+<p:sld xmlns:a="http://schemas.openxmlformats.org/drawingml/2006/main" xmlns:r="http://schemas.openxmlformats.org/officeDocument/2006/relationships" xmlns:p="http://schemas.openxmlformats.org/presentationml/2006/main">
+  <p:cSld>
+    <p:spTree>
+      <p:nvGrpSpPr>
+        <p:cNvPr id="1" name=""/>
+        <p:cNvGrpSpPr/>
+        <p:nvPr/>
+      </p:nvGrpSpPr>
+      <p:grpSpPr>
+        <a:xfrm>
+          <a:off x="0" y="0"/>
+          <a:ext cx="0" cy="0"/>
+          <a:chOff x="0" y="0"/>
+          <a:chExt cx="0" cy="0"/>
+        </a:xfrm>
+      </p:grpSpPr>
+      <p:sp>
+        <p:nvSpPr>
+          <p:cNvPr id="2" name="Title 1"/>
+          <p:cNvSpPr>
+            <a:spLocks noGrp="1"/>
+          </p:cNvSpPr>
+          <p:nvPr>
+            <p:ph type="title"/>
+          </p:nvPr>
+        </p:nvSpPr>
+        <p:spPr/>
+        <p:txBody>
+          <a:bodyPr/>
+          <a:lstStyle/>
+          <a:p>
+            <a:r>
+              <a:rPr lang="sr-Cyrl-RS" dirty="0" smtClean="0"/>
+              <a:t>Верификација</a:t>
+            </a:r>
+            <a:r>
+              <a:rPr lang="en-US" dirty="0" smtClean="0"/>
+              <a:t> </a:t>
+            </a:r>
+            <a:r>
+              <a:rPr lang="sr-Cyrl-RS" dirty="0" smtClean="0"/>
+              <a:t>решења</a:t>
+            </a:r>
+            <a:endParaRPr lang="en-US" dirty="0"/>
+          </a:p>
+        </p:txBody>
+      </p:sp>
+      <p:sp>
+        <p:nvSpPr>
+          <p:cNvPr id="3" name="Content Placeholder 2"/>
+          <p:cNvSpPr>
+            <a:spLocks noGrp="1"/>
+          </p:cNvSpPr>
+          <p:nvPr>
+            <p:ph idx="1"/>
+          </p:nvPr>
+        </p:nvSpPr>
+        <p:spPr>
+          <a:xfrm>
+            <a:off x="838199" y="1847850"/>
+            <a:ext cx="9949775" cy="4387580"/>
+          </a:xfrm>
+        </p:spPr>
+        <p:txBody>
+          <a:bodyPr/>
+          <a:lstStyle/>
+          <a:p>
+            <a:r>
+              <a:rPr lang="ru-RU" dirty="0" smtClean="0"/>
+              <a:t>Пример </a:t>
+            </a:r>
+            <a:r>
+              <a:rPr lang="ru-RU" dirty="0"/>
+              <a:t>употребе софтверске магистрале и камера сервиса који се ослања на њене функционаности за потребе информативне </a:t>
+            </a:r>
+            <a:r>
+              <a:rPr lang="ru-RU" i="1" dirty="0"/>
+              <a:t>ADAS </a:t>
+            </a:r>
+            <a:r>
+              <a:rPr lang="ru-RU" dirty="0" smtClean="0"/>
+              <a:t>апликације</a:t>
+            </a:r>
+          </a:p>
+          <a:p>
+            <a:r>
+              <a:rPr lang="ru-RU" dirty="0" smtClean="0"/>
+              <a:t>Посматрана два случаја:</a:t>
+            </a:r>
+          </a:p>
+          <a:p>
+            <a:pPr marL="914400" lvl="1" indent="-457200">
+              <a:buFont typeface="+mj-lt"/>
+              <a:buAutoNum type="arabicPeriod"/>
+            </a:pPr>
+            <a:r>
+              <a:rPr lang="ru-RU" dirty="0" smtClean="0"/>
+              <a:t>Локална апликација адаптивне платформе</a:t>
+            </a:r>
+          </a:p>
+          <a:p>
+            <a:pPr marL="914400" lvl="1" indent="-457200">
+              <a:buFont typeface="+mj-lt"/>
+              <a:buAutoNum type="arabicPeriod"/>
+            </a:pPr>
+            <a:r>
+              <a:rPr lang="ru-RU" dirty="0" smtClean="0"/>
+              <a:t>Удаљена апликација адаптивне платформе</a:t>
+            </a:r>
+          </a:p>
+          <a:p>
+            <a:endParaRPr lang="en-US" dirty="0"/>
+          </a:p>
+        </p:txBody>
+      </p:sp>
+      <p:sp>
+        <p:nvSpPr>
+          <p:cNvPr id="4" name="Slide Number Placeholder 3"/>
+          <p:cNvSpPr>
+            <a:spLocks noGrp="1"/>
+          </p:cNvSpPr>
+          <p:nvPr>
+            <p:ph type="sldNum" sz="quarter" idx="12"/>
+          </p:nvPr>
+        </p:nvSpPr>
+        <p:spPr/>
+        <p:txBody>
+          <a:bodyPr/>
+          <a:lstStyle/>
+          <a:p>
+            <a:fld id="{D22DBB91-4764-4098-A9EE-EA9330E91630}" type="slidenum">
+              <a:rPr lang="en-GB" smtClean="0"/>
+              <a:t>33</a:t>
+            </a:fld>
+            <a:endParaRPr lang="en-GB"/>
+          </a:p>
+        </p:txBody>
+      </p:sp>
+    </p:spTree>
+    <p:extLst>
+      <p:ext uri="{BB962C8B-B14F-4D97-AF65-F5344CB8AC3E}">
+        <p14:creationId xmlns:p14="http://schemas.microsoft.com/office/powerpoint/2010/main" val="3307251379"/>
+      </p:ext>
+    </p:extLst>
+  </p:cSld>
+  <p:clrMapOvr>
+    <a:masterClrMapping/>
+  </p:clrMapOvr>
+  <p:timing>
+    <p:tnLst>
+      <p:par>
+        <p:cTn id="1" dur="indefinite" restart="never" nodeType="tmRoot"/>
+      </p:par>
+    </p:tnLst>
+  </p:timing>
+</p:sld>
+</file>
+
+<file path=ppt/slides/slide34.xml><?xml version="1.0" encoding="utf-8"?>
+<p:sld xmlns:a="http://schemas.openxmlformats.org/drawingml/2006/main" xmlns:r="http://schemas.openxmlformats.org/officeDocument/2006/relationships" xmlns:p="http://schemas.openxmlformats.org/presentationml/2006/main">
+  <p:cSld>
+    <p:spTree>
+      <p:nvGrpSpPr>
+        <p:cNvPr id="1" name=""/>
+        <p:cNvGrpSpPr/>
+        <p:nvPr/>
+      </p:nvGrpSpPr>
+      <p:grpSpPr>
+        <a:xfrm>
+          <a:off x="0" y="0"/>
+          <a:ext cx="0" cy="0"/>
+          <a:chOff x="0" y="0"/>
+          <a:chExt cx="0" cy="0"/>
+        </a:xfrm>
+      </p:grpSpPr>
+      <p:sp>
+        <p:nvSpPr>
+          <p:cNvPr id="2" name="Title 1"/>
+          <p:cNvSpPr>
+            <a:spLocks noGrp="1"/>
+          </p:cNvSpPr>
+          <p:nvPr>
+            <p:ph type="title"/>
+          </p:nvPr>
+        </p:nvSpPr>
+        <p:spPr/>
+        <p:txBody>
+          <a:bodyPr/>
+          <a:lstStyle/>
+          <a:p>
+            <a:r>
+              <a:rPr lang="sr-Cyrl-RS" dirty="0"/>
+              <a:t>Верификација</a:t>
+            </a:r>
+            <a:r>
+              <a:rPr lang="en-US" dirty="0"/>
+              <a:t> </a:t>
+            </a:r>
+            <a:r>
+              <a:rPr lang="sr-Cyrl-RS" dirty="0"/>
+              <a:t>решења</a:t>
+            </a:r>
+            <a:endParaRPr lang="en-US" dirty="0"/>
+          </a:p>
+        </p:txBody>
+      </p:sp>
+      <p:sp>
+        <p:nvSpPr>
+          <p:cNvPr id="3" name="Content Placeholder 2"/>
+          <p:cNvSpPr>
+            <a:spLocks noGrp="1"/>
+          </p:cNvSpPr>
+          <p:nvPr>
+            <p:ph idx="1"/>
+          </p:nvPr>
+        </p:nvSpPr>
+        <p:spPr>
+          <a:xfrm>
+            <a:off x="838200" y="1847849"/>
+            <a:ext cx="4463374" cy="4407035"/>
+          </a:xfrm>
+        </p:spPr>
+        <p:txBody>
+          <a:bodyPr/>
+          <a:lstStyle/>
+          <a:p>
+            <a:r>
+              <a:rPr lang="sr-Cyrl-RS" dirty="0" smtClean="0"/>
+              <a:t>Време исцртавања једног фрејма на узорку од 200 фрејмова, без посредства софтверске магистрале за дистрибуцију видео сигнала износи – 30</a:t>
+            </a:r>
+            <a:r>
+              <a:rPr lang="en-US" i="1" dirty="0" err="1" smtClean="0"/>
+              <a:t>ms</a:t>
+            </a:r>
+            <a:endParaRPr lang="sr-Cyrl-RS" i="1" dirty="0" smtClean="0"/>
+          </a:p>
+          <a:p>
+            <a:endParaRPr lang="en-US" dirty="0"/>
+          </a:p>
+        </p:txBody>
+      </p:sp>
+      <p:sp>
+        <p:nvSpPr>
+          <p:cNvPr id="4" name="Slide Number Placeholder 3"/>
+          <p:cNvSpPr>
+            <a:spLocks noGrp="1"/>
+          </p:cNvSpPr>
+          <p:nvPr>
+            <p:ph type="sldNum" sz="quarter" idx="12"/>
+          </p:nvPr>
+        </p:nvSpPr>
+        <p:spPr/>
+        <p:txBody>
+          <a:bodyPr/>
+          <a:lstStyle/>
+          <a:p>
+            <a:fld id="{D22DBB91-4764-4098-A9EE-EA9330E91630}" type="slidenum">
+              <a:rPr lang="en-GB" smtClean="0"/>
+              <a:t>34</a:t>
+            </a:fld>
+            <a:endParaRPr lang="en-GB"/>
+          </a:p>
+        </p:txBody>
+      </p:sp>
+      <p:graphicFrame>
+        <p:nvGraphicFramePr>
+          <p:cNvPr id="5" name="Chart 4">
+            <a:extLst>
+              <a:ext uri="{FF2B5EF4-FFF2-40B4-BE49-F238E27FC236}">
+                <a16:creationId xmlns:a16="http://schemas.microsoft.com/office/drawing/2014/main" id="{B75A039C-3AC9-4555-8547-705776E968AC}"/>
+              </a:ext>
+            </a:extLst>
+          </p:cNvPr>
+          <p:cNvGraphicFramePr/>
+          <p:nvPr>
+            <p:extLst>
+              <p:ext uri="{D42A27DB-BD31-4B8C-83A1-F6EECF244321}">
+                <p14:modId xmlns:p14="http://schemas.microsoft.com/office/powerpoint/2010/main" val="3627368024"/>
+              </p:ext>
+            </p:extLst>
+          </p:nvPr>
+        </p:nvGraphicFramePr>
+        <p:xfrm>
+          <a:off x="5301574" y="1847849"/>
+          <a:ext cx="5749047" cy="4037386"/>
+        </p:xfrm>
+        <a:graphic>
+          <a:graphicData uri="http://schemas.openxmlformats.org/drawingml/2006/chart">
+            <c:chart xmlns:c="http://schemas.openxmlformats.org/drawingml/2006/chart" xmlns:r="http://schemas.openxmlformats.org/officeDocument/2006/relationships" r:id="rId2"/>
+          </a:graphicData>
+        </a:graphic>
+      </p:graphicFrame>
+    </p:spTree>
+    <p:extLst>
+      <p:ext uri="{BB962C8B-B14F-4D97-AF65-F5344CB8AC3E}">
+        <p14:creationId xmlns:p14="http://schemas.microsoft.com/office/powerpoint/2010/main" val="2920130339"/>
+      </p:ext>
+    </p:extLst>
+  </p:cSld>
+  <p:clrMapOvr>
+    <a:masterClrMapping/>
+  </p:clrMapOvr>
+  <p:timing>
+    <p:tnLst>
+      <p:par>
+        <p:cTn id="1" dur="indefinite" restart="never" nodeType="tmRoot"/>
+      </p:par>
+    </p:tnLst>
+  </p:timing>
+</p:sld>
+</file>
+
+<file path=ppt/slides/slide35.xml><?xml version="1.0" encoding="utf-8"?>
+<p:sld xmlns:a="http://schemas.openxmlformats.org/drawingml/2006/main" xmlns:r="http://schemas.openxmlformats.org/officeDocument/2006/relationships" xmlns:p="http://schemas.openxmlformats.org/presentationml/2006/main">
+  <p:cSld>
+    <p:spTree>
+      <p:nvGrpSpPr>
+        <p:cNvPr id="1" name=""/>
+        <p:cNvGrpSpPr/>
+        <p:nvPr/>
+      </p:nvGrpSpPr>
+      <p:grpSpPr>
+        <a:xfrm>
+          <a:off x="0" y="0"/>
+          <a:ext cx="0" cy="0"/>
+          <a:chOff x="0" y="0"/>
+          <a:chExt cx="0" cy="0"/>
+        </a:xfrm>
+      </p:grpSpPr>
+      <p:sp>
+        <p:nvSpPr>
+          <p:cNvPr id="2" name="Title 1"/>
+          <p:cNvSpPr>
+            <a:spLocks noGrp="1"/>
+          </p:cNvSpPr>
+          <p:nvPr>
+            <p:ph type="title"/>
+          </p:nvPr>
+        </p:nvSpPr>
+        <p:spPr/>
+        <p:txBody>
+          <a:bodyPr/>
+          <a:lstStyle/>
+          <a:p>
+            <a:r>
+              <a:rPr lang="sr-Cyrl-RS" dirty="0"/>
+              <a:t>Верификација</a:t>
+            </a:r>
+            <a:r>
+              <a:rPr lang="en-US" dirty="0"/>
+              <a:t> </a:t>
+            </a:r>
+            <a:r>
+              <a:rPr lang="sr-Cyrl-RS" dirty="0"/>
+              <a:t>решења</a:t>
+            </a:r>
+            <a:endParaRPr lang="en-US" dirty="0"/>
+          </a:p>
+        </p:txBody>
+      </p:sp>
+      <p:sp>
+        <p:nvSpPr>
+          <p:cNvPr id="3" name="Content Placeholder 2"/>
+          <p:cNvSpPr>
+            <a:spLocks noGrp="1"/>
+          </p:cNvSpPr>
+          <p:nvPr>
+            <p:ph idx="1"/>
+          </p:nvPr>
+        </p:nvSpPr>
+        <p:spPr>
+          <a:xfrm>
+            <a:off x="838199" y="1847851"/>
+            <a:ext cx="9794133" cy="3940106"/>
+          </a:xfrm>
+        </p:spPr>
+        <p:txBody>
+          <a:bodyPr>
+            <a:normAutofit/>
+          </a:bodyPr>
+          <a:lstStyle/>
+          <a:p>
+            <a:r>
+              <a:rPr lang="sr-Cyrl-RS" dirty="0" smtClean="0"/>
+              <a:t>Укључивањем софтверске магистарале у дистрибуцију, времена исцртавања на екран расту у оба случаја:</a:t>
+            </a:r>
+          </a:p>
+          <a:p>
+            <a:pPr marL="914400" lvl="1" indent="-457200">
+              <a:buFont typeface="+mj-lt"/>
+              <a:buAutoNum type="arabicPeriod"/>
+            </a:pPr>
+            <a:r>
+              <a:rPr lang="sr-Cyrl-RS" dirty="0" smtClean="0"/>
+              <a:t>Локална апликација адаптивне платформе – 45.28</a:t>
+            </a:r>
+            <a:r>
+              <a:rPr lang="en-US" dirty="0" err="1" smtClean="0"/>
+              <a:t>ms</a:t>
+            </a:r>
+            <a:r>
+              <a:rPr lang="sr-Cyrl-RS" dirty="0" smtClean="0"/>
+              <a:t> (приближно 22 фрејма по секунди)</a:t>
+            </a:r>
+          </a:p>
+          <a:p>
+            <a:pPr marL="914400" lvl="1" indent="-457200">
+              <a:buFont typeface="+mj-lt"/>
+              <a:buAutoNum type="arabicPeriod"/>
+            </a:pPr>
+            <a:r>
+              <a:rPr lang="sr-Cyrl-RS" dirty="0" smtClean="0"/>
+              <a:t>Удаљена апликација </a:t>
+            </a:r>
+            <a:r>
+              <a:rPr lang="sr-Cyrl-RS" dirty="0"/>
+              <a:t>адаптивне платформе </a:t>
+            </a:r>
+            <a:r>
+              <a:rPr lang="sr-Cyrl-RS" dirty="0" smtClean="0"/>
+              <a:t> - </a:t>
+            </a:r>
+            <a:r>
+              <a:rPr lang="sr-Cyrl-RS" dirty="0"/>
+              <a:t>68.85</a:t>
+            </a:r>
+            <a:r>
+              <a:rPr lang="sr-Latn-RS" dirty="0" smtClean="0"/>
+              <a:t>ms</a:t>
+            </a:r>
+            <a:r>
+              <a:rPr lang="sr-Cyrl-RS" dirty="0" smtClean="0"/>
+              <a:t> (приближно 15 фрејмова по секунди)</a:t>
+            </a:r>
+          </a:p>
+          <a:p>
+            <a:r>
+              <a:rPr lang="sr-Cyrl-RS" dirty="0" smtClean="0"/>
+              <a:t>Оба посматрана случаја подразумевају употребу свих доступних камера на платформи</a:t>
+            </a:r>
+          </a:p>
+        </p:txBody>
+      </p:sp>
+      <p:sp>
+        <p:nvSpPr>
+          <p:cNvPr id="4" name="Slide Number Placeholder 3"/>
+          <p:cNvSpPr>
+            <a:spLocks noGrp="1"/>
+          </p:cNvSpPr>
+          <p:nvPr>
+            <p:ph type="sldNum" sz="quarter" idx="12"/>
+          </p:nvPr>
+        </p:nvSpPr>
+        <p:spPr/>
+        <p:txBody>
+          <a:bodyPr/>
+          <a:lstStyle/>
+          <a:p>
+            <a:fld id="{D22DBB91-4764-4098-A9EE-EA9330E91630}" type="slidenum">
+              <a:rPr lang="en-GB" smtClean="0"/>
+              <a:t>35</a:t>
+            </a:fld>
+            <a:endParaRPr lang="en-GB"/>
+          </a:p>
+        </p:txBody>
+      </p:sp>
+    </p:spTree>
+    <p:extLst>
+      <p:ext uri="{BB962C8B-B14F-4D97-AF65-F5344CB8AC3E}">
+        <p14:creationId xmlns:p14="http://schemas.microsoft.com/office/powerpoint/2010/main" val="3236855812"/>
+      </p:ext>
+    </p:extLst>
+  </p:cSld>
+  <p:clrMapOvr>
+    <a:masterClrMapping/>
+  </p:clrMapOvr>
+  <p:timing>
+    <p:tnLst>
+      <p:par>
+        <p:cTn id="1" dur="indefinite" restart="never" nodeType="tmRoot"/>
+      </p:par>
+    </p:tnLst>
+  </p:timing>
+</p:sld>
+</file>
+
+<file path=ppt/slides/slide36.xml><?xml version="1.0" encoding="utf-8"?>
+<p:sld xmlns:a="http://schemas.openxmlformats.org/drawingml/2006/main" xmlns:r="http://schemas.openxmlformats.org/officeDocument/2006/relationships" xmlns:p="http://schemas.openxmlformats.org/presentationml/2006/main">
+  <p:cSld>
+    <p:spTree>
+      <p:nvGrpSpPr>
+        <p:cNvPr id="1" name=""/>
+        <p:cNvGrpSpPr/>
+        <p:nvPr/>
+      </p:nvGrpSpPr>
+      <p:grpSpPr>
+        <a:xfrm>
+          <a:off x="0" y="0"/>
+          <a:ext cx="0" cy="0"/>
+          <a:chOff x="0" y="0"/>
+          <a:chExt cx="0" cy="0"/>
+        </a:xfrm>
+      </p:grpSpPr>
+      <p:sp>
+        <p:nvSpPr>
+          <p:cNvPr id="2" name="Title 1"/>
+          <p:cNvSpPr>
+            <a:spLocks noGrp="1"/>
+          </p:cNvSpPr>
+          <p:nvPr>
+            <p:ph type="title"/>
+          </p:nvPr>
+        </p:nvSpPr>
+        <p:spPr/>
+        <p:txBody>
+          <a:bodyPr/>
+          <a:lstStyle/>
+          <a:p>
+            <a:r>
+              <a:rPr lang="sr-Cyrl-RS" dirty="0"/>
+              <a:t>Верификација</a:t>
+            </a:r>
+            <a:r>
+              <a:rPr lang="en-US" dirty="0"/>
+              <a:t> </a:t>
+            </a:r>
+            <a:r>
+              <a:rPr lang="sr-Cyrl-RS" dirty="0"/>
+              <a:t>решења</a:t>
+            </a:r>
+            <a:endParaRPr lang="en-US" dirty="0"/>
+          </a:p>
+        </p:txBody>
+      </p:sp>
+      <p:sp>
+        <p:nvSpPr>
+          <p:cNvPr id="4" name="Slide Number Placeholder 3"/>
+          <p:cNvSpPr>
+            <a:spLocks noGrp="1"/>
+          </p:cNvSpPr>
+          <p:nvPr>
+            <p:ph type="sldNum" sz="quarter" idx="12"/>
+          </p:nvPr>
+        </p:nvSpPr>
+        <p:spPr/>
+        <p:txBody>
+          <a:bodyPr/>
+          <a:lstStyle/>
+          <a:p>
+            <a:fld id="{D22DBB91-4764-4098-A9EE-EA9330E91630}" type="slidenum">
+              <a:rPr lang="en-GB" smtClean="0"/>
+              <a:t>36</a:t>
             </a:fld>
             <a:endParaRPr lang="en-GB"/>
           </a:p>
@@ -21921,7 +26796,89 @@
 </p:sld>
 </file>
 
-<file path=ppt/slides/slide32.xml><?xml version="1.0" encoding="utf-8"?>
+<file path=ppt/slides/slide37.xml><?xml version="1.0" encoding="utf-8"?>
+<p:sld xmlns:a="http://schemas.openxmlformats.org/drawingml/2006/main" xmlns:r="http://schemas.openxmlformats.org/officeDocument/2006/relationships" xmlns:p="http://schemas.openxmlformats.org/presentationml/2006/main">
+  <p:cSld>
+    <p:spTree>
+      <p:nvGrpSpPr>
+        <p:cNvPr id="1" name=""/>
+        <p:cNvGrpSpPr/>
+        <p:nvPr/>
+      </p:nvGrpSpPr>
+      <p:grpSpPr>
+        <a:xfrm>
+          <a:off x="0" y="0"/>
+          <a:ext cx="0" cy="0"/>
+          <a:chOff x="0" y="0"/>
+          <a:chExt cx="0" cy="0"/>
+        </a:xfrm>
+      </p:grpSpPr>
+      <p:sp>
+        <p:nvSpPr>
+          <p:cNvPr id="2" name="Title 1"/>
+          <p:cNvSpPr>
+            <a:spLocks noGrp="1"/>
+          </p:cNvSpPr>
+          <p:nvPr>
+            <p:ph type="title"/>
+          </p:nvPr>
+        </p:nvSpPr>
+        <p:spPr>
+          <a:xfrm>
+            <a:off x="838200" y="3050838"/>
+            <a:ext cx="9716311" cy="1034780"/>
+          </a:xfrm>
+        </p:spPr>
+        <p:txBody>
+          <a:bodyPr/>
+          <a:lstStyle/>
+          <a:p>
+            <a:pPr algn="ctr"/>
+            <a:r>
+              <a:rPr lang="sr-Cyrl-RS" dirty="0"/>
+              <a:t>Закључак</a:t>
+            </a:r>
+            <a:endParaRPr lang="en-US" dirty="0"/>
+          </a:p>
+        </p:txBody>
+      </p:sp>
+      <p:sp>
+        <p:nvSpPr>
+          <p:cNvPr id="4" name="Slide Number Placeholder 3"/>
+          <p:cNvSpPr>
+            <a:spLocks noGrp="1"/>
+          </p:cNvSpPr>
+          <p:nvPr>
+            <p:ph type="sldNum" sz="quarter" idx="12"/>
+          </p:nvPr>
+        </p:nvSpPr>
+        <p:spPr/>
+        <p:txBody>
+          <a:bodyPr/>
+          <a:lstStyle/>
+          <a:p>
+            <a:fld id="{D22DBB91-4764-4098-A9EE-EA9330E91630}" type="slidenum">
+              <a:rPr lang="en-GB" smtClean="0"/>
+              <a:t>37</a:t>
+            </a:fld>
+            <a:endParaRPr lang="en-GB"/>
+          </a:p>
+        </p:txBody>
+      </p:sp>
+    </p:spTree>
+    <p:extLst>
+      <p:ext uri="{BB962C8B-B14F-4D97-AF65-F5344CB8AC3E}">
+        <p14:creationId xmlns:p14="http://schemas.microsoft.com/office/powerpoint/2010/main" val="1644440993"/>
+      </p:ext>
+    </p:extLst>
+  </p:cSld>
+  <p:clrMapOvr>
+    <a:masterClrMapping/>
+  </p:clrMapOvr>
+</p:sld>
+</file>
+
+<file path=ppt/slides/slide38.xml><?xml version="1.0" encoding="utf-8"?>
 <p:sld xmlns:a="http://schemas.openxmlformats.org/drawingml/2006/main" xmlns:r="http://schemas.openxmlformats.org/officeDocument/2006/relationships" xmlns:p="http://schemas.openxmlformats.org/presentationml/2006/main">
   <p:cSld>
     <p:spTree>
@@ -22047,7 +27004,7 @@
           <a:p>
             <a:fld id="{D22DBB91-4764-4098-A9EE-EA9330E91630}" type="slidenum">
               <a:rPr lang="en-GB" smtClean="0"/>
-              <a:t>32</a:t>
+              <a:t>38</a:t>
             </a:fld>
             <a:endParaRPr lang="en-GB"/>
           </a:p>
@@ -22063,6 +27020,13 @@
   <p:clrMapOvr>
     <a:masterClrMapping/>
   </p:clrMapOvr>
+  <p:timing>
+    <p:tnLst>
+      <p:par>
+        <p:cTn id="1" dur="indefinite" restart="never" nodeType="tmRoot"/>
+      </p:par>
+    </p:tnLst>
+  </p:timing>
 </p:sld>
 </file>
 
@@ -22165,7 +27129,15 @@
             </a:r>
             <a:r>
               <a:rPr lang="sr-Cyrl-RS" dirty="0"/>
-              <a:t>– тренутно не постојећа стандардизација начина руковања подацима прикупљених са сензора високе резолуције који се обрађујуј на платформама високих </a:t>
+              <a:t>– тренутно </a:t>
+            </a:r>
+            <a:r>
+              <a:rPr lang="sr-Cyrl-RS" dirty="0" smtClean="0"/>
+              <a:t>непостојећа </a:t>
+            </a:r>
+            <a:r>
+              <a:rPr lang="sr-Cyrl-RS" dirty="0"/>
+              <a:t>стандардизација начина руковања подацима прикупљених са сензора високе резолуције који се обрађујуј на платформама високих </a:t>
             </a:r>
             <a:r>
               <a:rPr lang="sr-Cyrl-RS" dirty="0" smtClean="0"/>
@@ -22179,7 +27151,19 @@
             </a:r>
             <a:r>
               <a:rPr lang="sr-Cyrl-RS" dirty="0" smtClean="0"/>
-              <a:t> – Софтверска магистрала за приступ подацима прикупљених сензорима</a:t>
+              <a:t> – Софтверска магистрала за дистрибуцију видео сигнала на </a:t>
+            </a:r>
+            <a:r>
+              <a:rPr lang="en-US" i="1" dirty="0" smtClean="0"/>
+              <a:t>AUTOSAR Adaptive</a:t>
+            </a:r>
+            <a:r>
+              <a:rPr lang="en-US" dirty="0" smtClean="0"/>
+              <a:t> </a:t>
+            </a:r>
+            <a:r>
+              <a:rPr lang="sr-Cyrl-RS" dirty="0" smtClean="0"/>
+              <a:t>платформи</a:t>
             </a:r>
             <a:endParaRPr lang="sr-Cyrl-RS" dirty="0"/>
           </a:p>
@@ -22258,74 +27242,22 @@
             <p:ph type="title"/>
           </p:nvPr>
         </p:nvSpPr>
-        <p:spPr/>
-        <p:txBody>
-          <a:bodyPr/>
-          <a:lstStyle/>
-          <a:p>
-            <a:r>
-              <a:rPr lang="en-US" i="1" dirty="0"/>
-              <a:t>AUTOSAR</a:t>
-            </a:r>
-            <a:endParaRPr lang="en-US" dirty="0"/>
-          </a:p>
-        </p:txBody>
-      </p:sp>
-      <p:sp>
-        <p:nvSpPr>
-          <p:cNvPr id="3" name="Content Placeholder 2"/>
-          <p:cNvSpPr>
-            <a:spLocks noGrp="1"/>
-          </p:cNvSpPr>
-          <p:nvPr>
-            <p:ph idx="1"/>
-          </p:nvPr>
-        </p:nvSpPr>
         <p:spPr>
           <a:xfrm>
-            <a:off x="898187" y="1847850"/>
-            <a:ext cx="5337243" cy="4134661"/>
+            <a:off x="672830" y="2914650"/>
+            <a:ext cx="10515600" cy="1061449"/>
           </a:xfrm>
         </p:spPr>
         <p:txBody>
           <a:bodyPr/>
           <a:lstStyle/>
           <a:p>
-            <a:r>
-              <a:rPr lang="sr-Cyrl-RS" dirty="0" smtClean="0"/>
-              <a:t>Конзорцијум сачињен од великог броја произвођача возила и опреме за возила.</a:t>
-            </a:r>
-            <a:endParaRPr lang="en-US" dirty="0" smtClean="0"/>
-          </a:p>
-          <a:p>
-            <a:r>
-              <a:rPr lang="sr-Cyrl-RS" dirty="0" smtClean="0"/>
-              <a:t>Творци 2 стандарда, тј. две платформе</a:t>
-            </a:r>
-          </a:p>
-          <a:p>
+            <a:pPr algn="ctr"/>
             <a:r>
               <a:rPr lang="en-US" i="1" dirty="0"/>
-              <a:t>AUTOSAR (Classic</a:t>
-            </a:r>
-            <a:r>
-              <a:rPr lang="en-US" i="1" dirty="0" smtClean="0"/>
-              <a:t>)</a:t>
-            </a:r>
-            <a:endParaRPr lang="sr-Cyrl-RS" i="1" dirty="0" smtClean="0"/>
-          </a:p>
-          <a:p>
-            <a:r>
-              <a:rPr lang="en-US" i="1" dirty="0" smtClean="0"/>
-              <a:t>AUTOSAR </a:t>
-            </a:r>
-            <a:r>
-              <a:rPr lang="en-US" i="1" dirty="0"/>
-              <a:t>Adaptive</a:t>
-            </a:r>
-          </a:p>
-          <a:p>
-            <a:endParaRPr lang="sr-Cyrl-RS" dirty="0" smtClean="0"/>
+              <a:t>AUTOSAR</a:t>
+            </a:r>
+            <a:endParaRPr lang="en-US" dirty="0"/>
           </a:p>
         </p:txBody>
       </p:sp>
@@ -22352,53 +27284,16 @@
           </a:p>
         </p:txBody>
       </p:sp>
-      <p:pic>
-        <p:nvPicPr>
-          <p:cNvPr id="5" name="Picture 4"/>
-          <p:cNvPicPr>
-            <a:picLocks noChangeAspect="1"/>
-          </p:cNvPicPr>
-          <p:nvPr/>
-        </p:nvPicPr>
-        <p:blipFill>
-          <a:blip r:embed="rId2">
-            <a:extLst>
-              <a:ext uri="{28A0092B-C50C-407E-A947-70E740481C1C}">
-                <a14:useLocalDpi xmlns:a14="http://schemas.microsoft.com/office/drawing/2010/main" val="0"/>
-              </a:ext>
-            </a:extLst>
-          </a:blip>
-          <a:stretch>
-            <a:fillRect/>
-          </a:stretch>
-        </p:blipFill>
-        <p:spPr>
-          <a:xfrm>
-            <a:off x="5999635" y="1847851"/>
-            <a:ext cx="5680092" cy="3813648"/>
-          </a:xfrm>
-          <a:prstGeom prst="rect">
-            <a:avLst/>
-          </a:prstGeom>
-        </p:spPr>
-      </p:pic>
     </p:spTree>
     <p:extLst>
       <p:ext uri="{BB962C8B-B14F-4D97-AF65-F5344CB8AC3E}">
-        <p14:creationId xmlns:p14="http://schemas.microsoft.com/office/powerpoint/2010/main" val="509001897"/>
+        <p14:creationId xmlns:p14="http://schemas.microsoft.com/office/powerpoint/2010/main" val="554702183"/>
       </p:ext>
     </p:extLst>
   </p:cSld>
   <p:clrMapOvr>
     <a:masterClrMapping/>
   </p:clrMapOvr>
-  <p:timing>
-    <p:tnLst>
-      <p:par>
-        <p:cTn id="1" dur="indefinite" restart="never" nodeType="tmRoot"/>
-      </p:par>
-    </p:tnLst>
-  </p:timing>
 </p:sld>
 </file>
 
@@ -22431,22 +27326,12 @@
         </p:nvSpPr>
         <p:spPr/>
         <p:txBody>
-          <a:bodyPr>
-            <a:normAutofit/>
-          </a:bodyPr>
+          <a:bodyPr/>
           <a:lstStyle/>
           <a:p>
             <a:r>
-              <a:rPr lang="ru-RU" i="1" dirty="0"/>
+              <a:rPr lang="en-US" i="1" dirty="0"/>
               <a:t>AUTOSAR</a:t>
-            </a:r>
-            <a:r>
-              <a:rPr lang="ru-RU" dirty="0"/>
-              <a:t> кроз верзије и </a:t>
-            </a:r>
-            <a:r>
-              <a:rPr lang="ru-RU" dirty="0" smtClean="0"/>
-              <a:t>платформе</a:t>
             </a:r>
             <a:endParaRPr lang="en-US" dirty="0"/>
           </a:p>
@@ -22464,8 +27349,8 @@
         </p:nvSpPr>
         <p:spPr>
           <a:xfrm>
-            <a:off x="838200" y="1847850"/>
-            <a:ext cx="9871953" cy="4329214"/>
+            <a:off x="898187" y="1847850"/>
+            <a:ext cx="5337243" cy="4134661"/>
           </a:xfrm>
         </p:spPr>
         <p:txBody>
@@ -22473,70 +27358,40 @@
           <a:lstStyle/>
           <a:p>
             <a:r>
+              <a:rPr lang="sr-Cyrl-RS" dirty="0" smtClean="0"/>
+              <a:t>Конзорцијум сачињен од великог броја произвођача возила и опреме за возила.</a:t>
+            </a:r>
+            <a:endParaRPr lang="en-US" dirty="0" smtClean="0"/>
+          </a:p>
+          <a:p>
+            <a:r>
+              <a:rPr lang="sr-Cyrl-RS" dirty="0" smtClean="0"/>
+              <a:t>Творци 2 стандарда, тј. две платформе</a:t>
+            </a:r>
+          </a:p>
+          <a:p>
+            <a:r>
+              <a:rPr lang="en-US" i="1" dirty="0"/>
+              <a:t>AUTOSAR (Classic</a:t>
+            </a:r>
+            <a:r>
+              <a:rPr lang="en-US" i="1" dirty="0" smtClean="0"/>
+              <a:t>)</a:t>
+            </a:r>
+            <a:endParaRPr lang="sr-Cyrl-RS" i="1" dirty="0" smtClean="0"/>
+          </a:p>
+          <a:p>
+            <a:r>
               <a:rPr lang="en-US" i="1" dirty="0" smtClean="0"/>
               <a:t>AUTOSAR </a:t>
             </a:r>
             <a:r>
               <a:rPr lang="en-US" i="1" dirty="0"/>
-              <a:t>(Classic</a:t>
-            </a:r>
-            <a:r>
-              <a:rPr lang="en-US" i="1" dirty="0" smtClean="0"/>
-              <a:t>)</a:t>
-            </a:r>
-            <a:r>
-              <a:rPr lang="sr-Cyrl-RS" dirty="0" smtClean="0"/>
-              <a:t>  - стваран као стандард за микроконтролере и управљачке јединице које имају ограничене ресурсе</a:t>
-            </a:r>
-          </a:p>
-          <a:p>
-            <a:r>
-              <a:rPr lang="sr-Cyrl-RS" dirty="0" smtClean="0"/>
-              <a:t>Скуп функционалности ограничен:</a:t>
-            </a:r>
-          </a:p>
-          <a:p>
-            <a:pPr lvl="1"/>
-            <a:r>
-              <a:rPr lang="sr-Cyrl-RS" dirty="0" smtClean="0"/>
-              <a:t>Контрола осталих платформи у возилу</a:t>
-            </a:r>
-          </a:p>
-          <a:p>
-            <a:pPr lvl="1"/>
-            <a:r>
-              <a:rPr lang="sr-Cyrl-RS" dirty="0" smtClean="0"/>
-              <a:t>Руковање системима за управљање у возилу</a:t>
-            </a:r>
-          </a:p>
-          <a:p>
-            <a:r>
-              <a:rPr lang="sr-Cyrl-RS" dirty="0" smtClean="0"/>
-              <a:t>Рад платформи заснованих на овом систему је поуздан, међутим не подржава системе велике процесорксе моћи</a:t>
-            </a:r>
-          </a:p>
-          <a:p>
-            <a:r>
-              <a:rPr lang="sr-Cyrl-RS" dirty="0" smtClean="0"/>
-              <a:t>Последица – развој </a:t>
-            </a:r>
-            <a:r>
-              <a:rPr lang="en-US" i="1" dirty="0"/>
-              <a:t>AUTOSAR </a:t>
-            </a:r>
-            <a:r>
-              <a:rPr lang="en-US" i="1" dirty="0" smtClean="0"/>
               <a:t>Adaptive</a:t>
             </a:r>
-            <a:r>
-              <a:rPr lang="sr-Cyrl-RS" dirty="0"/>
-              <a:t> </a:t>
-            </a:r>
-            <a:r>
-              <a:rPr lang="sr-Cyrl-RS" dirty="0" smtClean="0"/>
-              <a:t>стандарда и платформе</a:t>
-            </a:r>
-            <a:endParaRPr lang="en-US" i="1" dirty="0"/>
+          </a:p>
+          <a:p>
+            <a:endParaRPr lang="sr-Cyrl-RS" dirty="0" smtClean="0"/>
           </a:p>
         </p:txBody>
       </p:sp>
@@ -22563,10 +27418,40 @@
           </a:p>
         </p:txBody>
       </p:sp>
+      <p:pic>
+        <p:nvPicPr>
+          <p:cNvPr id="5" name="Picture 4"/>
+          <p:cNvPicPr>
+            <a:picLocks noChangeAspect="1"/>
+          </p:cNvPicPr>
+          <p:nvPr/>
+        </p:nvPicPr>
+        <p:blipFill>
+          <a:blip r:embed="rId3">
+            <a:extLst>
+              <a:ext uri="{28A0092B-C50C-407E-A947-70E740481C1C}">
+                <a14:useLocalDpi xmlns:a14="http://schemas.microsoft.com/office/drawing/2010/main" val="0"/>
+              </a:ext>
+            </a:extLst>
+          </a:blip>
+          <a:stretch>
+            <a:fillRect/>
+          </a:stretch>
+        </p:blipFill>
+        <p:spPr>
+          <a:xfrm>
+            <a:off x="5999635" y="1847851"/>
+            <a:ext cx="5680092" cy="3813648"/>
+          </a:xfrm>
+          <a:prstGeom prst="rect">
+            <a:avLst/>
+          </a:prstGeom>
+        </p:spPr>
+      </p:pic>
     </p:spTree>
     <p:extLst>
       <p:ext uri="{BB962C8B-B14F-4D97-AF65-F5344CB8AC3E}">
-        <p14:creationId xmlns:p14="http://schemas.microsoft.com/office/powerpoint/2010/main" val="2532880284"/>
+        <p14:creationId xmlns:p14="http://schemas.microsoft.com/office/powerpoint/2010/main" val="509001897"/>
       </p:ext>
     </p:extLst>
   </p:cSld>
@@ -22623,6 +27508,187 @@
             </a:r>
             <a:r>
               <a:rPr lang="ru-RU" dirty="0"/>
+              <a:t> кроз верзије и </a:t>
+            </a:r>
+            <a:r>
+              <a:rPr lang="ru-RU" dirty="0" smtClean="0"/>
+              <a:t>платформе</a:t>
+            </a:r>
+            <a:endParaRPr lang="en-US" dirty="0"/>
+          </a:p>
+        </p:txBody>
+      </p:sp>
+      <p:sp>
+        <p:nvSpPr>
+          <p:cNvPr id="3" name="Content Placeholder 2"/>
+          <p:cNvSpPr>
+            <a:spLocks noGrp="1"/>
+          </p:cNvSpPr>
+          <p:nvPr>
+            <p:ph idx="1"/>
+          </p:nvPr>
+        </p:nvSpPr>
+        <p:spPr>
+          <a:xfrm>
+            <a:off x="838200" y="1847850"/>
+            <a:ext cx="9871953" cy="4329214"/>
+          </a:xfrm>
+        </p:spPr>
+        <p:txBody>
+          <a:bodyPr/>
+          <a:lstStyle/>
+          <a:p>
+            <a:r>
+              <a:rPr lang="en-US" i="1" dirty="0" smtClean="0"/>
+              <a:t>AUTOSAR </a:t>
+            </a:r>
+            <a:r>
+              <a:rPr lang="en-US" i="1" dirty="0"/>
+              <a:t>(Classic</a:t>
+            </a:r>
+            <a:r>
+              <a:rPr lang="en-US" i="1" dirty="0" smtClean="0"/>
+              <a:t>)</a:t>
+            </a:r>
+            <a:r>
+              <a:rPr lang="sr-Cyrl-RS" dirty="0" smtClean="0"/>
+              <a:t>  - стваран као стандард за микроконтролере и управљачке јединице које имају ограничене ресурсе</a:t>
+            </a:r>
+          </a:p>
+          <a:p>
+            <a:r>
+              <a:rPr lang="sr-Cyrl-RS" dirty="0" smtClean="0"/>
+              <a:t>Скуп функционалности ограничен:</a:t>
+            </a:r>
+          </a:p>
+          <a:p>
+            <a:pPr lvl="1"/>
+            <a:r>
+              <a:rPr lang="sr-Cyrl-RS" dirty="0" smtClean="0"/>
+              <a:t>Контрола осталих платформи у возилу</a:t>
+            </a:r>
+          </a:p>
+          <a:p>
+            <a:pPr lvl="1"/>
+            <a:r>
+              <a:rPr lang="sr-Cyrl-RS" dirty="0" smtClean="0"/>
+              <a:t>Руковање системима за управљање у возилу</a:t>
+            </a:r>
+          </a:p>
+          <a:p>
+            <a:r>
+              <a:rPr lang="sr-Cyrl-RS" dirty="0" smtClean="0"/>
+              <a:t>Рад платформи заснованих на овом систему је поуздан, међутим не подржава системе велике процесорксе моћи</a:t>
+            </a:r>
+          </a:p>
+          <a:p>
+            <a:r>
+              <a:rPr lang="sr-Cyrl-RS" dirty="0" smtClean="0"/>
+              <a:t>Последица – развој </a:t>
+            </a:r>
+            <a:r>
+              <a:rPr lang="en-US" i="1" dirty="0"/>
+              <a:t>AUTOSAR </a:t>
+            </a:r>
+            <a:r>
+              <a:rPr lang="en-US" i="1" dirty="0" smtClean="0"/>
+              <a:t>Adaptive</a:t>
+            </a:r>
+            <a:r>
+              <a:rPr lang="sr-Cyrl-RS" dirty="0"/>
+              <a:t> </a:t>
+            </a:r>
+            <a:r>
+              <a:rPr lang="sr-Cyrl-RS" dirty="0" smtClean="0"/>
+              <a:t>стандарда и платформе</a:t>
+            </a:r>
+            <a:endParaRPr lang="en-US" i="1" dirty="0"/>
+          </a:p>
+        </p:txBody>
+      </p:sp>
+      <p:sp>
+        <p:nvSpPr>
+          <p:cNvPr id="4" name="Slide Number Placeholder 3"/>
+          <p:cNvSpPr>
+            <a:spLocks noGrp="1"/>
+          </p:cNvSpPr>
+          <p:nvPr>
+            <p:ph type="sldNum" sz="quarter" idx="12"/>
+          </p:nvPr>
+        </p:nvSpPr>
+        <p:spPr/>
+        <p:txBody>
+          <a:bodyPr/>
+          <a:lstStyle/>
+          <a:p>
+            <a:fld id="{D22DBB91-4764-4098-A9EE-EA9330E91630}" type="slidenum">
+              <a:rPr lang="en-GB" smtClean="0"/>
+              <a:t>7</a:t>
+            </a:fld>
+            <a:endParaRPr lang="en-GB"/>
+          </a:p>
+        </p:txBody>
+      </p:sp>
+    </p:spTree>
+    <p:extLst>
+      <p:ext uri="{BB962C8B-B14F-4D97-AF65-F5344CB8AC3E}">
+        <p14:creationId xmlns:p14="http://schemas.microsoft.com/office/powerpoint/2010/main" val="2532880284"/>
+      </p:ext>
+    </p:extLst>
+  </p:cSld>
+  <p:clrMapOvr>
+    <a:masterClrMapping/>
+  </p:clrMapOvr>
+  <p:timing>
+    <p:tnLst>
+      <p:par>
+        <p:cTn id="1" dur="indefinite" restart="never" nodeType="tmRoot"/>
+      </p:par>
+    </p:tnLst>
+  </p:timing>
+</p:sld>
+</file>
+
+<file path=ppt/slides/slide8.xml><?xml version="1.0" encoding="utf-8"?>
+<p:sld xmlns:a="http://schemas.openxmlformats.org/drawingml/2006/main" xmlns:r="http://schemas.openxmlformats.org/officeDocument/2006/relationships" xmlns:p="http://schemas.openxmlformats.org/presentationml/2006/main">
+  <p:cSld>
+    <p:spTree>
+      <p:nvGrpSpPr>
+        <p:cNvPr id="1" name=""/>
+        <p:cNvGrpSpPr/>
+        <p:nvPr/>
+      </p:nvGrpSpPr>
+      <p:grpSpPr>
+        <a:xfrm>
+          <a:off x="0" y="0"/>
+          <a:ext cx="0" cy="0"/>
+          <a:chOff x="0" y="0"/>
+          <a:chExt cx="0" cy="0"/>
+        </a:xfrm>
+      </p:grpSpPr>
+      <p:sp>
+        <p:nvSpPr>
+          <p:cNvPr id="2" name="Title 1"/>
+          <p:cNvSpPr>
+            <a:spLocks noGrp="1"/>
+          </p:cNvSpPr>
+          <p:nvPr>
+            <p:ph type="title"/>
+          </p:nvPr>
+        </p:nvSpPr>
+        <p:spPr/>
+        <p:txBody>
+          <a:bodyPr>
+            <a:normAutofit/>
+          </a:bodyPr>
+          <a:lstStyle/>
+          <a:p>
+            <a:r>
+              <a:rPr lang="ru-RU" i="1" dirty="0"/>
+              <a:t>AUTOSAR</a:t>
+            </a:r>
+            <a:r>
+              <a:rPr lang="ru-RU" dirty="0"/>
               <a:t> кроз верзије и платформе</a:t>
             </a:r>
             <a:endParaRPr lang="en-US" dirty="0"/>
@@ -22683,11 +27749,7 @@
           <a:p>
             <a:r>
               <a:rPr lang="sr-Cyrl-RS" dirty="0" smtClean="0"/>
-              <a:t>Заснован </a:t>
-            </a:r>
-            <a:r>
-              <a:rPr lang="sr-Cyrl-RS" dirty="0" smtClean="0"/>
-              <a:t>на сервисно оријентисаној архитектури (</a:t>
+              <a:t>Заснован на сервисно оријентисаној архитектури (</a:t>
             </a:r>
             <a:r>
               <a:rPr lang="en-US" i="1" dirty="0" smtClean="0"/>
@@ -22719,11 +27781,7 @@
             </a:r>
             <a:r>
               <a:rPr lang="en-US" dirty="0" smtClean="0"/>
-              <a:t>)</a:t>
-            </a:r>
-            <a:r>
-              <a:rPr lang="en-US" dirty="0" smtClean="0"/>
-              <a:t> </a:t>
+              <a:t>) </a:t>
             </a:r>
             <a:r>
               <a:rPr lang="sr-Cyrl-RS" dirty="0" smtClean="0"/>
@@ -22753,7 +27811,7 @@
           <a:p>
             <a:fld id="{D22DBB91-4764-4098-A9EE-EA9330E91630}" type="slidenum">
               <a:rPr lang="en-GB" smtClean="0"/>
-              <a:t>7</a:t>
+              <a:t>8</a:t>
             </a:fld>
             <a:endParaRPr lang="en-GB"/>
           </a:p>
@@ -22807,7 +27865,7 @@
 </p:sld>
 </file>
 
-<file path=ppt/slides/slide8.xml><?xml version="1.0" encoding="utf-8"?>
+<file path=ppt/slides/slide9.xml><?xml version="1.0" encoding="utf-8"?>
 <p:sld xmlns:a="http://schemas.openxmlformats.org/drawingml/2006/main" xmlns:r="http://schemas.openxmlformats.org/officeDocument/2006/relationships" xmlns:p="http://schemas.openxmlformats.org/presentationml/2006/main">
   <p:cSld>
     <p:spTree>
@@ -22918,7 +27976,7 @@
           <a:p>
             <a:fld id="{D22DBB91-4764-4098-A9EE-EA9330E91630}" type="slidenum">
               <a:rPr lang="en-GB" smtClean="0"/>
-              <a:t>8</a:t>
+              <a:t>9</a:t>
             </a:fld>
             <a:endParaRPr lang="en-GB"/>
           </a:p>
@@ -22958,160 +28016,6 @@
     <p:extLst>
       <p:ext uri="{BB962C8B-B14F-4D97-AF65-F5344CB8AC3E}">
         <p14:creationId xmlns:p14="http://schemas.microsoft.com/office/powerpoint/2010/main" val="56552007"/>
-      </p:ext>
-    </p:extLst>
-  </p:cSld>
-  <p:clrMapOvr>
-    <a:masterClrMapping/>
-  </p:clrMapOvr>
-  <p:timing>
-    <p:tnLst>
-      <p:par>
-        <p:cTn id="1" dur="indefinite" restart="never" nodeType="tmRoot"/>
-      </p:par>
-    </p:tnLst>
-  </p:timing>
-</p:sld>
-</file>
-
-<file path=ppt/slides/slide9.xml><?xml version="1.0" encoding="utf-8"?>
-<p:sld xmlns:a="http://schemas.openxmlformats.org/drawingml/2006/main" xmlns:r="http://schemas.openxmlformats.org/officeDocument/2006/relationships" xmlns:p="http://schemas.openxmlformats.org/presentationml/2006/main">
-  <p:cSld>
-    <p:spTree>
-      <p:nvGrpSpPr>
-        <p:cNvPr id="1" name=""/>
-        <p:cNvGrpSpPr/>
-        <p:nvPr/>
-      </p:nvGrpSpPr>
-      <p:grpSpPr>
-        <a:xfrm>
-          <a:off x="0" y="0"/>
-          <a:ext cx="0" cy="0"/>
-          <a:chOff x="0" y="0"/>
-          <a:chExt cx="0" cy="0"/>
-        </a:xfrm>
-      </p:grpSpPr>
-      <p:sp>
-        <p:nvSpPr>
-          <p:cNvPr id="2" name="Title 1"/>
-          <p:cNvSpPr>
-            <a:spLocks noGrp="1"/>
-          </p:cNvSpPr>
-          <p:nvPr>
-            <p:ph type="title"/>
-          </p:nvPr>
-        </p:nvSpPr>
-        <p:spPr/>
-        <p:txBody>
-          <a:bodyPr>
-            <a:normAutofit/>
-          </a:bodyPr>
-          <a:lstStyle/>
-          <a:p>
-            <a:r>
-              <a:rPr lang="sr-Cyrl-RS" dirty="0"/>
-              <a:t>Појам </a:t>
-            </a:r>
-            <a:r>
-              <a:rPr lang="sr-Cyrl-RS" dirty="0" smtClean="0"/>
-              <a:t>магистрале</a:t>
-            </a:r>
-            <a:endParaRPr lang="en-US" dirty="0"/>
-          </a:p>
-        </p:txBody>
-      </p:sp>
-      <p:sp>
-        <p:nvSpPr>
-          <p:cNvPr id="3" name="Content Placeholder 2"/>
-          <p:cNvSpPr>
-            <a:spLocks noGrp="1"/>
-          </p:cNvSpPr>
-          <p:nvPr>
-            <p:ph idx="1"/>
-          </p:nvPr>
-        </p:nvSpPr>
-        <p:spPr/>
-        <p:txBody>
-          <a:bodyPr/>
-          <a:lstStyle/>
-          <a:p>
-            <a:r>
-              <a:rPr lang="sr-Cyrl-RS" dirty="0" smtClean="0"/>
-              <a:t>Физичке компоненте чија је намена повезивање спољних или унутрашњих уређаја са процесором</a:t>
-            </a:r>
-          </a:p>
-          <a:p>
-            <a:r>
-              <a:rPr lang="sr-Cyrl-RS" dirty="0" smtClean="0"/>
-              <a:t>У рачунарству, поред хардверских магистрала, попут оптичких влакана и каблова, подразумевају се и комуникациони протоколи</a:t>
-            </a:r>
-          </a:p>
-          <a:p>
-            <a:r>
-              <a:rPr lang="sr-Cyrl-RS" dirty="0" smtClean="0"/>
-              <a:t>Руковање хардверском магистралом - потребан руковалаоц (</a:t>
-            </a:r>
-            <a:r>
-              <a:rPr lang="sr-Latn-RS" dirty="0" smtClean="0"/>
-              <a:t>e</a:t>
-            </a:r>
-            <a:r>
-              <a:rPr lang="sr-Cyrl-RS" dirty="0" smtClean="0"/>
-              <a:t>нг. </a:t>
-            </a:r>
-            <a:r>
-              <a:rPr lang="en-US" i="1" dirty="0" smtClean="0"/>
-              <a:t>Driver</a:t>
-            </a:r>
-            <a:r>
-              <a:rPr lang="sr-Cyrl-RS" dirty="0" smtClean="0"/>
-              <a:t>)</a:t>
-            </a:r>
-          </a:p>
-          <a:p>
-            <a:r>
-              <a:rPr lang="sr-Cyrl-RS" dirty="0" smtClean="0"/>
-              <a:t>Руковање софтверском </a:t>
-            </a:r>
-            <a:r>
-              <a:rPr lang="sr-Cyrl-RS" dirty="0"/>
-              <a:t>магистралом</a:t>
-            </a:r>
-            <a:r>
-              <a:rPr lang="sr-Cyrl-RS" dirty="0" smtClean="0"/>
-              <a:t> – посредством оперативног система</a:t>
-            </a:r>
-            <a:endParaRPr lang="en-US" dirty="0"/>
-          </a:p>
-        </p:txBody>
-      </p:sp>
-      <p:sp>
-        <p:nvSpPr>
-          <p:cNvPr id="4" name="Slide Number Placeholder 3"/>
-          <p:cNvSpPr>
-            <a:spLocks noGrp="1"/>
-          </p:cNvSpPr>
-          <p:nvPr>
-            <p:ph type="sldNum" sz="quarter" idx="12"/>
-          </p:nvPr>
-        </p:nvSpPr>
-        <p:spPr/>
-        <p:txBody>
-          <a:bodyPr/>
-          <a:lstStyle/>
-          <a:p>
-            <a:fld id="{D22DBB91-4764-4098-A9EE-EA9330E91630}" type="slidenum">
-              <a:rPr lang="en-GB" smtClean="0"/>
-              <a:t>9</a:t>
-            </a:fld>
-            <a:endParaRPr lang="en-GB"/>
-          </a:p>
-        </p:txBody>
-      </p:sp>
-    </p:spTree>
-    <p:extLst>
-      <p:ext uri="{BB962C8B-B14F-4D97-AF65-F5344CB8AC3E}">
-        <p14:creationId xmlns:p14="http://schemas.microsoft.com/office/powerpoint/2010/main" val="1865943598"/>
       </p:ext>
     </p:extLst>
   </p:cSld>

--- a/msc-e28-2018-pres.pptx
+++ b/msc-e28-2018-pres.pptx
@@ -5,7 +5,7 @@
     <p:sldMasterId id="2147483660" r:id="rId1"/>
   </p:sldMasterIdLst>
   <p:notesMasterIdLst>
-    <p:notesMasterId r:id="rId40"/>
+    <p:notesMasterId r:id="rId41"/>
   </p:notesMasterIdLst>
   <p:sldIdLst>
     <p:sldId id="256" r:id="rId2"/>
@@ -46,6 +46,7 @@
     <p:sldId id="289" r:id="rId37"/>
     <p:sldId id="298" r:id="rId38"/>
     <p:sldId id="291" r:id="rId39"/>
+    <p:sldId id="299" r:id="rId40"/>
   </p:sldIdLst>
   <p:sldSz cx="12192000" cy="6858000"/>
   <p:notesSz cx="6858000" cy="9144000"/>
@@ -207,6 +208,7 @@
           </a:p>
         </c:rich>
       </c:tx>
+      <c:layout/>
       <c:overlay val="0"/>
       <c:spPr>
         <a:noFill/>
@@ -1078,6 +1080,7 @@
           </a:p>
         </c:rich>
       </c:tx>
+      <c:layout/>
       <c:overlay val="0"/>
       <c:spPr>
         <a:noFill/>
@@ -1953,6 +1956,7 @@
           </a:p>
         </c:rich>
       </c:tx>
+      <c:layout/>
       <c:overlay val="0"/>
       <c:spPr>
         <a:noFill/>
@@ -2828,6 +2832,7 @@
           </a:p>
         </c:rich>
       </c:tx>
+      <c:layout/>
       <c:overlay val="0"/>
       <c:spPr>
         <a:noFill/>
@@ -3705,6 +3710,7 @@
           </a:p>
         </c:rich>
       </c:tx>
+      <c:layout/>
       <c:overlay val="0"/>
       <c:spPr>
         <a:noFill/>
@@ -4580,6 +4586,7 @@
           </a:p>
         </c:rich>
       </c:tx>
+      <c:layout/>
       <c:overlay val="0"/>
       <c:spPr>
         <a:noFill/>
@@ -5455,6 +5462,7 @@
           </a:p>
         </c:rich>
       </c:tx>
+      <c:layout/>
       <c:overlay val="0"/>
       <c:spPr>
         <a:noFill/>
@@ -14162,6 +14170,266 @@
 </p:notes>
 </file>
 
+<file path=ppt/notesSlides/notesSlide10.xml><?xml version="1.0" encoding="utf-8"?>
+<p:notes xmlns:a="http://schemas.openxmlformats.org/drawingml/2006/main" xmlns:r="http://schemas.openxmlformats.org/officeDocument/2006/relationships" xmlns:p="http://schemas.openxmlformats.org/presentationml/2006/main">
+  <p:cSld>
+    <p:spTree>
+      <p:nvGrpSpPr>
+        <p:cNvPr id="1" name=""/>
+        <p:cNvGrpSpPr/>
+        <p:nvPr/>
+      </p:nvGrpSpPr>
+      <p:grpSpPr>
+        <a:xfrm>
+          <a:off x="0" y="0"/>
+          <a:ext cx="0" cy="0"/>
+          <a:chOff x="0" y="0"/>
+          <a:chExt cx="0" cy="0"/>
+        </a:xfrm>
+      </p:grpSpPr>
+      <p:sp>
+        <p:nvSpPr>
+          <p:cNvPr id="2" name="Slide Image Placeholder 1"/>
+          <p:cNvSpPr>
+            <a:spLocks noGrp="1" noRot="1" noChangeAspect="1"/>
+          </p:cNvSpPr>
+          <p:nvPr>
+            <p:ph type="sldImg"/>
+          </p:nvPr>
+        </p:nvSpPr>
+        <p:spPr/>
+      </p:sp>
+      <p:sp>
+        <p:nvSpPr>
+          <p:cNvPr id="3" name="Notes Placeholder 2"/>
+          <p:cNvSpPr>
+            <a:spLocks noGrp="1"/>
+          </p:cNvSpPr>
+          <p:nvPr>
+            <p:ph type="body" idx="1"/>
+          </p:nvPr>
+        </p:nvSpPr>
+        <p:spPr/>
+        <p:txBody>
+          <a:bodyPr/>
+          <a:lstStyle/>
+          <a:p>
+            <a:r>
+              <a:rPr lang="sr-Cyrl-RS" dirty="0" smtClean="0"/>
+              <a:t>Овако оформљена софтверска магистрала</a:t>
+            </a:r>
+            <a:r>
+              <a:rPr lang="sr-Cyrl-RS" baseline="0" dirty="0" smtClean="0"/>
+              <a:t> представља једну функционалну целину коју је могуће верификовати и тестирати њену пропусну моћ.</a:t>
+            </a:r>
+            <a:endParaRPr lang="en-US" dirty="0"/>
+          </a:p>
+        </p:txBody>
+      </p:sp>
+      <p:sp>
+        <p:nvSpPr>
+          <p:cNvPr id="4" name="Slide Number Placeholder 3"/>
+          <p:cNvSpPr>
+            <a:spLocks noGrp="1"/>
+          </p:cNvSpPr>
+          <p:nvPr>
+            <p:ph type="sldNum" sz="quarter" idx="10"/>
+          </p:nvPr>
+        </p:nvSpPr>
+        <p:spPr/>
+        <p:txBody>
+          <a:bodyPr/>
+          <a:lstStyle/>
+          <a:p>
+            <a:fld id="{9F10CBF3-37F0-420D-959A-0BF960019D0A}" type="slidenum">
+              <a:rPr lang="en-GB" smtClean="0"/>
+              <a:t>22</a:t>
+            </a:fld>
+            <a:endParaRPr lang="en-GB"/>
+          </a:p>
+        </p:txBody>
+      </p:sp>
+    </p:spTree>
+    <p:extLst>
+      <p:ext uri="{BB962C8B-B14F-4D97-AF65-F5344CB8AC3E}">
+        <p14:creationId xmlns:p14="http://schemas.microsoft.com/office/powerpoint/2010/main" val="2567389548"/>
+      </p:ext>
+    </p:extLst>
+  </p:cSld>
+  <p:clrMapOvr>
+    <a:masterClrMapping/>
+  </p:clrMapOvr>
+</p:notes>
+</file>
+
+<file path=ppt/notesSlides/notesSlide11.xml><?xml version="1.0" encoding="utf-8"?>
+<p:notes xmlns:a="http://schemas.openxmlformats.org/drawingml/2006/main" xmlns:r="http://schemas.openxmlformats.org/officeDocument/2006/relationships" xmlns:p="http://schemas.openxmlformats.org/presentationml/2006/main">
+  <p:cSld>
+    <p:spTree>
+      <p:nvGrpSpPr>
+        <p:cNvPr id="1" name=""/>
+        <p:cNvGrpSpPr/>
+        <p:nvPr/>
+      </p:nvGrpSpPr>
+      <p:grpSpPr>
+        <a:xfrm>
+          <a:off x="0" y="0"/>
+          <a:ext cx="0" cy="0"/>
+          <a:chOff x="0" y="0"/>
+          <a:chExt cx="0" cy="0"/>
+        </a:xfrm>
+      </p:grpSpPr>
+      <p:sp>
+        <p:nvSpPr>
+          <p:cNvPr id="2" name="Slide Image Placeholder 1"/>
+          <p:cNvSpPr>
+            <a:spLocks noGrp="1" noRot="1" noChangeAspect="1"/>
+          </p:cNvSpPr>
+          <p:nvPr>
+            <p:ph type="sldImg"/>
+          </p:nvPr>
+        </p:nvSpPr>
+        <p:spPr/>
+      </p:sp>
+      <p:sp>
+        <p:nvSpPr>
+          <p:cNvPr id="3" name="Notes Placeholder 2"/>
+          <p:cNvSpPr>
+            <a:spLocks noGrp="1"/>
+          </p:cNvSpPr>
+          <p:nvPr>
+            <p:ph type="body" idx="1"/>
+          </p:nvPr>
+        </p:nvSpPr>
+        <p:spPr/>
+        <p:txBody>
+          <a:bodyPr/>
+          <a:lstStyle/>
+          <a:p>
+            <a:r>
+              <a:rPr lang="sr-Cyrl-RS" sz="1200" kern="1200" dirty="0" smtClean="0">
+                <a:solidFill>
+                  <a:schemeClr val="tx1"/>
+                </a:solidFill>
+                <a:effectLst/>
+                <a:latin typeface="+mn-lt"/>
+                <a:ea typeface="+mn-ea"/>
+                <a:cs typeface="+mn-cs"/>
+              </a:rPr>
+              <a:t>Како приликом конфигурисања радног оквира </a:t>
+            </a:r>
+            <a:r>
+              <a:rPr lang="en-US" sz="1200" i="1" kern="1200" dirty="0" smtClean="0">
+                <a:solidFill>
+                  <a:schemeClr val="tx1"/>
+                </a:solidFill>
+                <a:effectLst/>
+                <a:latin typeface="+mn-lt"/>
+                <a:ea typeface="+mn-ea"/>
+                <a:cs typeface="+mn-cs"/>
+              </a:rPr>
+              <a:t>Links &amp; Chains</a:t>
+            </a:r>
+            <a:r>
+              <a:rPr lang="en-US" sz="1200" kern="1200" dirty="0" smtClean="0">
+                <a:solidFill>
+                  <a:schemeClr val="tx1"/>
+                </a:solidFill>
+                <a:effectLst/>
+                <a:latin typeface="+mn-lt"/>
+                <a:ea typeface="+mn-ea"/>
+                <a:cs typeface="+mn-cs"/>
+              </a:rPr>
+              <a:t> </a:t>
+            </a:r>
+            <a:r>
+              <a:rPr lang="sr-Cyrl-RS" sz="1200" kern="1200" dirty="0" smtClean="0">
+                <a:solidFill>
+                  <a:schemeClr val="tx1"/>
+                </a:solidFill>
+                <a:effectLst/>
+                <a:latin typeface="+mn-lt"/>
+                <a:ea typeface="+mn-ea"/>
+                <a:cs typeface="+mn-cs"/>
+              </a:rPr>
+              <a:t>није била омогућена употреба хардверске компоненте за компримовање кроз </a:t>
+            </a:r>
+            <a:r>
+              <a:rPr lang="sr-Latn-RS" sz="1200" i="1" kern="1200" dirty="0" smtClean="0">
+                <a:solidFill>
+                  <a:schemeClr val="tx1"/>
+                </a:solidFill>
+                <a:effectLst/>
+                <a:latin typeface="+mn-lt"/>
+                <a:ea typeface="+mn-ea"/>
+                <a:cs typeface="+mn-cs"/>
+              </a:rPr>
+              <a:t>Linux</a:t>
+            </a:r>
+            <a:r>
+              <a:rPr lang="sr-Latn-RS" sz="1200" kern="1200" dirty="0" smtClean="0">
+                <a:solidFill>
+                  <a:schemeClr val="tx1"/>
+                </a:solidFill>
+                <a:effectLst/>
+                <a:latin typeface="+mn-lt"/>
+                <a:ea typeface="+mn-ea"/>
+                <a:cs typeface="+mn-cs"/>
+              </a:rPr>
+              <a:t> </a:t>
+            </a:r>
+            <a:r>
+              <a:rPr lang="sr-Cyrl-RS" sz="1200" kern="1200" dirty="0" smtClean="0">
+                <a:solidFill>
+                  <a:schemeClr val="tx1"/>
+                </a:solidFill>
+                <a:effectLst/>
+                <a:latin typeface="+mn-lt"/>
+                <a:ea typeface="+mn-ea"/>
+                <a:cs typeface="+mn-cs"/>
+              </a:rPr>
+              <a:t>оперативни систем, ни један од фрејмова дистрибуираних фрејмова није био компримован</a:t>
+            </a:r>
+            <a:endParaRPr lang="en-US" dirty="0"/>
+          </a:p>
+        </p:txBody>
+      </p:sp>
+      <p:sp>
+        <p:nvSpPr>
+          <p:cNvPr id="4" name="Slide Number Placeholder 3"/>
+          <p:cNvSpPr>
+            <a:spLocks noGrp="1"/>
+          </p:cNvSpPr>
+          <p:nvPr>
+            <p:ph type="sldNum" sz="quarter" idx="10"/>
+          </p:nvPr>
+        </p:nvSpPr>
+        <p:spPr/>
+        <p:txBody>
+          <a:bodyPr/>
+          <a:lstStyle/>
+          <a:p>
+            <a:fld id="{9F10CBF3-37F0-420D-959A-0BF960019D0A}" type="slidenum">
+              <a:rPr lang="en-GB" smtClean="0"/>
+              <a:t>30</a:t>
+            </a:fld>
+            <a:endParaRPr lang="en-GB"/>
+          </a:p>
+        </p:txBody>
+      </p:sp>
+    </p:spTree>
+    <p:extLst>
+      <p:ext uri="{BB962C8B-B14F-4D97-AF65-F5344CB8AC3E}">
+        <p14:creationId xmlns:p14="http://schemas.microsoft.com/office/powerpoint/2010/main" val="3621361504"/>
+      </p:ext>
+    </p:extLst>
+  </p:cSld>
+  <p:clrMapOvr>
+    <a:masterClrMapping/>
+  </p:clrMapOvr>
+</p:notes>
+</file>
+
 <file path=ppt/notesSlides/notesSlide2.xml><?xml version="1.0" encoding="utf-8"?>
 <p:notes xmlns:a="http://schemas.openxmlformats.org/drawingml/2006/main" xmlns:r="http://schemas.openxmlformats.org/officeDocument/2006/relationships" xmlns:p="http://schemas.openxmlformats.org/presentationml/2006/main">
   <p:cSld>
@@ -17687,6 +17955,22 @@
           <a:bodyPr/>
           <a:lstStyle/>
           <a:p>
+            <a:r>
+              <a:rPr lang="en-US" dirty="0" err="1" smtClean="0"/>
+              <a:t>Izvrsava</a:t>
+            </a:r>
+            <a:r>
+              <a:rPr lang="en-US" dirty="0" smtClean="0"/>
+              <a:t> se RTOS </a:t>
+            </a:r>
+            <a:r>
+              <a:rPr lang="en-US" dirty="0" err="1" smtClean="0"/>
+              <a:t>na</a:t>
+            </a:r>
+            <a:r>
+              <a:rPr lang="en-US" dirty="0" smtClean="0"/>
+              <a:t> ECU</a:t>
+            </a:r>
             <a:endParaRPr lang="en-US" dirty="0"/>
           </a:p>
         </p:txBody>
@@ -17708,7 +17992,7 @@
           <a:p>
             <a:fld id="{9F10CBF3-37F0-420D-959A-0BF960019D0A}" type="slidenum">
               <a:rPr lang="en-GB" smtClean="0"/>
-              <a:t>11</a:t>
+              <a:t>7</a:t>
             </a:fld>
             <a:endParaRPr lang="en-GB"/>
           </a:p>
@@ -17717,7 +18001,7 @@
     </p:spTree>
     <p:extLst>
       <p:ext uri="{BB962C8B-B14F-4D97-AF65-F5344CB8AC3E}">
-        <p14:creationId xmlns:p14="http://schemas.microsoft.com/office/powerpoint/2010/main" val="1055435911"/>
+        <p14:creationId xmlns:p14="http://schemas.microsoft.com/office/powerpoint/2010/main" val="1271214674"/>
       </p:ext>
     </p:extLst>
   </p:cSld>
@@ -17771,7 +18055,100 @@
           <a:bodyPr/>
           <a:lstStyle/>
           <a:p>
-            <a:endParaRPr lang="en-US"/>
+            <a:r>
+              <a:rPr lang="en-US" dirty="0" err="1" smtClean="0"/>
+              <a:t>Koegzistira</a:t>
+            </a:r>
+            <a:r>
+              <a:rPr lang="en-US" dirty="0" smtClean="0"/>
+              <a:t> </a:t>
+            </a:r>
+            <a:r>
+              <a:rPr lang="en-US" dirty="0" err="1" smtClean="0"/>
+              <a:t>sa</a:t>
+            </a:r>
+            <a:r>
+              <a:rPr lang="en-US" dirty="0" smtClean="0"/>
+              <a:t> AUTOSAR</a:t>
+            </a:r>
+            <a:r>
+              <a:rPr lang="en-US" baseline="0" dirty="0" smtClean="0"/>
+              <a:t> </a:t>
+            </a:r>
+            <a:r>
+              <a:rPr lang="en-US" baseline="0" dirty="0" err="1" smtClean="0"/>
+              <a:t>classicom</a:t>
+            </a:r>
+            <a:r>
+              <a:rPr lang="en-US" baseline="0" dirty="0" smtClean="0"/>
+              <a:t>, </a:t>
+            </a:r>
+            <a:r>
+              <a:rPr lang="en-US" baseline="0" dirty="0" err="1" smtClean="0"/>
+              <a:t>nije</a:t>
+            </a:r>
+            <a:r>
+              <a:rPr lang="en-US" baseline="0" dirty="0" smtClean="0"/>
+              <a:t> mu </a:t>
+            </a:r>
+            <a:r>
+              <a:rPr lang="en-US" baseline="0" dirty="0" err="1" smtClean="0"/>
+              <a:t>ideja</a:t>
+            </a:r>
+            <a:r>
+              <a:rPr lang="en-US" baseline="0" dirty="0" smtClean="0"/>
+              <a:t> da </a:t>
+            </a:r>
+            <a:r>
+              <a:rPr lang="en-US" baseline="0" dirty="0" err="1" smtClean="0"/>
+              <a:t>ga</a:t>
+            </a:r>
+            <a:r>
+              <a:rPr lang="en-US" baseline="0" dirty="0" smtClean="0"/>
+              <a:t> </a:t>
+            </a:r>
+            <a:r>
+              <a:rPr lang="en-US" baseline="0" dirty="0" err="1" smtClean="0"/>
+              <a:t>zameni</a:t>
+            </a:r>
+            <a:r>
+              <a:rPr lang="en-US" baseline="0" dirty="0" smtClean="0"/>
+              <a:t>.</a:t>
+            </a:r>
+            <a:endParaRPr lang="en-US" dirty="0" smtClean="0"/>
+          </a:p>
+          <a:p>
+            <a:r>
+              <a:rPr lang="en-US" dirty="0" smtClean="0"/>
+              <a:t>ARA</a:t>
+            </a:r>
+            <a:r>
+              <a:rPr lang="en-US" baseline="0" dirty="0" smtClean="0"/>
+              <a:t> – Adaptive AUTOSAR execution ENVIRONMENT – </a:t>
+            </a:r>
+            <a:r>
+              <a:rPr lang="en-US" baseline="0" dirty="0" err="1" smtClean="0"/>
+              <a:t>realizacija</a:t>
+            </a:r>
+            <a:r>
+              <a:rPr lang="en-US" baseline="0" dirty="0" smtClean="0"/>
+              <a:t> </a:t>
+            </a:r>
+            <a:r>
+              <a:rPr lang="en-US" baseline="0" dirty="0" err="1" smtClean="0"/>
+              <a:t>prosirenja</a:t>
+            </a:r>
+            <a:endParaRPr lang="sr-Cyrl-RS" baseline="0" dirty="0" smtClean="0"/>
+          </a:p>
+          <a:p>
+            <a:r>
+              <a:rPr lang="sr-Latn-RS" b="1" baseline="0" dirty="0" smtClean="0"/>
+              <a:t>Kratak opis EM, SM i CM</a:t>
+            </a:r>
+            <a:endParaRPr lang="en-US" b="1" baseline="0" dirty="0" smtClean="0"/>
+          </a:p>
+          <a:p>
+            <a:endParaRPr lang="en-US" baseline="0" dirty="0" smtClean="0"/>
           </a:p>
         </p:txBody>
       </p:sp>
@@ -17792,7 +18169,7 @@
           <a:p>
             <a:fld id="{9F10CBF3-37F0-420D-959A-0BF960019D0A}" type="slidenum">
               <a:rPr lang="en-GB" smtClean="0"/>
-              <a:t>21</a:t>
+              <a:t>8</a:t>
             </a:fld>
             <a:endParaRPr lang="en-GB"/>
           </a:p>
@@ -17801,7 +18178,7 @@
     </p:spTree>
     <p:extLst>
       <p:ext uri="{BB962C8B-B14F-4D97-AF65-F5344CB8AC3E}">
-        <p14:creationId xmlns:p14="http://schemas.microsoft.com/office/powerpoint/2010/main" val="2212464608"/>
+        <p14:creationId xmlns:p14="http://schemas.microsoft.com/office/powerpoint/2010/main" val="1954958987"/>
       </p:ext>
     </p:extLst>
   </p:cSld>
@@ -17855,90 +18232,6 @@
           <a:bodyPr/>
           <a:lstStyle/>
           <a:p>
-            <a:r>
-              <a:rPr lang="sr-Cyrl-RS" sz="1200" kern="1200" dirty="0" smtClean="0">
-                <a:solidFill>
-                  <a:schemeClr val="tx1"/>
-                </a:solidFill>
-                <a:effectLst/>
-                <a:latin typeface="+mn-lt"/>
-                <a:ea typeface="+mn-ea"/>
-                <a:cs typeface="+mn-cs"/>
-              </a:rPr>
-              <a:t>Како приликом конфигурисања радног оквира </a:t>
-            </a:r>
-            <a:r>
-              <a:rPr lang="en-US" sz="1200" i="1" kern="1200" dirty="0" smtClean="0">
-                <a:solidFill>
-                  <a:schemeClr val="tx1"/>
-                </a:solidFill>
-                <a:effectLst/>
-                <a:latin typeface="+mn-lt"/>
-                <a:ea typeface="+mn-ea"/>
-                <a:cs typeface="+mn-cs"/>
-              </a:rPr>
-              <a:t>Links &amp; Chains</a:t>
-            </a:r>
-            <a:r>
-              <a:rPr lang="en-US" sz="1200" kern="1200" dirty="0" smtClean="0">
-                <a:solidFill>
-                  <a:schemeClr val="tx1"/>
-                </a:solidFill>
-                <a:effectLst/>
-                <a:latin typeface="+mn-lt"/>
-                <a:ea typeface="+mn-ea"/>
-                <a:cs typeface="+mn-cs"/>
-              </a:rPr>
-              <a:t> </a:t>
-            </a:r>
-            <a:r>
-              <a:rPr lang="sr-Cyrl-RS" sz="1200" kern="1200" dirty="0" smtClean="0">
-                <a:solidFill>
-                  <a:schemeClr val="tx1"/>
-                </a:solidFill>
-                <a:effectLst/>
-                <a:latin typeface="+mn-lt"/>
-                <a:ea typeface="+mn-ea"/>
-                <a:cs typeface="+mn-cs"/>
-              </a:rPr>
-              <a:t>није била омогућена употреба хардверске компоненте за компримовање кроз </a:t>
-            </a:r>
-            <a:r>
-              <a:rPr lang="sr-Latn-RS" sz="1200" i="1" kern="1200" dirty="0" smtClean="0">
-                <a:solidFill>
-                  <a:schemeClr val="tx1"/>
-                </a:solidFill>
-                <a:effectLst/>
-                <a:latin typeface="+mn-lt"/>
-                <a:ea typeface="+mn-ea"/>
-                <a:cs typeface="+mn-cs"/>
-              </a:rPr>
-              <a:t>Linux</a:t>
-            </a:r>
-            <a:r>
-              <a:rPr lang="sr-Latn-RS" sz="1200" kern="1200" dirty="0" smtClean="0">
-                <a:solidFill>
-                  <a:schemeClr val="tx1"/>
-                </a:solidFill>
-                <a:effectLst/>
-                <a:latin typeface="+mn-lt"/>
-                <a:ea typeface="+mn-ea"/>
-                <a:cs typeface="+mn-cs"/>
-              </a:rPr>
-              <a:t> </a:t>
-            </a:r>
-            <a:r>
-              <a:rPr lang="sr-Cyrl-RS" sz="1200" kern="1200" dirty="0" smtClean="0">
-                <a:solidFill>
-                  <a:schemeClr val="tx1"/>
-                </a:solidFill>
-                <a:effectLst/>
-                <a:latin typeface="+mn-lt"/>
-                <a:ea typeface="+mn-ea"/>
-                <a:cs typeface="+mn-cs"/>
-              </a:rPr>
-              <a:t>оперативни систем, ни један од фрејмова дистрибуираних фрејмова није био компримован</a:t>
-            </a:r>
             <a:endParaRPr lang="en-US" dirty="0"/>
           </a:p>
         </p:txBody>
@@ -17960,7 +18253,7 @@
           <a:p>
             <a:fld id="{9F10CBF3-37F0-420D-959A-0BF960019D0A}" type="slidenum">
               <a:rPr lang="en-GB" smtClean="0"/>
-              <a:t>30</a:t>
+              <a:t>11</a:t>
             </a:fld>
             <a:endParaRPr lang="en-GB"/>
           </a:p>
@@ -17969,7 +18262,526 @@
     </p:spTree>
     <p:extLst>
       <p:ext uri="{BB962C8B-B14F-4D97-AF65-F5344CB8AC3E}">
-        <p14:creationId xmlns:p14="http://schemas.microsoft.com/office/powerpoint/2010/main" val="3621361504"/>
+        <p14:creationId xmlns:p14="http://schemas.microsoft.com/office/powerpoint/2010/main" val="1055435911"/>
+      </p:ext>
+    </p:extLst>
+  </p:cSld>
+  <p:clrMapOvr>
+    <a:masterClrMapping/>
+  </p:clrMapOvr>
+</p:notes>
+</file>
+
+<file path=ppt/notesSlides/notesSlide8.xml><?xml version="1.0" encoding="utf-8"?>
+<p:notes xmlns:a="http://schemas.openxmlformats.org/drawingml/2006/main" xmlns:r="http://schemas.openxmlformats.org/officeDocument/2006/relationships" xmlns:p="http://schemas.openxmlformats.org/presentationml/2006/main">
+  <p:cSld>
+    <p:spTree>
+      <p:nvGrpSpPr>
+        <p:cNvPr id="1" name=""/>
+        <p:cNvGrpSpPr/>
+        <p:nvPr/>
+      </p:nvGrpSpPr>
+      <p:grpSpPr>
+        <a:xfrm>
+          <a:off x="0" y="0"/>
+          <a:ext cx="0" cy="0"/>
+          <a:chOff x="0" y="0"/>
+          <a:chExt cx="0" cy="0"/>
+        </a:xfrm>
+      </p:grpSpPr>
+      <p:sp>
+        <p:nvSpPr>
+          <p:cNvPr id="2" name="Slide Image Placeholder 1"/>
+          <p:cNvSpPr>
+            <a:spLocks noGrp="1" noRot="1" noChangeAspect="1"/>
+          </p:cNvSpPr>
+          <p:nvPr>
+            <p:ph type="sldImg"/>
+          </p:nvPr>
+        </p:nvSpPr>
+        <p:spPr/>
+      </p:sp>
+      <p:sp>
+        <p:nvSpPr>
+          <p:cNvPr id="3" name="Notes Placeholder 2"/>
+          <p:cNvSpPr>
+            <a:spLocks noGrp="1"/>
+          </p:cNvSpPr>
+          <p:nvPr>
+            <p:ph type="body" idx="1"/>
+          </p:nvPr>
+        </p:nvSpPr>
+        <p:spPr/>
+        <p:txBody>
+          <a:bodyPr/>
+          <a:lstStyle/>
+          <a:p>
+            <a:endParaRPr lang="en-US" dirty="0"/>
+          </a:p>
+        </p:txBody>
+      </p:sp>
+      <p:sp>
+        <p:nvSpPr>
+          <p:cNvPr id="4" name="Slide Number Placeholder 3"/>
+          <p:cNvSpPr>
+            <a:spLocks noGrp="1"/>
+          </p:cNvSpPr>
+          <p:nvPr>
+            <p:ph type="sldNum" sz="quarter" idx="10"/>
+          </p:nvPr>
+        </p:nvSpPr>
+        <p:spPr/>
+        <p:txBody>
+          <a:bodyPr/>
+          <a:lstStyle/>
+          <a:p>
+            <a:fld id="{9F10CBF3-37F0-420D-959A-0BF960019D0A}" type="slidenum">
+              <a:rPr lang="en-GB" smtClean="0"/>
+              <a:t>20</a:t>
+            </a:fld>
+            <a:endParaRPr lang="en-GB"/>
+          </a:p>
+        </p:txBody>
+      </p:sp>
+    </p:spTree>
+    <p:extLst>
+      <p:ext uri="{BB962C8B-B14F-4D97-AF65-F5344CB8AC3E}">
+        <p14:creationId xmlns:p14="http://schemas.microsoft.com/office/powerpoint/2010/main" val="473062582"/>
+      </p:ext>
+    </p:extLst>
+  </p:cSld>
+  <p:clrMapOvr>
+    <a:masterClrMapping/>
+  </p:clrMapOvr>
+</p:notes>
+</file>
+
+<file path=ppt/notesSlides/notesSlide9.xml><?xml version="1.0" encoding="utf-8"?>
+<p:notes xmlns:a="http://schemas.openxmlformats.org/drawingml/2006/main" xmlns:r="http://schemas.openxmlformats.org/officeDocument/2006/relationships" xmlns:p="http://schemas.openxmlformats.org/presentationml/2006/main">
+  <p:cSld>
+    <p:spTree>
+      <p:nvGrpSpPr>
+        <p:cNvPr id="1" name=""/>
+        <p:cNvGrpSpPr/>
+        <p:nvPr/>
+      </p:nvGrpSpPr>
+      <p:grpSpPr>
+        <a:xfrm>
+          <a:off x="0" y="0"/>
+          <a:ext cx="0" cy="0"/>
+          <a:chOff x="0" y="0"/>
+          <a:chExt cx="0" cy="0"/>
+        </a:xfrm>
+      </p:grpSpPr>
+      <p:sp>
+        <p:nvSpPr>
+          <p:cNvPr id="2" name="Slide Image Placeholder 1"/>
+          <p:cNvSpPr>
+            <a:spLocks noGrp="1" noRot="1" noChangeAspect="1"/>
+          </p:cNvSpPr>
+          <p:nvPr>
+            <p:ph type="sldImg"/>
+          </p:nvPr>
+        </p:nvSpPr>
+        <p:spPr/>
+      </p:sp>
+      <p:sp>
+        <p:nvSpPr>
+          <p:cNvPr id="3" name="Notes Placeholder 2"/>
+          <p:cNvSpPr>
+            <a:spLocks noGrp="1"/>
+          </p:cNvSpPr>
+          <p:nvPr>
+            <p:ph type="body" idx="1"/>
+          </p:nvPr>
+        </p:nvSpPr>
+        <p:spPr/>
+        <p:txBody>
+          <a:bodyPr/>
+          <a:lstStyle/>
+          <a:p>
+            <a:r>
+              <a:rPr lang="sr-Cyrl-RS" sz="1200" b="0" i="0" u="none" strike="noStrike" kern="1200" baseline="0" dirty="0" smtClean="0">
+                <a:solidFill>
+                  <a:schemeClr val="tx1"/>
+                </a:solidFill>
+                <a:latin typeface="+mn-lt"/>
+                <a:ea typeface="+mn-ea"/>
+                <a:cs typeface="+mn-cs"/>
+              </a:rPr>
+              <a:t>Након иницијализације свих компоненти, она објављује своју доступност. Остали сервиси и апликације се пријављују на догађаје које овај сервис емитује. Након тога, на одговарајући начин започињу приступању жељеним подацима.</a:t>
+            </a:r>
+          </a:p>
+          <a:p>
+            <a:endParaRPr lang="sr-Cyrl-RS" sz="1200" b="0" i="0" u="none" strike="noStrike" kern="1200" baseline="0" dirty="0" smtClean="0">
+              <a:solidFill>
+                <a:schemeClr val="tx1"/>
+              </a:solidFill>
+              <a:latin typeface="+mn-lt"/>
+              <a:ea typeface="+mn-ea"/>
+              <a:cs typeface="+mn-cs"/>
+            </a:endParaRPr>
+          </a:p>
+          <a:p>
+            <a:r>
+              <a:rPr lang="en-US" sz="1200" b="0" i="0" u="none" strike="noStrike" kern="1200" baseline="0" dirty="0" err="1" smtClean="0">
+                <a:solidFill>
+                  <a:schemeClr val="tx1"/>
+                </a:solidFill>
+                <a:latin typeface="+mn-lt"/>
+                <a:ea typeface="+mn-ea"/>
+                <a:cs typeface="+mn-cs"/>
+              </a:rPr>
+              <a:t>Definisani</a:t>
+            </a:r>
+            <a:r>
+              <a:rPr lang="en-US" sz="1200" b="0" i="0" u="none" strike="noStrike" kern="1200" baseline="0" dirty="0" smtClean="0">
+                <a:solidFill>
+                  <a:schemeClr val="tx1"/>
+                </a:solidFill>
+                <a:latin typeface="+mn-lt"/>
+                <a:ea typeface="+mn-ea"/>
+                <a:cs typeface="+mn-cs"/>
+              </a:rPr>
+              <a:t> </a:t>
+            </a:r>
+            <a:r>
+              <a:rPr lang="en-US" sz="1200" b="0" i="0" u="none" strike="noStrike" kern="1200" baseline="0" dirty="0" err="1" smtClean="0">
+                <a:solidFill>
+                  <a:schemeClr val="tx1"/>
+                </a:solidFill>
+                <a:latin typeface="+mn-lt"/>
+                <a:ea typeface="+mn-ea"/>
+                <a:cs typeface="+mn-cs"/>
+              </a:rPr>
+              <a:t>dogadjaji</a:t>
+            </a:r>
+            <a:r>
+              <a:rPr lang="en-US" sz="1200" b="0" i="0" u="none" strike="noStrike" kern="1200" baseline="0" dirty="0" smtClean="0">
+                <a:solidFill>
+                  <a:schemeClr val="tx1"/>
+                </a:solidFill>
+                <a:latin typeface="+mn-lt"/>
+                <a:ea typeface="+mn-ea"/>
+                <a:cs typeface="+mn-cs"/>
+              </a:rPr>
+              <a:t> </a:t>
+            </a:r>
+            <a:r>
+              <a:rPr lang="en-US" sz="1200" b="0" i="0" u="none" strike="noStrike" kern="1200" baseline="0" dirty="0" err="1" smtClean="0">
+                <a:solidFill>
+                  <a:schemeClr val="tx1"/>
+                </a:solidFill>
+                <a:latin typeface="+mn-lt"/>
+                <a:ea typeface="+mn-ea"/>
+                <a:cs typeface="+mn-cs"/>
+              </a:rPr>
+              <a:t>koje</a:t>
+            </a:r>
+            <a:r>
+              <a:rPr lang="en-US" sz="1200" b="0" i="0" u="none" strike="noStrike" kern="1200" baseline="0" dirty="0" smtClean="0">
+                <a:solidFill>
+                  <a:schemeClr val="tx1"/>
+                </a:solidFill>
+                <a:latin typeface="+mn-lt"/>
+                <a:ea typeface="+mn-ea"/>
+                <a:cs typeface="+mn-cs"/>
+              </a:rPr>
+              <a:t> ova </a:t>
+            </a:r>
+            <a:r>
+              <a:rPr lang="en-US" sz="1200" b="0" i="0" u="none" strike="noStrike" kern="1200" baseline="0" dirty="0" err="1" smtClean="0">
+                <a:solidFill>
+                  <a:schemeClr val="tx1"/>
+                </a:solidFill>
+                <a:latin typeface="+mn-lt"/>
+                <a:ea typeface="+mn-ea"/>
+                <a:cs typeface="+mn-cs"/>
+              </a:rPr>
+              <a:t>komponenta</a:t>
+            </a:r>
+            <a:r>
+              <a:rPr lang="en-US" sz="1200" b="0" i="0" u="none" strike="noStrike" kern="1200" baseline="0" dirty="0" smtClean="0">
+                <a:solidFill>
+                  <a:schemeClr val="tx1"/>
+                </a:solidFill>
+                <a:latin typeface="+mn-lt"/>
+                <a:ea typeface="+mn-ea"/>
+                <a:cs typeface="+mn-cs"/>
+              </a:rPr>
+              <a:t> </a:t>
+            </a:r>
+            <a:r>
+              <a:rPr lang="en-US" sz="1200" b="0" i="0" u="none" strike="noStrike" kern="1200" baseline="0" dirty="0" err="1" smtClean="0">
+                <a:solidFill>
+                  <a:schemeClr val="tx1"/>
+                </a:solidFill>
+                <a:latin typeface="+mn-lt"/>
+                <a:ea typeface="+mn-ea"/>
+                <a:cs typeface="+mn-cs"/>
+              </a:rPr>
+              <a:t>objavljuje</a:t>
+            </a:r>
+            <a:r>
+              <a:rPr lang="en-US" sz="1200" b="0" i="0" u="none" strike="noStrike" kern="1200" baseline="0" dirty="0" smtClean="0">
+                <a:solidFill>
+                  <a:schemeClr val="tx1"/>
+                </a:solidFill>
+                <a:latin typeface="+mn-lt"/>
+                <a:ea typeface="+mn-ea"/>
+                <a:cs typeface="+mn-cs"/>
+              </a:rPr>
+              <a:t>:</a:t>
+            </a:r>
+            <a:endParaRPr lang="sr-Cyrl-RS" sz="1200" b="0" i="0" u="none" strike="noStrike" kern="1200" baseline="0" dirty="0" smtClean="0">
+              <a:solidFill>
+                <a:schemeClr val="tx1"/>
+              </a:solidFill>
+              <a:latin typeface="+mn-lt"/>
+              <a:ea typeface="+mn-ea"/>
+              <a:cs typeface="+mn-cs"/>
+            </a:endParaRPr>
+          </a:p>
+          <a:p>
+            <a:r>
+              <a:rPr lang="en-US" sz="1200" b="0" i="0" u="none" strike="noStrike" kern="1200" baseline="0" dirty="0" smtClean="0">
+                <a:solidFill>
+                  <a:schemeClr val="tx1"/>
+                </a:solidFill>
+                <a:latin typeface="+mn-lt"/>
+                <a:ea typeface="+mn-ea"/>
+                <a:cs typeface="+mn-cs"/>
+              </a:rPr>
+              <a:t>1. </a:t>
+            </a:r>
+            <a:r>
+              <a:rPr lang="en-US" sz="1200" b="0" i="1" u="none" strike="noStrike" kern="1200" baseline="0" dirty="0" smtClean="0">
+                <a:solidFill>
+                  <a:schemeClr val="tx1"/>
+                </a:solidFill>
+                <a:latin typeface="+mn-lt"/>
+                <a:ea typeface="+mn-ea"/>
+                <a:cs typeface="+mn-cs"/>
+              </a:rPr>
+              <a:t>Remote events </a:t>
+            </a:r>
+            <a:r>
+              <a:rPr lang="en-US" sz="1200" b="0" i="0" u="none" strike="noStrike" kern="1200" baseline="0" dirty="0" smtClean="0">
+                <a:solidFill>
+                  <a:schemeClr val="tx1"/>
+                </a:solidFill>
+                <a:latin typeface="+mn-lt"/>
+                <a:ea typeface="+mn-ea"/>
+                <a:cs typeface="+mn-cs"/>
+              </a:rPr>
+              <a:t>– </a:t>
+            </a:r>
+            <a:r>
+              <a:rPr lang="sr-Cyrl-RS" sz="1200" b="0" i="0" u="none" strike="noStrike" kern="1200" baseline="0" dirty="0" smtClean="0">
+                <a:solidFill>
+                  <a:schemeClr val="tx1"/>
+                </a:solidFill>
+                <a:latin typeface="+mn-lt"/>
+                <a:ea typeface="+mn-ea"/>
+                <a:cs typeface="+mn-cs"/>
+              </a:rPr>
+              <a:t>удаљени догађаји – представљају догађаје који се достављају информације компонентама које су на удаљеној платформи. Осим информација о фрејму, ови догађаји пружају податке попут </a:t>
+            </a:r>
+            <a:r>
+              <a:rPr lang="en-US" sz="1200" b="0" i="1" u="none" strike="noStrike" kern="1200" baseline="0" dirty="0" smtClean="0">
+                <a:solidFill>
+                  <a:schemeClr val="tx1"/>
+                </a:solidFill>
+                <a:latin typeface="+mn-lt"/>
+                <a:ea typeface="+mn-ea"/>
+                <a:cs typeface="+mn-cs"/>
+              </a:rPr>
+              <a:t>IP </a:t>
+            </a:r>
+            <a:r>
+              <a:rPr lang="sr-Cyrl-RS" sz="1200" b="0" i="0" u="none" strike="noStrike" kern="1200" baseline="0" dirty="0" smtClean="0">
+                <a:solidFill>
+                  <a:schemeClr val="tx1"/>
+                </a:solidFill>
+                <a:latin typeface="+mn-lt"/>
+                <a:ea typeface="+mn-ea"/>
+                <a:cs typeface="+mn-cs"/>
+              </a:rPr>
+              <a:t>адресе и порта, како би се конфигурисала клијентска </a:t>
+            </a:r>
+            <a:r>
+              <a:rPr lang="en-US" sz="1200" b="0" i="1" u="none" strike="noStrike" kern="1200" baseline="0" dirty="0" smtClean="0">
+                <a:solidFill>
+                  <a:schemeClr val="tx1"/>
+                </a:solidFill>
+                <a:latin typeface="+mn-lt"/>
+                <a:ea typeface="+mn-ea"/>
+                <a:cs typeface="+mn-cs"/>
+              </a:rPr>
+              <a:t>TCP/IP </a:t>
+            </a:r>
+            <a:r>
+              <a:rPr lang="sr-Cyrl-RS" sz="1200" b="0" i="0" u="none" strike="noStrike" kern="1200" baseline="0" dirty="0" smtClean="0">
+                <a:solidFill>
+                  <a:schemeClr val="tx1"/>
+                </a:solidFill>
+                <a:latin typeface="+mn-lt"/>
+                <a:ea typeface="+mn-ea"/>
+                <a:cs typeface="+mn-cs"/>
+              </a:rPr>
+              <a:t>компонента, којом се приступа удаљеној платформи. </a:t>
+            </a:r>
+          </a:p>
+          <a:p>
+            <a:r>
+              <a:rPr lang="en-US" sz="1200" b="0" i="0" u="none" strike="noStrike" kern="1200" baseline="0" dirty="0" smtClean="0">
+                <a:solidFill>
+                  <a:schemeClr val="tx1"/>
+                </a:solidFill>
+                <a:latin typeface="+mn-lt"/>
+                <a:ea typeface="+mn-ea"/>
+                <a:cs typeface="+mn-cs"/>
+              </a:rPr>
+              <a:t>2. </a:t>
+            </a:r>
+            <a:r>
+              <a:rPr lang="en-US" sz="1200" b="0" i="1" u="none" strike="noStrike" kern="1200" baseline="0" dirty="0" smtClean="0">
+                <a:solidFill>
+                  <a:schemeClr val="tx1"/>
+                </a:solidFill>
+                <a:latin typeface="+mn-lt"/>
+                <a:ea typeface="+mn-ea"/>
+                <a:cs typeface="+mn-cs"/>
+              </a:rPr>
+              <a:t>Local events </a:t>
+            </a:r>
+            <a:r>
+              <a:rPr lang="en-US" sz="1200" b="0" i="0" u="none" strike="noStrike" kern="1200" baseline="0" dirty="0" smtClean="0">
+                <a:solidFill>
+                  <a:schemeClr val="tx1"/>
+                </a:solidFill>
+                <a:latin typeface="+mn-lt"/>
+                <a:ea typeface="+mn-ea"/>
+                <a:cs typeface="+mn-cs"/>
+              </a:rPr>
+              <a:t>– </a:t>
+            </a:r>
+            <a:r>
+              <a:rPr lang="sr-Cyrl-RS" sz="1200" b="0" i="0" u="none" strike="noStrike" kern="1200" baseline="0" dirty="0" smtClean="0">
+                <a:solidFill>
+                  <a:schemeClr val="tx1"/>
+                </a:solidFill>
+                <a:latin typeface="+mn-lt"/>
+                <a:ea typeface="+mn-ea"/>
+                <a:cs typeface="+mn-cs"/>
+              </a:rPr>
+              <a:t>локални догађаји – представљају догађаје који се достављају информације компонентама које су на локалној платформи. Поред информација о фрејму, ови догађаји пружају податке попут кључа којим се приступа ресурсу дељене меморије. </a:t>
+            </a:r>
+          </a:p>
+          <a:p>
+            <a:endParaRPr lang="sr-Cyrl-RS" sz="1200" b="0" i="0" u="none" strike="noStrike" kern="1200" baseline="0" dirty="0" smtClean="0">
+              <a:solidFill>
+                <a:schemeClr val="tx1"/>
+              </a:solidFill>
+              <a:latin typeface="+mn-lt"/>
+              <a:ea typeface="+mn-ea"/>
+              <a:cs typeface="+mn-cs"/>
+            </a:endParaRPr>
+          </a:p>
+          <a:p>
+            <a:r>
+              <a:rPr lang="ru-RU" sz="1200" b="0" i="0" u="none" strike="noStrike" kern="1200" baseline="0" dirty="0" smtClean="0">
+                <a:solidFill>
+                  <a:schemeClr val="tx1"/>
+                </a:solidFill>
+                <a:latin typeface="+mn-lt"/>
+                <a:ea typeface="+mn-ea"/>
+                <a:cs typeface="+mn-cs"/>
+              </a:rPr>
+              <a:t>Дефинисањем ових догађај достављају се следеће информације: </a:t>
+            </a:r>
+          </a:p>
+          <a:p>
+            <a:r>
+              <a:rPr lang="sr-Cyrl-RS" sz="1200" b="0" i="0" u="none" strike="noStrike" kern="1200" baseline="0" dirty="0" smtClean="0">
+                <a:solidFill>
+                  <a:schemeClr val="tx1"/>
+                </a:solidFill>
+                <a:latin typeface="+mn-lt"/>
+                <a:ea typeface="+mn-ea"/>
+                <a:cs typeface="+mn-cs"/>
+              </a:rPr>
+              <a:t>1. Ширина фрејма; </a:t>
+            </a:r>
+          </a:p>
+          <a:p>
+            <a:r>
+              <a:rPr lang="sr-Cyrl-RS" sz="1200" b="0" i="0" u="none" strike="noStrike" kern="1200" baseline="0" dirty="0" smtClean="0">
+                <a:solidFill>
+                  <a:schemeClr val="tx1"/>
+                </a:solidFill>
+                <a:latin typeface="+mn-lt"/>
+                <a:ea typeface="+mn-ea"/>
+                <a:cs typeface="+mn-cs"/>
+              </a:rPr>
+              <a:t>2. Висина фрејма; </a:t>
+            </a:r>
+          </a:p>
+          <a:p>
+            <a:r>
+              <a:rPr lang="sr-Cyrl-RS" sz="1200" b="0" i="0" u="none" strike="noStrike" kern="1200" baseline="0" dirty="0" smtClean="0">
+                <a:solidFill>
+                  <a:schemeClr val="tx1"/>
+                </a:solidFill>
+                <a:latin typeface="+mn-lt"/>
+                <a:ea typeface="+mn-ea"/>
+                <a:cs typeface="+mn-cs"/>
+              </a:rPr>
+              <a:t>3. Величина целог фрејма. </a:t>
+            </a:r>
+          </a:p>
+          <a:p>
+            <a:endParaRPr lang="sr-Cyrl-RS" sz="1200" b="0" i="0" u="none" strike="noStrike" kern="1200" baseline="0" dirty="0" smtClean="0">
+              <a:solidFill>
+                <a:schemeClr val="tx1"/>
+              </a:solidFill>
+              <a:latin typeface="+mn-lt"/>
+              <a:ea typeface="+mn-ea"/>
+              <a:cs typeface="+mn-cs"/>
+            </a:endParaRPr>
+          </a:p>
+          <a:p>
+            <a:endParaRPr lang="en-US" dirty="0"/>
+          </a:p>
+        </p:txBody>
+      </p:sp>
+      <p:sp>
+        <p:nvSpPr>
+          <p:cNvPr id="4" name="Slide Number Placeholder 3"/>
+          <p:cNvSpPr>
+            <a:spLocks noGrp="1"/>
+          </p:cNvSpPr>
+          <p:nvPr>
+            <p:ph type="sldNum" sz="quarter" idx="10"/>
+          </p:nvPr>
+        </p:nvSpPr>
+        <p:spPr/>
+        <p:txBody>
+          <a:bodyPr/>
+          <a:lstStyle/>
+          <a:p>
+            <a:fld id="{9F10CBF3-37F0-420D-959A-0BF960019D0A}" type="slidenum">
+              <a:rPr lang="en-GB" smtClean="0"/>
+              <a:t>21</a:t>
+            </a:fld>
+            <a:endParaRPr lang="en-GB"/>
+          </a:p>
+        </p:txBody>
+      </p:sp>
+    </p:spTree>
+    <p:extLst>
+      <p:ext uri="{BB962C8B-B14F-4D97-AF65-F5344CB8AC3E}">
+        <p14:creationId xmlns:p14="http://schemas.microsoft.com/office/powerpoint/2010/main" val="2212464608"/>
       </p:ext>
     </p:extLst>
   </p:cSld>
@@ -21746,10 +22558,13 @@
           <a:p>
             <a:pPr algn="ctr"/>
             <a:r>
+              <a:rPr lang="en-US" dirty="0"/>
+              <a:t>M</a:t>
+            </a:r>
+            <a:r>
               <a:rPr lang="sr-Cyrl-RS" dirty="0"/>
-              <a:t>Појам магистрале</a:t>
-            </a:r>
-            <a:endParaRPr lang="en-US" dirty="0"/>
+              <a:t>агистрале</a:t>
+            </a:r>
           </a:p>
         </p:txBody>
       </p:sp>
@@ -21786,6 +22601,13 @@
   <p:clrMapOvr>
     <a:masterClrMapping/>
   </p:clrMapOvr>
+  <p:timing>
+    <p:tnLst>
+      <p:par>
+        <p:cTn id="1" dur="indefinite" restart="never" nodeType="tmRoot"/>
+      </p:par>
+    </p:tnLst>
+  </p:timing>
 </p:sld>
 </file>
 
@@ -21824,14 +22646,13 @@
           <a:lstStyle/>
           <a:p>
             <a:r>
+              <a:rPr lang="en-US" dirty="0"/>
+              <a:t>M</a:t>
+            </a:r>
+            <a:r>
               <a:rPr lang="sr-Cyrl-RS" dirty="0"/>
-              <a:t>Појам </a:t>
-            </a:r>
-            <a:r>
-              <a:rPr lang="sr-Cyrl-RS" dirty="0" smtClean="0"/>
-              <a:t>магистрале</a:t>
-            </a:r>
-            <a:endParaRPr lang="en-US" dirty="0"/>
+              <a:t>агистрале</a:t>
+            </a:r>
           </a:p>
         </p:txBody>
       </p:sp>
@@ -21845,7 +22666,12 @@
             <p:ph idx="1"/>
           </p:nvPr>
         </p:nvSpPr>
-        <p:spPr/>
+        <p:spPr>
+          <a:xfrm>
+            <a:off x="838200" y="1847850"/>
+            <a:ext cx="10515600" cy="4329214"/>
+          </a:xfrm>
+        </p:spPr>
         <p:txBody>
           <a:bodyPr/>
           <a:lstStyle/>
@@ -22018,36 +22844,8 @@
           <a:lstStyle/>
           <a:p>
             <a:r>
-              <a:rPr lang="ru-RU" dirty="0"/>
-              <a:t>Представљају директну везу између процесора и компоненте која може бити унутрашња или спољна у односу на читав систем</a:t>
-            </a:r>
-          </a:p>
-          <a:p>
-            <a:r>
-              <a:rPr lang="sr-Cyrl-RS" dirty="0"/>
-              <a:t>З</a:t>
-            </a:r>
-            <a:r>
-              <a:rPr lang="sr-Cyrl-RS" dirty="0" smtClean="0"/>
-              <a:t>ахтева  </a:t>
-            </a:r>
-            <a:r>
-              <a:rPr lang="sr-Cyrl-RS" dirty="0"/>
-              <a:t>постојање </a:t>
-            </a:r>
-            <a:r>
-              <a:rPr lang="sr-Cyrl-RS" dirty="0" smtClean="0"/>
-              <a:t>руковаоца</a:t>
-            </a:r>
-          </a:p>
-          <a:p>
-            <a:r>
-              <a:rPr lang="ru-RU" dirty="0"/>
-              <a:t>П</a:t>
-            </a:r>
-            <a:r>
               <a:rPr lang="ru-RU" dirty="0" smtClean="0"/>
-              <a:t>отребно </a:t>
+              <a:t>Потребно </a:t>
             </a:r>
             <a:r>
               <a:rPr lang="ru-RU" dirty="0"/>
@@ -22124,7 +22922,25 @@
             </a:r>
             <a:r>
               <a:rPr lang="sr-Cyrl-RS" dirty="0" smtClean="0"/>
-              <a:t>на наменским платформама у возилима</a:t>
+              <a:t>на наменским платформама у </a:t>
+            </a:r>
+            <a:r>
+              <a:rPr lang="sr-Cyrl-RS" dirty="0" smtClean="0"/>
+              <a:t>возилима</a:t>
+            </a:r>
+          </a:p>
+          <a:p>
+            <a:r>
+              <a:rPr lang="en-US" i="1" dirty="0" smtClean="0"/>
+              <a:t>ETHERNET</a:t>
+            </a:r>
+            <a:r>
+              <a:rPr lang="en-US" dirty="0" smtClean="0"/>
+              <a:t> – </a:t>
+            </a:r>
+            <a:r>
+              <a:rPr lang="sr-Cyrl-RS" dirty="0" smtClean="0"/>
+              <a:t>Превасходно типичан за персоналне рачунаре и потрошачку електронику, све већа употреба у аутомобилској индустрији</a:t>
             </a:r>
             <a:endParaRPr lang="en-US" dirty="0"/>
           </a:p>
@@ -22471,6 +23287,13 @@
   <p:clrMapOvr>
     <a:masterClrMapping/>
   </p:clrMapOvr>
+  <p:timing>
+    <p:tnLst>
+      <p:par>
+        <p:cTn id="1" dur="indefinite" restart="never" nodeType="tmRoot"/>
+      </p:par>
+    </p:tnLst>
+  </p:timing>
 </p:sld>
 </file>
 
@@ -22542,7 +23365,7 @@
         </p:spPr>
         <p:txBody>
           <a:bodyPr>
-            <a:normAutofit fontScale="92500" lnSpcReduction="10000"/>
+            <a:normAutofit fontScale="92500" lnSpcReduction="20000"/>
           </a:bodyPr>
           <a:lstStyle/>
           <a:p>
@@ -22703,8 +23526,35 @@
             </a:r>
             <a:r>
               <a:rPr lang="ru-RU" i="1" dirty="0" smtClean="0"/>
-              <a:t>Vision SDK</a:t>
-            </a:r>
+              <a:t>Vision </a:t>
+            </a:r>
+            <a:r>
+              <a:rPr lang="ru-RU" i="1" dirty="0" smtClean="0"/>
+              <a:t>SDK</a:t>
+            </a:r>
+          </a:p>
+          <a:p>
+            <a:r>
+              <a:rPr lang="en-US" i="1" dirty="0" smtClean="0"/>
+              <a:t>Links &amp; Chains</a:t>
+            </a:r>
+            <a:r>
+              <a:rPr lang="sr-Cyrl-RS" dirty="0"/>
+              <a:t> </a:t>
+            </a:r>
+            <a:r>
+              <a:rPr lang="sr-Cyrl-RS" dirty="0" smtClean="0"/>
+              <a:t>радни оквир - </a:t>
+            </a:r>
+            <a:r>
+              <a:rPr lang="ru-RU" dirty="0" smtClean="0"/>
+              <a:t>реализација </a:t>
+            </a:r>
+            <a:r>
+              <a:rPr lang="ru-RU" dirty="0"/>
+              <a:t>комуникације између компоненти у проточној обради </a:t>
+            </a:r>
+            <a:endParaRPr lang="ru-RU" i="1" dirty="0" smtClean="0"/>
           </a:p>
         </p:txBody>
       </p:sp>
@@ -22830,6 +23680,13 @@
   <p:clrMapOvr>
     <a:masterClrMapping/>
   </p:clrMapOvr>
+  <p:timing>
+    <p:tnLst>
+      <p:par>
+        <p:cTn id="1" dur="indefinite" restart="never" nodeType="tmRoot"/>
+      </p:par>
+    </p:tnLst>
+  </p:timing>
 </p:sld>
 </file>
 
@@ -23093,15 +23950,13 @@
           </a:bodyPr>
           <a:lstStyle/>
           <a:p>
-            <a:endParaRPr lang="sr-Cyrl-RS" dirty="0" smtClean="0"/>
-          </a:p>
-          <a:p>
-            <a:endParaRPr lang="sr-Cyrl-RS" dirty="0"/>
-          </a:p>
-          <a:p>
             <a:r>
               <a:rPr lang="sr-Cyrl-RS" dirty="0" smtClean="0"/>
-              <a:t>Слојевита архитектура решења:</a:t>
+              <a:t>Слојевита </a:t>
+            </a:r>
+            <a:r>
+              <a:rPr lang="sr-Cyrl-RS" dirty="0" smtClean="0"/>
+              <a:t>архитектура решења:</a:t>
             </a:r>
           </a:p>
           <a:p>
@@ -23145,9 +24000,49 @@
               <a:rPr lang="ru-RU" dirty="0" smtClean="0"/>
               <a:t>сигнала</a:t>
             </a:r>
-          </a:p>
-          <a:p>
-            <a:endParaRPr lang="en-US" dirty="0"/>
+            <a:endParaRPr lang="en-US" dirty="0" smtClean="0"/>
+          </a:p>
+          <a:p>
+            <a:r>
+              <a:rPr lang="sr-Cyrl-RS" dirty="0" smtClean="0"/>
+              <a:t>Заснована на ревизији стандарда </a:t>
+            </a:r>
+            <a:r>
+              <a:rPr lang="en-US" i="1" dirty="0" smtClean="0"/>
+              <a:t>R18-03,</a:t>
+            </a:r>
+            <a:r>
+              <a:rPr lang="sr-Cyrl-RS" i="1" dirty="0" smtClean="0"/>
+              <a:t> </a:t>
+            </a:r>
+            <a:r>
+              <a:rPr lang="sr-Cyrl-RS" dirty="0" smtClean="0"/>
+              <a:t>адаптивне платформе</a:t>
+            </a:r>
+            <a:endParaRPr lang="ru-RU" i="1" dirty="0" smtClean="0"/>
+          </a:p>
+          <a:p>
+            <a:r>
+              <a:rPr lang="ru-RU" dirty="0" smtClean="0"/>
+              <a:t>Интеграција у </a:t>
+            </a:r>
+            <a:r>
+              <a:rPr lang="sr-Cyrl-RS" dirty="0" smtClean="0"/>
+              <a:t>адаптивну платформу, ослањање на функционалност </a:t>
+            </a:r>
+            <a:r>
+              <a:rPr lang="en-US" i="1" dirty="0" smtClean="0"/>
+              <a:t>EM </a:t>
+            </a:r>
+            <a:r>
+              <a:rPr lang="sr-Cyrl-RS" dirty="0" smtClean="0"/>
+              <a:t>и </a:t>
+            </a:r>
+            <a:r>
+              <a:rPr lang="en-US" i="1" dirty="0" smtClean="0"/>
+              <a:t>CM</a:t>
+            </a:r>
+            <a:endParaRPr lang="sr-Cyrl-RS" i="1" dirty="0"/>
           </a:p>
         </p:txBody>
       </p:sp>
@@ -23292,7 +24187,7 @@
         </p:spPr>
         <p:txBody>
           <a:bodyPr>
-            <a:normAutofit lnSpcReduction="10000"/>
+            <a:normAutofit/>
           </a:bodyPr>
           <a:lstStyle/>
           <a:p>
@@ -23320,7 +24215,19 @@
             </a:r>
             <a:r>
               <a:rPr lang="ru-RU" dirty="0"/>
-              <a:t>апстракција складиштења видео сигнала и његовог достављања до чипа који врши обраду, односно приказује видео сигнал на одговарајућем излазу </a:t>
+              <a:t>апстракција складиштења видео сигнала </a:t>
+            </a:r>
+            <a:r>
+              <a:rPr lang="ru-RU" dirty="0" smtClean="0"/>
+              <a:t>на платформи и пр</a:t>
+            </a:r>
+            <a:r>
+              <a:rPr lang="en-US" dirty="0"/>
+              <a:t>y</a:t>
+            </a:r>
+            <a:r>
+              <a:rPr lang="ru-RU" dirty="0" smtClean="0"/>
+              <a:t>жа јединствени начин његовог добављања</a:t>
             </a:r>
             <a:endParaRPr lang="en-US" dirty="0"/>
           </a:p>
@@ -23508,9 +24415,14 @@
           </a:p>
           <a:p>
             <a:r>
+              <a:rPr lang="en-US" dirty="0" smtClean="0"/>
+              <a:t>M</a:t>
+            </a:r>
+            <a:r>
               <a:rPr lang="sr-Cyrl-RS" dirty="0" smtClean="0"/>
-              <a:t>Појам магистрале</a:t>
-            </a:r>
+              <a:t>агистрале</a:t>
+            </a:r>
+            <a:endParaRPr lang="sr-Cyrl-RS" dirty="0" smtClean="0"/>
           </a:p>
           <a:p>
             <a:pPr lvl="1"/>
@@ -23660,12 +24572,12 @@
         <p:spPr>
           <a:xfrm>
             <a:off x="838201" y="1847851"/>
-            <a:ext cx="5212403" cy="4008200"/>
+            <a:ext cx="4706565" cy="4066566"/>
           </a:xfrm>
         </p:spPr>
         <p:txBody>
           <a:bodyPr>
-            <a:normAutofit fontScale="92500" lnSpcReduction="20000"/>
+            <a:normAutofit fontScale="62500" lnSpcReduction="20000"/>
           </a:bodyPr>
           <a:lstStyle/>
           <a:p>
@@ -23701,7 +24613,27 @@
             </a:r>
             <a:r>
               <a:rPr lang="ru-RU" dirty="0"/>
-              <a:t>оперативног система, за који је </a:t>
+              <a:t>оперативног </a:t>
+            </a:r>
+            <a:r>
+              <a:rPr lang="ru-RU" dirty="0" smtClean="0"/>
+              <a:t>система</a:t>
+            </a:r>
+            <a:r>
+              <a:rPr lang="en-US" dirty="0" smtClean="0"/>
+              <a:t> (</a:t>
+            </a:r>
+            <a:r>
+              <a:rPr lang="sr-Cyrl-RS" dirty="0" smtClean="0"/>
+              <a:t>дељена меморија и руковање мрежним интерфејсом)</a:t>
+            </a:r>
+            <a:r>
+              <a:rPr lang="ru-RU" dirty="0" smtClean="0"/>
+              <a:t>, </a:t>
+            </a:r>
+            <a:r>
+              <a:rPr lang="ru-RU" dirty="0"/>
+              <a:t>за који је </a:t>
             </a:r>
             <a:r>
               <a:rPr lang="ru-RU" dirty="0" smtClean="0"/>
@@ -23744,9 +24676,38 @@
             </a:r>
             <a:r>
               <a:rPr lang="ru-RU" dirty="0"/>
-              <a:t>видео сигнала, како до удаљених платформи, тако и у оквиру локалне</a:t>
-            </a:r>
-            <a:endParaRPr lang="en-US" dirty="0"/>
+              <a:t>видео сигнала, како до удаљених платформи, тако и у оквиру </a:t>
+            </a:r>
+            <a:r>
+              <a:rPr lang="ru-RU" dirty="0" smtClean="0"/>
+              <a:t>локалне</a:t>
+            </a:r>
+          </a:p>
+          <a:p>
+            <a:r>
+              <a:rPr lang="ru-RU" dirty="0" smtClean="0"/>
+              <a:t>Две компоненте:</a:t>
+            </a:r>
+          </a:p>
+          <a:p>
+            <a:pPr marL="971550" lvl="1" indent="-514350">
+              <a:buFont typeface="+mj-lt"/>
+              <a:buAutoNum type="arabicPeriod"/>
+            </a:pPr>
+            <a:r>
+              <a:rPr lang="ru-RU" dirty="0" smtClean="0"/>
+              <a:t>Спрега за комуникацију са слојем интегрисаним у адаптивну платформу</a:t>
+            </a:r>
+          </a:p>
+          <a:p>
+            <a:pPr marL="971550" lvl="1" indent="-514350">
+              <a:buFont typeface="+mj-lt"/>
+              <a:buAutoNum type="arabicPeriod"/>
+            </a:pPr>
+            <a:r>
+              <a:rPr lang="ru-RU" dirty="0" smtClean="0"/>
+              <a:t>Спрега за комуникацију са апликацијом која обрађује видео сигнал</a:t>
+            </a:r>
           </a:p>
         </p:txBody>
       </p:sp>
@@ -23782,7 +24743,7 @@
           <p:nvPr/>
         </p:nvPicPr>
         <p:blipFill>
-          <a:blip r:embed="rId2">
+          <a:blip r:embed="rId3">
             <a:extLst>
               <a:ext uri="{28A0092B-C50C-407E-A947-70E740481C1C}">
                 <a14:useLocalDpi xmlns:a14="http://schemas.microsoft.com/office/drawing/2010/main" val="0"/>
@@ -23887,7 +24848,7 @@
         </p:spPr>
         <p:txBody>
           <a:bodyPr>
-            <a:normAutofit fontScale="92500" lnSpcReduction="20000"/>
+            <a:normAutofit fontScale="85000" lnSpcReduction="20000"/>
           </a:bodyPr>
           <a:lstStyle/>
           <a:p>
@@ -23914,14 +24875,43 @@
               <a:t>у адаптивну </a:t>
             </a:r>
             <a:r>
+              <a:rPr lang="sr-Cyrl-RS" dirty="0"/>
+              <a:t>платформу, о</a:t>
+            </a:r>
+            <a:r>
               <a:rPr lang="sr-Cyrl-RS" dirty="0" smtClean="0"/>
-              <a:t>платформу</a:t>
-            </a:r>
+              <a:t>слања </a:t>
+            </a:r>
+            <a:r>
+              <a:rPr lang="sr-Cyrl-RS" dirty="0"/>
+              <a:t>се на </a:t>
+            </a:r>
+            <a:r>
+              <a:rPr lang="sr-Cyrl-RS" dirty="0" smtClean="0"/>
+              <a:t>њену </a:t>
+            </a:r>
+            <a:r>
+              <a:rPr lang="en-US" i="1" dirty="0" smtClean="0"/>
+              <a:t>CM</a:t>
+            </a:r>
+            <a:r>
+              <a:rPr lang="en-US" dirty="0" smtClean="0"/>
+              <a:t> </a:t>
+            </a:r>
+            <a:r>
+              <a:rPr lang="sr-Cyrl-RS" dirty="0" smtClean="0"/>
+              <a:t>компоненту</a:t>
+            </a:r>
+            <a:endParaRPr lang="sr-Cyrl-RS" dirty="0" smtClean="0"/>
           </a:p>
           <a:p>
             <a:r>
               <a:rPr lang="ru-RU" dirty="0" smtClean="0"/>
-              <a:t>Улога овог </a:t>
+              <a:t>Улога </a:t>
+            </a:r>
+            <a:r>
+              <a:rPr lang="ru-RU" dirty="0" smtClean="0"/>
+              <a:t>овог </a:t>
             </a:r>
             <a:r>
               <a:rPr lang="ru-RU" dirty="0"/>
@@ -23939,11 +24929,11 @@
             </a:pPr>
             <a:r>
               <a:rPr lang="ru-RU" dirty="0" smtClean="0"/>
-              <a:t> </a:t>
+              <a:t>Покретање </a:t>
             </a:r>
             <a:r>
               <a:rPr lang="ru-RU" dirty="0"/>
-              <a:t>Покретање слоја за апстракцију хардверске </a:t>
+              <a:t>слоја за апстракцију хардверске </a:t>
             </a:r>
             <a:r>
               <a:rPr lang="ru-RU" dirty="0" smtClean="0"/>
@@ -24154,6 +25144,13 @@
   <p:clrMapOvr>
     <a:masterClrMapping/>
   </p:clrMapOvr>
+  <p:timing>
+    <p:tnLst>
+      <p:par>
+        <p:cTn id="1" dur="indefinite" restart="never" nodeType="tmRoot"/>
+      </p:par>
+    </p:tnLst>
+  </p:timing>
 </p:sld>
 </file>
 
@@ -26875,6 +27872,13 @@
   <p:clrMapOvr>
     <a:masterClrMapping/>
   </p:clrMapOvr>
+  <p:timing>
+    <p:tnLst>
+      <p:par>
+        <p:cTn id="1" dur="indefinite" restart="never" nodeType="tmRoot"/>
+      </p:par>
+    </p:tnLst>
+  </p:timing>
 </p:sld>
 </file>
 
@@ -26967,14 +27971,11 @@
             <a:pPr lvl="1"/>
             <a:r>
               <a:rPr lang="sr-Cyrl-RS" dirty="0" smtClean="0"/>
-              <a:t>Развој на оперативном систему са подршком за рад у реалном времену</a:t>
-            </a:r>
-          </a:p>
-          <a:p>
-            <a:pPr lvl="1"/>
+              <a:t>Укључивање </a:t>
+            </a:r>
             <a:r>
               <a:rPr lang="sr-Cyrl-RS" dirty="0" smtClean="0"/>
-              <a:t>Укључивање компоненти подржаних од стране </a:t>
+              <a:t>компоненти подржаних од стране </a:t>
             </a:r>
             <a:r>
               <a:rPr lang="en-US" i="1" dirty="0" smtClean="0"/>
@@ -27014,6 +28015,95 @@
     <p:extLst>
       <p:ext uri="{BB962C8B-B14F-4D97-AF65-F5344CB8AC3E}">
         <p14:creationId xmlns:p14="http://schemas.microsoft.com/office/powerpoint/2010/main" val="3958500372"/>
+      </p:ext>
+    </p:extLst>
+  </p:cSld>
+  <p:clrMapOvr>
+    <a:masterClrMapping/>
+  </p:clrMapOvr>
+  <p:timing>
+    <p:tnLst>
+      <p:par>
+        <p:cTn id="1" dur="indefinite" restart="never" nodeType="tmRoot"/>
+      </p:par>
+    </p:tnLst>
+  </p:timing>
+</p:sld>
+</file>
+
+<file path=ppt/slides/slide39.xml><?xml version="1.0" encoding="utf-8"?>
+<p:sld xmlns:a="http://schemas.openxmlformats.org/drawingml/2006/main" xmlns:r="http://schemas.openxmlformats.org/officeDocument/2006/relationships" xmlns:p="http://schemas.openxmlformats.org/presentationml/2006/main">
+  <p:cSld>
+    <p:spTree>
+      <p:nvGrpSpPr>
+        <p:cNvPr id="1" name=""/>
+        <p:cNvGrpSpPr/>
+        <p:nvPr/>
+      </p:nvGrpSpPr>
+      <p:grpSpPr>
+        <a:xfrm>
+          <a:off x="0" y="0"/>
+          <a:ext cx="0" cy="0"/>
+          <a:chOff x="0" y="0"/>
+          <a:chExt cx="0" cy="0"/>
+        </a:xfrm>
+      </p:grpSpPr>
+      <p:sp>
+        <p:nvSpPr>
+          <p:cNvPr id="2" name="Title 1"/>
+          <p:cNvSpPr>
+            <a:spLocks noGrp="1"/>
+          </p:cNvSpPr>
+          <p:nvPr>
+            <p:ph type="title"/>
+          </p:nvPr>
+        </p:nvSpPr>
+        <p:spPr>
+          <a:xfrm>
+            <a:off x="838200" y="3313485"/>
+            <a:ext cx="10515600" cy="1061449"/>
+          </a:xfrm>
+        </p:spPr>
+        <p:txBody>
+          <a:bodyPr/>
+          <a:lstStyle/>
+          <a:p>
+            <a:pPr algn="ctr"/>
+            <a:r>
+              <a:rPr lang="sr-Cyrl-RS" dirty="0" smtClean="0"/>
+              <a:t>ХВАЛА НА ПАЖЊИ!</a:t>
+            </a:r>
+            <a:endParaRPr lang="en-US" dirty="0"/>
+          </a:p>
+        </p:txBody>
+      </p:sp>
+      <p:sp>
+        <p:nvSpPr>
+          <p:cNvPr id="4" name="Slide Number Placeholder 3"/>
+          <p:cNvSpPr>
+            <a:spLocks noGrp="1"/>
+          </p:cNvSpPr>
+          <p:nvPr>
+            <p:ph type="sldNum" sz="quarter" idx="12"/>
+          </p:nvPr>
+        </p:nvSpPr>
+        <p:spPr/>
+        <p:txBody>
+          <a:bodyPr/>
+          <a:lstStyle/>
+          <a:p>
+            <a:fld id="{D22DBB91-4764-4098-A9EE-EA9330E91630}" type="slidenum">
+              <a:rPr lang="en-GB" smtClean="0"/>
+              <a:t>39</a:t>
+            </a:fld>
+            <a:endParaRPr lang="en-GB"/>
+          </a:p>
+        </p:txBody>
+      </p:sp>
+    </p:spTree>
+    <p:extLst>
+      <p:ext uri="{BB962C8B-B14F-4D97-AF65-F5344CB8AC3E}">
+        <p14:creationId xmlns:p14="http://schemas.microsoft.com/office/powerpoint/2010/main" val="3147758685"/>
       </p:ext>
     </p:extLst>
   </p:cSld>
@@ -27294,6 +28384,13 @@
   <p:clrMapOvr>
     <a:masterClrMapping/>
   </p:clrMapOvr>
+  <p:timing>
+    <p:tnLst>
+      <p:par>
+        <p:cTn id="1" dur="indefinite" restart="never" nodeType="tmRoot"/>
+      </p:par>
+    </p:tnLst>
+  </p:timing>
 </p:sld>
 </file>
 
@@ -27578,7 +28675,15 @@
           <a:p>
             <a:r>
               <a:rPr lang="sr-Cyrl-RS" dirty="0" smtClean="0"/>
-              <a:t>Рад платформи заснованих на овом систему је поуздан, међутим не подржава системе велике процесорксе моћи</a:t>
+              <a:t>Рад платформи заснованих на овом систему је поуздан, међутим не подржава системе велике </a:t>
+            </a:r>
+            <a:r>
+              <a:rPr lang="sr-Cyrl-RS" dirty="0" smtClean="0"/>
+              <a:t>процесорске </a:t>
+            </a:r>
+            <a:r>
+              <a:rPr lang="sr-Cyrl-RS" dirty="0" smtClean="0"/>
+              <a:t>моћи</a:t>
             </a:r>
           </a:p>
           <a:p>
@@ -27765,11 +28870,11 @@
             </a:r>
             <a:r>
               <a:rPr lang="en-US" i="1" dirty="0" smtClean="0"/>
-              <a:t>Execution Manager</a:t>
-            </a:r>
-            <a:r>
-              <a:rPr lang="en-US" i="1" dirty="0"/>
-              <a:t> </a:t>
+              <a:t>Execution </a:t>
+            </a:r>
+            <a:r>
+              <a:rPr lang="en-US" i="1" dirty="0" smtClean="0"/>
+              <a:t>Manager(EM) </a:t>
             </a:r>
             <a:r>
               <a:rPr lang="sr-Cyrl-RS" dirty="0" smtClean="0"/>
@@ -27777,7 +28882,11 @@
             </a:r>
             <a:r>
               <a:rPr lang="en-US" i="1" dirty="0" smtClean="0"/>
-              <a:t>State Management</a:t>
+              <a:t>State </a:t>
+            </a:r>
+            <a:r>
+              <a:rPr lang="en-US" i="1" dirty="0" smtClean="0"/>
+              <a:t>Management(SM)</a:t>
             </a:r>
             <a:r>
               <a:rPr lang="en-US" dirty="0" smtClean="0"/>
@@ -27788,9 +28897,26 @@
               <a:t>комуникацију у оквиру једне и са удаљеним адаптивним платформама (</a:t>
             </a:r>
             <a:r>
+              <a:rPr lang="en-US" i="1" dirty="0" smtClean="0"/>
+              <a:t>Communication </a:t>
+            </a:r>
+            <a:r>
+              <a:rPr lang="en-US" i="1" dirty="0" smtClean="0"/>
+              <a:t>Management</a:t>
+            </a:r>
+            <a:r>
               <a:rPr lang="en-US" dirty="0" smtClean="0"/>
-              <a:t>Communication Management).</a:t>
-            </a:r>
+              <a:t>(</a:t>
+            </a:r>
+            <a:r>
+              <a:rPr lang="en-US" i="1" dirty="0" smtClean="0"/>
+              <a:t>CM</a:t>
+            </a:r>
+            <a:r>
+              <a:rPr lang="en-US" dirty="0" smtClean="0"/>
+              <a:t>)).</a:t>
+            </a:r>
+            <a:endParaRPr lang="en-US" dirty="0" smtClean="0"/>
           </a:p>
         </p:txBody>
       </p:sp>
@@ -27824,7 +28950,7 @@
           <p:nvPr/>
         </p:nvPicPr>
         <p:blipFill>
-          <a:blip r:embed="rId2">
+          <a:blip r:embed="rId3">
             <a:extLst>
               <a:ext uri="{28A0092B-C50C-407E-A947-70E740481C1C}">
                 <a14:useLocalDpi xmlns:a14="http://schemas.microsoft.com/office/drawing/2010/main" val="0"/>
@@ -27953,9 +29079,19 @@
           <a:p>
             <a:r>
               <a:rPr lang="sr-Cyrl-RS" dirty="0" smtClean="0"/>
-              <a:t>Сачињен из великог броја сервиса и апликација</a:t>
-            </a:r>
-            <a:endParaRPr lang="en-US" dirty="0"/>
+              <a:t>Сачињен из великог броја сервиса и </a:t>
+            </a:r>
+            <a:r>
+              <a:rPr lang="sr-Cyrl-RS" dirty="0" smtClean="0"/>
+              <a:t>апликација</a:t>
+            </a:r>
+          </a:p>
+          <a:p>
+            <a:r>
+              <a:rPr lang="en-US" i="1" dirty="0" smtClean="0"/>
+              <a:t>ARA – AUTOSAR Runtime for Adaptive applications</a:t>
+            </a:r>
+            <a:endParaRPr lang="en-US" i="1" dirty="0"/>
           </a:p>
         </p:txBody>
       </p:sp>

--- a/msc-e28-2018-pres.pptx
+++ b/msc-e28-2018-pres.pptx
@@ -5,7 +5,7 @@
     <p:sldMasterId id="2147483660" r:id="rId1"/>
   </p:sldMasterIdLst>
   <p:notesMasterIdLst>
-    <p:notesMasterId r:id="rId41"/>
+    <p:notesMasterId r:id="rId43"/>
   </p:notesMasterIdLst>
   <p:sldIdLst>
     <p:sldId id="256" r:id="rId2"/>
@@ -16,37 +16,39 @@
     <p:sldId id="260" r:id="rId7"/>
     <p:sldId id="261" r:id="rId8"/>
     <p:sldId id="262" r:id="rId9"/>
-    <p:sldId id="292" r:id="rId10"/>
-    <p:sldId id="294" r:id="rId11"/>
-    <p:sldId id="264" r:id="rId12"/>
-    <p:sldId id="265" r:id="rId13"/>
-    <p:sldId id="266" r:id="rId14"/>
-    <p:sldId id="295" r:id="rId15"/>
-    <p:sldId id="267" r:id="rId16"/>
-    <p:sldId id="296" r:id="rId17"/>
-    <p:sldId id="268" r:id="rId18"/>
-    <p:sldId id="277" r:id="rId19"/>
-    <p:sldId id="278" r:id="rId20"/>
-    <p:sldId id="279" r:id="rId21"/>
-    <p:sldId id="280" r:id="rId22"/>
-    <p:sldId id="297" r:id="rId23"/>
-    <p:sldId id="269" r:id="rId24"/>
-    <p:sldId id="283" r:id="rId25"/>
-    <p:sldId id="284" r:id="rId26"/>
-    <p:sldId id="281" r:id="rId27"/>
-    <p:sldId id="285" r:id="rId28"/>
-    <p:sldId id="271" r:id="rId29"/>
-    <p:sldId id="272" r:id="rId30"/>
-    <p:sldId id="273" r:id="rId31"/>
-    <p:sldId id="274" r:id="rId32"/>
-    <p:sldId id="275" r:id="rId33"/>
-    <p:sldId id="276" r:id="rId34"/>
-    <p:sldId id="287" r:id="rId35"/>
-    <p:sldId id="288" r:id="rId36"/>
-    <p:sldId id="289" r:id="rId37"/>
-    <p:sldId id="298" r:id="rId38"/>
-    <p:sldId id="291" r:id="rId39"/>
-    <p:sldId id="299" r:id="rId40"/>
+    <p:sldId id="300" r:id="rId10"/>
+    <p:sldId id="301" r:id="rId11"/>
+    <p:sldId id="292" r:id="rId12"/>
+    <p:sldId id="294" r:id="rId13"/>
+    <p:sldId id="264" r:id="rId14"/>
+    <p:sldId id="265" r:id="rId15"/>
+    <p:sldId id="266" r:id="rId16"/>
+    <p:sldId id="295" r:id="rId17"/>
+    <p:sldId id="267" r:id="rId18"/>
+    <p:sldId id="296" r:id="rId19"/>
+    <p:sldId id="268" r:id="rId20"/>
+    <p:sldId id="277" r:id="rId21"/>
+    <p:sldId id="278" r:id="rId22"/>
+    <p:sldId id="279" r:id="rId23"/>
+    <p:sldId id="280" r:id="rId24"/>
+    <p:sldId id="297" r:id="rId25"/>
+    <p:sldId id="269" r:id="rId26"/>
+    <p:sldId id="283" r:id="rId27"/>
+    <p:sldId id="284" r:id="rId28"/>
+    <p:sldId id="281" r:id="rId29"/>
+    <p:sldId id="285" r:id="rId30"/>
+    <p:sldId id="271" r:id="rId31"/>
+    <p:sldId id="272" r:id="rId32"/>
+    <p:sldId id="273" r:id="rId33"/>
+    <p:sldId id="274" r:id="rId34"/>
+    <p:sldId id="275" r:id="rId35"/>
+    <p:sldId id="276" r:id="rId36"/>
+    <p:sldId id="287" r:id="rId37"/>
+    <p:sldId id="288" r:id="rId38"/>
+    <p:sldId id="289" r:id="rId39"/>
+    <p:sldId id="298" r:id="rId40"/>
+    <p:sldId id="291" r:id="rId41"/>
+    <p:sldId id="299" r:id="rId42"/>
   </p:sldIdLst>
   <p:sldSz cx="12192000" cy="6858000"/>
   <p:notesSz cx="6858000" cy="9144000"/>
@@ -1080,7 +1082,6 @@
           </a:p>
         </c:rich>
       </c:tx>
-      <c:layout/>
       <c:overlay val="0"/>
       <c:spPr>
         <a:noFill/>
@@ -1956,7 +1957,6 @@
           </a:p>
         </c:rich>
       </c:tx>
-      <c:layout/>
       <c:overlay val="0"/>
       <c:spPr>
         <a:noFill/>
@@ -2832,7 +2832,6 @@
           </a:p>
         </c:rich>
       </c:tx>
-      <c:layout/>
       <c:overlay val="0"/>
       <c:spPr>
         <a:noFill/>
@@ -3710,7 +3709,6 @@
           </a:p>
         </c:rich>
       </c:tx>
-      <c:layout/>
       <c:overlay val="0"/>
       <c:spPr>
         <a:noFill/>
@@ -13168,7 +13166,7 @@
           <a:p>
             <a:fld id="{A2D218C2-7343-4502-8DBC-BF026141FD57}" type="datetimeFigureOut">
               <a:rPr lang="en-GB" smtClean="0"/>
-              <a:t>07/06/2020</a:t>
+              <a:t>08/06/2020</a:t>
             </a:fld>
             <a:endParaRPr lang="en-GB"/>
           </a:p>
@@ -14214,14 +14212,6 @@
           <a:bodyPr/>
           <a:lstStyle/>
           <a:p>
-            <a:r>
-              <a:rPr lang="sr-Cyrl-RS" dirty="0" smtClean="0"/>
-              <a:t>Овако оформљена софтверска магистрала</a:t>
-            </a:r>
-            <a:r>
-              <a:rPr lang="sr-Cyrl-RS" baseline="0" dirty="0" smtClean="0"/>
-              <a:t> представља једну функционалну целину коју је могуће верификовати и тестирати њену пропусну моћ.</a:t>
-            </a:r>
             <a:endParaRPr lang="en-US" dirty="0"/>
           </a:p>
         </p:txBody>
@@ -14243,7 +14233,7 @@
           <a:p>
             <a:fld id="{9F10CBF3-37F0-420D-959A-0BF960019D0A}" type="slidenum">
               <a:rPr lang="en-GB" smtClean="0"/>
-              <a:t>22</a:t>
+              <a:t>13</a:t>
             </a:fld>
             <a:endParaRPr lang="en-GB"/>
           </a:p>
@@ -14252,7 +14242,7 @@
     </p:spTree>
     <p:extLst>
       <p:ext uri="{BB962C8B-B14F-4D97-AF65-F5344CB8AC3E}">
-        <p14:creationId xmlns:p14="http://schemas.microsoft.com/office/powerpoint/2010/main" val="2567389548"/>
+        <p14:creationId xmlns:p14="http://schemas.microsoft.com/office/powerpoint/2010/main" val="1055435911"/>
       </p:ext>
     </p:extLst>
   </p:cSld>
@@ -14306,90 +14296,6 @@
           <a:bodyPr/>
           <a:lstStyle/>
           <a:p>
-            <a:r>
-              <a:rPr lang="sr-Cyrl-RS" sz="1200" kern="1200" dirty="0" smtClean="0">
-                <a:solidFill>
-                  <a:schemeClr val="tx1"/>
-                </a:solidFill>
-                <a:effectLst/>
-                <a:latin typeface="+mn-lt"/>
-                <a:ea typeface="+mn-ea"/>
-                <a:cs typeface="+mn-cs"/>
-              </a:rPr>
-              <a:t>Како приликом конфигурисања радног оквира </a:t>
-            </a:r>
-            <a:r>
-              <a:rPr lang="en-US" sz="1200" i="1" kern="1200" dirty="0" smtClean="0">
-                <a:solidFill>
-                  <a:schemeClr val="tx1"/>
-                </a:solidFill>
-                <a:effectLst/>
-                <a:latin typeface="+mn-lt"/>
-                <a:ea typeface="+mn-ea"/>
-                <a:cs typeface="+mn-cs"/>
-              </a:rPr>
-              <a:t>Links &amp; Chains</a:t>
-            </a:r>
-            <a:r>
-              <a:rPr lang="en-US" sz="1200" kern="1200" dirty="0" smtClean="0">
-                <a:solidFill>
-                  <a:schemeClr val="tx1"/>
-                </a:solidFill>
-                <a:effectLst/>
-                <a:latin typeface="+mn-lt"/>
-                <a:ea typeface="+mn-ea"/>
-                <a:cs typeface="+mn-cs"/>
-              </a:rPr>
-              <a:t> </a:t>
-            </a:r>
-            <a:r>
-              <a:rPr lang="sr-Cyrl-RS" sz="1200" kern="1200" dirty="0" smtClean="0">
-                <a:solidFill>
-                  <a:schemeClr val="tx1"/>
-                </a:solidFill>
-                <a:effectLst/>
-                <a:latin typeface="+mn-lt"/>
-                <a:ea typeface="+mn-ea"/>
-                <a:cs typeface="+mn-cs"/>
-              </a:rPr>
-              <a:t>није била омогућена употреба хардверске компоненте за компримовање кроз </a:t>
-            </a:r>
-            <a:r>
-              <a:rPr lang="sr-Latn-RS" sz="1200" i="1" kern="1200" dirty="0" smtClean="0">
-                <a:solidFill>
-                  <a:schemeClr val="tx1"/>
-                </a:solidFill>
-                <a:effectLst/>
-                <a:latin typeface="+mn-lt"/>
-                <a:ea typeface="+mn-ea"/>
-                <a:cs typeface="+mn-cs"/>
-              </a:rPr>
-              <a:t>Linux</a:t>
-            </a:r>
-            <a:r>
-              <a:rPr lang="sr-Latn-RS" sz="1200" kern="1200" dirty="0" smtClean="0">
-                <a:solidFill>
-                  <a:schemeClr val="tx1"/>
-                </a:solidFill>
-                <a:effectLst/>
-                <a:latin typeface="+mn-lt"/>
-                <a:ea typeface="+mn-ea"/>
-                <a:cs typeface="+mn-cs"/>
-              </a:rPr>
-              <a:t> </a:t>
-            </a:r>
-            <a:r>
-              <a:rPr lang="sr-Cyrl-RS" sz="1200" kern="1200" dirty="0" smtClean="0">
-                <a:solidFill>
-                  <a:schemeClr val="tx1"/>
-                </a:solidFill>
-                <a:effectLst/>
-                <a:latin typeface="+mn-lt"/>
-                <a:ea typeface="+mn-ea"/>
-                <a:cs typeface="+mn-cs"/>
-              </a:rPr>
-              <a:t>оперативни систем, ни један од фрејмова дистрибуираних фрејмова није био компримован</a:t>
-            </a:r>
             <a:endParaRPr lang="en-US" dirty="0"/>
           </a:p>
         </p:txBody>
@@ -14411,7 +14317,723 @@
           <a:p>
             <a:fld id="{9F10CBF3-37F0-420D-959A-0BF960019D0A}" type="slidenum">
               <a:rPr lang="en-GB" smtClean="0"/>
-              <a:t>30</a:t>
+              <a:t>22</a:t>
+            </a:fld>
+            <a:endParaRPr lang="en-GB"/>
+          </a:p>
+        </p:txBody>
+      </p:sp>
+    </p:spTree>
+    <p:extLst>
+      <p:ext uri="{BB962C8B-B14F-4D97-AF65-F5344CB8AC3E}">
+        <p14:creationId xmlns:p14="http://schemas.microsoft.com/office/powerpoint/2010/main" val="473062582"/>
+      </p:ext>
+    </p:extLst>
+  </p:cSld>
+  <p:clrMapOvr>
+    <a:masterClrMapping/>
+  </p:clrMapOvr>
+</p:notes>
+</file>
+
+<file path=ppt/notesSlides/notesSlide12.xml><?xml version="1.0" encoding="utf-8"?>
+<p:notes xmlns:a="http://schemas.openxmlformats.org/drawingml/2006/main" xmlns:r="http://schemas.openxmlformats.org/officeDocument/2006/relationships" xmlns:p="http://schemas.openxmlformats.org/presentationml/2006/main">
+  <p:cSld>
+    <p:spTree>
+      <p:nvGrpSpPr>
+        <p:cNvPr id="1" name=""/>
+        <p:cNvGrpSpPr/>
+        <p:nvPr/>
+      </p:nvGrpSpPr>
+      <p:grpSpPr>
+        <a:xfrm>
+          <a:off x="0" y="0"/>
+          <a:ext cx="0" cy="0"/>
+          <a:chOff x="0" y="0"/>
+          <a:chExt cx="0" cy="0"/>
+        </a:xfrm>
+      </p:grpSpPr>
+      <p:sp>
+        <p:nvSpPr>
+          <p:cNvPr id="2" name="Slide Image Placeholder 1"/>
+          <p:cNvSpPr>
+            <a:spLocks noGrp="1" noRot="1" noChangeAspect="1"/>
+          </p:cNvSpPr>
+          <p:nvPr>
+            <p:ph type="sldImg"/>
+          </p:nvPr>
+        </p:nvSpPr>
+        <p:spPr/>
+      </p:sp>
+      <p:sp>
+        <p:nvSpPr>
+          <p:cNvPr id="3" name="Notes Placeholder 2"/>
+          <p:cNvSpPr>
+            <a:spLocks noGrp="1"/>
+          </p:cNvSpPr>
+          <p:nvPr>
+            <p:ph type="body" idx="1"/>
+          </p:nvPr>
+        </p:nvSpPr>
+        <p:spPr/>
+        <p:txBody>
+          <a:bodyPr/>
+          <a:lstStyle/>
+          <a:p>
+            <a:r>
+              <a:rPr lang="sr-Cyrl-RS" sz="1200" b="0" i="0" u="none" strike="noStrike" kern="1200" baseline="0" dirty="0" smtClean="0">
+                <a:solidFill>
+                  <a:schemeClr val="tx1"/>
+                </a:solidFill>
+                <a:latin typeface="+mn-lt"/>
+                <a:ea typeface="+mn-ea"/>
+                <a:cs typeface="+mn-cs"/>
+              </a:rPr>
+              <a:t>Након иницијализације свих компоненти, она објављује своју доступност.</a:t>
+            </a:r>
+            <a:endParaRPr lang="en-US" sz="1200" b="0" i="0" u="none" strike="noStrike" kern="1200" baseline="0" dirty="0" smtClean="0">
+              <a:solidFill>
+                <a:schemeClr val="tx1"/>
+              </a:solidFill>
+              <a:latin typeface="+mn-lt"/>
+              <a:ea typeface="+mn-ea"/>
+              <a:cs typeface="+mn-cs"/>
+            </a:endParaRPr>
+          </a:p>
+          <a:p>
+            <a:r>
+              <a:rPr lang="sr-Cyrl-RS" sz="1200" b="0" i="0" u="none" strike="noStrike" kern="1200" baseline="0" dirty="0" smtClean="0">
+                <a:solidFill>
+                  <a:schemeClr val="tx1"/>
+                </a:solidFill>
+                <a:latin typeface="+mn-lt"/>
+                <a:ea typeface="+mn-ea"/>
+                <a:cs typeface="+mn-cs"/>
+              </a:rPr>
+              <a:t>Остали сервиси и апликације се пријављују на догађаје које овај сервис емитује. Након тога, на одговарајући начин започињу приступању жељеним подацима.</a:t>
+            </a:r>
+          </a:p>
+          <a:p>
+            <a:endParaRPr lang="sr-Cyrl-RS" sz="1200" b="0" i="0" u="none" strike="noStrike" kern="1200" baseline="0" dirty="0" smtClean="0">
+              <a:solidFill>
+                <a:schemeClr val="tx1"/>
+              </a:solidFill>
+              <a:latin typeface="+mn-lt"/>
+              <a:ea typeface="+mn-ea"/>
+              <a:cs typeface="+mn-cs"/>
+            </a:endParaRPr>
+          </a:p>
+          <a:p>
+            <a:r>
+              <a:rPr lang="en-US" sz="1200" b="0" i="0" u="none" strike="noStrike" kern="1200" baseline="0" dirty="0" err="1" smtClean="0">
+                <a:solidFill>
+                  <a:schemeClr val="tx1"/>
+                </a:solidFill>
+                <a:latin typeface="+mn-lt"/>
+                <a:ea typeface="+mn-ea"/>
+                <a:cs typeface="+mn-cs"/>
+              </a:rPr>
+              <a:t>Definisani</a:t>
+            </a:r>
+            <a:r>
+              <a:rPr lang="en-US" sz="1200" b="0" i="0" u="none" strike="noStrike" kern="1200" baseline="0" dirty="0" smtClean="0">
+                <a:solidFill>
+                  <a:schemeClr val="tx1"/>
+                </a:solidFill>
+                <a:latin typeface="+mn-lt"/>
+                <a:ea typeface="+mn-ea"/>
+                <a:cs typeface="+mn-cs"/>
+              </a:rPr>
+              <a:t> </a:t>
+            </a:r>
+            <a:r>
+              <a:rPr lang="en-US" sz="1200" b="0" i="0" u="none" strike="noStrike" kern="1200" baseline="0" dirty="0" err="1" smtClean="0">
+                <a:solidFill>
+                  <a:schemeClr val="tx1"/>
+                </a:solidFill>
+                <a:latin typeface="+mn-lt"/>
+                <a:ea typeface="+mn-ea"/>
+                <a:cs typeface="+mn-cs"/>
+              </a:rPr>
+              <a:t>dogadjaji</a:t>
+            </a:r>
+            <a:r>
+              <a:rPr lang="en-US" sz="1200" b="0" i="0" u="none" strike="noStrike" kern="1200" baseline="0" dirty="0" smtClean="0">
+                <a:solidFill>
+                  <a:schemeClr val="tx1"/>
+                </a:solidFill>
+                <a:latin typeface="+mn-lt"/>
+                <a:ea typeface="+mn-ea"/>
+                <a:cs typeface="+mn-cs"/>
+              </a:rPr>
+              <a:t> </a:t>
+            </a:r>
+            <a:r>
+              <a:rPr lang="en-US" sz="1200" b="0" i="0" u="none" strike="noStrike" kern="1200" baseline="0" dirty="0" err="1" smtClean="0">
+                <a:solidFill>
+                  <a:schemeClr val="tx1"/>
+                </a:solidFill>
+                <a:latin typeface="+mn-lt"/>
+                <a:ea typeface="+mn-ea"/>
+                <a:cs typeface="+mn-cs"/>
+              </a:rPr>
+              <a:t>koje</a:t>
+            </a:r>
+            <a:r>
+              <a:rPr lang="en-US" sz="1200" b="0" i="0" u="none" strike="noStrike" kern="1200" baseline="0" dirty="0" smtClean="0">
+                <a:solidFill>
+                  <a:schemeClr val="tx1"/>
+                </a:solidFill>
+                <a:latin typeface="+mn-lt"/>
+                <a:ea typeface="+mn-ea"/>
+                <a:cs typeface="+mn-cs"/>
+              </a:rPr>
+              <a:t> ova </a:t>
+            </a:r>
+            <a:r>
+              <a:rPr lang="en-US" sz="1200" b="0" i="0" u="none" strike="noStrike" kern="1200" baseline="0" dirty="0" err="1" smtClean="0">
+                <a:solidFill>
+                  <a:schemeClr val="tx1"/>
+                </a:solidFill>
+                <a:latin typeface="+mn-lt"/>
+                <a:ea typeface="+mn-ea"/>
+                <a:cs typeface="+mn-cs"/>
+              </a:rPr>
+              <a:t>komponenta</a:t>
+            </a:r>
+            <a:r>
+              <a:rPr lang="en-US" sz="1200" b="0" i="0" u="none" strike="noStrike" kern="1200" baseline="0" dirty="0" smtClean="0">
+                <a:solidFill>
+                  <a:schemeClr val="tx1"/>
+                </a:solidFill>
+                <a:latin typeface="+mn-lt"/>
+                <a:ea typeface="+mn-ea"/>
+                <a:cs typeface="+mn-cs"/>
+              </a:rPr>
+              <a:t> </a:t>
+            </a:r>
+            <a:r>
+              <a:rPr lang="en-US" sz="1200" b="0" i="0" u="none" strike="noStrike" kern="1200" baseline="0" dirty="0" err="1" smtClean="0">
+                <a:solidFill>
+                  <a:schemeClr val="tx1"/>
+                </a:solidFill>
+                <a:latin typeface="+mn-lt"/>
+                <a:ea typeface="+mn-ea"/>
+                <a:cs typeface="+mn-cs"/>
+              </a:rPr>
+              <a:t>objavljuje</a:t>
+            </a:r>
+            <a:r>
+              <a:rPr lang="en-US" sz="1200" b="0" i="0" u="none" strike="noStrike" kern="1200" baseline="0" dirty="0" smtClean="0">
+                <a:solidFill>
+                  <a:schemeClr val="tx1"/>
+                </a:solidFill>
+                <a:latin typeface="+mn-lt"/>
+                <a:ea typeface="+mn-ea"/>
+                <a:cs typeface="+mn-cs"/>
+              </a:rPr>
+              <a:t>:</a:t>
+            </a:r>
+            <a:endParaRPr lang="sr-Cyrl-RS" sz="1200" b="0" i="0" u="none" strike="noStrike" kern="1200" baseline="0" dirty="0" smtClean="0">
+              <a:solidFill>
+                <a:schemeClr val="tx1"/>
+              </a:solidFill>
+              <a:latin typeface="+mn-lt"/>
+              <a:ea typeface="+mn-ea"/>
+              <a:cs typeface="+mn-cs"/>
+            </a:endParaRPr>
+          </a:p>
+          <a:p>
+            <a:r>
+              <a:rPr lang="en-US" sz="1200" b="0" i="0" u="none" strike="noStrike" kern="1200" baseline="0" dirty="0" smtClean="0">
+                <a:solidFill>
+                  <a:schemeClr val="tx1"/>
+                </a:solidFill>
+                <a:latin typeface="+mn-lt"/>
+                <a:ea typeface="+mn-ea"/>
+                <a:cs typeface="+mn-cs"/>
+              </a:rPr>
+              <a:t>1. </a:t>
+            </a:r>
+            <a:r>
+              <a:rPr lang="en-US" sz="1200" b="0" i="1" u="none" strike="noStrike" kern="1200" baseline="0" dirty="0" smtClean="0">
+                <a:solidFill>
+                  <a:schemeClr val="tx1"/>
+                </a:solidFill>
+                <a:latin typeface="+mn-lt"/>
+                <a:ea typeface="+mn-ea"/>
+                <a:cs typeface="+mn-cs"/>
+              </a:rPr>
+              <a:t>Remote events </a:t>
+            </a:r>
+            <a:r>
+              <a:rPr lang="en-US" sz="1200" b="0" i="0" u="none" strike="noStrike" kern="1200" baseline="0" dirty="0" smtClean="0">
+                <a:solidFill>
+                  <a:schemeClr val="tx1"/>
+                </a:solidFill>
+                <a:latin typeface="+mn-lt"/>
+                <a:ea typeface="+mn-ea"/>
+                <a:cs typeface="+mn-cs"/>
+              </a:rPr>
+              <a:t>– </a:t>
+            </a:r>
+            <a:r>
+              <a:rPr lang="sr-Cyrl-RS" sz="1200" b="0" i="0" u="none" strike="noStrike" kern="1200" baseline="0" dirty="0" smtClean="0">
+                <a:solidFill>
+                  <a:schemeClr val="tx1"/>
+                </a:solidFill>
+                <a:latin typeface="+mn-lt"/>
+                <a:ea typeface="+mn-ea"/>
+                <a:cs typeface="+mn-cs"/>
+              </a:rPr>
+              <a:t>удаљени догађаји – представљају догађаје који се достављају информације компонентама које су на удаљеној платформи. Осим информација о фрејму, ови догађаји пружају податке попут </a:t>
+            </a:r>
+            <a:r>
+              <a:rPr lang="en-US" sz="1200" b="0" i="1" u="none" strike="noStrike" kern="1200" baseline="0" dirty="0" smtClean="0">
+                <a:solidFill>
+                  <a:schemeClr val="tx1"/>
+                </a:solidFill>
+                <a:latin typeface="+mn-lt"/>
+                <a:ea typeface="+mn-ea"/>
+                <a:cs typeface="+mn-cs"/>
+              </a:rPr>
+              <a:t>IP </a:t>
+            </a:r>
+            <a:r>
+              <a:rPr lang="sr-Cyrl-RS" sz="1200" b="0" i="0" u="none" strike="noStrike" kern="1200" baseline="0" dirty="0" smtClean="0">
+                <a:solidFill>
+                  <a:schemeClr val="tx1"/>
+                </a:solidFill>
+                <a:latin typeface="+mn-lt"/>
+                <a:ea typeface="+mn-ea"/>
+                <a:cs typeface="+mn-cs"/>
+              </a:rPr>
+              <a:t>адресе и порта, како би се конфигурисала клијентска </a:t>
+            </a:r>
+            <a:r>
+              <a:rPr lang="en-US" sz="1200" b="0" i="1" u="none" strike="noStrike" kern="1200" baseline="0" dirty="0" smtClean="0">
+                <a:solidFill>
+                  <a:schemeClr val="tx1"/>
+                </a:solidFill>
+                <a:latin typeface="+mn-lt"/>
+                <a:ea typeface="+mn-ea"/>
+                <a:cs typeface="+mn-cs"/>
+              </a:rPr>
+              <a:t>TCP/IP </a:t>
+            </a:r>
+            <a:r>
+              <a:rPr lang="sr-Cyrl-RS" sz="1200" b="0" i="0" u="none" strike="noStrike" kern="1200" baseline="0" dirty="0" smtClean="0">
+                <a:solidFill>
+                  <a:schemeClr val="tx1"/>
+                </a:solidFill>
+                <a:latin typeface="+mn-lt"/>
+                <a:ea typeface="+mn-ea"/>
+                <a:cs typeface="+mn-cs"/>
+              </a:rPr>
+              <a:t>компонента, којом се приступа удаљеној платформи. </a:t>
+            </a:r>
+          </a:p>
+          <a:p>
+            <a:r>
+              <a:rPr lang="en-US" sz="1200" b="0" i="0" u="none" strike="noStrike" kern="1200" baseline="0" dirty="0" smtClean="0">
+                <a:solidFill>
+                  <a:schemeClr val="tx1"/>
+                </a:solidFill>
+                <a:latin typeface="+mn-lt"/>
+                <a:ea typeface="+mn-ea"/>
+                <a:cs typeface="+mn-cs"/>
+              </a:rPr>
+              <a:t>2. </a:t>
+            </a:r>
+            <a:r>
+              <a:rPr lang="en-US" sz="1200" b="0" i="1" u="none" strike="noStrike" kern="1200" baseline="0" dirty="0" smtClean="0">
+                <a:solidFill>
+                  <a:schemeClr val="tx1"/>
+                </a:solidFill>
+                <a:latin typeface="+mn-lt"/>
+                <a:ea typeface="+mn-ea"/>
+                <a:cs typeface="+mn-cs"/>
+              </a:rPr>
+              <a:t>Local events </a:t>
+            </a:r>
+            <a:r>
+              <a:rPr lang="en-US" sz="1200" b="0" i="0" u="none" strike="noStrike" kern="1200" baseline="0" dirty="0" smtClean="0">
+                <a:solidFill>
+                  <a:schemeClr val="tx1"/>
+                </a:solidFill>
+                <a:latin typeface="+mn-lt"/>
+                <a:ea typeface="+mn-ea"/>
+                <a:cs typeface="+mn-cs"/>
+              </a:rPr>
+              <a:t>– </a:t>
+            </a:r>
+            <a:r>
+              <a:rPr lang="sr-Cyrl-RS" sz="1200" b="0" i="0" u="none" strike="noStrike" kern="1200" baseline="0" dirty="0" smtClean="0">
+                <a:solidFill>
+                  <a:schemeClr val="tx1"/>
+                </a:solidFill>
+                <a:latin typeface="+mn-lt"/>
+                <a:ea typeface="+mn-ea"/>
+                <a:cs typeface="+mn-cs"/>
+              </a:rPr>
+              <a:t>локални догађаји – представљају догађаје који се достављају информације компонентама које су на локалној платформи. Поред информација о фрејму, ови догађаји пружају податке попут кључа којим се приступа ресурсу дељене меморије. </a:t>
+            </a:r>
+          </a:p>
+          <a:p>
+            <a:endParaRPr lang="sr-Cyrl-RS" sz="1200" b="0" i="0" u="none" strike="noStrike" kern="1200" baseline="0" dirty="0" smtClean="0">
+              <a:solidFill>
+                <a:schemeClr val="tx1"/>
+              </a:solidFill>
+              <a:latin typeface="+mn-lt"/>
+              <a:ea typeface="+mn-ea"/>
+              <a:cs typeface="+mn-cs"/>
+            </a:endParaRPr>
+          </a:p>
+          <a:p>
+            <a:r>
+              <a:rPr lang="ru-RU" sz="1200" b="0" i="0" u="none" strike="noStrike" kern="1200" baseline="0" dirty="0" smtClean="0">
+                <a:solidFill>
+                  <a:schemeClr val="tx1"/>
+                </a:solidFill>
+                <a:latin typeface="+mn-lt"/>
+                <a:ea typeface="+mn-ea"/>
+                <a:cs typeface="+mn-cs"/>
+              </a:rPr>
+              <a:t>Дефинисањем ових догађај достављају се следеће информације: </a:t>
+            </a:r>
+          </a:p>
+          <a:p>
+            <a:r>
+              <a:rPr lang="sr-Cyrl-RS" sz="1200" b="0" i="0" u="none" strike="noStrike" kern="1200" baseline="0" dirty="0" smtClean="0">
+                <a:solidFill>
+                  <a:schemeClr val="tx1"/>
+                </a:solidFill>
+                <a:latin typeface="+mn-lt"/>
+                <a:ea typeface="+mn-ea"/>
+                <a:cs typeface="+mn-cs"/>
+              </a:rPr>
+              <a:t>1. Ширина фрејма; </a:t>
+            </a:r>
+          </a:p>
+          <a:p>
+            <a:r>
+              <a:rPr lang="sr-Cyrl-RS" sz="1200" b="0" i="0" u="none" strike="noStrike" kern="1200" baseline="0" dirty="0" smtClean="0">
+                <a:solidFill>
+                  <a:schemeClr val="tx1"/>
+                </a:solidFill>
+                <a:latin typeface="+mn-lt"/>
+                <a:ea typeface="+mn-ea"/>
+                <a:cs typeface="+mn-cs"/>
+              </a:rPr>
+              <a:t>2. Висина фрејма; </a:t>
+            </a:r>
+          </a:p>
+          <a:p>
+            <a:r>
+              <a:rPr lang="sr-Cyrl-RS" sz="1200" b="0" i="0" u="none" strike="noStrike" kern="1200" baseline="0" dirty="0" smtClean="0">
+                <a:solidFill>
+                  <a:schemeClr val="tx1"/>
+                </a:solidFill>
+                <a:latin typeface="+mn-lt"/>
+                <a:ea typeface="+mn-ea"/>
+                <a:cs typeface="+mn-cs"/>
+              </a:rPr>
+              <a:t>3. Величина целог фрејма. </a:t>
+            </a:r>
+          </a:p>
+          <a:p>
+            <a:endParaRPr lang="sr-Cyrl-RS" sz="1200" b="0" i="0" u="none" strike="noStrike" kern="1200" baseline="0" dirty="0" smtClean="0">
+              <a:solidFill>
+                <a:schemeClr val="tx1"/>
+              </a:solidFill>
+              <a:latin typeface="+mn-lt"/>
+              <a:ea typeface="+mn-ea"/>
+              <a:cs typeface="+mn-cs"/>
+            </a:endParaRPr>
+          </a:p>
+          <a:p>
+            <a:endParaRPr lang="en-US" dirty="0"/>
+          </a:p>
+        </p:txBody>
+      </p:sp>
+      <p:sp>
+        <p:nvSpPr>
+          <p:cNvPr id="4" name="Slide Number Placeholder 3"/>
+          <p:cNvSpPr>
+            <a:spLocks noGrp="1"/>
+          </p:cNvSpPr>
+          <p:nvPr>
+            <p:ph type="sldNum" sz="quarter" idx="10"/>
+          </p:nvPr>
+        </p:nvSpPr>
+        <p:spPr/>
+        <p:txBody>
+          <a:bodyPr/>
+          <a:lstStyle/>
+          <a:p>
+            <a:fld id="{9F10CBF3-37F0-420D-959A-0BF960019D0A}" type="slidenum">
+              <a:rPr lang="en-GB" smtClean="0"/>
+              <a:t>23</a:t>
+            </a:fld>
+            <a:endParaRPr lang="en-GB"/>
+          </a:p>
+        </p:txBody>
+      </p:sp>
+    </p:spTree>
+    <p:extLst>
+      <p:ext uri="{BB962C8B-B14F-4D97-AF65-F5344CB8AC3E}">
+        <p14:creationId xmlns:p14="http://schemas.microsoft.com/office/powerpoint/2010/main" val="2212464608"/>
+      </p:ext>
+    </p:extLst>
+  </p:cSld>
+  <p:clrMapOvr>
+    <a:masterClrMapping/>
+  </p:clrMapOvr>
+</p:notes>
+</file>
+
+<file path=ppt/notesSlides/notesSlide13.xml><?xml version="1.0" encoding="utf-8"?>
+<p:notes xmlns:a="http://schemas.openxmlformats.org/drawingml/2006/main" xmlns:r="http://schemas.openxmlformats.org/officeDocument/2006/relationships" xmlns:p="http://schemas.openxmlformats.org/presentationml/2006/main">
+  <p:cSld>
+    <p:spTree>
+      <p:nvGrpSpPr>
+        <p:cNvPr id="1" name=""/>
+        <p:cNvGrpSpPr/>
+        <p:nvPr/>
+      </p:nvGrpSpPr>
+      <p:grpSpPr>
+        <a:xfrm>
+          <a:off x="0" y="0"/>
+          <a:ext cx="0" cy="0"/>
+          <a:chOff x="0" y="0"/>
+          <a:chExt cx="0" cy="0"/>
+        </a:xfrm>
+      </p:grpSpPr>
+      <p:sp>
+        <p:nvSpPr>
+          <p:cNvPr id="2" name="Slide Image Placeholder 1"/>
+          <p:cNvSpPr>
+            <a:spLocks noGrp="1" noRot="1" noChangeAspect="1"/>
+          </p:cNvSpPr>
+          <p:nvPr>
+            <p:ph type="sldImg"/>
+          </p:nvPr>
+        </p:nvSpPr>
+        <p:spPr/>
+      </p:sp>
+      <p:sp>
+        <p:nvSpPr>
+          <p:cNvPr id="3" name="Notes Placeholder 2"/>
+          <p:cNvSpPr>
+            <a:spLocks noGrp="1"/>
+          </p:cNvSpPr>
+          <p:nvPr>
+            <p:ph type="body" idx="1"/>
+          </p:nvPr>
+        </p:nvSpPr>
+        <p:spPr/>
+        <p:txBody>
+          <a:bodyPr/>
+          <a:lstStyle/>
+          <a:p>
+            <a:r>
+              <a:rPr lang="sr-Cyrl-RS" dirty="0" smtClean="0"/>
+              <a:t>Овако оформљена софтверска магистрала</a:t>
+            </a:r>
+            <a:r>
+              <a:rPr lang="sr-Cyrl-RS" baseline="0" dirty="0" smtClean="0"/>
+              <a:t> представља једну функционалну целину коју је могуће верификовати и тестирати њену пропусну моћ.</a:t>
+            </a:r>
+            <a:endParaRPr lang="en-US" dirty="0"/>
+          </a:p>
+        </p:txBody>
+      </p:sp>
+      <p:sp>
+        <p:nvSpPr>
+          <p:cNvPr id="4" name="Slide Number Placeholder 3"/>
+          <p:cNvSpPr>
+            <a:spLocks noGrp="1"/>
+          </p:cNvSpPr>
+          <p:nvPr>
+            <p:ph type="sldNum" sz="quarter" idx="10"/>
+          </p:nvPr>
+        </p:nvSpPr>
+        <p:spPr/>
+        <p:txBody>
+          <a:bodyPr/>
+          <a:lstStyle/>
+          <a:p>
+            <a:fld id="{9F10CBF3-37F0-420D-959A-0BF960019D0A}" type="slidenum">
+              <a:rPr lang="en-GB" smtClean="0"/>
+              <a:t>24</a:t>
+            </a:fld>
+            <a:endParaRPr lang="en-GB"/>
+          </a:p>
+        </p:txBody>
+      </p:sp>
+    </p:spTree>
+    <p:extLst>
+      <p:ext uri="{BB962C8B-B14F-4D97-AF65-F5344CB8AC3E}">
+        <p14:creationId xmlns:p14="http://schemas.microsoft.com/office/powerpoint/2010/main" val="2567389548"/>
+      </p:ext>
+    </p:extLst>
+  </p:cSld>
+  <p:clrMapOvr>
+    <a:masterClrMapping/>
+  </p:clrMapOvr>
+</p:notes>
+</file>
+
+<file path=ppt/notesSlides/notesSlide14.xml><?xml version="1.0" encoding="utf-8"?>
+<p:notes xmlns:a="http://schemas.openxmlformats.org/drawingml/2006/main" xmlns:r="http://schemas.openxmlformats.org/officeDocument/2006/relationships" xmlns:p="http://schemas.openxmlformats.org/presentationml/2006/main">
+  <p:cSld>
+    <p:spTree>
+      <p:nvGrpSpPr>
+        <p:cNvPr id="1" name=""/>
+        <p:cNvGrpSpPr/>
+        <p:nvPr/>
+      </p:nvGrpSpPr>
+      <p:grpSpPr>
+        <a:xfrm>
+          <a:off x="0" y="0"/>
+          <a:ext cx="0" cy="0"/>
+          <a:chOff x="0" y="0"/>
+          <a:chExt cx="0" cy="0"/>
+        </a:xfrm>
+      </p:grpSpPr>
+      <p:sp>
+        <p:nvSpPr>
+          <p:cNvPr id="2" name="Slide Image Placeholder 1"/>
+          <p:cNvSpPr>
+            <a:spLocks noGrp="1" noRot="1" noChangeAspect="1"/>
+          </p:cNvSpPr>
+          <p:nvPr>
+            <p:ph type="sldImg"/>
+          </p:nvPr>
+        </p:nvSpPr>
+        <p:spPr/>
+      </p:sp>
+      <p:sp>
+        <p:nvSpPr>
+          <p:cNvPr id="3" name="Notes Placeholder 2"/>
+          <p:cNvSpPr>
+            <a:spLocks noGrp="1"/>
+          </p:cNvSpPr>
+          <p:nvPr>
+            <p:ph type="body" idx="1"/>
+          </p:nvPr>
+        </p:nvSpPr>
+        <p:spPr/>
+        <p:txBody>
+          <a:bodyPr/>
+          <a:lstStyle/>
+          <a:p>
+            <a:r>
+              <a:rPr lang="sr-Cyrl-RS" sz="1200" kern="1200" dirty="0" smtClean="0">
+                <a:solidFill>
+                  <a:schemeClr val="tx1"/>
+                </a:solidFill>
+                <a:effectLst/>
+                <a:latin typeface="+mn-lt"/>
+                <a:ea typeface="+mn-ea"/>
+                <a:cs typeface="+mn-cs"/>
+              </a:rPr>
+              <a:t>Како приликом конфигурисања радног оквира </a:t>
+            </a:r>
+            <a:r>
+              <a:rPr lang="en-US" sz="1200" i="1" kern="1200" dirty="0" smtClean="0">
+                <a:solidFill>
+                  <a:schemeClr val="tx1"/>
+                </a:solidFill>
+                <a:effectLst/>
+                <a:latin typeface="+mn-lt"/>
+                <a:ea typeface="+mn-ea"/>
+                <a:cs typeface="+mn-cs"/>
+              </a:rPr>
+              <a:t>Links &amp; Chains</a:t>
+            </a:r>
+            <a:r>
+              <a:rPr lang="en-US" sz="1200" kern="1200" dirty="0" smtClean="0">
+                <a:solidFill>
+                  <a:schemeClr val="tx1"/>
+                </a:solidFill>
+                <a:effectLst/>
+                <a:latin typeface="+mn-lt"/>
+                <a:ea typeface="+mn-ea"/>
+                <a:cs typeface="+mn-cs"/>
+              </a:rPr>
+              <a:t> </a:t>
+            </a:r>
+            <a:r>
+              <a:rPr lang="sr-Cyrl-RS" sz="1200" kern="1200" dirty="0" smtClean="0">
+                <a:solidFill>
+                  <a:schemeClr val="tx1"/>
+                </a:solidFill>
+                <a:effectLst/>
+                <a:latin typeface="+mn-lt"/>
+                <a:ea typeface="+mn-ea"/>
+                <a:cs typeface="+mn-cs"/>
+              </a:rPr>
+              <a:t>није била омогућена употреба хардверске компоненте за компримовање кроз </a:t>
+            </a:r>
+            <a:r>
+              <a:rPr lang="sr-Latn-RS" sz="1200" i="1" kern="1200" dirty="0" smtClean="0">
+                <a:solidFill>
+                  <a:schemeClr val="tx1"/>
+                </a:solidFill>
+                <a:effectLst/>
+                <a:latin typeface="+mn-lt"/>
+                <a:ea typeface="+mn-ea"/>
+                <a:cs typeface="+mn-cs"/>
+              </a:rPr>
+              <a:t>Linux</a:t>
+            </a:r>
+            <a:r>
+              <a:rPr lang="sr-Latn-RS" sz="1200" kern="1200" dirty="0" smtClean="0">
+                <a:solidFill>
+                  <a:schemeClr val="tx1"/>
+                </a:solidFill>
+                <a:effectLst/>
+                <a:latin typeface="+mn-lt"/>
+                <a:ea typeface="+mn-ea"/>
+                <a:cs typeface="+mn-cs"/>
+              </a:rPr>
+              <a:t> </a:t>
+            </a:r>
+            <a:r>
+              <a:rPr lang="sr-Cyrl-RS" sz="1200" kern="1200" dirty="0" smtClean="0">
+                <a:solidFill>
+                  <a:schemeClr val="tx1"/>
+                </a:solidFill>
+                <a:effectLst/>
+                <a:latin typeface="+mn-lt"/>
+                <a:ea typeface="+mn-ea"/>
+                <a:cs typeface="+mn-cs"/>
+              </a:rPr>
+              <a:t>оперативни систем, ни један од фрејмова дистрибуираних фрејмова није био компримован</a:t>
+            </a:r>
+            <a:endParaRPr lang="en-US" dirty="0"/>
+          </a:p>
+        </p:txBody>
+      </p:sp>
+      <p:sp>
+        <p:nvSpPr>
+          <p:cNvPr id="4" name="Slide Number Placeholder 3"/>
+          <p:cNvSpPr>
+            <a:spLocks noGrp="1"/>
+          </p:cNvSpPr>
+          <p:nvPr>
+            <p:ph type="sldNum" sz="quarter" idx="10"/>
+          </p:nvPr>
+        </p:nvSpPr>
+        <p:spPr/>
+        <p:txBody>
+          <a:bodyPr/>
+          <a:lstStyle/>
+          <a:p>
+            <a:fld id="{9F10CBF3-37F0-420D-959A-0BF960019D0A}" type="slidenum">
+              <a:rPr lang="en-GB" smtClean="0"/>
+              <a:t>32</a:t>
             </a:fld>
             <a:endParaRPr lang="en-GB"/>
           </a:p>
@@ -18232,7 +18854,100 @@
           <a:bodyPr/>
           <a:lstStyle/>
           <a:p>
-            <a:endParaRPr lang="en-US" dirty="0"/>
+            <a:r>
+              <a:rPr lang="en-US" dirty="0" err="1" smtClean="0"/>
+              <a:t>Koegzistira</a:t>
+            </a:r>
+            <a:r>
+              <a:rPr lang="en-US" dirty="0" smtClean="0"/>
+              <a:t> </a:t>
+            </a:r>
+            <a:r>
+              <a:rPr lang="en-US" dirty="0" err="1" smtClean="0"/>
+              <a:t>sa</a:t>
+            </a:r>
+            <a:r>
+              <a:rPr lang="en-US" dirty="0" smtClean="0"/>
+              <a:t> AUTOSAR</a:t>
+            </a:r>
+            <a:r>
+              <a:rPr lang="en-US" baseline="0" dirty="0" smtClean="0"/>
+              <a:t> </a:t>
+            </a:r>
+            <a:r>
+              <a:rPr lang="en-US" baseline="0" dirty="0" err="1" smtClean="0"/>
+              <a:t>classicom</a:t>
+            </a:r>
+            <a:r>
+              <a:rPr lang="en-US" baseline="0" dirty="0" smtClean="0"/>
+              <a:t>, </a:t>
+            </a:r>
+            <a:r>
+              <a:rPr lang="en-US" baseline="0" dirty="0" err="1" smtClean="0"/>
+              <a:t>nije</a:t>
+            </a:r>
+            <a:r>
+              <a:rPr lang="en-US" baseline="0" dirty="0" smtClean="0"/>
+              <a:t> mu </a:t>
+            </a:r>
+            <a:r>
+              <a:rPr lang="en-US" baseline="0" dirty="0" err="1" smtClean="0"/>
+              <a:t>ideja</a:t>
+            </a:r>
+            <a:r>
+              <a:rPr lang="en-US" baseline="0" dirty="0" smtClean="0"/>
+              <a:t> da </a:t>
+            </a:r>
+            <a:r>
+              <a:rPr lang="en-US" baseline="0" dirty="0" err="1" smtClean="0"/>
+              <a:t>ga</a:t>
+            </a:r>
+            <a:r>
+              <a:rPr lang="en-US" baseline="0" dirty="0" smtClean="0"/>
+              <a:t> </a:t>
+            </a:r>
+            <a:r>
+              <a:rPr lang="en-US" baseline="0" dirty="0" err="1" smtClean="0"/>
+              <a:t>zameni</a:t>
+            </a:r>
+            <a:r>
+              <a:rPr lang="en-US" baseline="0" dirty="0" smtClean="0"/>
+              <a:t>.</a:t>
+            </a:r>
+            <a:endParaRPr lang="en-US" dirty="0" smtClean="0"/>
+          </a:p>
+          <a:p>
+            <a:r>
+              <a:rPr lang="en-US" dirty="0" smtClean="0"/>
+              <a:t>ARA</a:t>
+            </a:r>
+            <a:r>
+              <a:rPr lang="en-US" baseline="0" dirty="0" smtClean="0"/>
+              <a:t> – Adaptive AUTOSAR execution ENVIRONMENT – </a:t>
+            </a:r>
+            <a:r>
+              <a:rPr lang="en-US" baseline="0" dirty="0" err="1" smtClean="0"/>
+              <a:t>realizacija</a:t>
+            </a:r>
+            <a:r>
+              <a:rPr lang="en-US" baseline="0" dirty="0" smtClean="0"/>
+              <a:t> </a:t>
+            </a:r>
+            <a:r>
+              <a:rPr lang="en-US" baseline="0" dirty="0" err="1" smtClean="0"/>
+              <a:t>prosirenja</a:t>
+            </a:r>
+            <a:endParaRPr lang="sr-Cyrl-RS" baseline="0" dirty="0" smtClean="0"/>
+          </a:p>
+          <a:p>
+            <a:r>
+              <a:rPr lang="sr-Latn-RS" b="1" baseline="0" dirty="0" smtClean="0"/>
+              <a:t>Kratak opis EM, SM i CM</a:t>
+            </a:r>
+            <a:endParaRPr lang="en-US" b="1" baseline="0" dirty="0" smtClean="0"/>
+          </a:p>
+          <a:p>
+            <a:endParaRPr lang="en-US" baseline="0" dirty="0" smtClean="0"/>
           </a:p>
         </p:txBody>
       </p:sp>
@@ -18253,7 +18968,7 @@
           <a:p>
             <a:fld id="{9F10CBF3-37F0-420D-959A-0BF960019D0A}" type="slidenum">
               <a:rPr lang="en-GB" smtClean="0"/>
-              <a:t>11</a:t>
+              <a:t>9</a:t>
             </a:fld>
             <a:endParaRPr lang="en-GB"/>
           </a:p>
@@ -18262,7 +18977,7 @@
     </p:spTree>
     <p:extLst>
       <p:ext uri="{BB962C8B-B14F-4D97-AF65-F5344CB8AC3E}">
-        <p14:creationId xmlns:p14="http://schemas.microsoft.com/office/powerpoint/2010/main" val="1055435911"/>
+        <p14:creationId xmlns:p14="http://schemas.microsoft.com/office/powerpoint/2010/main" val="2132711509"/>
       </p:ext>
     </p:extLst>
   </p:cSld>
@@ -18316,7 +19031,117 @@
           <a:bodyPr/>
           <a:lstStyle/>
           <a:p>
-            <a:endParaRPr lang="en-US" dirty="0"/>
+            <a:r>
+              <a:rPr lang="en-US" dirty="0" err="1" smtClean="0"/>
+              <a:t>Koegzistira</a:t>
+            </a:r>
+            <a:r>
+              <a:rPr lang="en-US" dirty="0" smtClean="0"/>
+              <a:t> </a:t>
+            </a:r>
+            <a:r>
+              <a:rPr lang="en-US" dirty="0" err="1" smtClean="0"/>
+              <a:t>sa</a:t>
+            </a:r>
+            <a:r>
+              <a:rPr lang="en-US" dirty="0" smtClean="0"/>
+              <a:t> AUTOSAR</a:t>
+            </a:r>
+            <a:r>
+              <a:rPr lang="en-US" baseline="0" dirty="0" smtClean="0"/>
+              <a:t> </a:t>
+            </a:r>
+            <a:r>
+              <a:rPr lang="en-US" baseline="0" dirty="0" err="1" smtClean="0"/>
+              <a:t>classicom</a:t>
+            </a:r>
+            <a:r>
+              <a:rPr lang="en-US" baseline="0" dirty="0" smtClean="0"/>
+              <a:t>, </a:t>
+            </a:r>
+            <a:r>
+              <a:rPr lang="en-US" baseline="0" dirty="0" err="1" smtClean="0"/>
+              <a:t>nije</a:t>
+            </a:r>
+            <a:r>
+              <a:rPr lang="en-US" baseline="0" dirty="0" smtClean="0"/>
+              <a:t> mu </a:t>
+            </a:r>
+            <a:r>
+              <a:rPr lang="en-US" baseline="0" dirty="0" err="1" smtClean="0"/>
+              <a:t>ideja</a:t>
+            </a:r>
+            <a:r>
+              <a:rPr lang="en-US" baseline="0" dirty="0" smtClean="0"/>
+              <a:t> da </a:t>
+            </a:r>
+            <a:r>
+              <a:rPr lang="en-US" baseline="0" dirty="0" err="1" smtClean="0"/>
+              <a:t>ga</a:t>
+            </a:r>
+            <a:r>
+              <a:rPr lang="en-US" baseline="0" dirty="0" smtClean="0"/>
+              <a:t> </a:t>
+            </a:r>
+            <a:r>
+              <a:rPr lang="en-US" baseline="0" dirty="0" err="1" smtClean="0"/>
+              <a:t>zameni</a:t>
+            </a:r>
+            <a:r>
+              <a:rPr lang="en-US" baseline="0" dirty="0" smtClean="0"/>
+              <a:t>.</a:t>
+            </a:r>
+            <a:endParaRPr lang="en-US" dirty="0" smtClean="0"/>
+          </a:p>
+          <a:p>
+            <a:r>
+              <a:rPr lang="en-US" dirty="0" smtClean="0"/>
+              <a:t>ARA</a:t>
+            </a:r>
+            <a:r>
+              <a:rPr lang="en-US" baseline="0" dirty="0" smtClean="0"/>
+              <a:t> – Adaptive AUTOSAR execution ENVIRONMENT – </a:t>
+            </a:r>
+            <a:r>
+              <a:rPr lang="en-US" baseline="0" dirty="0" err="1" smtClean="0"/>
+              <a:t>realizacija</a:t>
+            </a:r>
+            <a:r>
+              <a:rPr lang="en-US" baseline="0" dirty="0" smtClean="0"/>
+              <a:t> </a:t>
+            </a:r>
+            <a:r>
+              <a:rPr lang="en-US" baseline="0" dirty="0" err="1" smtClean="0"/>
+              <a:t>prosirenja</a:t>
+            </a:r>
+            <a:endParaRPr lang="sr-Cyrl-RS" baseline="0" dirty="0" smtClean="0"/>
+          </a:p>
+          <a:p>
+            <a:r>
+              <a:rPr lang="sr-Latn-RS" b="1" baseline="0" dirty="0" smtClean="0"/>
+              <a:t>Kratak opis EM, SM i CM</a:t>
+            </a:r>
+            <a:endParaRPr lang="en-US" b="1" baseline="0" dirty="0" smtClean="0"/>
+          </a:p>
+          <a:p>
+            <a:endParaRPr lang="en-US" baseline="0" dirty="0" smtClean="0"/>
+          </a:p>
+          <a:p>
+            <a:endParaRPr lang="en-US" baseline="0" dirty="0" smtClean="0"/>
+          </a:p>
+          <a:p>
+            <a:r>
+              <a:rPr lang="en-US" baseline="0" dirty="0" smtClean="0"/>
+              <a:t>Scalable Service Oriented </a:t>
+            </a:r>
+            <a:r>
+              <a:rPr lang="en-US" baseline="0" dirty="0" err="1" smtClean="0"/>
+              <a:t>MiddlewarE</a:t>
+            </a:r>
+            <a:r>
+              <a:rPr lang="en-US" baseline="0" dirty="0" smtClean="0"/>
+              <a:t> over IP</a:t>
+            </a:r>
           </a:p>
         </p:txBody>
       </p:sp>
@@ -18337,7 +19162,7 @@
           <a:p>
             <a:fld id="{9F10CBF3-37F0-420D-959A-0BF960019D0A}" type="slidenum">
               <a:rPr lang="en-GB" smtClean="0"/>
-              <a:t>20</a:t>
+              <a:t>10</a:t>
             </a:fld>
             <a:endParaRPr lang="en-GB"/>
           </a:p>
@@ -18346,7 +19171,7 @@
     </p:spTree>
     <p:extLst>
       <p:ext uri="{BB962C8B-B14F-4D97-AF65-F5344CB8AC3E}">
-        <p14:creationId xmlns:p14="http://schemas.microsoft.com/office/powerpoint/2010/main" val="473062582"/>
+        <p14:creationId xmlns:p14="http://schemas.microsoft.com/office/powerpoint/2010/main" val="3116409989"/>
       </p:ext>
     </p:extLst>
   </p:cSld>
@@ -18401,356 +19226,21 @@
           <a:lstStyle/>
           <a:p>
             <a:r>
-              <a:rPr lang="sr-Cyrl-RS" sz="1200" b="0" i="0" u="none" strike="noStrike" kern="1200" baseline="0" dirty="0" smtClean="0">
-                <a:solidFill>
-                  <a:schemeClr val="tx1"/>
-                </a:solidFill>
-                <a:latin typeface="+mn-lt"/>
-                <a:ea typeface="+mn-ea"/>
-                <a:cs typeface="+mn-cs"/>
-              </a:rPr>
-              <a:t>Након иницијализације свих компоненти, она објављује своју доступност. Остали сервиси и апликације се пријављују на догађаје које овај сервис емитује. Након тога, на одговарајући начин започињу приступању жељеним подацима.</a:t>
-            </a:r>
-          </a:p>
-          <a:p>
-            <a:endParaRPr lang="sr-Cyrl-RS" sz="1200" b="0" i="0" u="none" strike="noStrike" kern="1200" baseline="0" dirty="0" smtClean="0">
-              <a:solidFill>
-                <a:schemeClr val="tx1"/>
-              </a:solidFill>
-              <a:latin typeface="+mn-lt"/>
-              <a:ea typeface="+mn-ea"/>
-              <a:cs typeface="+mn-cs"/>
-            </a:endParaRPr>
-          </a:p>
-          <a:p>
-            <a:r>
-              <a:rPr lang="en-US" sz="1200" b="0" i="0" u="none" strike="noStrike" kern="1200" baseline="0" dirty="0" err="1" smtClean="0">
-                <a:solidFill>
-                  <a:schemeClr val="tx1"/>
-                </a:solidFill>
-                <a:latin typeface="+mn-lt"/>
-                <a:ea typeface="+mn-ea"/>
-                <a:cs typeface="+mn-cs"/>
-              </a:rPr>
-              <a:t>Definisani</a:t>
-            </a:r>
-            <a:r>
-              <a:rPr lang="en-US" sz="1200" b="0" i="0" u="none" strike="noStrike" kern="1200" baseline="0" dirty="0" smtClean="0">
-                <a:solidFill>
-                  <a:schemeClr val="tx1"/>
-                </a:solidFill>
-                <a:latin typeface="+mn-lt"/>
-                <a:ea typeface="+mn-ea"/>
-                <a:cs typeface="+mn-cs"/>
-              </a:rPr>
+              <a:rPr lang="en-US" i="1" dirty="0" smtClean="0"/>
+              <a:t>ARA</a:t>
+            </a:r>
+            <a:r>
+              <a:rPr lang="sr-Cyrl-RS" i="1" dirty="0" smtClean="0"/>
               <a:t> </a:t>
             </a:r>
             <a:r>
-              <a:rPr lang="en-US" sz="1200" b="0" i="0" u="none" strike="noStrike" kern="1200" baseline="0" dirty="0" err="1" smtClean="0">
-                <a:solidFill>
-                  <a:schemeClr val="tx1"/>
-                </a:solidFill>
-                <a:latin typeface="+mn-lt"/>
-                <a:ea typeface="+mn-ea"/>
-                <a:cs typeface="+mn-cs"/>
-              </a:rPr>
-              <a:t>dogadjaji</a:t>
-            </a:r>
-            <a:r>
-              <a:rPr lang="en-US" sz="1200" b="0" i="0" u="none" strike="noStrike" kern="1200" baseline="0" dirty="0" smtClean="0">
-                <a:solidFill>
-                  <a:schemeClr val="tx1"/>
-                </a:solidFill>
-                <a:latin typeface="+mn-lt"/>
-                <a:ea typeface="+mn-ea"/>
-                <a:cs typeface="+mn-cs"/>
-              </a:rPr>
-              <a:t> </a:t>
-            </a:r>
-            <a:r>
-              <a:rPr lang="en-US" sz="1200" b="0" i="0" u="none" strike="noStrike" kern="1200" baseline="0" dirty="0" err="1" smtClean="0">
-                <a:solidFill>
-                  <a:schemeClr val="tx1"/>
-                </a:solidFill>
-                <a:latin typeface="+mn-lt"/>
-                <a:ea typeface="+mn-ea"/>
-                <a:cs typeface="+mn-cs"/>
-              </a:rPr>
-              <a:t>koje</a:t>
-            </a:r>
-            <a:r>
-              <a:rPr lang="en-US" sz="1200" b="0" i="0" u="none" strike="noStrike" kern="1200" baseline="0" dirty="0" smtClean="0">
-                <a:solidFill>
-                  <a:schemeClr val="tx1"/>
-                </a:solidFill>
-                <a:latin typeface="+mn-lt"/>
-                <a:ea typeface="+mn-ea"/>
-                <a:cs typeface="+mn-cs"/>
-              </a:rPr>
-              <a:t> ova </a:t>
-            </a:r>
-            <a:r>
-              <a:rPr lang="en-US" sz="1200" b="0" i="0" u="none" strike="noStrike" kern="1200" baseline="0" dirty="0" err="1" smtClean="0">
-                <a:solidFill>
-                  <a:schemeClr val="tx1"/>
-                </a:solidFill>
-                <a:latin typeface="+mn-lt"/>
-                <a:ea typeface="+mn-ea"/>
-                <a:cs typeface="+mn-cs"/>
-              </a:rPr>
-              <a:t>komponenta</a:t>
-            </a:r>
-            <a:r>
-              <a:rPr lang="en-US" sz="1200" b="0" i="0" u="none" strike="noStrike" kern="1200" baseline="0" dirty="0" smtClean="0">
-                <a:solidFill>
-                  <a:schemeClr val="tx1"/>
-                </a:solidFill>
-                <a:latin typeface="+mn-lt"/>
-                <a:ea typeface="+mn-ea"/>
-                <a:cs typeface="+mn-cs"/>
-              </a:rPr>
-              <a:t> </a:t>
-            </a:r>
-            <a:r>
-              <a:rPr lang="en-US" sz="1200" b="0" i="0" u="none" strike="noStrike" kern="1200" baseline="0" dirty="0" err="1" smtClean="0">
-                <a:solidFill>
-                  <a:schemeClr val="tx1"/>
-                </a:solidFill>
-                <a:latin typeface="+mn-lt"/>
-                <a:ea typeface="+mn-ea"/>
-                <a:cs typeface="+mn-cs"/>
-              </a:rPr>
-              <a:t>objavljuje</a:t>
-            </a:r>
-            <a:r>
-              <a:rPr lang="en-US" sz="1200" b="0" i="0" u="none" strike="noStrike" kern="1200" baseline="0" dirty="0" smtClean="0">
-                <a:solidFill>
-                  <a:schemeClr val="tx1"/>
-                </a:solidFill>
-                <a:latin typeface="+mn-lt"/>
-                <a:ea typeface="+mn-ea"/>
-                <a:cs typeface="+mn-cs"/>
-              </a:rPr>
-              <a:t>:</a:t>
-            </a:r>
-            <a:endParaRPr lang="sr-Cyrl-RS" sz="1200" b="0" i="0" u="none" strike="noStrike" kern="1200" baseline="0" dirty="0" smtClean="0">
-              <a:solidFill>
-                <a:schemeClr val="tx1"/>
-              </a:solidFill>
-              <a:latin typeface="+mn-lt"/>
-              <a:ea typeface="+mn-ea"/>
-              <a:cs typeface="+mn-cs"/>
-            </a:endParaRPr>
-          </a:p>
-          <a:p>
-            <a:r>
-              <a:rPr lang="en-US" sz="1200" b="0" i="0" u="none" strike="noStrike" kern="1200" baseline="0" dirty="0" smtClean="0">
-                <a:solidFill>
-                  <a:schemeClr val="tx1"/>
-                </a:solidFill>
-                <a:latin typeface="+mn-lt"/>
-                <a:ea typeface="+mn-ea"/>
-                <a:cs typeface="+mn-cs"/>
-              </a:rPr>
-              <a:t>1. </a:t>
-            </a:r>
-            <a:r>
-              <a:rPr lang="en-US" sz="1200" b="0" i="1" u="none" strike="noStrike" kern="1200" baseline="0" dirty="0" smtClean="0">
-                <a:solidFill>
-                  <a:schemeClr val="tx1"/>
-                </a:solidFill>
-                <a:latin typeface="+mn-lt"/>
-                <a:ea typeface="+mn-ea"/>
-                <a:cs typeface="+mn-cs"/>
-              </a:rPr>
-              <a:t>Remote events </a:t>
-            </a:r>
-            <a:r>
-              <a:rPr lang="en-US" sz="1200" b="0" i="0" u="none" strike="noStrike" kern="1200" baseline="0" dirty="0" smtClean="0">
-                <a:solidFill>
-                  <a:schemeClr val="tx1"/>
-                </a:solidFill>
-                <a:latin typeface="+mn-lt"/>
-                <a:ea typeface="+mn-ea"/>
-                <a:cs typeface="+mn-cs"/>
-              </a:rPr>
-              <a:t>– </a:t>
-            </a:r>
-            <a:r>
-              <a:rPr lang="sr-Cyrl-RS" sz="1200" b="0" i="0" u="none" strike="noStrike" kern="1200" baseline="0" dirty="0" smtClean="0">
-                <a:solidFill>
-                  <a:schemeClr val="tx1"/>
-                </a:solidFill>
-                <a:latin typeface="+mn-lt"/>
-                <a:ea typeface="+mn-ea"/>
-                <a:cs typeface="+mn-cs"/>
-              </a:rPr>
-              <a:t>удаљени догађаји – представљају догађаје који се достављају информације компонентама које су на удаљеној платформи. Осим информација о фрејму, ови догађаји пружају податке попут </a:t>
-            </a:r>
-            <a:r>
-              <a:rPr lang="en-US" sz="1200" b="0" i="1" u="none" strike="noStrike" kern="1200" baseline="0" dirty="0" smtClean="0">
-                <a:solidFill>
-                  <a:schemeClr val="tx1"/>
-                </a:solidFill>
-                <a:latin typeface="+mn-lt"/>
-                <a:ea typeface="+mn-ea"/>
-                <a:cs typeface="+mn-cs"/>
-              </a:rPr>
-              <a:t>IP </a:t>
-            </a:r>
-            <a:r>
-              <a:rPr lang="sr-Cyrl-RS" sz="1200" b="0" i="0" u="none" strike="noStrike" kern="1200" baseline="0" dirty="0" smtClean="0">
-                <a:solidFill>
-                  <a:schemeClr val="tx1"/>
-                </a:solidFill>
-                <a:latin typeface="+mn-lt"/>
-                <a:ea typeface="+mn-ea"/>
-                <a:cs typeface="+mn-cs"/>
-              </a:rPr>
-              <a:t>адресе и порта, како би се конфигурисала клијентска </a:t>
-            </a:r>
-            <a:r>
-              <a:rPr lang="en-US" sz="1200" b="0" i="1" u="none" strike="noStrike" kern="1200" baseline="0" dirty="0" smtClean="0">
-                <a:solidFill>
-                  <a:schemeClr val="tx1"/>
-                </a:solidFill>
-                <a:latin typeface="+mn-lt"/>
-                <a:ea typeface="+mn-ea"/>
-                <a:cs typeface="+mn-cs"/>
-              </a:rPr>
-              <a:t>TCP/IP </a:t>
-            </a:r>
-            <a:r>
-              <a:rPr lang="sr-Cyrl-RS" sz="1200" b="0" i="0" u="none" strike="noStrike" kern="1200" baseline="0" dirty="0" smtClean="0">
-                <a:solidFill>
-                  <a:schemeClr val="tx1"/>
-                </a:solidFill>
-                <a:latin typeface="+mn-lt"/>
-                <a:ea typeface="+mn-ea"/>
-                <a:cs typeface="+mn-cs"/>
-              </a:rPr>
-              <a:t>компонента, којом се приступа удаљеној платформи. </a:t>
-            </a:r>
-          </a:p>
-          <a:p>
-            <a:r>
-              <a:rPr lang="en-US" sz="1200" b="0" i="0" u="none" strike="noStrike" kern="1200" baseline="0" dirty="0" smtClean="0">
-                <a:solidFill>
-                  <a:schemeClr val="tx1"/>
-                </a:solidFill>
-                <a:latin typeface="+mn-lt"/>
-                <a:ea typeface="+mn-ea"/>
-                <a:cs typeface="+mn-cs"/>
-              </a:rPr>
-              <a:t>2. </a:t>
-            </a:r>
-            <a:r>
-              <a:rPr lang="en-US" sz="1200" b="0" i="1" u="none" strike="noStrike" kern="1200" baseline="0" dirty="0" smtClean="0">
-                <a:solidFill>
-                  <a:schemeClr val="tx1"/>
-                </a:solidFill>
-                <a:latin typeface="+mn-lt"/>
-                <a:ea typeface="+mn-ea"/>
-                <a:cs typeface="+mn-cs"/>
-              </a:rPr>
-              <a:t>Local events </a:t>
-            </a:r>
-            <a:r>
-              <a:rPr lang="en-US" sz="1200" b="0" i="0" u="none" strike="noStrike" kern="1200" baseline="0" dirty="0" smtClean="0">
-                <a:solidFill>
-                  <a:schemeClr val="tx1"/>
-                </a:solidFill>
-                <a:latin typeface="+mn-lt"/>
-                <a:ea typeface="+mn-ea"/>
-                <a:cs typeface="+mn-cs"/>
-              </a:rPr>
-              <a:t>– </a:t>
-            </a:r>
-            <a:r>
-              <a:rPr lang="sr-Cyrl-RS" sz="1200" b="0" i="0" u="none" strike="noStrike" kern="1200" baseline="0" dirty="0" smtClean="0">
-                <a:solidFill>
-                  <a:schemeClr val="tx1"/>
-                </a:solidFill>
-                <a:latin typeface="+mn-lt"/>
-                <a:ea typeface="+mn-ea"/>
-                <a:cs typeface="+mn-cs"/>
-              </a:rPr>
-              <a:t>локални догађаји – представљају догађаје који се достављају информације компонентама које су на локалној платформи. Поред информација о фрејму, ови догађаји пружају податке попут кључа којим се приступа ресурсу дељене меморије. </a:t>
-            </a:r>
-          </a:p>
-          <a:p>
-            <a:endParaRPr lang="sr-Cyrl-RS" sz="1200" b="0" i="0" u="none" strike="noStrike" kern="1200" baseline="0" dirty="0" smtClean="0">
-              <a:solidFill>
-                <a:schemeClr val="tx1"/>
-              </a:solidFill>
-              <a:latin typeface="+mn-lt"/>
-              <a:ea typeface="+mn-ea"/>
-              <a:cs typeface="+mn-cs"/>
-            </a:endParaRPr>
-          </a:p>
-          <a:p>
-            <a:r>
-              <a:rPr lang="ru-RU" sz="1200" b="0" i="0" u="none" strike="noStrike" kern="1200" baseline="0" dirty="0" smtClean="0">
-                <a:solidFill>
-                  <a:schemeClr val="tx1"/>
-                </a:solidFill>
-                <a:latin typeface="+mn-lt"/>
-                <a:ea typeface="+mn-ea"/>
-                <a:cs typeface="+mn-cs"/>
-              </a:rPr>
-              <a:t>Дефинисањем ових догађај достављају се следеће информације: </a:t>
-            </a:r>
-          </a:p>
-          <a:p>
-            <a:r>
-              <a:rPr lang="sr-Cyrl-RS" sz="1200" b="0" i="0" u="none" strike="noStrike" kern="1200" baseline="0" dirty="0" smtClean="0">
-                <a:solidFill>
-                  <a:schemeClr val="tx1"/>
-                </a:solidFill>
-                <a:latin typeface="+mn-lt"/>
-                <a:ea typeface="+mn-ea"/>
-                <a:cs typeface="+mn-cs"/>
-              </a:rPr>
-              <a:t>1. Ширина фрејма; </a:t>
-            </a:r>
-          </a:p>
-          <a:p>
-            <a:r>
-              <a:rPr lang="sr-Cyrl-RS" sz="1200" b="0" i="0" u="none" strike="noStrike" kern="1200" baseline="0" dirty="0" smtClean="0">
-                <a:solidFill>
-                  <a:schemeClr val="tx1"/>
-                </a:solidFill>
-                <a:latin typeface="+mn-lt"/>
-                <a:ea typeface="+mn-ea"/>
-                <a:cs typeface="+mn-cs"/>
-              </a:rPr>
-              <a:t>2. Висина фрејма; </a:t>
-            </a:r>
-          </a:p>
-          <a:p>
-            <a:r>
-              <a:rPr lang="sr-Cyrl-RS" sz="1200" b="0" i="0" u="none" strike="noStrike" kern="1200" baseline="0" dirty="0" smtClean="0">
-                <a:solidFill>
-                  <a:schemeClr val="tx1"/>
-                </a:solidFill>
-                <a:latin typeface="+mn-lt"/>
-                <a:ea typeface="+mn-ea"/>
-                <a:cs typeface="+mn-cs"/>
-              </a:rPr>
-              <a:t>3. Величина целог фрејма. </a:t>
-            </a:r>
-          </a:p>
-          <a:p>
-            <a:endParaRPr lang="sr-Cyrl-RS" sz="1200" b="0" i="0" u="none" strike="noStrike" kern="1200" baseline="0" dirty="0" smtClean="0">
-              <a:solidFill>
-                <a:schemeClr val="tx1"/>
-              </a:solidFill>
-              <a:latin typeface="+mn-lt"/>
-              <a:ea typeface="+mn-ea"/>
-              <a:cs typeface="+mn-cs"/>
-            </a:endParaRPr>
-          </a:p>
-          <a:p>
+              <a:rPr lang="sr-Cyrl-RS" i="0" dirty="0" smtClean="0"/>
+              <a:t>представља</a:t>
+            </a:r>
+            <a:r>
+              <a:rPr lang="sr-Cyrl-RS" i="0" baseline="0" dirty="0" smtClean="0"/>
+              <a:t> низ сервиса и апликација које се извршавају. Како би се знало која апликација, односно сервис, је потребна да се извршава у одређеном стању платформе, постоје манифест фајлови, чија је улога дефинисања потребних апликација, ресурса које оне користе, као и све потребне информације којима сервис проглашава своју доступност.</a:t>
+            </a:r>
             <a:endParaRPr lang="en-US" dirty="0"/>
           </a:p>
         </p:txBody>
@@ -18772,7 +19262,7 @@
           <a:p>
             <a:fld id="{9F10CBF3-37F0-420D-959A-0BF960019D0A}" type="slidenum">
               <a:rPr lang="en-GB" smtClean="0"/>
-              <a:t>21</a:t>
+              <a:t>11</a:t>
             </a:fld>
             <a:endParaRPr lang="en-GB"/>
           </a:p>
@@ -18781,7 +19271,7 @@
     </p:spTree>
     <p:extLst>
       <p:ext uri="{BB962C8B-B14F-4D97-AF65-F5344CB8AC3E}">
-        <p14:creationId xmlns:p14="http://schemas.microsoft.com/office/powerpoint/2010/main" val="2212464608"/>
+        <p14:creationId xmlns:p14="http://schemas.microsoft.com/office/powerpoint/2010/main" val="3971500005"/>
       </p:ext>
     </p:extLst>
   </p:cSld>
@@ -18930,7 +19420,7 @@
           <a:p>
             <a:fld id="{D687CFD6-3914-43FA-82AE-6C2BCB2F5304}" type="datetime1">
               <a:rPr lang="en-GB" smtClean="0"/>
-              <a:t>07/06/2020</a:t>
+              <a:t>08/06/2020</a:t>
             </a:fld>
             <a:endParaRPr lang="en-GB"/>
           </a:p>
@@ -19188,7 +19678,7 @@
           <a:p>
             <a:fld id="{56C0CC82-B1B9-4FA0-8152-83F9205EC05D}" type="datetime1">
               <a:rPr lang="en-GB" smtClean="0"/>
-              <a:t>07/06/2020</a:t>
+              <a:t>08/06/2020</a:t>
             </a:fld>
             <a:endParaRPr lang="en-GB"/>
           </a:p>
@@ -19368,7 +19858,7 @@
           <a:p>
             <a:fld id="{F1DF5540-753E-45C0-B9BF-6D0C4961FF7B}" type="datetime1">
               <a:rPr lang="en-GB" smtClean="0"/>
-              <a:t>07/06/2020</a:t>
+              <a:t>08/06/2020</a:t>
             </a:fld>
             <a:endParaRPr lang="en-GB"/>
           </a:p>
@@ -19545,7 +20035,7 @@
           <a:p>
             <a:fld id="{72041144-3E58-4F0C-80C7-41BD6C897C65}" type="datetime1">
               <a:rPr lang="en-GB" smtClean="0"/>
-              <a:t>07/06/2020</a:t>
+              <a:t>08/06/2020</a:t>
             </a:fld>
             <a:endParaRPr lang="en-GB"/>
           </a:p>
@@ -19798,7 +20288,7 @@
           <a:p>
             <a:fld id="{63B5AB60-E104-4C26-85F8-BFBAAF410C05}" type="datetime1">
               <a:rPr lang="en-GB" smtClean="0"/>
-              <a:t>07/06/2020</a:t>
+              <a:t>08/06/2020</a:t>
             </a:fld>
             <a:endParaRPr lang="en-GB"/>
           </a:p>
@@ -20037,7 +20527,7 @@
           <a:p>
             <a:fld id="{65E1D567-557C-4499-9E8F-C30ACB70317C}" type="datetime1">
               <a:rPr lang="en-GB" smtClean="0"/>
-              <a:t>07/06/2020</a:t>
+              <a:t>08/06/2020</a:t>
             </a:fld>
             <a:endParaRPr lang="en-GB"/>
           </a:p>
@@ -20411,7 +20901,7 @@
           <a:p>
             <a:fld id="{9AE1CED2-3B6D-476F-AB4E-28DD0D82C9EA}" type="datetime1">
               <a:rPr lang="en-GB" smtClean="0"/>
-              <a:t>07/06/2020</a:t>
+              <a:t>08/06/2020</a:t>
             </a:fld>
             <a:endParaRPr lang="en-GB"/>
           </a:p>
@@ -20536,7 +21026,7 @@
           <a:p>
             <a:fld id="{A2B2F60D-8E4D-469F-97F8-9F2C592593FA}" type="datetime1">
               <a:rPr lang="en-GB" smtClean="0"/>
-              <a:t>07/06/2020</a:t>
+              <a:t>08/06/2020</a:t>
             </a:fld>
             <a:endParaRPr lang="en-GB"/>
           </a:p>
@@ -20638,7 +21128,7 @@
           <a:p>
             <a:fld id="{0954E2FF-5053-403D-9275-4E14153D1110}" type="datetime1">
               <a:rPr lang="en-GB" smtClean="0"/>
-              <a:t>07/06/2020</a:t>
+              <a:t>08/06/2020</a:t>
             </a:fld>
             <a:endParaRPr lang="en-GB"/>
           </a:p>
@@ -20922,7 +21412,7 @@
           <a:p>
             <a:fld id="{B01DADD0-3696-40BD-BE2A-05759D46E0E7}" type="datetime1">
               <a:rPr lang="en-GB" smtClean="0"/>
-              <a:t>07/06/2020</a:t>
+              <a:t>08/06/2020</a:t>
             </a:fld>
             <a:endParaRPr lang="en-GB"/>
           </a:p>
@@ -21186,7 +21676,7 @@
           <a:p>
             <a:fld id="{CBB06DF5-004A-4FE5-B5D3-D22AA8BA7689}" type="datetime1">
               <a:rPr lang="en-GB" smtClean="0"/>
-              <a:t>07/06/2020</a:t>
+              <a:t>08/06/2020</a:t>
             </a:fld>
             <a:endParaRPr lang="en-GB"/>
           </a:p>
@@ -21376,7 +21866,7 @@
           <a:p>
             <a:fld id="{5F103D76-B2D5-4BE5-8772-D05C92B298FC}" type="datetime1">
               <a:rPr lang="en-GB" smtClean="0"/>
-              <a:t>07/06/2020</a:t>
+              <a:t>08/06/2020</a:t>
             </a:fld>
             <a:endParaRPr lang="en-GB"/>
           </a:p>
@@ -22546,24 +23036,113 @@
             <p:ph type="title"/>
           </p:nvPr>
         </p:nvSpPr>
+        <p:spPr/>
+        <p:txBody>
+          <a:bodyPr>
+            <a:normAutofit/>
+          </a:bodyPr>
+          <a:lstStyle/>
+          <a:p>
+            <a:r>
+              <a:rPr lang="ru-RU" i="1" dirty="0"/>
+              <a:t>AUTOSAR</a:t>
+            </a:r>
+            <a:r>
+              <a:rPr lang="ru-RU" dirty="0"/>
+              <a:t> кроз верзије и платформе</a:t>
+            </a:r>
+            <a:endParaRPr lang="en-US" dirty="0"/>
+          </a:p>
+        </p:txBody>
+      </p:sp>
+      <p:sp>
+        <p:nvSpPr>
+          <p:cNvPr id="3" name="Content Placeholder 2"/>
+          <p:cNvSpPr>
+            <a:spLocks noGrp="1"/>
+          </p:cNvSpPr>
+          <p:nvPr>
+            <p:ph idx="1"/>
+          </p:nvPr>
+        </p:nvSpPr>
         <p:spPr>
           <a:xfrm>
-            <a:off x="838200" y="3089747"/>
-            <a:ext cx="10515600" cy="1061449"/>
+            <a:off x="838201" y="1847850"/>
+            <a:ext cx="5222131" cy="4183299"/>
           </a:xfrm>
         </p:spPr>
         <p:txBody>
-          <a:bodyPr/>
+          <a:bodyPr>
+            <a:normAutofit fontScale="85000" lnSpcReduction="10000"/>
+          </a:bodyPr>
           <a:lstStyle/>
           <a:p>
-            <a:pPr algn="ctr"/>
+            <a:r>
+              <a:rPr lang="sr-Latn-RS" dirty="0"/>
+              <a:t>K</a:t>
+            </a:r>
+            <a:r>
+              <a:rPr lang="sr-Cyrl-RS" dirty="0"/>
+              <a:t>омуникацију у оквиру једне и са удаљеним адаптивним платформама :</a:t>
+            </a:r>
+          </a:p>
+          <a:p>
+            <a:pPr lvl="1"/>
+            <a:r>
+              <a:rPr lang="en-US" i="1" dirty="0"/>
+              <a:t>Communication Management</a:t>
+            </a:r>
             <a:r>
               <a:rPr lang="en-US" dirty="0"/>
-              <a:t>M</a:t>
-            </a:r>
-            <a:r>
-              <a:rPr lang="sr-Cyrl-RS" dirty="0"/>
-              <a:t>агистрале</a:t>
+              <a:t>(</a:t>
+            </a:r>
+            <a:r>
+              <a:rPr lang="en-US" i="1" dirty="0"/>
+              <a:t>CM</a:t>
+            </a:r>
+            <a:r>
+              <a:rPr lang="en-US" dirty="0" smtClean="0"/>
+              <a:t>)</a:t>
+            </a:r>
+            <a:endParaRPr lang="sr-Cyrl-RS" dirty="0" smtClean="0"/>
+          </a:p>
+          <a:p>
+            <a:r>
+              <a:rPr lang="sr-Cyrl-RS" dirty="0" smtClean="0"/>
+              <a:t>Заснован на </a:t>
+            </a:r>
+            <a:r>
+              <a:rPr lang="en-US" i="1" dirty="0" smtClean="0"/>
+              <a:t>SOME/IP</a:t>
+            </a:r>
+            <a:endParaRPr lang="en-US" i="1" dirty="0"/>
+          </a:p>
+          <a:p>
+            <a:r>
+              <a:rPr lang="sr-Cyrl-RS" dirty="0" smtClean="0"/>
+              <a:t>Манифест датотека сваке апликације и сервиса који се ослања на </a:t>
+            </a:r>
+            <a:r>
+              <a:rPr lang="en-US" i="1" dirty="0" smtClean="0"/>
+              <a:t>CM</a:t>
+            </a:r>
+            <a:r>
+              <a:rPr lang="sr-Cyrl-RS" dirty="0" smtClean="0"/>
+              <a:t> описује догађаје и типове података које сервис креира</a:t>
+            </a:r>
+            <a:r>
+              <a:rPr lang="en-US" dirty="0" smtClean="0"/>
+              <a:t>, </a:t>
+            </a:r>
+            <a:r>
+              <a:rPr lang="sr-Cyrl-RS" dirty="0" smtClean="0"/>
+              <a:t>као и начин приступа истим</a:t>
+            </a:r>
+          </a:p>
+          <a:p>
+            <a:r>
+              <a:rPr lang="sr-Cyrl-RS" dirty="0" smtClean="0"/>
+              <a:t>По објављивању доступности, друге апликације и сервиси се пријављују</a:t>
             </a:r>
           </a:p>
         </p:txBody>
@@ -22591,10 +23170,38 @@
           </a:p>
         </p:txBody>
       </p:sp>
+      <p:pic>
+        <p:nvPicPr>
+          <p:cNvPr id="6" name="Picture 5"/>
+          <p:cNvPicPr/>
+          <p:nvPr/>
+        </p:nvPicPr>
+        <p:blipFill>
+          <a:blip r:embed="rId3">
+            <a:extLst>
+              <a:ext uri="{28A0092B-C50C-407E-A947-70E740481C1C}">
+                <a14:useLocalDpi xmlns:a14="http://schemas.microsoft.com/office/drawing/2010/main" val="0"/>
+              </a:ext>
+            </a:extLst>
+          </a:blip>
+          <a:stretch>
+            <a:fillRect/>
+          </a:stretch>
+        </p:blipFill>
+        <p:spPr>
+          <a:xfrm>
+            <a:off x="6284069" y="1725849"/>
+            <a:ext cx="4962525" cy="4305300"/>
+          </a:xfrm>
+          <a:prstGeom prst="rect">
+            <a:avLst/>
+          </a:prstGeom>
+        </p:spPr>
+      </p:pic>
     </p:spTree>
     <p:extLst>
       <p:ext uri="{BB962C8B-B14F-4D97-AF65-F5344CB8AC3E}">
-        <p14:creationId xmlns:p14="http://schemas.microsoft.com/office/powerpoint/2010/main" val="4200296494"/>
+        <p14:creationId xmlns:p14="http://schemas.microsoft.com/office/powerpoint/2010/main" val="2748753773"/>
       </p:ext>
     </p:extLst>
   </p:cSld>
@@ -22646,13 +23253,14 @@
           <a:lstStyle/>
           <a:p>
             <a:r>
-              <a:rPr lang="en-US" dirty="0"/>
-              <a:t>M</a:t>
-            </a:r>
-            <a:r>
-              <a:rPr lang="sr-Cyrl-RS" dirty="0"/>
-              <a:t>агистрале</a:t>
-            </a:r>
+              <a:rPr lang="ru-RU" i="1" dirty="0"/>
+              <a:t>AUTOSAR</a:t>
+            </a:r>
+            <a:r>
+              <a:rPr lang="ru-RU" dirty="0"/>
+              <a:t> кроз верзије и платформе</a:t>
+            </a:r>
+            <a:endParaRPr lang="en-US" dirty="0"/>
           </a:p>
         </p:txBody>
       </p:sp>
@@ -22668,73 +23276,33 @@
         </p:nvSpPr>
         <p:spPr>
           <a:xfrm>
-            <a:off x="838200" y="1847850"/>
-            <a:ext cx="10515600" cy="4329214"/>
+            <a:off x="838201" y="1847850"/>
+            <a:ext cx="4482829" cy="4290303"/>
           </a:xfrm>
         </p:spPr>
         <p:txBody>
-          <a:bodyPr/>
+          <a:bodyPr>
+            <a:normAutofit/>
+          </a:bodyPr>
           <a:lstStyle/>
           <a:p>
             <a:r>
               <a:rPr lang="sr-Cyrl-RS" dirty="0" smtClean="0"/>
-              <a:t>Физичке компоненте чија је намена повезивање спољних или унутрашњих уређаја са процесором</a:t>
+              <a:t>Сачињен из великог броја сервиса и апликација</a:t>
             </a:r>
           </a:p>
           <a:p>
             <a:r>
               <a:rPr lang="sr-Cyrl-RS" dirty="0" smtClean="0"/>
-              <a:t>Поред </a:t>
-            </a:r>
-            <a:r>
-              <a:rPr lang="sr-Cyrl-RS" dirty="0" smtClean="0"/>
-              <a:t>хардверских магистрала попут оптичких влакана и каблова, постоје и софтверске, које су најчешће реализоване у виду комуникационих протокола</a:t>
-            </a:r>
-          </a:p>
-          <a:p>
-            <a:r>
-              <a:rPr lang="sr-Cyrl-RS" dirty="0" smtClean="0"/>
-              <a:t>Руковање хардверском магистралом - потребан </a:t>
-            </a:r>
-            <a:r>
-              <a:rPr lang="sr-Cyrl-RS" dirty="0" smtClean="0"/>
-              <a:t>руковаоц </a:t>
-            </a:r>
-            <a:r>
-              <a:rPr lang="sr-Cyrl-RS" dirty="0" smtClean="0"/>
-              <a:t>(</a:t>
-            </a:r>
-            <a:r>
-              <a:rPr lang="sr-Latn-RS" dirty="0" smtClean="0"/>
-              <a:t>e</a:t>
-            </a:r>
-            <a:r>
-              <a:rPr lang="sr-Cyrl-RS" dirty="0" smtClean="0"/>
-              <a:t>нг. </a:t>
-            </a:r>
+              <a:t>Апликације и сервиси дефинисани у манифест датотекама</a:t>
+            </a:r>
+          </a:p>
+          <a:p>
             <a:r>
               <a:rPr lang="en-US" i="1" dirty="0" smtClean="0"/>
-              <a:t>Driver</a:t>
-            </a:r>
-            <a:r>
-              <a:rPr lang="sr-Cyrl-RS" dirty="0" smtClean="0"/>
-              <a:t>)</a:t>
-            </a:r>
-          </a:p>
-          <a:p>
-            <a:r>
-              <a:rPr lang="sr-Cyrl-RS" dirty="0" smtClean="0"/>
-              <a:t>Руковање софтверском </a:t>
-            </a:r>
-            <a:r>
-              <a:rPr lang="sr-Cyrl-RS" dirty="0"/>
-              <a:t>магистралом</a:t>
-            </a:r>
-            <a:r>
-              <a:rPr lang="sr-Cyrl-RS" dirty="0" smtClean="0"/>
-              <a:t> – посредством оперативног система</a:t>
-            </a:r>
-            <a:endParaRPr lang="en-US" dirty="0"/>
+              <a:t>ARA – AUTOSAR Runtime for Adaptive applications</a:t>
+            </a:r>
+            <a:endParaRPr lang="en-US" i="1" dirty="0"/>
           </a:p>
         </p:txBody>
       </p:sp>
@@ -22761,10 +23329,40 @@
           </a:p>
         </p:txBody>
       </p:sp>
+      <p:pic>
+        <p:nvPicPr>
+          <p:cNvPr id="5" name="Content Placeholder 5"/>
+          <p:cNvPicPr>
+            <a:picLocks noChangeAspect="1"/>
+          </p:cNvPicPr>
+          <p:nvPr/>
+        </p:nvPicPr>
+        <p:blipFill>
+          <a:blip r:embed="rId3">
+            <a:extLst>
+              <a:ext uri="{28A0092B-C50C-407E-A947-70E740481C1C}">
+                <a14:useLocalDpi xmlns:a14="http://schemas.microsoft.com/office/drawing/2010/main" val="0"/>
+              </a:ext>
+            </a:extLst>
+          </a:blip>
+          <a:stretch>
+            <a:fillRect/>
+          </a:stretch>
+        </p:blipFill>
+        <p:spPr>
+          <a:xfrm>
+            <a:off x="5415057" y="1915444"/>
+            <a:ext cx="5807736" cy="3415313"/>
+          </a:xfrm>
+          <a:prstGeom prst="rect">
+            <a:avLst/>
+          </a:prstGeom>
+        </p:spPr>
+      </p:pic>
     </p:spTree>
     <p:extLst>
       <p:ext uri="{BB962C8B-B14F-4D97-AF65-F5344CB8AC3E}">
-        <p14:creationId xmlns:p14="http://schemas.microsoft.com/office/powerpoint/2010/main" val="1865943598"/>
+        <p14:creationId xmlns:p14="http://schemas.microsoft.com/office/powerpoint/2010/main" val="56552007"/>
       </p:ext>
     </p:extLst>
   </p:cSld>
@@ -22808,141 +23406,25 @@
             <p:ph type="title"/>
           </p:nvPr>
         </p:nvSpPr>
-        <p:spPr/>
+        <p:spPr>
+          <a:xfrm>
+            <a:off x="838200" y="3089747"/>
+            <a:ext cx="10515600" cy="1061449"/>
+          </a:xfrm>
+        </p:spPr>
         <p:txBody>
           <a:bodyPr/>
           <a:lstStyle/>
           <a:p>
-            <a:r>
-              <a:rPr lang="sr-Cyrl-RS" dirty="0" smtClean="0"/>
-              <a:t>Хардверске магистрале</a:t>
-            </a:r>
-            <a:endParaRPr lang="en-US" dirty="0"/>
-          </a:p>
-        </p:txBody>
-      </p:sp>
-      <p:sp>
-        <p:nvSpPr>
-          <p:cNvPr id="3" name="Content Placeholder 2"/>
-          <p:cNvSpPr>
-            <a:spLocks noGrp="1"/>
-          </p:cNvSpPr>
-          <p:nvPr>
-            <p:ph idx="1"/>
-          </p:nvPr>
-        </p:nvSpPr>
-        <p:spPr>
-          <a:xfrm>
-            <a:off x="838200" y="1847850"/>
-            <a:ext cx="10515600" cy="4508500"/>
-          </a:xfrm>
-        </p:spPr>
-        <p:txBody>
-          <a:bodyPr>
-            <a:normAutofit/>
-          </a:bodyPr>
-          <a:lstStyle/>
-          <a:p>
-            <a:r>
-              <a:rPr lang="ru-RU" dirty="0" smtClean="0"/>
-              <a:t>Потребно </a:t>
-            </a:r>
-            <a:r>
-              <a:rPr lang="ru-RU" dirty="0"/>
-              <a:t>је да </a:t>
-            </a:r>
-            <a:r>
-              <a:rPr lang="ru-RU" dirty="0" smtClean="0"/>
-              <a:t>буду </a:t>
-            </a:r>
-            <a:r>
-              <a:rPr lang="ru-RU" dirty="0" smtClean="0"/>
-              <a:t>стандардизоване </a:t>
-            </a:r>
-            <a:r>
-              <a:rPr lang="ru-RU" dirty="0" smtClean="0"/>
-              <a:t>и да постоји протокол по којем функционише комуникација између страна које учествују у размени информација</a:t>
-            </a:r>
-            <a:endParaRPr lang="en-US" dirty="0" smtClean="0"/>
-          </a:p>
-          <a:p>
-            <a:r>
-              <a:rPr lang="en-US" i="1" dirty="0" smtClean="0"/>
-              <a:t>USB</a:t>
-            </a:r>
-            <a:r>
-              <a:rPr lang="sr-Cyrl-RS" i="1" dirty="0" smtClean="0"/>
-              <a:t>, </a:t>
-            </a:r>
-            <a:r>
-              <a:rPr lang="en-US" i="1" dirty="0" smtClean="0"/>
-              <a:t>PCI</a:t>
-            </a:r>
-            <a:r>
-              <a:rPr lang="sr-Cyrl-RS" i="1" dirty="0" smtClean="0"/>
-              <a:t>, </a:t>
-            </a:r>
-            <a:r>
-              <a:rPr lang="en-US" i="1" dirty="0"/>
-              <a:t>PCI-</a:t>
-            </a:r>
-            <a:r>
-              <a:rPr lang="sr-Cyrl-RS" i="1" dirty="0"/>
-              <a:t>Е </a:t>
-            </a:r>
-            <a:r>
-              <a:rPr lang="sr-Cyrl-RS" i="1" dirty="0" smtClean="0"/>
-              <a:t>– </a:t>
-            </a:r>
-            <a:r>
-              <a:rPr lang="sr-Cyrl-RS" dirty="0" smtClean="0"/>
-              <a:t>стандардизоване магистрале за преношење података великом брзином у персоналним рачунарима</a:t>
-            </a:r>
-          </a:p>
-          <a:p>
-            <a:r>
-              <a:rPr lang="en-US" i="1" dirty="0" smtClean="0"/>
-              <a:t>CAN</a:t>
-            </a:r>
-            <a:r>
-              <a:rPr lang="sr-Cyrl-RS" i="1" dirty="0" smtClean="0"/>
-              <a:t>, </a:t>
-            </a:r>
-            <a:r>
-              <a:rPr lang="en-US" i="1" dirty="0"/>
-              <a:t>LIN </a:t>
-            </a:r>
-            <a:r>
-              <a:rPr lang="sr-Cyrl-RS" i="1" dirty="0" smtClean="0"/>
-              <a:t>- </a:t>
+            <a:pPr algn="ctr"/>
+            <a:r>
+              <a:rPr lang="en-US" dirty="0"/>
+              <a:t>M</a:t>
             </a:r>
             <a:r>
               <a:rPr lang="sr-Cyrl-RS" dirty="0"/>
-              <a:t>стандардизоване магистрале за преношење података </a:t>
-            </a:r>
-            <a:r>
-              <a:rPr lang="sr-Cyrl-RS" dirty="0" smtClean="0"/>
-              <a:t>на наменским платформама у </a:t>
-            </a:r>
-            <a:r>
-              <a:rPr lang="sr-Cyrl-RS" dirty="0" smtClean="0"/>
-              <a:t>возилима</a:t>
-            </a:r>
-          </a:p>
-          <a:p>
-            <a:r>
-              <a:rPr lang="en-US" i="1" dirty="0" smtClean="0"/>
-              <a:t>ETHERNET</a:t>
-            </a:r>
-            <a:r>
-              <a:rPr lang="en-US" dirty="0" smtClean="0"/>
-              <a:t> – </a:t>
-            </a:r>
-            <a:r>
-              <a:rPr lang="sr-Cyrl-RS" dirty="0" smtClean="0"/>
-              <a:t>Превасходно типичан за персоналне рачунаре и потрошачку електронику, све већа употреба у аутомобилској индустрији</a:t>
-            </a:r>
-            <a:endParaRPr lang="en-US" dirty="0"/>
+              <a:t>агистрале</a:t>
+            </a:r>
           </a:p>
         </p:txBody>
       </p:sp>
@@ -22972,7 +23454,7 @@
     </p:spTree>
     <p:extLst>
       <p:ext uri="{BB962C8B-B14F-4D97-AF65-F5344CB8AC3E}">
-        <p14:creationId xmlns:p14="http://schemas.microsoft.com/office/powerpoint/2010/main" val="3106782347"/>
+        <p14:creationId xmlns:p14="http://schemas.microsoft.com/office/powerpoint/2010/main" val="4200296494"/>
       </p:ext>
     </p:extLst>
   </p:cSld>
@@ -23018,14 +23500,19 @@
         </p:nvSpPr>
         <p:spPr/>
         <p:txBody>
-          <a:bodyPr/>
+          <a:bodyPr>
+            <a:normAutofit/>
+          </a:bodyPr>
           <a:lstStyle/>
           <a:p>
             <a:r>
-              <a:rPr lang="sr-Cyrl-RS" dirty="0" smtClean="0"/>
-              <a:t>Софтверске магистрале</a:t>
-            </a:r>
-            <a:endParaRPr lang="en-US" dirty="0"/>
+              <a:rPr lang="en-US" dirty="0"/>
+              <a:t>M</a:t>
+            </a:r>
+            <a:r>
+              <a:rPr lang="sr-Cyrl-RS" dirty="0"/>
+              <a:t>агистрале</a:t>
+            </a:r>
           </a:p>
         </p:txBody>
       </p:sp>
@@ -23039,123 +23526,61 @@
             <p:ph idx="1"/>
           </p:nvPr>
         </p:nvSpPr>
-        <p:spPr/>
+        <p:spPr>
+          <a:xfrm>
+            <a:off x="838200" y="1847850"/>
+            <a:ext cx="10515600" cy="4329214"/>
+          </a:xfrm>
+        </p:spPr>
         <p:txBody>
-          <a:bodyPr>
-            <a:normAutofit fontScale="92500"/>
-          </a:bodyPr>
+          <a:bodyPr/>
           <a:lstStyle/>
           <a:p>
             <a:r>
               <a:rPr lang="sr-Cyrl-RS" dirty="0" smtClean="0"/>
-              <a:t>Представљају </a:t>
+              <a:t>Физичке компоненте чија је намена повезивање спољних или унутрашњих уређаја са процесором</a:t>
+            </a:r>
+          </a:p>
+          <a:p>
+            <a:r>
+              <a:rPr lang="sr-Cyrl-RS" dirty="0" smtClean="0"/>
+              <a:t>Поред хардверских магистрала попут оптичких влакана и каблова, постоје и софтверске, које су најчешће реализоване у виду комуникационих протокола</a:t>
+            </a:r>
+          </a:p>
+          <a:p>
+            <a:r>
+              <a:rPr lang="sr-Cyrl-RS" dirty="0" smtClean="0"/>
+              <a:t>Руковање хардверском магистралом - потребан руковаоц (</a:t>
+            </a:r>
+            <a:r>
+              <a:rPr lang="sr-Latn-RS" dirty="0" smtClean="0"/>
+              <a:t>e</a:t>
+            </a:r>
+            <a:r>
+              <a:rPr lang="sr-Cyrl-RS" dirty="0" smtClean="0"/>
+              <a:t>нг. </a:t>
+            </a:r>
+            <a:r>
+              <a:rPr lang="en-US" i="1" dirty="0" smtClean="0"/>
+              <a:t>Driver</a:t>
+            </a:r>
+            <a:r>
+              <a:rPr lang="sr-Cyrl-RS" dirty="0" smtClean="0"/>
+              <a:t>)</a:t>
+            </a:r>
+          </a:p>
+          <a:p>
+            <a:r>
+              <a:rPr lang="sr-Cyrl-RS" dirty="0" smtClean="0"/>
+              <a:t>Руковање софтверском </a:t>
             </a:r>
             <a:r>
               <a:rPr lang="sr-Cyrl-RS" dirty="0"/>
-              <a:t>начин на који се остварује међупроцесна комуникација (енг. </a:t>
-            </a:r>
-            <a:r>
-              <a:rPr lang="en-US" i="1" dirty="0" smtClean="0"/>
-              <a:t>IPC</a:t>
-            </a:r>
-            <a:r>
-              <a:rPr lang="en-US" dirty="0" smtClean="0"/>
-              <a:t>)</a:t>
-            </a:r>
-            <a:endParaRPr lang="sr-Cyrl-RS" dirty="0" smtClean="0"/>
-          </a:p>
-          <a:p>
-            <a:r>
-              <a:rPr lang="ru-RU" dirty="0" smtClean="0"/>
-              <a:t>Не </a:t>
-            </a:r>
-            <a:r>
-              <a:rPr lang="ru-RU" dirty="0"/>
-              <a:t>морају поседовати посебан физички </a:t>
-            </a:r>
-            <a:r>
-              <a:rPr lang="ru-RU" dirty="0" smtClean="0"/>
-              <a:t>медијум</a:t>
-            </a:r>
-          </a:p>
-          <a:p>
-            <a:r>
-              <a:rPr lang="ru-RU" dirty="0" smtClean="0"/>
-              <a:t>Потребно </a:t>
-            </a:r>
-            <a:r>
-              <a:rPr lang="ru-RU" dirty="0"/>
-              <a:t>је да постоји установљени протокол у комуникацији између пријемне и предајне </a:t>
-            </a:r>
-            <a:r>
-              <a:rPr lang="ru-RU" dirty="0" smtClean="0"/>
-              <a:t>стране</a:t>
-            </a:r>
-          </a:p>
-          <a:p>
-            <a:r>
-              <a:rPr lang="en-US" i="1" dirty="0" smtClean="0"/>
-              <a:t>Linux</a:t>
-            </a:r>
-            <a:r>
-              <a:rPr lang="en-US" dirty="0" smtClean="0"/>
-              <a:t> </a:t>
+              <a:t>магистралом</a:t>
             </a:r>
             <a:r>
               <a:rPr lang="sr-Cyrl-RS" dirty="0" smtClean="0"/>
-              <a:t>оперативни систем нуди механизмен попут:</a:t>
-            </a:r>
-          </a:p>
-          <a:p>
-            <a:pPr lvl="1"/>
-            <a:r>
-              <a:rPr lang="en-US" i="1" dirty="0" smtClean="0"/>
-              <a:t>D-bus</a:t>
-            </a:r>
-            <a:r>
-              <a:rPr lang="sr-Cyrl-RS" i="1" dirty="0" smtClean="0"/>
-              <a:t> – </a:t>
-            </a:r>
-            <a:r>
-              <a:rPr lang="sr-Cyrl-RS" dirty="0" smtClean="0"/>
-              <a:t>софтверска магистрала за размену порука</a:t>
-            </a:r>
-          </a:p>
-          <a:p>
-            <a:pPr lvl="1"/>
-            <a:r>
-              <a:rPr lang="en-US" i="1" dirty="0" smtClean="0"/>
-              <a:t>Pipes</a:t>
-            </a:r>
-            <a:r>
-              <a:rPr lang="sr-Cyrl-RS" dirty="0"/>
-              <a:t> </a:t>
-            </a:r>
-            <a:r>
-              <a:rPr lang="sr-Cyrl-RS" i="1" dirty="0" smtClean="0"/>
-              <a:t>– </a:t>
-            </a:r>
-            <a:r>
-              <a:rPr lang="sr-Cyrl-RS" dirty="0" smtClean="0"/>
-              <a:t>проточна обрада</a:t>
-            </a:r>
-          </a:p>
-          <a:p>
-            <a:r>
-              <a:rPr lang="sr-Cyrl-RS" dirty="0" smtClean="0"/>
-              <a:t>Употреба дељене меморије (</a:t>
-            </a:r>
-            <a:r>
-              <a:rPr lang="en-US" i="1" dirty="0" err="1" smtClean="0"/>
-              <a:t>shmem</a:t>
-            </a:r>
-            <a:r>
-              <a:rPr lang="en-US" dirty="0" smtClean="0"/>
-              <a:t>)</a:t>
-            </a:r>
-            <a:r>
-              <a:rPr lang="sr-Cyrl-RS" dirty="0" smtClean="0"/>
-              <a:t> и других комуникационих протокола такође представља својеврстан вид софтверске магистрале</a:t>
+              <a:t> – посредством оперативног система</a:t>
             </a:r>
             <a:endParaRPr lang="en-US" dirty="0"/>
           </a:p>
@@ -23187,7 +23612,7 @@
     </p:spTree>
     <p:extLst>
       <p:ext uri="{BB962C8B-B14F-4D97-AF65-F5344CB8AC3E}">
-        <p14:creationId xmlns:p14="http://schemas.microsoft.com/office/powerpoint/2010/main" val="3144113695"/>
+        <p14:creationId xmlns:p14="http://schemas.microsoft.com/office/powerpoint/2010/main" val="1865943598"/>
       </p:ext>
     </p:extLst>
   </p:cSld>
@@ -23231,24 +23656,127 @@
             <p:ph type="title"/>
           </p:nvPr>
         </p:nvSpPr>
+        <p:spPr/>
+        <p:txBody>
+          <a:bodyPr/>
+          <a:lstStyle/>
+          <a:p>
+            <a:r>
+              <a:rPr lang="sr-Cyrl-RS" dirty="0" smtClean="0"/>
+              <a:t>Хардверске магистрале</a:t>
+            </a:r>
+            <a:endParaRPr lang="en-US" dirty="0"/>
+          </a:p>
+        </p:txBody>
+      </p:sp>
+      <p:sp>
+        <p:nvSpPr>
+          <p:cNvPr id="3" name="Content Placeholder 2"/>
+          <p:cNvSpPr>
+            <a:spLocks noGrp="1"/>
+          </p:cNvSpPr>
+          <p:nvPr>
+            <p:ph idx="1"/>
+          </p:nvPr>
+        </p:nvSpPr>
         <p:spPr>
           <a:xfrm>
-            <a:off x="838200" y="3196752"/>
-            <a:ext cx="10515600" cy="1061449"/>
+            <a:off x="838200" y="1847850"/>
+            <a:ext cx="10515600" cy="4508500"/>
           </a:xfrm>
         </p:spPr>
         <p:txBody>
-          <a:bodyPr/>
+          <a:bodyPr>
+            <a:normAutofit/>
+          </a:bodyPr>
           <a:lstStyle/>
           <a:p>
-            <a:pPr algn="ctr"/>
+            <a:r>
+              <a:rPr lang="ru-RU" dirty="0" smtClean="0"/>
+              <a:t>Потребно </a:t>
+            </a:r>
+            <a:r>
+              <a:rPr lang="ru-RU" dirty="0"/>
+              <a:t>је да </a:t>
+            </a:r>
+            <a:r>
+              <a:rPr lang="ru-RU" dirty="0" smtClean="0"/>
+              <a:t>буду стандардизоване и да постоји протокол по којем функционише комуникација између страна које учествују у размени информација</a:t>
+            </a:r>
+            <a:endParaRPr lang="en-US" dirty="0" smtClean="0"/>
+          </a:p>
+          <a:p>
+            <a:r>
+              <a:rPr lang="en-US" i="1" dirty="0" smtClean="0"/>
+              <a:t>USB</a:t>
+            </a:r>
+            <a:r>
+              <a:rPr lang="sr-Cyrl-RS" i="1" dirty="0" smtClean="0"/>
+              <a:t>, </a:t>
+            </a:r>
+            <a:r>
+              <a:rPr lang="en-US" i="1" dirty="0" smtClean="0"/>
+              <a:t>PCI</a:t>
+            </a:r>
+            <a:r>
+              <a:rPr lang="sr-Cyrl-RS" i="1" dirty="0" smtClean="0"/>
+              <a:t>, </a:t>
+            </a:r>
+            <a:r>
+              <a:rPr lang="en-US" i="1" dirty="0"/>
+              <a:t>PCI-</a:t>
+            </a:r>
+            <a:r>
+              <a:rPr lang="sr-Cyrl-RS" i="1" dirty="0"/>
+              <a:t>Е </a:t>
+            </a:r>
+            <a:r>
+              <a:rPr lang="sr-Cyrl-RS" i="1" dirty="0" smtClean="0"/>
+              <a:t>– </a:t>
+            </a:r>
+            <a:r>
+              <a:rPr lang="sr-Cyrl-RS" dirty="0" smtClean="0"/>
+              <a:t>стандардизоване магистрале за преношење података великом брзином у персоналним рачунарима</a:t>
+            </a:r>
+          </a:p>
+          <a:p>
+            <a:r>
+              <a:rPr lang="en-US" i="1" dirty="0" smtClean="0"/>
+              <a:t>CAN</a:t>
+            </a:r>
+            <a:r>
+              <a:rPr lang="sr-Cyrl-RS" i="1" dirty="0" smtClean="0"/>
+              <a:t>, </a:t>
+            </a:r>
+            <a:r>
+              <a:rPr lang="en-US" i="1" dirty="0"/>
+              <a:t>LIN </a:t>
+            </a:r>
+            <a:r>
+              <a:rPr lang="sr-Cyrl-RS" i="1" dirty="0" smtClean="0"/>
+              <a:t>- </a:t>
+            </a:r>
             <a:r>
               <a:rPr lang="sr-Cyrl-RS" dirty="0"/>
-              <a:t>Хардверска платформа – </a:t>
-            </a:r>
-            <a:r>
-              <a:rPr lang="en-US" i="1" dirty="0"/>
-              <a:t>ALPHA AMV</a:t>
+              <a:t>стандардизоване магистрале за преношење података </a:t>
+            </a:r>
+            <a:r>
+              <a:rPr lang="sr-Cyrl-RS" dirty="0" smtClean="0"/>
+              <a:t>на наменским платформама у возилима</a:t>
+            </a:r>
+          </a:p>
+          <a:p>
+            <a:r>
+              <a:rPr lang="en-US" i="1" dirty="0" smtClean="0"/>
+              <a:t>ETHERNET</a:t>
+            </a:r>
+            <a:r>
+              <a:rPr lang="en-US" dirty="0" smtClean="0"/>
+              <a:t> – </a:t>
+            </a:r>
+            <a:r>
+              <a:rPr lang="sr-Cyrl-RS" dirty="0" smtClean="0"/>
+              <a:t>Превасходно типичан за персоналне рачунаре и потрошачку електронику, све већа употреба у аутомобилској индустрији</a:t>
             </a:r>
             <a:endParaRPr lang="en-US" dirty="0"/>
           </a:p>
@@ -23280,7 +23808,7 @@
     </p:spTree>
     <p:extLst>
       <p:ext uri="{BB962C8B-B14F-4D97-AF65-F5344CB8AC3E}">
-        <p14:creationId xmlns:p14="http://schemas.microsoft.com/office/powerpoint/2010/main" val="1906262380"/>
+        <p14:creationId xmlns:p14="http://schemas.microsoft.com/office/powerpoint/2010/main" val="3106782347"/>
       </p:ext>
     </p:extLst>
   </p:cSld>
@@ -23326,24 +23854,14 @@
         </p:nvSpPr>
         <p:spPr/>
         <p:txBody>
-          <a:bodyPr>
-            <a:normAutofit/>
-          </a:bodyPr>
+          <a:bodyPr/>
           <a:lstStyle/>
           <a:p>
             <a:r>
-              <a:rPr lang="sr-Cyrl-RS" dirty="0"/>
-              <a:t>Хардверска платформа – </a:t>
-            </a:r>
-            <a:r>
-              <a:rPr lang="en-US" i="1" dirty="0"/>
-              <a:t>ALPHA </a:t>
-            </a:r>
-            <a:r>
-              <a:rPr lang="en-US" i="1" dirty="0" smtClean="0"/>
-              <a:t>AMV</a:t>
-            </a:r>
-            <a:endParaRPr lang="en-US" i="1" dirty="0"/>
+              <a:rPr lang="sr-Cyrl-RS" dirty="0" smtClean="0"/>
+              <a:t>Софтверске магистрале</a:t>
+            </a:r>
+            <a:endParaRPr lang="en-US" dirty="0"/>
           </a:p>
         </p:txBody>
       </p:sp>
@@ -23357,51 +23875,63 @@
             <p:ph idx="1"/>
           </p:nvPr>
         </p:nvSpPr>
-        <p:spPr>
-          <a:xfrm>
-            <a:off x="838200" y="1847850"/>
-            <a:ext cx="10515600" cy="4351338"/>
-          </a:xfrm>
-        </p:spPr>
+        <p:spPr/>
         <p:txBody>
           <a:bodyPr>
-            <a:normAutofit fontScale="92500" lnSpcReduction="20000"/>
+            <a:normAutofit fontScale="92500"/>
           </a:bodyPr>
           <a:lstStyle/>
           <a:p>
             <a:r>
+              <a:rPr lang="sr-Cyrl-RS" dirty="0" smtClean="0"/>
+              <a:t>Представљају </a:t>
+            </a:r>
+            <a:r>
               <a:rPr lang="sr-Cyrl-RS" dirty="0"/>
-              <a:t>З</a:t>
-            </a:r>
+              <a:t>начин на који се остварује међупроцесна комуникација (енг. </a:t>
+            </a:r>
+            <a:r>
+              <a:rPr lang="en-US" i="1" dirty="0" smtClean="0"/>
+              <a:t>IPC</a:t>
+            </a:r>
+            <a:r>
+              <a:rPr lang="en-US" dirty="0" smtClean="0"/>
+              <a:t>)</a:t>
+            </a:r>
+            <a:endParaRPr lang="sr-Cyrl-RS" dirty="0" smtClean="0"/>
+          </a:p>
+          <a:p>
             <a:r>
               <a:rPr lang="ru-RU" dirty="0" smtClean="0"/>
-              <a:t>аснована </a:t>
+              <a:t>Не </a:t>
             </a:r>
             <a:r>
               <a:rPr lang="ru-RU" dirty="0"/>
-              <a:t>је на систему на чипу (енг. </a:t>
-            </a:r>
-            <a:r>
-              <a:rPr lang="ru-RU" i="1" dirty="0"/>
-              <a:t>SoC</a:t>
+              <a:t>морају поседовати посебан физички </a:t>
+            </a:r>
+            <a:r>
+              <a:rPr lang="ru-RU" dirty="0" smtClean="0"/>
+              <a:t>медијум</a:t>
+            </a:r>
+          </a:p>
+          <a:p>
+            <a:r>
+              <a:rPr lang="ru-RU" dirty="0" smtClean="0"/>
+              <a:t>Потребно </a:t>
             </a:r>
             <a:r>
               <a:rPr lang="ru-RU" dirty="0"/>
-              <a:t>) </a:t>
-            </a:r>
-            <a:r>
-              <a:rPr lang="ru-RU" i="1" dirty="0" smtClean="0"/>
-              <a:t>TDA2x</a:t>
-            </a:r>
-          </a:p>
-          <a:p>
+              <a:t>је да постоји установљени протокол у комуникацији између пријемне и предајне </a:t>
+            </a:r>
             <a:r>
               <a:rPr lang="ru-RU" dirty="0" smtClean="0"/>
-              <a:t>Подржава </a:t>
-            </a:r>
+              <a:t>стране</a:t>
+            </a:r>
+          </a:p>
+          <a:p>
             <a:r>
               <a:rPr lang="en-US" i="1" dirty="0" smtClean="0"/>
-              <a:t>PSE51</a:t>
+              <a:t>Linux</a:t>
             </a:r>
             <a:r>
               <a:rPr lang="en-US" dirty="0" smtClean="0"/>
@@ -23409,152 +23939,61 @@
             </a:r>
             <a:r>
               <a:rPr lang="sr-Cyrl-RS" dirty="0" smtClean="0"/>
-              <a:t>оперативне системе</a:t>
-            </a:r>
-            <a:endParaRPr lang="ru-RU" i="1" dirty="0" smtClean="0"/>
-          </a:p>
-          <a:p>
-            <a:r>
-              <a:rPr lang="ru-RU" dirty="0" smtClean="0"/>
-              <a:t>Платформа </a:t>
-            </a:r>
-            <a:r>
-              <a:rPr lang="ru-RU" dirty="0"/>
-              <a:t>поседује три оваква чипа </a:t>
-            </a:r>
-            <a:r>
-              <a:rPr lang="ru-RU" dirty="0" smtClean="0"/>
-              <a:t>са више процесорских компоненти:</a:t>
+              <a:t>оперативни систем нуди механизмен попут:</a:t>
             </a:r>
           </a:p>
           <a:p>
             <a:pPr lvl="1"/>
             <a:r>
-              <a:rPr lang="en-US" i="1" dirty="0"/>
-              <a:t>2 x ARM Cortex A15 @ </a:t>
-            </a:r>
-            <a:r>
               <a:rPr lang="en-US" i="1" dirty="0" smtClean="0"/>
-              <a:t>1176MHz</a:t>
-            </a:r>
-            <a:endParaRPr lang="en-US" i="1" dirty="0"/>
+              <a:t>D-bus</a:t>
+            </a:r>
+            <a:r>
+              <a:rPr lang="sr-Cyrl-RS" i="1" dirty="0" smtClean="0"/>
+              <a:t> – </a:t>
+            </a:r>
+            <a:r>
+              <a:rPr lang="sr-Cyrl-RS" dirty="0" smtClean="0"/>
+              <a:t>софтверска магистрала за размену порука</a:t>
+            </a:r>
           </a:p>
           <a:p>
             <a:pPr lvl="1"/>
             <a:r>
               <a:rPr lang="en-US" i="1" dirty="0" smtClean="0"/>
-              <a:t>2 </a:t>
-            </a:r>
-            <a:r>
-              <a:rPr lang="en-US" i="1" dirty="0"/>
-              <a:t>x Dual core ARM Cortex M4 @ </a:t>
-            </a:r>
-            <a:r>
-              <a:rPr lang="en-US" i="1" dirty="0" smtClean="0"/>
-              <a:t>220MHz</a:t>
-            </a:r>
-            <a:endParaRPr lang="en-US" i="1" dirty="0"/>
-          </a:p>
-          <a:p>
-            <a:pPr lvl="1"/>
-            <a:r>
-              <a:rPr lang="en-US" i="1" dirty="0" smtClean="0"/>
-              <a:t>2 </a:t>
-            </a:r>
-            <a:r>
-              <a:rPr lang="en-US" i="1" dirty="0"/>
-              <a:t>x DSP C66x @ </a:t>
-            </a:r>
-            <a:r>
-              <a:rPr lang="en-US" i="1" dirty="0" smtClean="0"/>
-              <a:t>750MHz</a:t>
-            </a:r>
-            <a:endParaRPr lang="en-US" i="1" dirty="0"/>
-          </a:p>
-          <a:p>
-            <a:pPr lvl="1"/>
-            <a:r>
-              <a:rPr lang="en-US" i="1" dirty="0" smtClean="0"/>
-              <a:t>IVA </a:t>
-            </a:r>
-            <a:r>
-              <a:rPr lang="en-US" i="1" dirty="0"/>
-              <a:t>HD </a:t>
-            </a:r>
-            <a:r>
-              <a:rPr lang="en-US" i="1" dirty="0" smtClean="0"/>
-              <a:t>Coprocessor</a:t>
-            </a:r>
-            <a:endParaRPr lang="en-US" i="1" dirty="0"/>
-          </a:p>
-          <a:p>
-            <a:pPr lvl="1"/>
-            <a:r>
-              <a:rPr lang="en-US" i="1" dirty="0" smtClean="0"/>
-              <a:t>4 </a:t>
-            </a:r>
-            <a:r>
-              <a:rPr lang="en-US" i="1" dirty="0"/>
-              <a:t>x EVE Analytic </a:t>
-            </a:r>
-            <a:r>
-              <a:rPr lang="en-US" i="1" dirty="0" smtClean="0"/>
-              <a:t>Processor</a:t>
-            </a:r>
-            <a:endParaRPr lang="en-US" i="1" dirty="0"/>
-          </a:p>
-          <a:p>
-            <a:pPr lvl="1"/>
-            <a:r>
-              <a:rPr lang="en-US" i="1" dirty="0" smtClean="0"/>
-              <a:t>GPU </a:t>
-            </a:r>
-            <a:r>
-              <a:rPr lang="en-US" i="1" dirty="0"/>
-              <a:t>SGX544 @ </a:t>
-            </a:r>
-            <a:r>
-              <a:rPr lang="en-US" i="1" dirty="0" smtClean="0"/>
-              <a:t>560MHz</a:t>
-            </a:r>
-            <a:endParaRPr lang="sr-Cyrl-RS" i="1" dirty="0" smtClean="0"/>
-          </a:p>
-          <a:p>
-            <a:r>
-              <a:rPr lang="ru-RU" dirty="0" smtClean="0"/>
-              <a:t>Софтверска подршка на платформи -</a:t>
-            </a:r>
-            <a:r>
-              <a:rPr lang="ru-RU" i="1" dirty="0" smtClean="0"/>
-              <a:t>Vision </a:t>
-            </a:r>
-            <a:r>
-              <a:rPr lang="ru-RU" i="1" dirty="0" smtClean="0"/>
-              <a:t>SDK</a:t>
-            </a:r>
-          </a:p>
-          <a:p>
-            <a:r>
-              <a:rPr lang="en-US" i="1" dirty="0" smtClean="0"/>
-              <a:t>Links &amp; Chains</a:t>
+              <a:t>Pipes</a:t>
             </a:r>
             <a:r>
               <a:rPr lang="sr-Cyrl-RS" dirty="0"/>
               <a:t> </a:t>
             </a:r>
             <a:r>
+              <a:rPr lang="sr-Cyrl-RS" i="1" dirty="0" smtClean="0"/>
+              <a:t>– </a:t>
+            </a:r>
+            <a:r>
               <a:rPr lang="sr-Cyrl-RS" dirty="0" smtClean="0"/>
-              <a:t>радни оквир - </a:t>
-            </a:r>
-            <a:r>
-              <a:rPr lang="ru-RU" dirty="0" smtClean="0"/>
-              <a:t>реализација </a:t>
-            </a:r>
-            <a:r>
-              <a:rPr lang="ru-RU" dirty="0"/>
-              <a:t>комуникације између компоненти у проточној обради </a:t>
-            </a:r>
-            <a:endParaRPr lang="ru-RU" i="1" dirty="0" smtClean="0"/>
+              <a:t>проточна обрада</a:t>
+            </a:r>
+          </a:p>
+          <a:p>
+            <a:r>
+              <a:rPr lang="sr-Cyrl-RS" dirty="0" smtClean="0"/>
+              <a:t>Употреба дељене меморије (</a:t>
+            </a:r>
+            <a:r>
+              <a:rPr lang="en-US" i="1" dirty="0" err="1" smtClean="0"/>
+              <a:t>shmem</a:t>
+            </a:r>
+            <a:r>
+              <a:rPr lang="en-US" dirty="0" smtClean="0"/>
+              <a:t>)</a:t>
+            </a:r>
+            <a:r>
+              <a:rPr lang="sr-Cyrl-RS" dirty="0" smtClean="0"/>
+              <a:t> и других комуникационих протокола такође представља својеврстан вид софтверске магистрале</a:t>
+            </a:r>
+            <a:endParaRPr lang="en-US" dirty="0"/>
           </a:p>
         </p:txBody>
       </p:sp>
@@ -23584,7 +24023,7 @@
     </p:spTree>
     <p:extLst>
       <p:ext uri="{BB962C8B-B14F-4D97-AF65-F5344CB8AC3E}">
-        <p14:creationId xmlns:p14="http://schemas.microsoft.com/office/powerpoint/2010/main" val="63335779"/>
+        <p14:creationId xmlns:p14="http://schemas.microsoft.com/office/powerpoint/2010/main" val="3144113695"/>
       </p:ext>
     </p:extLst>
   </p:cSld>
@@ -23630,7 +24069,7 @@
         </p:nvSpPr>
         <p:spPr>
           <a:xfrm>
-            <a:off x="1168940" y="3332939"/>
+            <a:off x="838200" y="3196752"/>
             <a:ext cx="10515600" cy="1061449"/>
           </a:xfrm>
         </p:spPr>
@@ -23641,7 +24080,11 @@
             <a:pPr algn="ctr"/>
             <a:r>
               <a:rPr lang="sr-Cyrl-RS" dirty="0"/>
-              <a:t>Концепт решења</a:t>
+              <a:t>Хардверска платформа – </a:t>
+            </a:r>
+            <a:r>
+              <a:rPr lang="en-US" i="1" dirty="0"/>
+              <a:t>ALPHA AMV</a:t>
             </a:r>
             <a:endParaRPr lang="en-US" dirty="0"/>
           </a:p>
@@ -23673,7 +24116,7 @@
     </p:spTree>
     <p:extLst>
       <p:ext uri="{BB962C8B-B14F-4D97-AF65-F5344CB8AC3E}">
-        <p14:creationId xmlns:p14="http://schemas.microsoft.com/office/powerpoint/2010/main" val="1878066513"/>
+        <p14:creationId xmlns:p14="http://schemas.microsoft.com/office/powerpoint/2010/main" val="1906262380"/>
       </p:ext>
     </p:extLst>
   </p:cSld>
@@ -23720,23 +24163,23 @@
         <p:spPr/>
         <p:txBody>
           <a:bodyPr>
-            <a:normAutofit fontScale="90000"/>
+            <a:normAutofit/>
           </a:bodyPr>
           <a:lstStyle/>
           <a:p>
             <a:r>
               <a:rPr lang="sr-Cyrl-RS" dirty="0"/>
-              <a:t>Концепт </a:t>
-            </a:r>
-            <a:r>
-              <a:rPr lang="sr-Cyrl-RS" dirty="0" smtClean="0"/>
-              <a:t>решења - </a:t>
-            </a:r>
-            <a:r>
-              <a:rPr lang="ru-RU" dirty="0"/>
-              <a:t>Софтверска магистрала за дистрибуцију видео сигнала </a:t>
-            </a:r>
-            <a:endParaRPr lang="en-US" dirty="0"/>
+              <a:t>Хардверска платформа – </a:t>
+            </a:r>
+            <a:r>
+              <a:rPr lang="en-US" i="1" dirty="0"/>
+              <a:t>ALPHA </a:t>
+            </a:r>
+            <a:r>
+              <a:rPr lang="en-US" i="1" dirty="0" smtClean="0"/>
+              <a:t>AMV</a:t>
+            </a:r>
+            <a:endParaRPr lang="en-US" i="1" dirty="0"/>
           </a:p>
         </p:txBody>
       </p:sp>
@@ -23750,88 +24193,219 @@
             <p:ph idx="1"/>
           </p:nvPr>
         </p:nvSpPr>
-        <p:spPr/>
+        <p:spPr>
+          <a:xfrm>
+            <a:off x="838200" y="1847850"/>
+            <a:ext cx="10515600" cy="4351338"/>
+          </a:xfrm>
+        </p:spPr>
         <p:txBody>
           <a:bodyPr>
-            <a:normAutofit/>
+            <a:normAutofit fontScale="85000" lnSpcReduction="20000"/>
           </a:bodyPr>
           <a:lstStyle/>
           <a:p>
             <a:r>
               <a:rPr lang="sr-Cyrl-RS" dirty="0"/>
-              <a:t>Основна </a:t>
+              <a:t>З</a:t>
+            </a:r>
+            <a:r>
+              <a:rPr lang="ru-RU" dirty="0" smtClean="0"/>
+              <a:t>аснована </a:t>
+            </a:r>
+            <a:r>
+              <a:rPr lang="ru-RU" dirty="0"/>
+              <a:t>је на систему на чипу (енг. </a:t>
+            </a:r>
+            <a:r>
+              <a:rPr lang="ru-RU" i="1" dirty="0"/>
+              <a:t>SoC</a:t>
+            </a:r>
+            <a:r>
+              <a:rPr lang="ru-RU" dirty="0"/>
+              <a:t>) </a:t>
+            </a:r>
+            <a:r>
+              <a:rPr lang="ru-RU" i="1" dirty="0" smtClean="0"/>
+              <a:t>TDA2x</a:t>
+            </a:r>
+          </a:p>
+          <a:p>
+            <a:r>
+              <a:rPr lang="ru-RU" dirty="0" smtClean="0"/>
+              <a:t>Подржава </a:t>
+            </a:r>
+            <a:r>
+              <a:rPr lang="en-US" i="1" dirty="0" smtClean="0"/>
+              <a:t>PSE51</a:t>
+            </a:r>
+            <a:r>
+              <a:rPr lang="en-US" dirty="0" smtClean="0"/>
+              <a:t> </a:t>
             </a:r>
             <a:r>
               <a:rPr lang="sr-Cyrl-RS" dirty="0" smtClean="0"/>
-              <a:t>идеја - </a:t>
+              <a:t>оперативне системе</a:t>
+            </a:r>
+            <a:endParaRPr lang="ru-RU" i="1" dirty="0" smtClean="0"/>
+          </a:p>
+          <a:p>
+            <a:r>
+              <a:rPr lang="ru-RU" dirty="0" smtClean="0"/>
+              <a:t>Платформа </a:t>
+            </a:r>
+            <a:r>
+              <a:rPr lang="ru-RU" dirty="0"/>
+              <a:t>поседује три оваква чипа </a:t>
+            </a:r>
+            <a:r>
+              <a:rPr lang="ru-RU" dirty="0" smtClean="0"/>
+              <a:t>са више процесорских компоненти:</a:t>
+            </a:r>
+          </a:p>
+          <a:p>
+            <a:pPr lvl="1"/>
+            <a:r>
+              <a:rPr lang="en-US" i="1" dirty="0"/>
+              <a:t>2 x ARM Cortex A15 @ </a:t>
+            </a:r>
+            <a:r>
+              <a:rPr lang="en-US" i="1" dirty="0" smtClean="0"/>
+              <a:t>1176MHz</a:t>
+            </a:r>
+            <a:endParaRPr lang="en-US" i="1" dirty="0"/>
+          </a:p>
+          <a:p>
+            <a:pPr lvl="1"/>
+            <a:r>
+              <a:rPr lang="en-US" i="1" dirty="0" smtClean="0"/>
+              <a:t>2 </a:t>
+            </a:r>
+            <a:r>
+              <a:rPr lang="en-US" i="1" dirty="0"/>
+              <a:t>x Dual core ARM Cortex M4 @ </a:t>
+            </a:r>
+            <a:r>
+              <a:rPr lang="en-US" i="1" dirty="0" smtClean="0"/>
+              <a:t>220MHz</a:t>
+            </a:r>
+            <a:endParaRPr lang="en-US" i="1" dirty="0"/>
+          </a:p>
+          <a:p>
+            <a:pPr lvl="1"/>
+            <a:r>
+              <a:rPr lang="en-US" i="1" dirty="0" smtClean="0"/>
+              <a:t>2 </a:t>
+            </a:r>
+            <a:r>
+              <a:rPr lang="en-US" i="1" dirty="0"/>
+              <a:t>x DSP C66x @ </a:t>
+            </a:r>
+            <a:r>
+              <a:rPr lang="en-US" i="1" dirty="0" smtClean="0"/>
+              <a:t>750MHz</a:t>
+            </a:r>
+            <a:endParaRPr lang="en-US" i="1" dirty="0"/>
+          </a:p>
+          <a:p>
+            <a:pPr lvl="1"/>
+            <a:r>
+              <a:rPr lang="en-US" i="1" dirty="0" smtClean="0"/>
+              <a:t>IVA </a:t>
+            </a:r>
+            <a:r>
+              <a:rPr lang="en-US" i="1" dirty="0"/>
+              <a:t>HD </a:t>
+            </a:r>
+            <a:r>
+              <a:rPr lang="en-US" i="1" dirty="0" smtClean="0"/>
+              <a:t>Coprocessor</a:t>
+            </a:r>
+            <a:endParaRPr lang="en-US" i="1" dirty="0"/>
+          </a:p>
+          <a:p>
+            <a:pPr lvl="1"/>
+            <a:r>
+              <a:rPr lang="en-US" i="1" dirty="0" smtClean="0"/>
+              <a:t>4 </a:t>
+            </a:r>
+            <a:r>
+              <a:rPr lang="en-US" i="1" dirty="0"/>
+              <a:t>x EVE Analytic </a:t>
+            </a:r>
+            <a:r>
+              <a:rPr lang="en-US" i="1" dirty="0" smtClean="0"/>
+              <a:t>Processor</a:t>
+            </a:r>
+            <a:endParaRPr lang="en-US" i="1" dirty="0"/>
+          </a:p>
+          <a:p>
+            <a:pPr lvl="1"/>
+            <a:r>
+              <a:rPr lang="en-US" i="1" dirty="0" smtClean="0"/>
+              <a:t>GPU </a:t>
+            </a:r>
+            <a:r>
+              <a:rPr lang="en-US" i="1" dirty="0"/>
+              <a:t>SGX544 @ </a:t>
+            </a:r>
+            <a:r>
+              <a:rPr lang="en-US" i="1" dirty="0" smtClean="0"/>
+              <a:t>560MHz</a:t>
+            </a:r>
+            <a:endParaRPr lang="sr-Cyrl-RS" i="1" dirty="0" smtClean="0"/>
+          </a:p>
+          <a:p>
+            <a:r>
+              <a:rPr lang="sr-Cyrl-RS" dirty="0" smtClean="0"/>
+              <a:t>1 </a:t>
+            </a:r>
+            <a:r>
+              <a:rPr lang="sr-Latn-RS" i="1" dirty="0" smtClean="0"/>
+              <a:t>Gbit/s</a:t>
+            </a:r>
+            <a:r>
+              <a:rPr lang="sr-Latn-RS" dirty="0" smtClean="0"/>
+              <a:t> </a:t>
+            </a:r>
+            <a:r>
+              <a:rPr lang="sr-Cyrl-RS" dirty="0" smtClean="0"/>
+              <a:t>етернет магистрала</a:t>
+            </a:r>
+            <a:endParaRPr lang="sr-Cyrl-RS" i="1" dirty="0" smtClean="0"/>
+          </a:p>
+          <a:p>
+            <a:r>
+              <a:rPr lang="ru-RU" dirty="0" smtClean="0"/>
+              <a:t>Софтверска подршка на платформи -</a:t>
+            </a:r>
+            <a:r>
+              <a:rPr lang="ru-RU" i="1" dirty="0" smtClean="0"/>
+              <a:t>Vision SDK</a:t>
+            </a:r>
+          </a:p>
+          <a:p>
+            <a:r>
+              <a:rPr lang="en-US" i="1" dirty="0" smtClean="0"/>
+              <a:t>Links &amp; Chains</a:t>
             </a:r>
             <a:r>
               <a:rPr lang="sr-Cyrl-RS" dirty="0"/>
-              <a:t>олакшавање и апстракција достављања видео садржаја крајњем кориснику, тј. апликацији која врши манипулацију истог </a:t>
-            </a:r>
-            <a:endParaRPr lang="sr-Cyrl-RS" dirty="0" smtClean="0"/>
-          </a:p>
-          <a:p>
+              <a:t> </a:t>
+            </a:r>
             <a:r>
               <a:rPr lang="sr-Cyrl-RS" dirty="0" smtClean="0"/>
-              <a:t>Задаци:</a:t>
-            </a:r>
-          </a:p>
-          <a:p>
-            <a:pPr marL="914400" lvl="1" indent="-457200">
-              <a:buFont typeface="+mj-lt"/>
-              <a:buAutoNum type="arabicPeriod"/>
-            </a:pPr>
+              <a:t>радни оквир - </a:t>
+            </a:r>
             <a:r>
               <a:rPr lang="ru-RU" dirty="0" smtClean="0"/>
-              <a:t>онемогућавање </a:t>
+              <a:t>реализација </a:t>
             </a:r>
             <a:r>
               <a:rPr lang="ru-RU" dirty="0"/>
-              <a:t>недозвољеног приступа одређеним сегментима меморије </a:t>
-            </a:r>
-            <a:endParaRPr lang="ru-RU" dirty="0" smtClean="0"/>
-          </a:p>
-          <a:p>
-            <a:pPr marL="914400" lvl="1" indent="-457200">
-              <a:buFont typeface="+mj-lt"/>
-              <a:buAutoNum type="arabicPeriod"/>
-            </a:pPr>
-            <a:r>
-              <a:rPr lang="ru-RU" dirty="0" smtClean="0"/>
-              <a:t>онемогућавање преписивања </a:t>
-            </a:r>
-            <a:r>
-              <a:rPr lang="ru-RU" dirty="0"/>
-              <a:t>оригиналних података, подацима из једне од апликација која обрађује добављени видео </a:t>
-            </a:r>
-            <a:r>
-              <a:rPr lang="ru-RU" dirty="0" smtClean="0"/>
-              <a:t>сигнал</a:t>
-            </a:r>
-          </a:p>
-          <a:p>
-            <a:pPr marL="914400" lvl="1" indent="-457200">
-              <a:buFont typeface="+mj-lt"/>
-              <a:buAutoNum type="arabicPeriod"/>
-            </a:pPr>
-            <a:r>
-              <a:rPr lang="ru-RU" dirty="0" smtClean="0"/>
-              <a:t>једноставан и безбедан приступ потребним информацијама - </a:t>
-            </a:r>
-            <a:r>
-              <a:rPr lang="ru-RU" dirty="0"/>
-              <a:t>лишила потребе познавања детаља хардверске платформе на </a:t>
-            </a:r>
-            <a:r>
-              <a:rPr lang="sr-Cyrl-RS" dirty="0"/>
-              <a:t>којој се извршава </a:t>
-            </a:r>
-            <a:r>
-              <a:rPr lang="sr-Cyrl-RS" dirty="0" smtClean="0"/>
-              <a:t>алгоритам.</a:t>
-            </a:r>
-            <a:endParaRPr lang="en-US" dirty="0"/>
+              <a:t>комуникације између компоненти у проточној обради </a:t>
+            </a:r>
+            <a:endParaRPr lang="ru-RU" i="1" dirty="0" smtClean="0"/>
           </a:p>
         </p:txBody>
       </p:sp>
@@ -23861,7 +24435,7 @@
     </p:spTree>
     <p:extLst>
       <p:ext uri="{BB962C8B-B14F-4D97-AF65-F5344CB8AC3E}">
-        <p14:creationId xmlns:p14="http://schemas.microsoft.com/office/powerpoint/2010/main" val="2774999053"/>
+        <p14:creationId xmlns:p14="http://schemas.microsoft.com/office/powerpoint/2010/main" val="63335779"/>
       </p:ext>
     </p:extLst>
   </p:cSld>
@@ -23905,144 +24479,22 @@
             <p:ph type="title"/>
           </p:nvPr>
         </p:nvSpPr>
-        <p:spPr/>
-        <p:txBody>
-          <a:bodyPr>
-            <a:normAutofit fontScale="90000"/>
-          </a:bodyPr>
-          <a:lstStyle/>
-          <a:p>
-            <a:r>
-              <a:rPr lang="sr-Cyrl-RS" dirty="0"/>
-              <a:t>Концепт </a:t>
-            </a:r>
-            <a:r>
-              <a:rPr lang="sr-Cyrl-RS" dirty="0" smtClean="0"/>
-              <a:t>решења - </a:t>
-            </a:r>
-            <a:r>
-              <a:rPr lang="ru-RU" dirty="0"/>
-              <a:t>Софтверска магистрала за дистрибуцију видео сигнала </a:t>
-            </a:r>
-            <a:endParaRPr lang="en-US" dirty="0"/>
-          </a:p>
-        </p:txBody>
-      </p:sp>
-      <p:sp>
-        <p:nvSpPr>
-          <p:cNvPr id="3" name="Content Placeholder 2"/>
-          <p:cNvSpPr>
-            <a:spLocks noGrp="1"/>
-          </p:cNvSpPr>
-          <p:nvPr>
-            <p:ph idx="1"/>
-          </p:nvPr>
-        </p:nvSpPr>
         <p:spPr>
           <a:xfrm>
-            <a:off x="838200" y="1847850"/>
-            <a:ext cx="6992566" cy="4173572"/>
+            <a:off x="1168940" y="3332939"/>
+            <a:ext cx="10515600" cy="1061449"/>
           </a:xfrm>
         </p:spPr>
         <p:txBody>
-          <a:bodyPr>
-            <a:normAutofit/>
-          </a:bodyPr>
+          <a:bodyPr/>
           <a:lstStyle/>
           <a:p>
-            <a:r>
-              <a:rPr lang="sr-Cyrl-RS" dirty="0" smtClean="0"/>
-              <a:t>Слојевита </a:t>
-            </a:r>
-            <a:r>
-              <a:rPr lang="sr-Cyrl-RS" dirty="0" smtClean="0"/>
-              <a:t>архитектура решења:</a:t>
-            </a:r>
-          </a:p>
-          <a:p>
-            <a:pPr marL="971550" lvl="1" indent="-514350">
-              <a:buFont typeface="+mj-lt"/>
-              <a:buAutoNum type="arabicPeriod"/>
-            </a:pPr>
-            <a:r>
-              <a:rPr lang="ru-RU" dirty="0"/>
-              <a:t>Слој за апстракцију наменске </a:t>
-            </a:r>
-            <a:r>
-              <a:rPr lang="ru-RU" dirty="0" smtClean="0"/>
-              <a:t>платформе</a:t>
-            </a:r>
-          </a:p>
-          <a:p>
-            <a:pPr marL="971550" lvl="1" indent="-514350">
-              <a:buFont typeface="+mj-lt"/>
-              <a:buAutoNum type="arabicPeriod"/>
-            </a:pPr>
-            <a:r>
-              <a:rPr lang="ru-RU" dirty="0"/>
-              <a:t>Слој за апстракцију дистрибуције добављеног видео </a:t>
-            </a:r>
-            <a:r>
-              <a:rPr lang="ru-RU" dirty="0" smtClean="0"/>
-              <a:t>сигнала</a:t>
-            </a:r>
-          </a:p>
-          <a:p>
-            <a:pPr marL="971550" lvl="1" indent="-514350">
-              <a:buFont typeface="+mj-lt"/>
-              <a:buAutoNum type="arabicPeriod"/>
-            </a:pPr>
-            <a:r>
-              <a:rPr lang="ru-RU" dirty="0"/>
-              <a:t>Слој за информисање о карактеристикама прибављеног видео </a:t>
-            </a:r>
-            <a:r>
-              <a:rPr lang="ru-RU" dirty="0" smtClean="0"/>
-              <a:t>сигнала</a:t>
-            </a:r>
-            <a:endParaRPr lang="en-US" dirty="0" smtClean="0"/>
-          </a:p>
-          <a:p>
-            <a:r>
-              <a:rPr lang="sr-Cyrl-RS" dirty="0" smtClean="0"/>
-              <a:t>Заснована на ревизији стандарда </a:t>
-            </a:r>
-            <a:r>
-              <a:rPr lang="en-US" i="1" dirty="0" smtClean="0"/>
-              <a:t>R18-03,</a:t>
-            </a:r>
-            <a:r>
-              <a:rPr lang="sr-Cyrl-RS" i="1" dirty="0" smtClean="0"/>
-              <a:t> </a:t>
-            </a:r>
-            <a:r>
-              <a:rPr lang="sr-Cyrl-RS" dirty="0" smtClean="0"/>
-              <a:t>адаптивне платформе</a:t>
-            </a:r>
-            <a:endParaRPr lang="ru-RU" i="1" dirty="0" smtClean="0"/>
-          </a:p>
-          <a:p>
-            <a:r>
-              <a:rPr lang="ru-RU" dirty="0" smtClean="0"/>
-              <a:t>Интеграција у </a:t>
-            </a:r>
-            <a:r>
-              <a:rPr lang="sr-Cyrl-RS" dirty="0" smtClean="0"/>
-              <a:t>адаптивну платформу, ослањање на функционалност </a:t>
-            </a:r>
-            <a:r>
-              <a:rPr lang="en-US" i="1" dirty="0" smtClean="0"/>
-              <a:t>EM </a:t>
-            </a:r>
-            <a:r>
-              <a:rPr lang="sr-Cyrl-RS" dirty="0" smtClean="0"/>
-              <a:t>и </a:t>
-            </a:r>
-            <a:r>
-              <a:rPr lang="en-US" i="1" dirty="0" smtClean="0"/>
-              <a:t>CM</a:t>
-            </a:r>
-            <a:endParaRPr lang="sr-Cyrl-RS" i="1" dirty="0"/>
+            <a:pPr algn="ctr"/>
+            <a:r>
+              <a:rPr lang="sr-Cyrl-RS" dirty="0"/>
+              <a:t>Концепт решења</a:t>
+            </a:r>
+            <a:endParaRPr lang="en-US" dirty="0"/>
           </a:p>
         </p:txBody>
       </p:sp>
@@ -24069,40 +24521,10 @@
           </a:p>
         </p:txBody>
       </p:sp>
-      <p:pic>
-        <p:nvPicPr>
-          <p:cNvPr id="5" name="Picture 4"/>
-          <p:cNvPicPr>
-            <a:picLocks noChangeAspect="1"/>
-          </p:cNvPicPr>
-          <p:nvPr/>
-        </p:nvPicPr>
-        <p:blipFill>
-          <a:blip r:embed="rId2">
-            <a:extLst>
-              <a:ext uri="{28A0092B-C50C-407E-A947-70E740481C1C}">
-                <a14:useLocalDpi xmlns:a14="http://schemas.microsoft.com/office/drawing/2010/main" val="0"/>
-              </a:ext>
-            </a:extLst>
-          </a:blip>
-          <a:stretch>
-            <a:fillRect/>
-          </a:stretch>
-        </p:blipFill>
-        <p:spPr>
-          <a:xfrm>
-            <a:off x="8140936" y="1661024"/>
-            <a:ext cx="2486025" cy="4267200"/>
-          </a:xfrm>
-          <a:prstGeom prst="rect">
-            <a:avLst/>
-          </a:prstGeom>
-        </p:spPr>
-      </p:pic>
     </p:spTree>
     <p:extLst>
       <p:ext uri="{BB962C8B-B14F-4D97-AF65-F5344CB8AC3E}">
-        <p14:creationId xmlns:p14="http://schemas.microsoft.com/office/powerpoint/2010/main" val="1033205931"/>
+        <p14:creationId xmlns:p14="http://schemas.microsoft.com/office/powerpoint/2010/main" val="1878066513"/>
       </p:ext>
     </p:extLst>
   </p:cSld>
@@ -24154,16 +24576,16 @@
           <a:lstStyle/>
           <a:p>
             <a:r>
+              <a:rPr lang="sr-Cyrl-RS" dirty="0"/>
+              <a:t>Концепт </a:t>
+            </a:r>
+            <a:r>
               <a:rPr lang="sr-Cyrl-RS" dirty="0" smtClean="0"/>
-              <a:t>Концепт решења - </a:t>
+              <a:t>решења - </a:t>
             </a:r>
             <a:r>
               <a:rPr lang="ru-RU" dirty="0"/>
-              <a:t>Слој за апстракцију наменске </a:t>
-            </a:r>
-            <a:r>
-              <a:rPr lang="ru-RU" dirty="0" smtClean="0"/>
-              <a:t>платформе</a:t>
+              <a:t>Софтверска магистрала за дистрибуцију видео сигнала </a:t>
             </a:r>
             <a:endParaRPr lang="en-US" dirty="0"/>
           </a:p>
@@ -24179,12 +24601,7 @@
             <p:ph idx="1"/>
           </p:nvPr>
         </p:nvSpPr>
-        <p:spPr>
-          <a:xfrm>
-            <a:off x="838200" y="1847851"/>
-            <a:ext cx="5416685" cy="4086022"/>
-          </a:xfrm>
-        </p:spPr>
+        <p:spPr/>
         <p:txBody>
           <a:bodyPr>
             <a:normAutofit/>
@@ -24192,42 +24609,78 @@
           <a:lstStyle/>
           <a:p>
             <a:r>
+              <a:rPr lang="sr-Cyrl-RS" dirty="0"/>
+              <a:t>Основна </a:t>
+            </a:r>
+            <a:r>
+              <a:rPr lang="sr-Cyrl-RS" dirty="0" smtClean="0"/>
+              <a:t>идеја - </a:t>
+            </a:r>
+            <a:r>
+              <a:rPr lang="sr-Cyrl-RS" dirty="0"/>
+              <a:t>олакшавање и апстракција достављања видео садржаја крајњем кориснику, тј. апликацији која врши манипулацију истог </a:t>
+            </a:r>
+            <a:endParaRPr lang="sr-Cyrl-RS" dirty="0" smtClean="0"/>
+          </a:p>
+          <a:p>
+            <a:r>
+              <a:rPr lang="sr-Cyrl-RS" dirty="0" smtClean="0"/>
+              <a:t>Задаци:</a:t>
+            </a:r>
+          </a:p>
+          <a:p>
+            <a:pPr marL="914400" lvl="1" indent="-457200">
+              <a:buFont typeface="+mj-lt"/>
+              <a:buAutoNum type="arabicPeriod"/>
+            </a:pPr>
+            <a:r>
               <a:rPr lang="ru-RU" dirty="0" smtClean="0"/>
-              <a:t>Сакрива </a:t>
+              <a:t>онемогућавање </a:t>
             </a:r>
             <a:r>
               <a:rPr lang="ru-RU" dirty="0"/>
-              <a:t>процес иницијализације хардверске платформе, затим конфигурације камера и других потребних модула </a:t>
-            </a:r>
+              <a:t>недозвољеног приступа одређеним сегментима меморије </a:t>
+            </a:r>
+            <a:endParaRPr lang="ru-RU" dirty="0" smtClean="0"/>
+          </a:p>
+          <a:p>
+            <a:pPr marL="914400" lvl="1" indent="-457200">
+              <a:buFont typeface="+mj-lt"/>
+              <a:buAutoNum type="arabicPeriod"/>
+            </a:pPr>
             <a:r>
               <a:rPr lang="ru-RU" dirty="0" smtClean="0"/>
-              <a:t>платформе</a:t>
-            </a:r>
-          </a:p>
-          <a:p>
+              <a:t>онемогућавање преписивања </a:t>
+            </a:r>
             <a:r>
               <a:rPr lang="ru-RU" dirty="0"/>
-              <a:t>П</a:t>
+              <a:t>оригиналних података, подацима из једне од апликација која обрађује добављени видео </a:t>
             </a:r>
             <a:r>
               <a:rPr lang="ru-RU" dirty="0" smtClean="0"/>
-              <a:t>остиже се </a:t>
+              <a:t>сигнал</a:t>
+            </a:r>
+          </a:p>
+          <a:p>
+            <a:pPr marL="914400" lvl="1" indent="-457200">
+              <a:buFont typeface="+mj-lt"/>
+              <a:buAutoNum type="arabicPeriod"/>
+            </a:pPr>
+            <a:r>
+              <a:rPr lang="ru-RU" dirty="0" smtClean="0"/>
+              <a:t>једноставан и безбедан приступ потребним информацијама - </a:t>
             </a:r>
             <a:r>
               <a:rPr lang="ru-RU" dirty="0"/>
-              <a:t>апстракција складиштења видео сигнала </a:t>
-            </a:r>
-            <a:r>
-              <a:rPr lang="ru-RU" dirty="0" smtClean="0"/>
-              <a:t>на платформи и пр</a:t>
-            </a:r>
-            <a:r>
-              <a:rPr lang="en-US" dirty="0"/>
-              <a:t>y</a:t>
-            </a:r>
-            <a:r>
-              <a:rPr lang="ru-RU" dirty="0" smtClean="0"/>
-              <a:t>жа јединствени начин његовог добављања</a:t>
+              <a:t>лишила потребе познавања детаља хардверске платформе на </a:t>
+            </a:r>
+            <a:r>
+              <a:rPr lang="sr-Cyrl-RS" dirty="0"/>
+              <a:t>којој се извршава </a:t>
+            </a:r>
+            <a:r>
+              <a:rPr lang="sr-Cyrl-RS" dirty="0" smtClean="0"/>
+              <a:t>алгоритам.</a:t>
             </a:r>
             <a:endParaRPr lang="en-US" dirty="0"/>
           </a:p>
@@ -24256,40 +24709,10 @@
           </a:p>
         </p:txBody>
       </p:sp>
-      <p:pic>
-        <p:nvPicPr>
-          <p:cNvPr id="6" name="Picture 5"/>
-          <p:cNvPicPr>
-            <a:picLocks noChangeAspect="1"/>
-          </p:cNvPicPr>
-          <p:nvPr/>
-        </p:nvPicPr>
-        <p:blipFill>
-          <a:blip r:embed="rId2">
-            <a:extLst>
-              <a:ext uri="{28A0092B-C50C-407E-A947-70E740481C1C}">
-                <a14:useLocalDpi xmlns:a14="http://schemas.microsoft.com/office/drawing/2010/main" val="0"/>
-              </a:ext>
-            </a:extLst>
-          </a:blip>
-          <a:stretch>
-            <a:fillRect/>
-          </a:stretch>
-        </p:blipFill>
-        <p:spPr>
-          <a:xfrm>
-            <a:off x="6669755" y="1662422"/>
-            <a:ext cx="3881690" cy="4403222"/>
-          </a:xfrm>
-          <a:prstGeom prst="rect">
-            <a:avLst/>
-          </a:prstGeom>
-        </p:spPr>
-      </p:pic>
     </p:spTree>
     <p:extLst>
       <p:ext uri="{BB962C8B-B14F-4D97-AF65-F5344CB8AC3E}">
-        <p14:creationId xmlns:p14="http://schemas.microsoft.com/office/powerpoint/2010/main" val="1353615810"/>
+        <p14:creationId xmlns:p14="http://schemas.microsoft.com/office/powerpoint/2010/main" val="2774999053"/>
       </p:ext>
     </p:extLst>
   </p:cSld>
@@ -24422,7 +24845,6 @@
               <a:rPr lang="sr-Cyrl-RS" dirty="0" smtClean="0"/>
               <a:t>агистрале</a:t>
             </a:r>
-            <a:endParaRPr lang="sr-Cyrl-RS" dirty="0" smtClean="0"/>
           </a:p>
           <a:p>
             <a:pPr lvl="1"/>
@@ -24548,6 +24970,440 @@
           <a:lstStyle/>
           <a:p>
             <a:r>
+              <a:rPr lang="sr-Cyrl-RS" dirty="0"/>
+              <a:t>Концепт </a:t>
+            </a:r>
+            <a:r>
+              <a:rPr lang="sr-Cyrl-RS" dirty="0" smtClean="0"/>
+              <a:t>решења - </a:t>
+            </a:r>
+            <a:r>
+              <a:rPr lang="ru-RU" dirty="0"/>
+              <a:t>Софтверска магистрала за дистрибуцију видео сигнала </a:t>
+            </a:r>
+            <a:endParaRPr lang="en-US" dirty="0"/>
+          </a:p>
+        </p:txBody>
+      </p:sp>
+      <p:sp>
+        <p:nvSpPr>
+          <p:cNvPr id="3" name="Content Placeholder 2"/>
+          <p:cNvSpPr>
+            <a:spLocks noGrp="1"/>
+          </p:cNvSpPr>
+          <p:nvPr>
+            <p:ph idx="1"/>
+          </p:nvPr>
+        </p:nvSpPr>
+        <p:spPr>
+          <a:xfrm>
+            <a:off x="838200" y="1847850"/>
+            <a:ext cx="6992566" cy="4173572"/>
+          </a:xfrm>
+        </p:spPr>
+        <p:txBody>
+          <a:bodyPr>
+            <a:normAutofit/>
+          </a:bodyPr>
+          <a:lstStyle/>
+          <a:p>
+            <a:r>
+              <a:rPr lang="sr-Cyrl-RS" dirty="0" smtClean="0"/>
+              <a:t>Слојевита архитектура решења:</a:t>
+            </a:r>
+          </a:p>
+          <a:p>
+            <a:pPr marL="971550" lvl="1" indent="-514350">
+              <a:buFont typeface="+mj-lt"/>
+              <a:buAutoNum type="arabicPeriod"/>
+            </a:pPr>
+            <a:r>
+              <a:rPr lang="ru-RU" dirty="0"/>
+              <a:t>Слој за апстракцију наменске </a:t>
+            </a:r>
+            <a:r>
+              <a:rPr lang="ru-RU" dirty="0" smtClean="0"/>
+              <a:t>платформе</a:t>
+            </a:r>
+          </a:p>
+          <a:p>
+            <a:pPr marL="971550" lvl="1" indent="-514350">
+              <a:buFont typeface="+mj-lt"/>
+              <a:buAutoNum type="arabicPeriod"/>
+            </a:pPr>
+            <a:r>
+              <a:rPr lang="ru-RU" dirty="0"/>
+              <a:t>Слој за апстракцију дистрибуције добављеног видео </a:t>
+            </a:r>
+            <a:r>
+              <a:rPr lang="ru-RU" dirty="0" smtClean="0"/>
+              <a:t>сигнала</a:t>
+            </a:r>
+          </a:p>
+          <a:p>
+            <a:pPr marL="971550" lvl="1" indent="-514350">
+              <a:buFont typeface="+mj-lt"/>
+              <a:buAutoNum type="arabicPeriod"/>
+            </a:pPr>
+            <a:r>
+              <a:rPr lang="ru-RU" dirty="0"/>
+              <a:t>Слој за информисање о карактеристикама прибављеног видео </a:t>
+            </a:r>
+            <a:r>
+              <a:rPr lang="ru-RU" dirty="0" smtClean="0"/>
+              <a:t>сигнала</a:t>
+            </a:r>
+            <a:endParaRPr lang="en-US" dirty="0" smtClean="0"/>
+          </a:p>
+          <a:p>
+            <a:r>
+              <a:rPr lang="sr-Cyrl-RS" dirty="0" smtClean="0"/>
+              <a:t>Заснована на ревизији стандарда </a:t>
+            </a:r>
+            <a:r>
+              <a:rPr lang="en-US" i="1" dirty="0" smtClean="0"/>
+              <a:t>R18-03,</a:t>
+            </a:r>
+            <a:r>
+              <a:rPr lang="sr-Cyrl-RS" i="1" dirty="0" smtClean="0"/>
+              <a:t> </a:t>
+            </a:r>
+            <a:r>
+              <a:rPr lang="sr-Cyrl-RS" dirty="0" smtClean="0"/>
+              <a:t>адаптивне платформе</a:t>
+            </a:r>
+            <a:endParaRPr lang="ru-RU" i="1" dirty="0" smtClean="0"/>
+          </a:p>
+          <a:p>
+            <a:r>
+              <a:rPr lang="ru-RU" dirty="0" smtClean="0"/>
+              <a:t>Интеграција у </a:t>
+            </a:r>
+            <a:r>
+              <a:rPr lang="sr-Cyrl-RS" dirty="0" smtClean="0"/>
+              <a:t>адаптивну платформу, ослањање на функционалност </a:t>
+            </a:r>
+            <a:r>
+              <a:rPr lang="en-US" i="1" dirty="0" smtClean="0"/>
+              <a:t>EM </a:t>
+            </a:r>
+            <a:r>
+              <a:rPr lang="sr-Cyrl-RS" dirty="0" smtClean="0"/>
+              <a:t>и </a:t>
+            </a:r>
+            <a:r>
+              <a:rPr lang="en-US" i="1" dirty="0" smtClean="0"/>
+              <a:t>CM</a:t>
+            </a:r>
+            <a:endParaRPr lang="sr-Cyrl-RS" i="1" dirty="0"/>
+          </a:p>
+        </p:txBody>
+      </p:sp>
+      <p:sp>
+        <p:nvSpPr>
+          <p:cNvPr id="4" name="Slide Number Placeholder 3"/>
+          <p:cNvSpPr>
+            <a:spLocks noGrp="1"/>
+          </p:cNvSpPr>
+          <p:nvPr>
+            <p:ph type="sldNum" sz="quarter" idx="12"/>
+          </p:nvPr>
+        </p:nvSpPr>
+        <p:spPr/>
+        <p:txBody>
+          <a:bodyPr/>
+          <a:lstStyle/>
+          <a:p>
+            <a:fld id="{D22DBB91-4764-4098-A9EE-EA9330E91630}" type="slidenum">
+              <a:rPr lang="en-GB" smtClean="0"/>
+              <a:t>20</a:t>
+            </a:fld>
+            <a:endParaRPr lang="en-GB"/>
+          </a:p>
+        </p:txBody>
+      </p:sp>
+      <p:pic>
+        <p:nvPicPr>
+          <p:cNvPr id="5" name="Picture 4"/>
+          <p:cNvPicPr>
+            <a:picLocks noChangeAspect="1"/>
+          </p:cNvPicPr>
+          <p:nvPr/>
+        </p:nvPicPr>
+        <p:blipFill>
+          <a:blip r:embed="rId2">
+            <a:extLst>
+              <a:ext uri="{28A0092B-C50C-407E-A947-70E740481C1C}">
+                <a14:useLocalDpi xmlns:a14="http://schemas.microsoft.com/office/drawing/2010/main" val="0"/>
+              </a:ext>
+            </a:extLst>
+          </a:blip>
+          <a:stretch>
+            <a:fillRect/>
+          </a:stretch>
+        </p:blipFill>
+        <p:spPr>
+          <a:xfrm>
+            <a:off x="8140936" y="1661024"/>
+            <a:ext cx="2486025" cy="4267200"/>
+          </a:xfrm>
+          <a:prstGeom prst="rect">
+            <a:avLst/>
+          </a:prstGeom>
+        </p:spPr>
+      </p:pic>
+    </p:spTree>
+    <p:extLst>
+      <p:ext uri="{BB962C8B-B14F-4D97-AF65-F5344CB8AC3E}">
+        <p14:creationId xmlns:p14="http://schemas.microsoft.com/office/powerpoint/2010/main" val="1033205931"/>
+      </p:ext>
+    </p:extLst>
+  </p:cSld>
+  <p:clrMapOvr>
+    <a:masterClrMapping/>
+  </p:clrMapOvr>
+  <p:timing>
+    <p:tnLst>
+      <p:par>
+        <p:cTn id="1" dur="indefinite" restart="never" nodeType="tmRoot"/>
+      </p:par>
+    </p:tnLst>
+  </p:timing>
+</p:sld>
+</file>
+
+<file path=ppt/slides/slide21.xml><?xml version="1.0" encoding="utf-8"?>
+<p:sld xmlns:a="http://schemas.openxmlformats.org/drawingml/2006/main" xmlns:r="http://schemas.openxmlformats.org/officeDocument/2006/relationships" xmlns:p="http://schemas.openxmlformats.org/presentationml/2006/main">
+  <p:cSld>
+    <p:spTree>
+      <p:nvGrpSpPr>
+        <p:cNvPr id="1" name=""/>
+        <p:cNvGrpSpPr/>
+        <p:nvPr/>
+      </p:nvGrpSpPr>
+      <p:grpSpPr>
+        <a:xfrm>
+          <a:off x="0" y="0"/>
+          <a:ext cx="0" cy="0"/>
+          <a:chOff x="0" y="0"/>
+          <a:chExt cx="0" cy="0"/>
+        </a:xfrm>
+      </p:grpSpPr>
+      <p:sp>
+        <p:nvSpPr>
+          <p:cNvPr id="2" name="Title 1"/>
+          <p:cNvSpPr>
+            <a:spLocks noGrp="1"/>
+          </p:cNvSpPr>
+          <p:nvPr>
+            <p:ph type="title"/>
+          </p:nvPr>
+        </p:nvSpPr>
+        <p:spPr/>
+        <p:txBody>
+          <a:bodyPr>
+            <a:normAutofit fontScale="90000"/>
+          </a:bodyPr>
+          <a:lstStyle/>
+          <a:p>
+            <a:r>
+              <a:rPr lang="sr-Cyrl-RS" dirty="0" smtClean="0"/>
+              <a:t>Концепт решења - </a:t>
+            </a:r>
+            <a:r>
+              <a:rPr lang="ru-RU" dirty="0"/>
+              <a:t>Слој за апстракцију наменске </a:t>
+            </a:r>
+            <a:r>
+              <a:rPr lang="ru-RU" dirty="0" smtClean="0"/>
+              <a:t>платформе</a:t>
+            </a:r>
+            <a:endParaRPr lang="en-US" dirty="0"/>
+          </a:p>
+        </p:txBody>
+      </p:sp>
+      <p:sp>
+        <p:nvSpPr>
+          <p:cNvPr id="3" name="Content Placeholder 2"/>
+          <p:cNvSpPr>
+            <a:spLocks noGrp="1"/>
+          </p:cNvSpPr>
+          <p:nvPr>
+            <p:ph idx="1"/>
+          </p:nvPr>
+        </p:nvSpPr>
+        <p:spPr>
+          <a:xfrm>
+            <a:off x="838200" y="1847851"/>
+            <a:ext cx="5416685" cy="4086022"/>
+          </a:xfrm>
+        </p:spPr>
+        <p:txBody>
+          <a:bodyPr>
+            <a:normAutofit fontScale="92500"/>
+          </a:bodyPr>
+          <a:lstStyle/>
+          <a:p>
+            <a:r>
+              <a:rPr lang="ru-RU" dirty="0" smtClean="0"/>
+              <a:t>Сакрива </a:t>
+            </a:r>
+            <a:r>
+              <a:rPr lang="ru-RU" dirty="0"/>
+              <a:t>процес иницијализације хардверске платформе, затим конфигурације камера и других потребних модула </a:t>
+            </a:r>
+            <a:r>
+              <a:rPr lang="ru-RU" dirty="0" smtClean="0"/>
+              <a:t>платформе</a:t>
+            </a:r>
+          </a:p>
+          <a:p>
+            <a:r>
+              <a:rPr lang="ru-RU" dirty="0"/>
+              <a:t>П</a:t>
+            </a:r>
+            <a:r>
+              <a:rPr lang="ru-RU" dirty="0" smtClean="0"/>
+              <a:t>остиже се </a:t>
+            </a:r>
+            <a:r>
+              <a:rPr lang="ru-RU" dirty="0"/>
+              <a:t>апстракција складиштења видео сигнала </a:t>
+            </a:r>
+            <a:r>
+              <a:rPr lang="ru-RU" dirty="0" smtClean="0"/>
+              <a:t>на платформи и пр</a:t>
+            </a:r>
+            <a:r>
+              <a:rPr lang="en-US" dirty="0"/>
+              <a:t>y</a:t>
+            </a:r>
+            <a:r>
+              <a:rPr lang="ru-RU" dirty="0" smtClean="0"/>
+              <a:t>жа јединствени начин његовог </a:t>
+            </a:r>
+            <a:r>
+              <a:rPr lang="ru-RU" dirty="0" smtClean="0"/>
+              <a:t>добављања</a:t>
+            </a:r>
+          </a:p>
+          <a:p>
+            <a:r>
+              <a:rPr lang="ru-RU" dirty="0" smtClean="0"/>
+              <a:t>Спрега ка вишем слоју платформе увек иста</a:t>
+            </a:r>
+            <a:endParaRPr lang="en-US" dirty="0"/>
+          </a:p>
+        </p:txBody>
+      </p:sp>
+      <p:sp>
+        <p:nvSpPr>
+          <p:cNvPr id="4" name="Slide Number Placeholder 3"/>
+          <p:cNvSpPr>
+            <a:spLocks noGrp="1"/>
+          </p:cNvSpPr>
+          <p:nvPr>
+            <p:ph type="sldNum" sz="quarter" idx="12"/>
+          </p:nvPr>
+        </p:nvSpPr>
+        <p:spPr/>
+        <p:txBody>
+          <a:bodyPr/>
+          <a:lstStyle/>
+          <a:p>
+            <a:fld id="{D22DBB91-4764-4098-A9EE-EA9330E91630}" type="slidenum">
+              <a:rPr lang="en-GB" smtClean="0"/>
+              <a:t>21</a:t>
+            </a:fld>
+            <a:endParaRPr lang="en-GB"/>
+          </a:p>
+        </p:txBody>
+      </p:sp>
+      <p:pic>
+        <p:nvPicPr>
+          <p:cNvPr id="6" name="Picture 5"/>
+          <p:cNvPicPr>
+            <a:picLocks noChangeAspect="1"/>
+          </p:cNvPicPr>
+          <p:nvPr/>
+        </p:nvPicPr>
+        <p:blipFill>
+          <a:blip r:embed="rId2">
+            <a:extLst>
+              <a:ext uri="{28A0092B-C50C-407E-A947-70E740481C1C}">
+                <a14:useLocalDpi xmlns:a14="http://schemas.microsoft.com/office/drawing/2010/main" val="0"/>
+              </a:ext>
+            </a:extLst>
+          </a:blip>
+          <a:stretch>
+            <a:fillRect/>
+          </a:stretch>
+        </p:blipFill>
+        <p:spPr>
+          <a:xfrm>
+            <a:off x="6669755" y="1662422"/>
+            <a:ext cx="3881690" cy="4403222"/>
+          </a:xfrm>
+          <a:prstGeom prst="rect">
+            <a:avLst/>
+          </a:prstGeom>
+        </p:spPr>
+      </p:pic>
+    </p:spTree>
+    <p:extLst>
+      <p:ext uri="{BB962C8B-B14F-4D97-AF65-F5344CB8AC3E}">
+        <p14:creationId xmlns:p14="http://schemas.microsoft.com/office/powerpoint/2010/main" val="1353615810"/>
+      </p:ext>
+    </p:extLst>
+  </p:cSld>
+  <p:clrMapOvr>
+    <a:masterClrMapping/>
+  </p:clrMapOvr>
+  <p:timing>
+    <p:tnLst>
+      <p:par>
+        <p:cTn id="1" dur="indefinite" restart="never" nodeType="tmRoot"/>
+      </p:par>
+    </p:tnLst>
+  </p:timing>
+</p:sld>
+</file>
+
+<file path=ppt/slides/slide22.xml><?xml version="1.0" encoding="utf-8"?>
+<p:sld xmlns:a="http://schemas.openxmlformats.org/drawingml/2006/main" xmlns:r="http://schemas.openxmlformats.org/officeDocument/2006/relationships" xmlns:p="http://schemas.openxmlformats.org/presentationml/2006/main">
+  <p:cSld>
+    <p:spTree>
+      <p:nvGrpSpPr>
+        <p:cNvPr id="1" name=""/>
+        <p:cNvGrpSpPr/>
+        <p:nvPr/>
+      </p:nvGrpSpPr>
+      <p:grpSpPr>
+        <a:xfrm>
+          <a:off x="0" y="0"/>
+          <a:ext cx="0" cy="0"/>
+          <a:chOff x="0" y="0"/>
+          <a:chExt cx="0" cy="0"/>
+        </a:xfrm>
+      </p:grpSpPr>
+      <p:sp>
+        <p:nvSpPr>
+          <p:cNvPr id="2" name="Title 1"/>
+          <p:cNvSpPr>
+            <a:spLocks noGrp="1"/>
+          </p:cNvSpPr>
+          <p:nvPr>
+            <p:ph type="title"/>
+          </p:nvPr>
+        </p:nvSpPr>
+        <p:spPr/>
+        <p:txBody>
+          <a:bodyPr>
+            <a:normAutofit fontScale="90000"/>
+          </a:bodyPr>
+          <a:lstStyle/>
+          <a:p>
+            <a:r>
               <a:rPr lang="sr-Cyrl-RS" dirty="0" smtClean="0"/>
               <a:t>Концепт решења - </a:t>
             </a:r>
@@ -24620,24 +25476,30 @@
               <a:t>система</a:t>
             </a:r>
             <a:r>
-              <a:rPr lang="en-US" dirty="0" smtClean="0"/>
-              <a:t> (</a:t>
-            </a:r>
-            <a:r>
               <a:rPr lang="sr-Cyrl-RS" dirty="0" smtClean="0"/>
-              <a:t>дељена меморија и руковање мрежним интерфејсом)</a:t>
-            </a:r>
-            <a:r>
-              <a:rPr lang="ru-RU" dirty="0" smtClean="0"/>
-              <a:t>, </a:t>
-            </a:r>
-            <a:r>
-              <a:rPr lang="ru-RU" dirty="0"/>
-              <a:t>за који је </a:t>
-            </a:r>
-            <a:r>
-              <a:rPr lang="ru-RU" dirty="0" smtClean="0"/>
-              <a:t>развијан</a:t>
+              <a:t>:</a:t>
+            </a:r>
+          </a:p>
+          <a:p>
+            <a:pPr lvl="1"/>
+            <a:r>
+              <a:rPr lang="sr-Cyrl-RS" dirty="0" smtClean="0"/>
+              <a:t>дељена меморија</a:t>
+            </a:r>
+          </a:p>
+          <a:p>
+            <a:pPr lvl="1"/>
+            <a:r>
+              <a:rPr lang="sr-Cyrl-RS" dirty="0" smtClean="0"/>
+              <a:t>руковање </a:t>
+            </a:r>
+            <a:r>
+              <a:rPr lang="sr-Cyrl-RS" dirty="0"/>
+              <a:t>мрежним </a:t>
+            </a:r>
+            <a:r>
+              <a:rPr lang="sr-Cyrl-RS" dirty="0" smtClean="0"/>
+              <a:t>интерфејсом</a:t>
             </a:r>
             <a:endParaRPr lang="ru-RU" dirty="0"/>
           </a:p>
@@ -24728,7 +25590,7 @@
           <a:p>
             <a:fld id="{D22DBB91-4764-4098-A9EE-EA9330E91630}" type="slidenum">
               <a:rPr lang="en-GB" smtClean="0"/>
-              <a:t>20</a:t>
+              <a:t>22</a:t>
             </a:fld>
             <a:endParaRPr lang="en-GB"/>
           </a:p>
@@ -24784,7 +25646,7 @@
 </p:sld>
 </file>
 
-<file path=ppt/slides/slide21.xml><?xml version="1.0" encoding="utf-8"?>
+<file path=ppt/slides/slide23.xml><?xml version="1.0" encoding="utf-8"?>
 <p:sld xmlns:a="http://schemas.openxmlformats.org/drawingml/2006/main" xmlns:r="http://schemas.openxmlformats.org/officeDocument/2006/relationships" xmlns:p="http://schemas.openxmlformats.org/presentationml/2006/main">
   <p:cSld>
     <p:spTree>
@@ -24848,7 +25710,7 @@
         </p:spPr>
         <p:txBody>
           <a:bodyPr>
-            <a:normAutofit fontScale="85000" lnSpcReduction="20000"/>
+            <a:normAutofit fontScale="70000" lnSpcReduction="20000"/>
           </a:bodyPr>
           <a:lstStyle/>
           <a:p>
@@ -24872,11 +25734,7 @@
             </a:r>
             <a:r>
               <a:rPr lang="sr-Cyrl-RS" dirty="0"/>
-              <a:t>у адаптивну </a:t>
-            </a:r>
-            <a:r>
-              <a:rPr lang="sr-Cyrl-RS" dirty="0"/>
-              <a:t>платформу, о</a:t>
+              <a:t>у адаптивну платформу, о</a:t>
             </a:r>
             <a:r>
               <a:rPr lang="sr-Cyrl-RS" dirty="0" smtClean="0"/>
@@ -24902,16 +25760,23 @@
               <a:rPr lang="sr-Cyrl-RS" dirty="0" smtClean="0"/>
               <a:t>компоненту</a:t>
             </a:r>
-            <a:endParaRPr lang="sr-Cyrl-RS" dirty="0" smtClean="0"/>
+          </a:p>
+          <a:p>
+            <a:r>
+              <a:rPr lang="sr-Cyrl-RS" dirty="0" smtClean="0"/>
+              <a:t>Доступне функционалности објављене у манифест фајлу.</a:t>
+            </a:r>
+          </a:p>
+          <a:p>
+            <a:r>
+              <a:rPr lang="sr-Cyrl-RS" dirty="0" smtClean="0"/>
+              <a:t>Сервис објављује своју видљивост и доступност информација остатку система.</a:t>
+            </a:r>
           </a:p>
           <a:p>
             <a:r>
               <a:rPr lang="ru-RU" dirty="0" smtClean="0"/>
-              <a:t>Улога </a:t>
-            </a:r>
-            <a:r>
-              <a:rPr lang="ru-RU" dirty="0" smtClean="0"/>
-              <a:t>овог </a:t>
+              <a:t>Улога овог </a:t>
             </a:r>
             <a:r>
               <a:rPr lang="ru-RU" dirty="0"/>
@@ -25009,7 +25874,7 @@
           <a:p>
             <a:fld id="{D22DBB91-4764-4098-A9EE-EA9330E91630}" type="slidenum">
               <a:rPr lang="en-GB" smtClean="0"/>
-              <a:t>21</a:t>
+              <a:t>23</a:t>
             </a:fld>
             <a:endParaRPr lang="en-GB"/>
           </a:p>
@@ -25065,7 +25930,7 @@
 </p:sld>
 </file>
 
-<file path=ppt/slides/slide22.xml><?xml version="1.0" encoding="utf-8"?>
+<file path=ppt/slides/slide24.xml><?xml version="1.0" encoding="utf-8"?>
 <p:sld xmlns:a="http://schemas.openxmlformats.org/drawingml/2006/main" xmlns:r="http://schemas.openxmlformats.org/officeDocument/2006/relationships" xmlns:p="http://schemas.openxmlformats.org/presentationml/2006/main">
   <p:cSld>
     <p:spTree>
@@ -25128,7 +25993,7 @@
           <a:p>
             <a:fld id="{D22DBB91-4764-4098-A9EE-EA9330E91630}" type="slidenum">
               <a:rPr lang="en-GB" smtClean="0"/>
-              <a:t>22</a:t>
+              <a:t>24</a:t>
             </a:fld>
             <a:endParaRPr lang="en-GB"/>
           </a:p>
@@ -25154,7 +26019,7 @@
 </p:sld>
 </file>
 
-<file path=ppt/slides/slide23.xml><?xml version="1.0" encoding="utf-8"?>
+<file path=ppt/slides/slide25.xml><?xml version="1.0" encoding="utf-8"?>
 <p:sld xmlns:a="http://schemas.openxmlformats.org/drawingml/2006/main" xmlns:r="http://schemas.openxmlformats.org/officeDocument/2006/relationships" xmlns:p="http://schemas.openxmlformats.org/presentationml/2006/main">
   <p:cSld>
     <p:spTree>
@@ -25337,7 +26202,7 @@
           <a:p>
             <a:fld id="{D22DBB91-4764-4098-A9EE-EA9330E91630}" type="slidenum">
               <a:rPr lang="en-GB" smtClean="0"/>
-              <a:t>23</a:t>
+              <a:t>25</a:t>
             </a:fld>
             <a:endParaRPr lang="en-GB"/>
           </a:p>
@@ -25363,7 +26228,7 @@
 </p:sld>
 </file>
 
-<file path=ppt/slides/slide24.xml><?xml version="1.0" encoding="utf-8"?>
+<file path=ppt/slides/slide26.xml><?xml version="1.0" encoding="utf-8"?>
 <p:sld xmlns:a="http://schemas.openxmlformats.org/drawingml/2006/main" xmlns:r="http://schemas.openxmlformats.org/officeDocument/2006/relationships" xmlns:p="http://schemas.openxmlformats.org/presentationml/2006/main">
   <p:cSld>
     <p:spTree>
@@ -25534,7 +26399,7 @@
           <a:p>
             <a:fld id="{D22DBB91-4764-4098-A9EE-EA9330E91630}" type="slidenum">
               <a:rPr lang="en-GB" smtClean="0"/>
-              <a:t>24</a:t>
+              <a:t>26</a:t>
             </a:fld>
             <a:endParaRPr lang="en-GB"/>
           </a:p>
@@ -25590,7 +26455,7 @@
 </p:sld>
 </file>
 
-<file path=ppt/slides/slide25.xml><?xml version="1.0" encoding="utf-8"?>
+<file path=ppt/slides/slide27.xml><?xml version="1.0" encoding="utf-8"?>
 <p:sld xmlns:a="http://schemas.openxmlformats.org/drawingml/2006/main" xmlns:r="http://schemas.openxmlformats.org/officeDocument/2006/relationships" xmlns:p="http://schemas.openxmlformats.org/presentationml/2006/main">
   <p:cSld>
     <p:spTree>
@@ -25735,7 +26600,7 @@
           <a:p>
             <a:fld id="{D22DBB91-4764-4098-A9EE-EA9330E91630}" type="slidenum">
               <a:rPr lang="en-GB" smtClean="0"/>
-              <a:t>25</a:t>
+              <a:t>27</a:t>
             </a:fld>
             <a:endParaRPr lang="en-GB"/>
           </a:p>
@@ -25789,7 +26654,7 @@
 </p:sld>
 </file>
 
-<file path=ppt/slides/slide26.xml><?xml version="1.0" encoding="utf-8"?>
+<file path=ppt/slides/slide28.xml><?xml version="1.0" encoding="utf-8"?>
 <p:sld xmlns:a="http://schemas.openxmlformats.org/drawingml/2006/main" xmlns:r="http://schemas.openxmlformats.org/officeDocument/2006/relationships" xmlns:p="http://schemas.openxmlformats.org/presentationml/2006/main">
   <p:cSld>
     <p:spTree>
@@ -25899,7 +26764,7 @@
           <a:p>
             <a:fld id="{D22DBB91-4764-4098-A9EE-EA9330E91630}" type="slidenum">
               <a:rPr lang="en-GB" smtClean="0"/>
-              <a:t>26</a:t>
+              <a:t>28</a:t>
             </a:fld>
             <a:endParaRPr lang="en-GB"/>
           </a:p>
@@ -25953,7 +26818,7 @@
 </p:sld>
 </file>
 
-<file path=ppt/slides/slide27.xml><?xml version="1.0" encoding="utf-8"?>
+<file path=ppt/slides/slide29.xml><?xml version="1.0" encoding="utf-8"?>
 <p:sld xmlns:a="http://schemas.openxmlformats.org/drawingml/2006/main" xmlns:r="http://schemas.openxmlformats.org/officeDocument/2006/relationships" xmlns:p="http://schemas.openxmlformats.org/presentationml/2006/main">
   <p:cSld>
     <p:spTree>
@@ -26060,7 +26925,7 @@
           <a:p>
             <a:fld id="{D22DBB91-4764-4098-A9EE-EA9330E91630}" type="slidenum">
               <a:rPr lang="en-GB" smtClean="0"/>
-              <a:t>27</a:t>
+              <a:t>29</a:t>
             </a:fld>
             <a:endParaRPr lang="en-GB"/>
           </a:p>
@@ -26098,406 +26963,6 @@
     <p:extLst>
       <p:ext uri="{BB962C8B-B14F-4D97-AF65-F5344CB8AC3E}">
         <p14:creationId xmlns:p14="http://schemas.microsoft.com/office/powerpoint/2010/main" val="723381962"/>
-      </p:ext>
-    </p:extLst>
-  </p:cSld>
-  <p:clrMapOvr>
-    <a:masterClrMapping/>
-  </p:clrMapOvr>
-  <p:timing>
-    <p:tnLst>
-      <p:par>
-        <p:cTn id="1" dur="indefinite" restart="never" nodeType="tmRoot"/>
-      </p:par>
-    </p:tnLst>
-  </p:timing>
-</p:sld>
-</file>
-
-<file path=ppt/slides/slide28.xml><?xml version="1.0" encoding="utf-8"?>
-<p:sld xmlns:a="http://schemas.openxmlformats.org/drawingml/2006/main" xmlns:r="http://schemas.openxmlformats.org/officeDocument/2006/relationships" xmlns:p="http://schemas.openxmlformats.org/presentationml/2006/main">
-  <p:cSld>
-    <p:spTree>
-      <p:nvGrpSpPr>
-        <p:cNvPr id="1" name=""/>
-        <p:cNvGrpSpPr/>
-        <p:nvPr/>
-      </p:nvGrpSpPr>
-      <p:grpSpPr>
-        <a:xfrm>
-          <a:off x="0" y="0"/>
-          <a:ext cx="0" cy="0"/>
-          <a:chOff x="0" y="0"/>
-          <a:chExt cx="0" cy="0"/>
-        </a:xfrm>
-      </p:grpSpPr>
-      <p:sp>
-        <p:nvSpPr>
-          <p:cNvPr id="2" name="Title 1"/>
-          <p:cNvSpPr>
-            <a:spLocks noGrp="1"/>
-          </p:cNvSpPr>
-          <p:nvPr>
-            <p:ph type="title"/>
-          </p:nvPr>
-        </p:nvSpPr>
-        <p:spPr/>
-        <p:txBody>
-          <a:bodyPr>
-            <a:normAutofit fontScale="90000"/>
-          </a:bodyPr>
-          <a:lstStyle/>
-          <a:p>
-            <a:r>
-              <a:rPr lang="sr-Cyrl-RS" dirty="0"/>
-              <a:t>Тестирање решења -  </a:t>
-            </a:r>
-            <a:r>
-              <a:rPr lang="ru-RU" dirty="0"/>
-              <a:t>Преглед потребног времена пропагације фрејма кроз систем</a:t>
-            </a:r>
-            <a:endParaRPr lang="en-US" dirty="0"/>
-          </a:p>
-        </p:txBody>
-      </p:sp>
-      <p:sp>
-        <p:nvSpPr>
-          <p:cNvPr id="3" name="Content Placeholder 2"/>
-          <p:cNvSpPr>
-            <a:spLocks noGrp="1"/>
-          </p:cNvSpPr>
-          <p:nvPr>
-            <p:ph idx="1"/>
-          </p:nvPr>
-        </p:nvSpPr>
-        <p:spPr>
-          <a:xfrm>
-            <a:off x="838200" y="1847850"/>
-            <a:ext cx="4716294" cy="4222210"/>
-          </a:xfrm>
-        </p:spPr>
-        <p:txBody>
-          <a:bodyPr>
-            <a:normAutofit fontScale="92500" lnSpcReduction="20000"/>
-          </a:bodyPr>
-          <a:lstStyle/>
-          <a:p>
-            <a:r>
-              <a:rPr lang="sr-Cyrl-RS" dirty="0" smtClean="0"/>
-              <a:t>Посматрани случај – достављање једног фрејма </a:t>
-            </a:r>
-            <a:r>
-              <a:rPr lang="sr-Cyrl-RS" dirty="0"/>
-              <a:t>посредстом сервиса за информисање о доступности и квалитету </a:t>
-            </a:r>
-            <a:r>
-              <a:rPr lang="sr-Cyrl-RS" dirty="0" smtClean="0"/>
-              <a:t>сигнала</a:t>
-            </a:r>
-          </a:p>
-          <a:p>
-            <a:r>
-              <a:rPr lang="sr-Cyrl-RS" dirty="0" smtClean="0"/>
-              <a:t>Посредник у комуникацији апликација адаптивне платформе је </a:t>
-            </a:r>
-            <a:r>
-              <a:rPr lang="en-US" i="1" dirty="0" smtClean="0"/>
-              <a:t>Communication Management</a:t>
-            </a:r>
-            <a:endParaRPr lang="sr-Cyrl-RS" i="1" dirty="0"/>
-          </a:p>
-          <a:p>
-            <a:r>
-              <a:rPr lang="sr-Cyrl-RS" dirty="0" smtClean="0"/>
-              <a:t>Два независна подслучаја:</a:t>
-            </a:r>
-          </a:p>
-          <a:p>
-            <a:pPr marL="914400" lvl="1" indent="-457200">
-              <a:buFont typeface="+mj-lt"/>
-              <a:buAutoNum type="arabicPeriod"/>
-            </a:pPr>
-            <a:r>
-              <a:rPr lang="sr-Cyrl-RS" dirty="0" smtClean="0"/>
-              <a:t>Локална </a:t>
-            </a:r>
-            <a:r>
-              <a:rPr lang="sr-Cyrl-RS" dirty="0"/>
-              <a:t>апликација адаптивне платформе преузима доступни </a:t>
-            </a:r>
-            <a:r>
-              <a:rPr lang="sr-Cyrl-RS" dirty="0" smtClean="0"/>
-              <a:t>фрејм</a:t>
-            </a:r>
-          </a:p>
-          <a:p>
-            <a:pPr marL="0" indent="0">
-              <a:buNone/>
-            </a:pPr>
-            <a:endParaRPr lang="sr-Cyrl-RS" dirty="0" smtClean="0"/>
-          </a:p>
-        </p:txBody>
-      </p:sp>
-      <p:sp>
-        <p:nvSpPr>
-          <p:cNvPr id="4" name="Slide Number Placeholder 3"/>
-          <p:cNvSpPr>
-            <a:spLocks noGrp="1"/>
-          </p:cNvSpPr>
-          <p:nvPr>
-            <p:ph type="sldNum" sz="quarter" idx="12"/>
-          </p:nvPr>
-        </p:nvSpPr>
-        <p:spPr/>
-        <p:txBody>
-          <a:bodyPr/>
-          <a:lstStyle/>
-          <a:p>
-            <a:fld id="{D22DBB91-4764-4098-A9EE-EA9330E91630}" type="slidenum">
-              <a:rPr lang="en-GB" smtClean="0"/>
-              <a:t>28</a:t>
-            </a:fld>
-            <a:endParaRPr lang="en-GB"/>
-          </a:p>
-        </p:txBody>
-      </p:sp>
-      <p:pic>
-        <p:nvPicPr>
-          <p:cNvPr id="6" name="Picture 5"/>
-          <p:cNvPicPr/>
-          <p:nvPr/>
-        </p:nvPicPr>
-        <p:blipFill>
-          <a:blip r:embed="rId2">
-            <a:extLst>
-              <a:ext uri="{28A0092B-C50C-407E-A947-70E740481C1C}">
-                <a14:useLocalDpi xmlns:a14="http://schemas.microsoft.com/office/drawing/2010/main" val="0"/>
-              </a:ext>
-            </a:extLst>
-          </a:blip>
-          <a:stretch>
-            <a:fillRect/>
-          </a:stretch>
-        </p:blipFill>
-        <p:spPr>
-          <a:xfrm>
-            <a:off x="5912485" y="1694362"/>
-            <a:ext cx="5396230" cy="4200525"/>
-          </a:xfrm>
-          <a:prstGeom prst="rect">
-            <a:avLst/>
-          </a:prstGeom>
-        </p:spPr>
-      </p:pic>
-    </p:spTree>
-    <p:extLst>
-      <p:ext uri="{BB962C8B-B14F-4D97-AF65-F5344CB8AC3E}">
-        <p14:creationId xmlns:p14="http://schemas.microsoft.com/office/powerpoint/2010/main" val="1702827529"/>
-      </p:ext>
-    </p:extLst>
-  </p:cSld>
-  <p:clrMapOvr>
-    <a:masterClrMapping/>
-  </p:clrMapOvr>
-  <p:timing>
-    <p:tnLst>
-      <p:par>
-        <p:cTn id="1" dur="indefinite" restart="never" nodeType="tmRoot"/>
-      </p:par>
-    </p:tnLst>
-  </p:timing>
-</p:sld>
-</file>
-
-<file path=ppt/slides/slide29.xml><?xml version="1.0" encoding="utf-8"?>
-<p:sld xmlns:a="http://schemas.openxmlformats.org/drawingml/2006/main" xmlns:r="http://schemas.openxmlformats.org/officeDocument/2006/relationships" xmlns:p="http://schemas.openxmlformats.org/presentationml/2006/main">
-  <p:cSld>
-    <p:spTree>
-      <p:nvGrpSpPr>
-        <p:cNvPr id="1" name=""/>
-        <p:cNvGrpSpPr/>
-        <p:nvPr/>
-      </p:nvGrpSpPr>
-      <p:grpSpPr>
-        <a:xfrm>
-          <a:off x="0" y="0"/>
-          <a:ext cx="0" cy="0"/>
-          <a:chOff x="0" y="0"/>
-          <a:chExt cx="0" cy="0"/>
-        </a:xfrm>
-      </p:grpSpPr>
-      <p:sp>
-        <p:nvSpPr>
-          <p:cNvPr id="2" name="Title 1"/>
-          <p:cNvSpPr>
-            <a:spLocks noGrp="1"/>
-          </p:cNvSpPr>
-          <p:nvPr>
-            <p:ph type="title"/>
-          </p:nvPr>
-        </p:nvSpPr>
-        <p:spPr/>
-        <p:txBody>
-          <a:bodyPr>
-            <a:normAutofit fontScale="90000"/>
-          </a:bodyPr>
-          <a:lstStyle/>
-          <a:p>
-            <a:r>
-              <a:rPr lang="sr-Cyrl-RS" dirty="0"/>
-              <a:t>Тестирање решења -  </a:t>
-            </a:r>
-            <a:r>
-              <a:rPr lang="ru-RU" dirty="0"/>
-              <a:t>Преглед потребног времена пропагације фрејма кроз систем</a:t>
-            </a:r>
-            <a:endParaRPr lang="en-US" dirty="0"/>
-          </a:p>
-        </p:txBody>
-      </p:sp>
-      <p:sp>
-        <p:nvSpPr>
-          <p:cNvPr id="3" name="Content Placeholder 2"/>
-          <p:cNvSpPr>
-            <a:spLocks noGrp="1"/>
-          </p:cNvSpPr>
-          <p:nvPr>
-            <p:ph idx="1"/>
-          </p:nvPr>
-        </p:nvSpPr>
-        <p:spPr>
-          <a:xfrm>
-            <a:off x="838200" y="1847850"/>
-            <a:ext cx="4006174" cy="4300031"/>
-          </a:xfrm>
-        </p:spPr>
-        <p:txBody>
-          <a:bodyPr>
-            <a:normAutofit lnSpcReduction="10000"/>
-          </a:bodyPr>
-          <a:lstStyle/>
-          <a:p>
-            <a:r>
-              <a:rPr lang="sr-Cyrl-RS" dirty="0" smtClean="0"/>
-              <a:t>Након информисања о доступности, време које је потребно да адаптивна апликација преузме један износи 12.3 </a:t>
-            </a:r>
-            <a:r>
-              <a:rPr lang="sr-Latn-RS" i="1" dirty="0" smtClean="0"/>
-              <a:t>m</a:t>
-            </a:r>
-            <a:r>
-              <a:rPr lang="en-US" i="1" dirty="0" smtClean="0"/>
-              <a:t>s</a:t>
-            </a:r>
-            <a:r>
-              <a:rPr lang="sr-Cyrl-RS" dirty="0" smtClean="0"/>
-              <a:t>, док време самог приступа зарад копирања из зоне дељене меморије износи свега 3.2</a:t>
-            </a:r>
-            <a:r>
-              <a:rPr lang="sr-Latn-RS" i="1" dirty="0" smtClean="0"/>
-              <a:t>m</a:t>
-            </a:r>
-            <a:r>
-              <a:rPr lang="en-US" i="1" dirty="0" smtClean="0"/>
-              <a:t>s</a:t>
-            </a:r>
-            <a:r>
-              <a:rPr lang="sr-Cyrl-RS" dirty="0"/>
-              <a:t> , на 200 </a:t>
-            </a:r>
-            <a:r>
-              <a:rPr lang="sr-Cyrl-RS" dirty="0" smtClean="0"/>
-              <a:t>фрејмова.</a:t>
-            </a:r>
-          </a:p>
-          <a:p>
-            <a:endParaRPr lang="en-US" dirty="0"/>
-          </a:p>
-        </p:txBody>
-      </p:sp>
-      <p:sp>
-        <p:nvSpPr>
-          <p:cNvPr id="4" name="Slide Number Placeholder 3"/>
-          <p:cNvSpPr>
-            <a:spLocks noGrp="1"/>
-          </p:cNvSpPr>
-          <p:nvPr>
-            <p:ph type="sldNum" sz="quarter" idx="12"/>
-          </p:nvPr>
-        </p:nvSpPr>
-        <p:spPr/>
-        <p:txBody>
-          <a:bodyPr/>
-          <a:lstStyle/>
-          <a:p>
-            <a:fld id="{D22DBB91-4764-4098-A9EE-EA9330E91630}" type="slidenum">
-              <a:rPr lang="en-GB" smtClean="0"/>
-              <a:t>29</a:t>
-            </a:fld>
-            <a:endParaRPr lang="en-GB"/>
-          </a:p>
-        </p:txBody>
-      </p:sp>
-      <p:graphicFrame>
-        <p:nvGraphicFramePr>
-          <p:cNvPr id="5" name="Chart 4">
-            <a:extLst>
-              <a:ext uri="{FF2B5EF4-FFF2-40B4-BE49-F238E27FC236}">
-                <a16:creationId xmlns:a16="http://schemas.microsoft.com/office/drawing/2014/main" id="{2075F4D9-543C-4169-8536-548AB9C02F50}"/>
-              </a:ext>
-            </a:extLst>
-          </p:cNvPr>
-          <p:cNvGraphicFramePr/>
-          <p:nvPr>
-            <p:extLst>
-              <p:ext uri="{D42A27DB-BD31-4B8C-83A1-F6EECF244321}">
-                <p14:modId xmlns:p14="http://schemas.microsoft.com/office/powerpoint/2010/main" val="3455011430"/>
-              </p:ext>
-            </p:extLst>
-          </p:nvPr>
-        </p:nvGraphicFramePr>
-        <p:xfrm>
-          <a:off x="4844374" y="1864265"/>
-          <a:ext cx="5885235" cy="2133600"/>
-        </p:xfrm>
-        <a:graphic>
-          <a:graphicData uri="http://schemas.openxmlformats.org/drawingml/2006/chart">
-            <c:chart xmlns:c="http://schemas.openxmlformats.org/drawingml/2006/chart" xmlns:r="http://schemas.openxmlformats.org/officeDocument/2006/relationships" r:id="rId2"/>
-          </a:graphicData>
-        </a:graphic>
-      </p:graphicFrame>
-      <p:graphicFrame>
-        <p:nvGraphicFramePr>
-          <p:cNvPr id="6" name="Chart 5">
-            <a:extLst>
-              <a:ext uri="{FF2B5EF4-FFF2-40B4-BE49-F238E27FC236}">
-                <a16:creationId xmlns:a16="http://schemas.microsoft.com/office/drawing/2014/main" id="{416ACD9A-160D-49DE-87E2-E0229EE259FD}"/>
-              </a:ext>
-            </a:extLst>
-          </p:cNvPr>
-          <p:cNvGraphicFramePr/>
-          <p:nvPr>
-            <p:extLst>
-              <p:ext uri="{D42A27DB-BD31-4B8C-83A1-F6EECF244321}">
-                <p14:modId xmlns:p14="http://schemas.microsoft.com/office/powerpoint/2010/main" val="2603453926"/>
-              </p:ext>
-            </p:extLst>
-          </p:nvPr>
-        </p:nvGraphicFramePr>
-        <p:xfrm>
-          <a:off x="4844374" y="3997865"/>
-          <a:ext cx="5885235" cy="2465070"/>
-        </p:xfrm>
-        <a:graphic>
-          <a:graphicData uri="http://schemas.openxmlformats.org/drawingml/2006/chart">
-            <c:chart xmlns:c="http://schemas.openxmlformats.org/drawingml/2006/chart" xmlns:r="http://schemas.openxmlformats.org/officeDocument/2006/relationships" r:id="rId3"/>
-          </a:graphicData>
-        </a:graphic>
-      </p:graphicFrame>
-    </p:spTree>
-    <p:extLst>
-      <p:ext uri="{BB962C8B-B14F-4D97-AF65-F5344CB8AC3E}">
-        <p14:creationId xmlns:p14="http://schemas.microsoft.com/office/powerpoint/2010/main" val="2719401994"/>
       </p:ext>
     </p:extLst>
   </p:cSld>
@@ -26722,6 +27187,406 @@
             </a:r>
             <a:r>
               <a:rPr lang="ru-RU" dirty="0"/>
+              <a:t>Преглед потребног времена пропагације фрејма кроз систем</a:t>
+            </a:r>
+            <a:endParaRPr lang="en-US" dirty="0"/>
+          </a:p>
+        </p:txBody>
+      </p:sp>
+      <p:sp>
+        <p:nvSpPr>
+          <p:cNvPr id="3" name="Content Placeholder 2"/>
+          <p:cNvSpPr>
+            <a:spLocks noGrp="1"/>
+          </p:cNvSpPr>
+          <p:nvPr>
+            <p:ph idx="1"/>
+          </p:nvPr>
+        </p:nvSpPr>
+        <p:spPr>
+          <a:xfrm>
+            <a:off x="838200" y="1847850"/>
+            <a:ext cx="4716294" cy="4222210"/>
+          </a:xfrm>
+        </p:spPr>
+        <p:txBody>
+          <a:bodyPr>
+            <a:normAutofit fontScale="92500" lnSpcReduction="20000"/>
+          </a:bodyPr>
+          <a:lstStyle/>
+          <a:p>
+            <a:r>
+              <a:rPr lang="sr-Cyrl-RS" dirty="0" smtClean="0"/>
+              <a:t>Посматрани случај – достављање једног фрејма </a:t>
+            </a:r>
+            <a:r>
+              <a:rPr lang="sr-Cyrl-RS" dirty="0"/>
+              <a:t>посредстом сервиса за информисање о доступности и квалитету </a:t>
+            </a:r>
+            <a:r>
+              <a:rPr lang="sr-Cyrl-RS" dirty="0" smtClean="0"/>
+              <a:t>сигнала</a:t>
+            </a:r>
+          </a:p>
+          <a:p>
+            <a:r>
+              <a:rPr lang="sr-Cyrl-RS" dirty="0" smtClean="0"/>
+              <a:t>Посредник у комуникацији апликација адаптивне платформе је </a:t>
+            </a:r>
+            <a:r>
+              <a:rPr lang="en-US" i="1" dirty="0" smtClean="0"/>
+              <a:t>Communication Management</a:t>
+            </a:r>
+            <a:endParaRPr lang="sr-Cyrl-RS" i="1" dirty="0"/>
+          </a:p>
+          <a:p>
+            <a:r>
+              <a:rPr lang="sr-Cyrl-RS" dirty="0" smtClean="0"/>
+              <a:t>Два независна подслучаја:</a:t>
+            </a:r>
+          </a:p>
+          <a:p>
+            <a:pPr marL="914400" lvl="1" indent="-457200">
+              <a:buFont typeface="+mj-lt"/>
+              <a:buAutoNum type="arabicPeriod"/>
+            </a:pPr>
+            <a:r>
+              <a:rPr lang="sr-Cyrl-RS" dirty="0" smtClean="0"/>
+              <a:t>Локална </a:t>
+            </a:r>
+            <a:r>
+              <a:rPr lang="sr-Cyrl-RS" dirty="0"/>
+              <a:t>апликација адаптивне платформе преузима доступни </a:t>
+            </a:r>
+            <a:r>
+              <a:rPr lang="sr-Cyrl-RS" dirty="0" smtClean="0"/>
+              <a:t>фрејм</a:t>
+            </a:r>
+          </a:p>
+          <a:p>
+            <a:pPr marL="0" indent="0">
+              <a:buNone/>
+            </a:pPr>
+            <a:endParaRPr lang="sr-Cyrl-RS" dirty="0" smtClean="0"/>
+          </a:p>
+        </p:txBody>
+      </p:sp>
+      <p:sp>
+        <p:nvSpPr>
+          <p:cNvPr id="4" name="Slide Number Placeholder 3"/>
+          <p:cNvSpPr>
+            <a:spLocks noGrp="1"/>
+          </p:cNvSpPr>
+          <p:nvPr>
+            <p:ph type="sldNum" sz="quarter" idx="12"/>
+          </p:nvPr>
+        </p:nvSpPr>
+        <p:spPr/>
+        <p:txBody>
+          <a:bodyPr/>
+          <a:lstStyle/>
+          <a:p>
+            <a:fld id="{D22DBB91-4764-4098-A9EE-EA9330E91630}" type="slidenum">
+              <a:rPr lang="en-GB" smtClean="0"/>
+              <a:t>30</a:t>
+            </a:fld>
+            <a:endParaRPr lang="en-GB"/>
+          </a:p>
+        </p:txBody>
+      </p:sp>
+      <p:pic>
+        <p:nvPicPr>
+          <p:cNvPr id="6" name="Picture 5"/>
+          <p:cNvPicPr/>
+          <p:nvPr/>
+        </p:nvPicPr>
+        <p:blipFill>
+          <a:blip r:embed="rId2">
+            <a:extLst>
+              <a:ext uri="{28A0092B-C50C-407E-A947-70E740481C1C}">
+                <a14:useLocalDpi xmlns:a14="http://schemas.microsoft.com/office/drawing/2010/main" val="0"/>
+              </a:ext>
+            </a:extLst>
+          </a:blip>
+          <a:stretch>
+            <a:fillRect/>
+          </a:stretch>
+        </p:blipFill>
+        <p:spPr>
+          <a:xfrm>
+            <a:off x="5912485" y="1694362"/>
+            <a:ext cx="5396230" cy="4200525"/>
+          </a:xfrm>
+          <a:prstGeom prst="rect">
+            <a:avLst/>
+          </a:prstGeom>
+        </p:spPr>
+      </p:pic>
+    </p:spTree>
+    <p:extLst>
+      <p:ext uri="{BB962C8B-B14F-4D97-AF65-F5344CB8AC3E}">
+        <p14:creationId xmlns:p14="http://schemas.microsoft.com/office/powerpoint/2010/main" val="1702827529"/>
+      </p:ext>
+    </p:extLst>
+  </p:cSld>
+  <p:clrMapOvr>
+    <a:masterClrMapping/>
+  </p:clrMapOvr>
+  <p:timing>
+    <p:tnLst>
+      <p:par>
+        <p:cTn id="1" dur="indefinite" restart="never" nodeType="tmRoot"/>
+      </p:par>
+    </p:tnLst>
+  </p:timing>
+</p:sld>
+</file>
+
+<file path=ppt/slides/slide31.xml><?xml version="1.0" encoding="utf-8"?>
+<p:sld xmlns:a="http://schemas.openxmlformats.org/drawingml/2006/main" xmlns:r="http://schemas.openxmlformats.org/officeDocument/2006/relationships" xmlns:p="http://schemas.openxmlformats.org/presentationml/2006/main">
+  <p:cSld>
+    <p:spTree>
+      <p:nvGrpSpPr>
+        <p:cNvPr id="1" name=""/>
+        <p:cNvGrpSpPr/>
+        <p:nvPr/>
+      </p:nvGrpSpPr>
+      <p:grpSpPr>
+        <a:xfrm>
+          <a:off x="0" y="0"/>
+          <a:ext cx="0" cy="0"/>
+          <a:chOff x="0" y="0"/>
+          <a:chExt cx="0" cy="0"/>
+        </a:xfrm>
+      </p:grpSpPr>
+      <p:sp>
+        <p:nvSpPr>
+          <p:cNvPr id="2" name="Title 1"/>
+          <p:cNvSpPr>
+            <a:spLocks noGrp="1"/>
+          </p:cNvSpPr>
+          <p:nvPr>
+            <p:ph type="title"/>
+          </p:nvPr>
+        </p:nvSpPr>
+        <p:spPr/>
+        <p:txBody>
+          <a:bodyPr>
+            <a:normAutofit fontScale="90000"/>
+          </a:bodyPr>
+          <a:lstStyle/>
+          <a:p>
+            <a:r>
+              <a:rPr lang="sr-Cyrl-RS" dirty="0"/>
+              <a:t>Тестирање решења -  </a:t>
+            </a:r>
+            <a:r>
+              <a:rPr lang="ru-RU" dirty="0"/>
+              <a:t>Преглед потребног времена пропагације фрејма кроз систем</a:t>
+            </a:r>
+            <a:endParaRPr lang="en-US" dirty="0"/>
+          </a:p>
+        </p:txBody>
+      </p:sp>
+      <p:sp>
+        <p:nvSpPr>
+          <p:cNvPr id="3" name="Content Placeholder 2"/>
+          <p:cNvSpPr>
+            <a:spLocks noGrp="1"/>
+          </p:cNvSpPr>
+          <p:nvPr>
+            <p:ph idx="1"/>
+          </p:nvPr>
+        </p:nvSpPr>
+        <p:spPr>
+          <a:xfrm>
+            <a:off x="838200" y="1847850"/>
+            <a:ext cx="4006174" cy="4300031"/>
+          </a:xfrm>
+        </p:spPr>
+        <p:txBody>
+          <a:bodyPr>
+            <a:normAutofit lnSpcReduction="10000"/>
+          </a:bodyPr>
+          <a:lstStyle/>
+          <a:p>
+            <a:r>
+              <a:rPr lang="sr-Cyrl-RS" dirty="0" smtClean="0"/>
+              <a:t>Након информисања о доступности, време које је потребно да адаптивна апликација преузме један износи 12.3 </a:t>
+            </a:r>
+            <a:r>
+              <a:rPr lang="sr-Latn-RS" i="1" dirty="0" smtClean="0"/>
+              <a:t>m</a:t>
+            </a:r>
+            <a:r>
+              <a:rPr lang="en-US" i="1" dirty="0" smtClean="0"/>
+              <a:t>s</a:t>
+            </a:r>
+            <a:r>
+              <a:rPr lang="sr-Cyrl-RS" dirty="0" smtClean="0"/>
+              <a:t>, док време самог приступа зарад копирања из зоне дељене меморије износи свега 3.2</a:t>
+            </a:r>
+            <a:r>
+              <a:rPr lang="sr-Latn-RS" i="1" dirty="0" smtClean="0"/>
+              <a:t>m</a:t>
+            </a:r>
+            <a:r>
+              <a:rPr lang="en-US" i="1" dirty="0" smtClean="0"/>
+              <a:t>s</a:t>
+            </a:r>
+            <a:r>
+              <a:rPr lang="sr-Cyrl-RS" dirty="0"/>
+              <a:t> , на 200 </a:t>
+            </a:r>
+            <a:r>
+              <a:rPr lang="sr-Cyrl-RS" dirty="0" smtClean="0"/>
+              <a:t>фрејмова.</a:t>
+            </a:r>
+          </a:p>
+          <a:p>
+            <a:endParaRPr lang="en-US" dirty="0"/>
+          </a:p>
+        </p:txBody>
+      </p:sp>
+      <p:sp>
+        <p:nvSpPr>
+          <p:cNvPr id="4" name="Slide Number Placeholder 3"/>
+          <p:cNvSpPr>
+            <a:spLocks noGrp="1"/>
+          </p:cNvSpPr>
+          <p:nvPr>
+            <p:ph type="sldNum" sz="quarter" idx="12"/>
+          </p:nvPr>
+        </p:nvSpPr>
+        <p:spPr/>
+        <p:txBody>
+          <a:bodyPr/>
+          <a:lstStyle/>
+          <a:p>
+            <a:fld id="{D22DBB91-4764-4098-A9EE-EA9330E91630}" type="slidenum">
+              <a:rPr lang="en-GB" smtClean="0"/>
+              <a:t>31</a:t>
+            </a:fld>
+            <a:endParaRPr lang="en-GB"/>
+          </a:p>
+        </p:txBody>
+      </p:sp>
+      <p:graphicFrame>
+        <p:nvGraphicFramePr>
+          <p:cNvPr id="5" name="Chart 4">
+            <a:extLst>
+              <a:ext uri="{FF2B5EF4-FFF2-40B4-BE49-F238E27FC236}">
+                <a16:creationId xmlns:a16="http://schemas.microsoft.com/office/drawing/2014/main" id="{2075F4D9-543C-4169-8536-548AB9C02F50}"/>
+              </a:ext>
+            </a:extLst>
+          </p:cNvPr>
+          <p:cNvGraphicFramePr/>
+          <p:nvPr>
+            <p:extLst>
+              <p:ext uri="{D42A27DB-BD31-4B8C-83A1-F6EECF244321}">
+                <p14:modId xmlns:p14="http://schemas.microsoft.com/office/powerpoint/2010/main" val="3455011430"/>
+              </p:ext>
+            </p:extLst>
+          </p:nvPr>
+        </p:nvGraphicFramePr>
+        <p:xfrm>
+          <a:off x="4844374" y="1864265"/>
+          <a:ext cx="5885235" cy="2133600"/>
+        </p:xfrm>
+        <a:graphic>
+          <a:graphicData uri="http://schemas.openxmlformats.org/drawingml/2006/chart">
+            <c:chart xmlns:c="http://schemas.openxmlformats.org/drawingml/2006/chart" xmlns:r="http://schemas.openxmlformats.org/officeDocument/2006/relationships" r:id="rId2"/>
+          </a:graphicData>
+        </a:graphic>
+      </p:graphicFrame>
+      <p:graphicFrame>
+        <p:nvGraphicFramePr>
+          <p:cNvPr id="6" name="Chart 5">
+            <a:extLst>
+              <a:ext uri="{FF2B5EF4-FFF2-40B4-BE49-F238E27FC236}">
+                <a16:creationId xmlns:a16="http://schemas.microsoft.com/office/drawing/2014/main" id="{416ACD9A-160D-49DE-87E2-E0229EE259FD}"/>
+              </a:ext>
+            </a:extLst>
+          </p:cNvPr>
+          <p:cNvGraphicFramePr/>
+          <p:nvPr>
+            <p:extLst>
+              <p:ext uri="{D42A27DB-BD31-4B8C-83A1-F6EECF244321}">
+                <p14:modId xmlns:p14="http://schemas.microsoft.com/office/powerpoint/2010/main" val="2603453926"/>
+              </p:ext>
+            </p:extLst>
+          </p:nvPr>
+        </p:nvGraphicFramePr>
+        <p:xfrm>
+          <a:off x="4844374" y="3997865"/>
+          <a:ext cx="5885235" cy="2465070"/>
+        </p:xfrm>
+        <a:graphic>
+          <a:graphicData uri="http://schemas.openxmlformats.org/drawingml/2006/chart">
+            <c:chart xmlns:c="http://schemas.openxmlformats.org/drawingml/2006/chart" xmlns:r="http://schemas.openxmlformats.org/officeDocument/2006/relationships" r:id="rId3"/>
+          </a:graphicData>
+        </a:graphic>
+      </p:graphicFrame>
+    </p:spTree>
+    <p:extLst>
+      <p:ext uri="{BB962C8B-B14F-4D97-AF65-F5344CB8AC3E}">
+        <p14:creationId xmlns:p14="http://schemas.microsoft.com/office/powerpoint/2010/main" val="2719401994"/>
+      </p:ext>
+    </p:extLst>
+  </p:cSld>
+  <p:clrMapOvr>
+    <a:masterClrMapping/>
+  </p:clrMapOvr>
+  <p:timing>
+    <p:tnLst>
+      <p:par>
+        <p:cTn id="1" dur="indefinite" restart="never" nodeType="tmRoot"/>
+      </p:par>
+    </p:tnLst>
+  </p:timing>
+</p:sld>
+</file>
+
+<file path=ppt/slides/slide32.xml><?xml version="1.0" encoding="utf-8"?>
+<p:sld xmlns:a="http://schemas.openxmlformats.org/drawingml/2006/main" xmlns:r="http://schemas.openxmlformats.org/officeDocument/2006/relationships" xmlns:p="http://schemas.openxmlformats.org/presentationml/2006/main">
+  <p:cSld>
+    <p:spTree>
+      <p:nvGrpSpPr>
+        <p:cNvPr id="1" name=""/>
+        <p:cNvGrpSpPr/>
+        <p:nvPr/>
+      </p:nvGrpSpPr>
+      <p:grpSpPr>
+        <a:xfrm>
+          <a:off x="0" y="0"/>
+          <a:ext cx="0" cy="0"/>
+          <a:chOff x="0" y="0"/>
+          <a:chExt cx="0" cy="0"/>
+        </a:xfrm>
+      </p:grpSpPr>
+      <p:sp>
+        <p:nvSpPr>
+          <p:cNvPr id="2" name="Title 1"/>
+          <p:cNvSpPr>
+            <a:spLocks noGrp="1"/>
+          </p:cNvSpPr>
+          <p:nvPr>
+            <p:ph type="title"/>
+          </p:nvPr>
+        </p:nvSpPr>
+        <p:spPr/>
+        <p:txBody>
+          <a:bodyPr>
+            <a:normAutofit fontScale="90000"/>
+          </a:bodyPr>
+          <a:lstStyle/>
+          <a:p>
+            <a:r>
+              <a:rPr lang="sr-Cyrl-RS" dirty="0"/>
+              <a:t>Тестирање решења -  </a:t>
+            </a:r>
+            <a:r>
+              <a:rPr lang="ru-RU" dirty="0"/>
               <a:t>Преглед потребног времена пропагације фрејма кроз </a:t>
             </a:r>
             <a:r>
@@ -26799,7 +27664,7 @@
           <a:p>
             <a:fld id="{D22DBB91-4764-4098-A9EE-EA9330E91630}" type="slidenum">
               <a:rPr lang="en-GB" smtClean="0"/>
-              <a:t>30</a:t>
+              <a:t>32</a:t>
             </a:fld>
             <a:endParaRPr lang="en-GB"/>
           </a:p>
@@ -26853,7 +27718,7 @@
 </p:sld>
 </file>
 
-<file path=ppt/slides/slide31.xml><?xml version="1.0" encoding="utf-8"?>
+<file path=ppt/slides/slide33.xml><?xml version="1.0" encoding="utf-8"?>
 <p:sld xmlns:a="http://schemas.openxmlformats.org/drawingml/2006/main" xmlns:r="http://schemas.openxmlformats.org/officeDocument/2006/relationships" xmlns:p="http://schemas.openxmlformats.org/presentationml/2006/main">
   <p:cSld>
     <p:spTree>
@@ -26956,7 +27821,7 @@
           <a:p>
             <a:fld id="{D22DBB91-4764-4098-A9EE-EA9330E91630}" type="slidenum">
               <a:rPr lang="en-GB" smtClean="0"/>
-              <a:t>31</a:t>
+              <a:t>33</a:t>
             </a:fld>
             <a:endParaRPr lang="en-GB"/>
           </a:p>
@@ -27010,7 +27875,7 @@
 </p:sld>
 </file>
 
-<file path=ppt/slides/slide32.xml><?xml version="1.0" encoding="utf-8"?>
+<file path=ppt/slides/slide34.xml><?xml version="1.0" encoding="utf-8"?>
 <p:sld xmlns:a="http://schemas.openxmlformats.org/drawingml/2006/main" xmlns:r="http://schemas.openxmlformats.org/officeDocument/2006/relationships" xmlns:p="http://schemas.openxmlformats.org/presentationml/2006/main">
   <p:cSld>
     <p:spTree>
@@ -27105,7 +27970,7 @@
           <a:p>
             <a:fld id="{D22DBB91-4764-4098-A9EE-EA9330E91630}" type="slidenum">
               <a:rPr lang="en-GB" smtClean="0"/>
-              <a:t>32</a:t>
+              <a:t>34</a:t>
             </a:fld>
             <a:endParaRPr lang="en-GB"/>
           </a:p>
@@ -27159,7 +28024,7 @@
 </p:sld>
 </file>
 
-<file path=ppt/slides/slide33.xml><?xml version="1.0" encoding="utf-8"?>
+<file path=ppt/slides/slide35.xml><?xml version="1.0" encoding="utf-8"?>
 <p:sld xmlns:a="http://schemas.openxmlformats.org/drawingml/2006/main" xmlns:r="http://schemas.openxmlformats.org/officeDocument/2006/relationships" xmlns:p="http://schemas.openxmlformats.org/presentationml/2006/main">
   <p:cSld>
     <p:spTree>
@@ -27292,7 +28157,7 @@
           <a:p>
             <a:fld id="{D22DBB91-4764-4098-A9EE-EA9330E91630}" type="slidenum">
               <a:rPr lang="en-GB" smtClean="0"/>
-              <a:t>33</a:t>
+              <a:t>35</a:t>
             </a:fld>
             <a:endParaRPr lang="en-GB"/>
           </a:p>
@@ -27318,7 +28183,7 @@
 </p:sld>
 </file>
 
-<file path=ppt/slides/slide34.xml><?xml version="1.0" encoding="utf-8"?>
+<file path=ppt/slides/slide36.xml><?xml version="1.0" encoding="utf-8"?>
 <p:sld xmlns:a="http://schemas.openxmlformats.org/drawingml/2006/main" xmlns:r="http://schemas.openxmlformats.org/officeDocument/2006/relationships" xmlns:p="http://schemas.openxmlformats.org/presentationml/2006/main">
   <p:cSld>
     <p:spTree>
@@ -27418,7 +28283,7 @@
           <a:p>
             <a:fld id="{D22DBB91-4764-4098-A9EE-EA9330E91630}" type="slidenum">
               <a:rPr lang="en-GB" smtClean="0"/>
-              <a:t>34</a:t>
+              <a:t>36</a:t>
             </a:fld>
             <a:endParaRPr lang="en-GB"/>
           </a:p>
@@ -27472,7 +28337,7 @@
 </p:sld>
 </file>
 
-<file path=ppt/slides/slide35.xml><?xml version="1.0" encoding="utf-8"?>
+<file path=ppt/slides/slide37.xml><?xml version="1.0" encoding="utf-8"?>
 <p:sld xmlns:a="http://schemas.openxmlformats.org/drawingml/2006/main" xmlns:r="http://schemas.openxmlformats.org/officeDocument/2006/relationships" xmlns:p="http://schemas.openxmlformats.org/presentationml/2006/main">
   <p:cSld>
     <p:spTree>
@@ -27544,7 +28409,11 @@
           <a:p>
             <a:r>
               <a:rPr lang="sr-Cyrl-RS" dirty="0" smtClean="0"/>
-              <a:t>Укључивањем софтверске магистарале у дистрибуцију, времена исцртавања на екран расту у оба случаја:</a:t>
+              <a:t>Укључивањем </a:t>
+            </a:r>
+            <a:r>
+              <a:rPr lang="sr-Cyrl-RS" dirty="0" smtClean="0"/>
+              <a:t>софтверске магистарале у дистрибуцију, времена исцртавања на екран расту у оба случаја:</a:t>
             </a:r>
           </a:p>
           <a:p>
@@ -27620,7 +28489,7 @@
           <a:p>
             <a:fld id="{D22DBB91-4764-4098-A9EE-EA9330E91630}" type="slidenum">
               <a:rPr lang="en-GB" smtClean="0"/>
-              <a:t>35</a:t>
+              <a:t>37</a:t>
             </a:fld>
             <a:endParaRPr lang="en-GB"/>
           </a:p>
@@ -27646,7 +28515,7 @@
 </p:sld>
 </file>
 
-<file path=ppt/slides/slide36.xml><?xml version="1.0" encoding="utf-8"?>
+<file path=ppt/slides/slide38.xml><?xml version="1.0" encoding="utf-8"?>
 <p:sld xmlns:a="http://schemas.openxmlformats.org/drawingml/2006/main" xmlns:r="http://schemas.openxmlformats.org/officeDocument/2006/relationships" xmlns:p="http://schemas.openxmlformats.org/presentationml/2006/main">
   <p:cSld>
     <p:spTree>
@@ -27711,7 +28580,7 @@
           <a:p>
             <a:fld id="{D22DBB91-4764-4098-A9EE-EA9330E91630}" type="slidenum">
               <a:rPr lang="en-GB" smtClean="0"/>
-              <a:t>36</a:t>
+              <a:t>38</a:t>
             </a:fld>
             <a:endParaRPr lang="en-GB"/>
           </a:p>
@@ -27793,7 +28662,7 @@
 </p:sld>
 </file>
 
-<file path=ppt/slides/slide37.xml><?xml version="1.0" encoding="utf-8"?>
+<file path=ppt/slides/slide39.xml><?xml version="1.0" encoding="utf-8"?>
 <p:sld xmlns:a="http://schemas.openxmlformats.org/drawingml/2006/main" xmlns:r="http://schemas.openxmlformats.org/officeDocument/2006/relationships" xmlns:p="http://schemas.openxmlformats.org/presentationml/2006/main">
   <p:cSld>
     <p:spTree>
@@ -27856,7 +28725,7 @@
           <a:p>
             <a:fld id="{D22DBB91-4764-4098-A9EE-EA9330E91630}" type="slidenum">
               <a:rPr lang="en-GB" smtClean="0"/>
-              <a:t>37</a:t>
+              <a:t>39</a:t>
             </a:fld>
             <a:endParaRPr lang="en-GB"/>
           </a:p>
@@ -27866,244 +28735,6 @@
     <p:extLst>
       <p:ext uri="{BB962C8B-B14F-4D97-AF65-F5344CB8AC3E}">
         <p14:creationId xmlns:p14="http://schemas.microsoft.com/office/powerpoint/2010/main" val="1644440993"/>
-      </p:ext>
-    </p:extLst>
-  </p:cSld>
-  <p:clrMapOvr>
-    <a:masterClrMapping/>
-  </p:clrMapOvr>
-  <p:timing>
-    <p:tnLst>
-      <p:par>
-        <p:cTn id="1" dur="indefinite" restart="never" nodeType="tmRoot"/>
-      </p:par>
-    </p:tnLst>
-  </p:timing>
-</p:sld>
-</file>
-
-<file path=ppt/slides/slide38.xml><?xml version="1.0" encoding="utf-8"?>
-<p:sld xmlns:a="http://schemas.openxmlformats.org/drawingml/2006/main" xmlns:r="http://schemas.openxmlformats.org/officeDocument/2006/relationships" xmlns:p="http://schemas.openxmlformats.org/presentationml/2006/main">
-  <p:cSld>
-    <p:spTree>
-      <p:nvGrpSpPr>
-        <p:cNvPr id="1" name=""/>
-        <p:cNvGrpSpPr/>
-        <p:nvPr/>
-      </p:nvGrpSpPr>
-      <p:grpSpPr>
-        <a:xfrm>
-          <a:off x="0" y="0"/>
-          <a:ext cx="0" cy="0"/>
-          <a:chOff x="0" y="0"/>
-          <a:chExt cx="0" cy="0"/>
-        </a:xfrm>
-      </p:grpSpPr>
-      <p:sp>
-        <p:nvSpPr>
-          <p:cNvPr id="2" name="Title 1"/>
-          <p:cNvSpPr>
-            <a:spLocks noGrp="1"/>
-          </p:cNvSpPr>
-          <p:nvPr>
-            <p:ph type="title"/>
-          </p:nvPr>
-        </p:nvSpPr>
-        <p:spPr/>
-        <p:txBody>
-          <a:bodyPr/>
-          <a:lstStyle/>
-          <a:p>
-            <a:r>
-              <a:rPr lang="sr-Cyrl-RS" dirty="0" smtClean="0"/>
-              <a:t>Закључак</a:t>
-            </a:r>
-            <a:endParaRPr lang="en-US" dirty="0"/>
-          </a:p>
-        </p:txBody>
-      </p:sp>
-      <p:sp>
-        <p:nvSpPr>
-          <p:cNvPr id="3" name="Content Placeholder 2"/>
-          <p:cNvSpPr>
-            <a:spLocks noGrp="1"/>
-          </p:cNvSpPr>
-          <p:nvPr>
-            <p:ph idx="1"/>
-          </p:nvPr>
-        </p:nvSpPr>
-        <p:spPr>
-          <a:xfrm>
-            <a:off x="838200" y="1847850"/>
-            <a:ext cx="9706583" cy="4309760"/>
-          </a:xfrm>
-        </p:spPr>
-        <p:txBody>
-          <a:bodyPr/>
-          <a:lstStyle/>
-          <a:p>
-            <a:r>
-              <a:rPr lang="sr-Cyrl-RS" dirty="0" smtClean="0"/>
-              <a:t>Софтверска магистрала успешно развијена и интегрисана у </a:t>
-            </a:r>
-            <a:r>
-              <a:rPr lang="en-US" i="1" dirty="0" smtClean="0"/>
-              <a:t>AUTOSAR Adaptive </a:t>
-            </a:r>
-            <a:r>
-              <a:rPr lang="sr-Cyrl-RS" dirty="0" smtClean="0"/>
-              <a:t>платформу</a:t>
-            </a:r>
-          </a:p>
-          <a:p>
-            <a:r>
-              <a:rPr lang="sr-Cyrl-RS" dirty="0" smtClean="0"/>
-              <a:t>Брзина достављања и обавештавања задовољавајућа за информативне алгоритме</a:t>
-            </a:r>
-          </a:p>
-          <a:p>
-            <a:r>
-              <a:rPr lang="sr-Cyrl-RS" dirty="0" smtClean="0"/>
-              <a:t>Планови за даљи развој и унапређење:</a:t>
-            </a:r>
-          </a:p>
-          <a:p>
-            <a:pPr lvl="1"/>
-            <a:r>
-              <a:rPr lang="sr-Cyrl-RS" dirty="0" smtClean="0"/>
-              <a:t>Укључивање </a:t>
-            </a:r>
-            <a:r>
-              <a:rPr lang="sr-Cyrl-RS" dirty="0" smtClean="0"/>
-              <a:t>компоненти подржаних од стране </a:t>
-            </a:r>
-            <a:r>
-              <a:rPr lang="en-US" i="1" dirty="0" smtClean="0"/>
-              <a:t>AUTOSAR Adaptive</a:t>
-            </a:r>
-            <a:r>
-              <a:rPr lang="sr-Cyrl-RS" dirty="0" smtClean="0"/>
-              <a:t> стандарда за компримовање садржаја</a:t>
-            </a:r>
-          </a:p>
-        </p:txBody>
-      </p:sp>
-      <p:sp>
-        <p:nvSpPr>
-          <p:cNvPr id="4" name="Slide Number Placeholder 3"/>
-          <p:cNvSpPr>
-            <a:spLocks noGrp="1"/>
-          </p:cNvSpPr>
-          <p:nvPr>
-            <p:ph type="sldNum" sz="quarter" idx="12"/>
-          </p:nvPr>
-        </p:nvSpPr>
-        <p:spPr/>
-        <p:txBody>
-          <a:bodyPr/>
-          <a:lstStyle/>
-          <a:p>
-            <a:fld id="{D22DBB91-4764-4098-A9EE-EA9330E91630}" type="slidenum">
-              <a:rPr lang="en-GB" smtClean="0"/>
-              <a:t>38</a:t>
-            </a:fld>
-            <a:endParaRPr lang="en-GB"/>
-          </a:p>
-        </p:txBody>
-      </p:sp>
-    </p:spTree>
-    <p:extLst>
-      <p:ext uri="{BB962C8B-B14F-4D97-AF65-F5344CB8AC3E}">
-        <p14:creationId xmlns:p14="http://schemas.microsoft.com/office/powerpoint/2010/main" val="3958500372"/>
-      </p:ext>
-    </p:extLst>
-  </p:cSld>
-  <p:clrMapOvr>
-    <a:masterClrMapping/>
-  </p:clrMapOvr>
-  <p:timing>
-    <p:tnLst>
-      <p:par>
-        <p:cTn id="1" dur="indefinite" restart="never" nodeType="tmRoot"/>
-      </p:par>
-    </p:tnLst>
-  </p:timing>
-</p:sld>
-</file>
-
-<file path=ppt/slides/slide39.xml><?xml version="1.0" encoding="utf-8"?>
-<p:sld xmlns:a="http://schemas.openxmlformats.org/drawingml/2006/main" xmlns:r="http://schemas.openxmlformats.org/officeDocument/2006/relationships" xmlns:p="http://schemas.openxmlformats.org/presentationml/2006/main">
-  <p:cSld>
-    <p:spTree>
-      <p:nvGrpSpPr>
-        <p:cNvPr id="1" name=""/>
-        <p:cNvGrpSpPr/>
-        <p:nvPr/>
-      </p:nvGrpSpPr>
-      <p:grpSpPr>
-        <a:xfrm>
-          <a:off x="0" y="0"/>
-          <a:ext cx="0" cy="0"/>
-          <a:chOff x="0" y="0"/>
-          <a:chExt cx="0" cy="0"/>
-        </a:xfrm>
-      </p:grpSpPr>
-      <p:sp>
-        <p:nvSpPr>
-          <p:cNvPr id="2" name="Title 1"/>
-          <p:cNvSpPr>
-            <a:spLocks noGrp="1"/>
-          </p:cNvSpPr>
-          <p:nvPr>
-            <p:ph type="title"/>
-          </p:nvPr>
-        </p:nvSpPr>
-        <p:spPr>
-          <a:xfrm>
-            <a:off x="838200" y="3313485"/>
-            <a:ext cx="10515600" cy="1061449"/>
-          </a:xfrm>
-        </p:spPr>
-        <p:txBody>
-          <a:bodyPr/>
-          <a:lstStyle/>
-          <a:p>
-            <a:pPr algn="ctr"/>
-            <a:r>
-              <a:rPr lang="sr-Cyrl-RS" dirty="0" smtClean="0"/>
-              <a:t>ХВАЛА НА ПАЖЊИ!</a:t>
-            </a:r>
-            <a:endParaRPr lang="en-US" dirty="0"/>
-          </a:p>
-        </p:txBody>
-      </p:sp>
-      <p:sp>
-        <p:nvSpPr>
-          <p:cNvPr id="4" name="Slide Number Placeholder 3"/>
-          <p:cNvSpPr>
-            <a:spLocks noGrp="1"/>
-          </p:cNvSpPr>
-          <p:nvPr>
-            <p:ph type="sldNum" sz="quarter" idx="12"/>
-          </p:nvPr>
-        </p:nvSpPr>
-        <p:spPr/>
-        <p:txBody>
-          <a:bodyPr/>
-          <a:lstStyle/>
-          <a:p>
-            <a:fld id="{D22DBB91-4764-4098-A9EE-EA9330E91630}" type="slidenum">
-              <a:rPr lang="en-GB" smtClean="0"/>
-              <a:t>39</a:t>
-            </a:fld>
-            <a:endParaRPr lang="en-GB"/>
-          </a:p>
-        </p:txBody>
-      </p:sp>
-    </p:spTree>
-    <p:extLst>
-      <p:ext uri="{BB962C8B-B14F-4D97-AF65-F5344CB8AC3E}">
-        <p14:creationId xmlns:p14="http://schemas.microsoft.com/office/powerpoint/2010/main" val="3147758685"/>
       </p:ext>
     </p:extLst>
   </p:cSld>
@@ -28289,6 +28920,255 @@
     <p:extLst>
       <p:ext uri="{BB962C8B-B14F-4D97-AF65-F5344CB8AC3E}">
         <p14:creationId xmlns:p14="http://schemas.microsoft.com/office/powerpoint/2010/main" val="2162244750"/>
+      </p:ext>
+    </p:extLst>
+  </p:cSld>
+  <p:clrMapOvr>
+    <a:masterClrMapping/>
+  </p:clrMapOvr>
+  <p:timing>
+    <p:tnLst>
+      <p:par>
+        <p:cTn id="1" dur="indefinite" restart="never" nodeType="tmRoot"/>
+      </p:par>
+    </p:tnLst>
+  </p:timing>
+</p:sld>
+</file>
+
+<file path=ppt/slides/slide40.xml><?xml version="1.0" encoding="utf-8"?>
+<p:sld xmlns:a="http://schemas.openxmlformats.org/drawingml/2006/main" xmlns:r="http://schemas.openxmlformats.org/officeDocument/2006/relationships" xmlns:p="http://schemas.openxmlformats.org/presentationml/2006/main">
+  <p:cSld>
+    <p:spTree>
+      <p:nvGrpSpPr>
+        <p:cNvPr id="1" name=""/>
+        <p:cNvGrpSpPr/>
+        <p:nvPr/>
+      </p:nvGrpSpPr>
+      <p:grpSpPr>
+        <a:xfrm>
+          <a:off x="0" y="0"/>
+          <a:ext cx="0" cy="0"/>
+          <a:chOff x="0" y="0"/>
+          <a:chExt cx="0" cy="0"/>
+        </a:xfrm>
+      </p:grpSpPr>
+      <p:sp>
+        <p:nvSpPr>
+          <p:cNvPr id="2" name="Title 1"/>
+          <p:cNvSpPr>
+            <a:spLocks noGrp="1"/>
+          </p:cNvSpPr>
+          <p:nvPr>
+            <p:ph type="title"/>
+          </p:nvPr>
+        </p:nvSpPr>
+        <p:spPr/>
+        <p:txBody>
+          <a:bodyPr/>
+          <a:lstStyle/>
+          <a:p>
+            <a:r>
+              <a:rPr lang="sr-Cyrl-RS" dirty="0" smtClean="0"/>
+              <a:t>Закључак</a:t>
+            </a:r>
+            <a:endParaRPr lang="en-US" dirty="0"/>
+          </a:p>
+        </p:txBody>
+      </p:sp>
+      <p:sp>
+        <p:nvSpPr>
+          <p:cNvPr id="3" name="Content Placeholder 2"/>
+          <p:cNvSpPr>
+            <a:spLocks noGrp="1"/>
+          </p:cNvSpPr>
+          <p:nvPr>
+            <p:ph idx="1"/>
+          </p:nvPr>
+        </p:nvSpPr>
+        <p:spPr>
+          <a:xfrm>
+            <a:off x="838200" y="1847850"/>
+            <a:ext cx="9706583" cy="4309760"/>
+          </a:xfrm>
+        </p:spPr>
+        <p:txBody>
+          <a:bodyPr/>
+          <a:lstStyle/>
+          <a:p>
+            <a:r>
+              <a:rPr lang="sr-Cyrl-RS" dirty="0" smtClean="0"/>
+              <a:t>Софтверска магистрала успешно развијена и интегрисана у </a:t>
+            </a:r>
+            <a:r>
+              <a:rPr lang="en-US" i="1" dirty="0" smtClean="0"/>
+              <a:t>AUTOSAR Adaptive </a:t>
+            </a:r>
+            <a:r>
+              <a:rPr lang="sr-Cyrl-RS" dirty="0" smtClean="0"/>
+              <a:t>платформу</a:t>
+            </a:r>
+          </a:p>
+          <a:p>
+            <a:r>
+              <a:rPr lang="sr-Cyrl-RS" dirty="0" smtClean="0"/>
+              <a:t>Могуће једноставно прилагодити је за било коју другу хардверску платформу, изменом искључиво једног слоја</a:t>
+            </a:r>
+            <a:endParaRPr lang="sr-Cyrl-RS" dirty="0" smtClean="0"/>
+          </a:p>
+          <a:p>
+            <a:r>
+              <a:rPr lang="sr-Cyrl-RS" dirty="0" smtClean="0"/>
+              <a:t>Брзина достављања и обавештавања задовољавајућа за информативне алгоритме</a:t>
+            </a:r>
+          </a:p>
+          <a:p>
+            <a:r>
+              <a:rPr lang="sr-Cyrl-RS" smtClean="0"/>
+              <a:t>Даљи </a:t>
+            </a:r>
+            <a:r>
+              <a:rPr lang="sr-Cyrl-RS" dirty="0" smtClean="0"/>
+              <a:t>развој и унапређење:</a:t>
+            </a:r>
+          </a:p>
+          <a:p>
+            <a:pPr lvl="1"/>
+            <a:r>
+              <a:rPr lang="sr-Cyrl-RS" dirty="0" smtClean="0"/>
+              <a:t>Укључивање софтверских и хардверских </a:t>
+            </a:r>
+            <a:r>
+              <a:rPr lang="sr-Cyrl-RS" dirty="0" smtClean="0"/>
+              <a:t>компоненти подржаних од стране </a:t>
+            </a:r>
+            <a:r>
+              <a:rPr lang="en-US" i="1" dirty="0" smtClean="0"/>
+              <a:t>AUTOSAR Adaptive</a:t>
+            </a:r>
+            <a:r>
+              <a:rPr lang="sr-Cyrl-RS" dirty="0" smtClean="0"/>
+              <a:t> стандарда за компримовање садржаја</a:t>
+            </a:r>
+          </a:p>
+        </p:txBody>
+      </p:sp>
+      <p:sp>
+        <p:nvSpPr>
+          <p:cNvPr id="4" name="Slide Number Placeholder 3"/>
+          <p:cNvSpPr>
+            <a:spLocks noGrp="1"/>
+          </p:cNvSpPr>
+          <p:nvPr>
+            <p:ph type="sldNum" sz="quarter" idx="12"/>
+          </p:nvPr>
+        </p:nvSpPr>
+        <p:spPr/>
+        <p:txBody>
+          <a:bodyPr/>
+          <a:lstStyle/>
+          <a:p>
+            <a:fld id="{D22DBB91-4764-4098-A9EE-EA9330E91630}" type="slidenum">
+              <a:rPr lang="en-GB" smtClean="0"/>
+              <a:t>40</a:t>
+            </a:fld>
+            <a:endParaRPr lang="en-GB"/>
+          </a:p>
+        </p:txBody>
+      </p:sp>
+    </p:spTree>
+    <p:extLst>
+      <p:ext uri="{BB962C8B-B14F-4D97-AF65-F5344CB8AC3E}">
+        <p14:creationId xmlns:p14="http://schemas.microsoft.com/office/powerpoint/2010/main" val="3958500372"/>
+      </p:ext>
+    </p:extLst>
+  </p:cSld>
+  <p:clrMapOvr>
+    <a:masterClrMapping/>
+  </p:clrMapOvr>
+  <p:timing>
+    <p:tnLst>
+      <p:par>
+        <p:cTn id="1" dur="indefinite" restart="never" nodeType="tmRoot"/>
+      </p:par>
+    </p:tnLst>
+  </p:timing>
+</p:sld>
+</file>
+
+<file path=ppt/slides/slide41.xml><?xml version="1.0" encoding="utf-8"?>
+<p:sld xmlns:a="http://schemas.openxmlformats.org/drawingml/2006/main" xmlns:r="http://schemas.openxmlformats.org/officeDocument/2006/relationships" xmlns:p="http://schemas.openxmlformats.org/presentationml/2006/main">
+  <p:cSld>
+    <p:spTree>
+      <p:nvGrpSpPr>
+        <p:cNvPr id="1" name=""/>
+        <p:cNvGrpSpPr/>
+        <p:nvPr/>
+      </p:nvGrpSpPr>
+      <p:grpSpPr>
+        <a:xfrm>
+          <a:off x="0" y="0"/>
+          <a:ext cx="0" cy="0"/>
+          <a:chOff x="0" y="0"/>
+          <a:chExt cx="0" cy="0"/>
+        </a:xfrm>
+      </p:grpSpPr>
+      <p:sp>
+        <p:nvSpPr>
+          <p:cNvPr id="2" name="Title 1"/>
+          <p:cNvSpPr>
+            <a:spLocks noGrp="1"/>
+          </p:cNvSpPr>
+          <p:nvPr>
+            <p:ph type="title"/>
+          </p:nvPr>
+        </p:nvSpPr>
+        <p:spPr>
+          <a:xfrm>
+            <a:off x="838200" y="3313485"/>
+            <a:ext cx="10515600" cy="1061449"/>
+          </a:xfrm>
+        </p:spPr>
+        <p:txBody>
+          <a:bodyPr/>
+          <a:lstStyle/>
+          <a:p>
+            <a:pPr algn="ctr"/>
+            <a:r>
+              <a:rPr lang="sr-Cyrl-RS" dirty="0" smtClean="0"/>
+              <a:t>ХВАЛА НА ПАЖЊИ!</a:t>
+            </a:r>
+            <a:endParaRPr lang="en-US" dirty="0"/>
+          </a:p>
+        </p:txBody>
+      </p:sp>
+      <p:sp>
+        <p:nvSpPr>
+          <p:cNvPr id="4" name="Slide Number Placeholder 3"/>
+          <p:cNvSpPr>
+            <a:spLocks noGrp="1"/>
+          </p:cNvSpPr>
+          <p:nvPr>
+            <p:ph type="sldNum" sz="quarter" idx="12"/>
+          </p:nvPr>
+        </p:nvSpPr>
+        <p:spPr/>
+        <p:txBody>
+          <a:bodyPr/>
+          <a:lstStyle/>
+          <a:p>
+            <a:fld id="{D22DBB91-4764-4098-A9EE-EA9330E91630}" type="slidenum">
+              <a:rPr lang="en-GB" smtClean="0"/>
+              <a:t>41</a:t>
+            </a:fld>
+            <a:endParaRPr lang="en-GB"/>
+          </a:p>
+        </p:txBody>
+      </p:sp>
+    </p:spTree>
+    <p:extLst>
+      <p:ext uri="{BB962C8B-B14F-4D97-AF65-F5344CB8AC3E}">
+        <p14:creationId xmlns:p14="http://schemas.microsoft.com/office/powerpoint/2010/main" val="3147758685"/>
       </p:ext>
     </p:extLst>
   </p:cSld>
@@ -28675,15 +29555,7 @@
           <a:p>
             <a:r>
               <a:rPr lang="sr-Cyrl-RS" dirty="0" smtClean="0"/>
-              <a:t>Рад платформи заснованих на овом систему је поуздан, међутим не подржава системе велике </a:t>
-            </a:r>
-            <a:r>
-              <a:rPr lang="sr-Cyrl-RS" dirty="0" smtClean="0"/>
-              <a:t>процесорске </a:t>
-            </a:r>
-            <a:r>
-              <a:rPr lang="sr-Cyrl-RS" dirty="0" smtClean="0"/>
-              <a:t>моћи</a:t>
+              <a:t>Рад платформи заснованих на овом систему је поуздан, међутим не подржава системе велике процесорске моћи</a:t>
             </a:r>
           </a:p>
           <a:p>
@@ -28813,7 +29685,7 @@
         <p:spPr>
           <a:xfrm>
             <a:off x="838201" y="1847850"/>
-            <a:ext cx="5368046" cy="4183299"/>
+            <a:ext cx="5348590" cy="4183299"/>
           </a:xfrm>
         </p:spPr>
         <p:txBody>
@@ -28853,6 +29725,28 @@
           </a:p>
           <a:p>
             <a:r>
+              <a:rPr lang="sr-Cyrl-RS" dirty="0"/>
+              <a:t>Потребан </a:t>
+            </a:r>
+            <a:r>
+              <a:rPr lang="en-US" i="1" dirty="0"/>
+              <a:t>POSIX (PSE)</a:t>
+            </a:r>
+            <a:r>
+              <a:rPr lang="en-US" dirty="0"/>
+              <a:t> 51</a:t>
+            </a:r>
+            <a:r>
+              <a:rPr lang="sr-Cyrl-RS" dirty="0"/>
+              <a:t> оперативни </a:t>
+            </a:r>
+            <a:r>
+              <a:rPr lang="sr-Cyrl-RS" dirty="0" smtClean="0"/>
+              <a:t>систем</a:t>
+            </a:r>
+          </a:p>
+          <a:p>
+            <a:r>
               <a:rPr lang="sr-Cyrl-RS" dirty="0" smtClean="0"/>
               <a:t>Заснован на сервисно оријентисаној архитектури (</a:t>
             </a:r>
@@ -28862,61 +29756,31 @@
             </a:r>
             <a:r>
               <a:rPr lang="sr-Cyrl-RS" i="1" dirty="0" smtClean="0"/>
-              <a:t>), </a:t>
-            </a:r>
+              <a:t>)</a:t>
+            </a:r>
+            <a:endParaRPr lang="sr-Latn-RS" i="1" dirty="0" smtClean="0"/>
+          </a:p>
+          <a:p>
             <a:r>
               <a:rPr lang="sr-Cyrl-RS" dirty="0" smtClean="0"/>
-              <a:t>омогућују роковање стањима платформе (</a:t>
-            </a:r>
+              <a:t>Руковање стањима платформе:</a:t>
+            </a:r>
+          </a:p>
+          <a:p>
+            <a:pPr lvl="1"/>
             <a:r>
               <a:rPr lang="en-US" i="1" dirty="0" smtClean="0"/>
-              <a:t>Execution </a:t>
-            </a:r>
+              <a:t>Execution Manager(EM)</a:t>
+            </a:r>
+            <a:endParaRPr lang="sr-Cyrl-RS" dirty="0" smtClean="0"/>
+          </a:p>
+          <a:p>
+            <a:pPr lvl="1"/>
             <a:r>
               <a:rPr lang="en-US" i="1" dirty="0" smtClean="0"/>
-              <a:t>Manager(EM) </a:t>
-            </a:r>
-            <a:r>
-              <a:rPr lang="sr-Cyrl-RS" dirty="0" smtClean="0"/>
-              <a:t>и  </a:t>
-            </a:r>
-            <a:r>
-              <a:rPr lang="en-US" i="1" dirty="0" smtClean="0"/>
-              <a:t>State </a:t>
-            </a:r>
-            <a:r>
-              <a:rPr lang="en-US" i="1" dirty="0" smtClean="0"/>
-              <a:t>Management(SM)</a:t>
-            </a:r>
-            <a:r>
-              <a:rPr lang="en-US" dirty="0" smtClean="0"/>
-              <a:t>) </a:t>
-            </a:r>
-            <a:r>
-              <a:rPr lang="sr-Cyrl-RS" dirty="0" smtClean="0"/>
-              <a:t>комуникацију у оквиру једне и са удаљеним адаптивним платформама (</a:t>
-            </a:r>
-            <a:r>
-              <a:rPr lang="en-US" i="1" dirty="0" smtClean="0"/>
-              <a:t>Communication </a:t>
-            </a:r>
-            <a:r>
-              <a:rPr lang="en-US" i="1" dirty="0" smtClean="0"/>
-              <a:t>Management</a:t>
-            </a:r>
-            <a:r>
-              <a:rPr lang="en-US" dirty="0" smtClean="0"/>
-              <a:t>(</a:t>
-            </a:r>
-            <a:r>
-              <a:rPr lang="en-US" i="1" dirty="0" smtClean="0"/>
-              <a:t>CM</a:t>
-            </a:r>
-            <a:r>
-              <a:rPr lang="en-US" dirty="0" smtClean="0"/>
-              <a:t>)).</a:t>
-            </a:r>
-            <a:endParaRPr lang="en-US" dirty="0" smtClean="0"/>
+              <a:t>State Management(SM)</a:t>
+            </a:r>
+            <a:endParaRPr lang="sr-Latn-RS" dirty="0" smtClean="0"/>
           </a:p>
         </p:txBody>
       </p:sp>
@@ -29050,48 +29914,78 @@
         <p:spPr>
           <a:xfrm>
             <a:off x="838201" y="1847850"/>
-            <a:ext cx="4482829" cy="4290303"/>
+            <a:ext cx="5348590" cy="4183299"/>
           </a:xfrm>
         </p:spPr>
         <p:txBody>
           <a:bodyPr>
-            <a:normAutofit/>
+            <a:normAutofit fontScale="77500" lnSpcReduction="20000"/>
           </a:bodyPr>
           <a:lstStyle/>
           <a:p>
             <a:r>
+              <a:rPr lang="en-US" i="1" dirty="0" smtClean="0"/>
+              <a:t>EM</a:t>
+            </a:r>
+            <a:r>
+              <a:rPr lang="sr-Cyrl-RS" i="1" dirty="0" smtClean="0"/>
+              <a:t> </a:t>
+            </a:r>
+            <a:r>
               <a:rPr lang="sr-Cyrl-RS" dirty="0" smtClean="0"/>
-              <a:t>Потребан </a:t>
+              <a:t>– покретање адаптивне платформе и апликација</a:t>
+            </a:r>
+          </a:p>
+          <a:p>
+            <a:r>
+              <a:rPr lang="sr-Cyrl-RS" dirty="0" smtClean="0"/>
+              <a:t>Нема функцију распоређивача задатака, ослања се на функционалности </a:t>
             </a:r>
             <a:r>
               <a:rPr lang="en-US" i="1" dirty="0" smtClean="0"/>
-              <a:t>POSIX (PSE)</a:t>
+              <a:t>OS-a.</a:t>
+            </a:r>
+            <a:endParaRPr lang="sr-Cyrl-RS" i="1" dirty="0" smtClean="0"/>
+          </a:p>
+          <a:p>
+            <a:r>
+              <a:rPr lang="sr-Cyrl-RS" dirty="0" smtClean="0"/>
+              <a:t>Ослања се на две датотеке:</a:t>
+            </a:r>
+          </a:p>
+          <a:p>
+            <a:pPr lvl="1"/>
+            <a:r>
+              <a:rPr lang="en-US" i="1" dirty="0" smtClean="0"/>
+              <a:t>Machine manifest</a:t>
+            </a:r>
+          </a:p>
+          <a:p>
+            <a:pPr lvl="1"/>
+            <a:r>
+              <a:rPr lang="en-US" i="1" dirty="0" smtClean="0"/>
+              <a:t>Execution manifest</a:t>
+            </a:r>
+          </a:p>
+          <a:p>
+            <a:r>
+              <a:rPr lang="en-US" i="1" dirty="0" smtClean="0"/>
+              <a:t>SM </a:t>
             </a:r>
             <a:r>
               <a:rPr lang="en-US" dirty="0" smtClean="0"/>
-              <a:t> 51</a:t>
+              <a:t>– </a:t>
             </a:r>
             <a:r>
               <a:rPr lang="sr-Cyrl-RS" dirty="0" smtClean="0"/>
-              <a:t> оперативни систем</a:t>
+              <a:t>прелажење између стања платформе</a:t>
             </a:r>
           </a:p>
           <a:p>
             <a:r>
               <a:rPr lang="sr-Cyrl-RS" dirty="0" smtClean="0"/>
-              <a:t>Сачињен из великог броја сервиса и </a:t>
-            </a:r>
-            <a:r>
-              <a:rPr lang="sr-Cyrl-RS" dirty="0" smtClean="0"/>
-              <a:t>апликација</a:t>
-            </a:r>
-          </a:p>
-          <a:p>
-            <a:r>
-              <a:rPr lang="en-US" i="1" dirty="0" smtClean="0"/>
-              <a:t>ARA – AUTOSAR Runtime for Adaptive applications</a:t>
-            </a:r>
-            <a:endParaRPr lang="en-US" i="1" dirty="0"/>
+              <a:t>Стандардом описано како је потребно имплементирати компоненту, крајњи интегратор врши имплементацију</a:t>
+            </a:r>
           </a:p>
         </p:txBody>
       </p:sp>
@@ -29120,14 +30014,14 @@
       </p:sp>
       <p:pic>
         <p:nvPicPr>
-          <p:cNvPr id="5" name="Content Placeholder 5"/>
+          <p:cNvPr id="5" name="Picture 4"/>
           <p:cNvPicPr>
             <a:picLocks noChangeAspect="1"/>
           </p:cNvPicPr>
           <p:nvPr/>
         </p:nvPicPr>
         <p:blipFill>
-          <a:blip r:embed="rId2">
+          <a:blip r:embed="rId3">
             <a:extLst>
               <a:ext uri="{28A0092B-C50C-407E-A947-70E740481C1C}">
                 <a14:useLocalDpi xmlns:a14="http://schemas.microsoft.com/office/drawing/2010/main" val="0"/>
@@ -29140,8 +30034,8 @@
         </p:blipFill>
         <p:spPr>
           <a:xfrm>
-            <a:off x="5415057" y="1915444"/>
-            <a:ext cx="5807736" cy="3415313"/>
+            <a:off x="5642043" y="3161225"/>
+            <a:ext cx="5793513" cy="1266799"/>
           </a:xfrm>
           <a:prstGeom prst="rect">
             <a:avLst/>
@@ -29151,7 +30045,7 @@
     </p:spTree>
     <p:extLst>
       <p:ext uri="{BB962C8B-B14F-4D97-AF65-F5344CB8AC3E}">
-        <p14:creationId xmlns:p14="http://schemas.microsoft.com/office/powerpoint/2010/main" val="56552007"/>
+        <p14:creationId xmlns:p14="http://schemas.microsoft.com/office/powerpoint/2010/main" val="4250617724"/>
       </p:ext>
     </p:extLst>
   </p:cSld>
